--- a/Background and motivation.pptx
+++ b/Background and motivation.pptx
@@ -5,7 +5,7 @@
     <p:sldMasterId id="2147483720" r:id="rId1"/>
   </p:sldMasterIdLst>
   <p:notesMasterIdLst>
-    <p:notesMasterId r:id="rId29"/>
+    <p:notesMasterId r:id="rId52"/>
   </p:notesMasterIdLst>
   <p:sldIdLst>
     <p:sldId id="317" r:id="rId2"/>
@@ -28,13 +28,36 @@
     <p:sldId id="300" r:id="rId19"/>
     <p:sldId id="276" r:id="rId20"/>
     <p:sldId id="302" r:id="rId21"/>
-    <p:sldId id="309" r:id="rId22"/>
-    <p:sldId id="310" r:id="rId23"/>
-    <p:sldId id="311" r:id="rId24"/>
-    <p:sldId id="312" r:id="rId25"/>
-    <p:sldId id="313" r:id="rId26"/>
-    <p:sldId id="314" r:id="rId27"/>
-    <p:sldId id="315" r:id="rId28"/>
+    <p:sldId id="318" r:id="rId22"/>
+    <p:sldId id="309" r:id="rId23"/>
+    <p:sldId id="310" r:id="rId24"/>
+    <p:sldId id="311" r:id="rId25"/>
+    <p:sldId id="312" r:id="rId26"/>
+    <p:sldId id="313" r:id="rId27"/>
+    <p:sldId id="314" r:id="rId28"/>
+    <p:sldId id="315" r:id="rId29"/>
+    <p:sldId id="322" r:id="rId30"/>
+    <p:sldId id="319" r:id="rId31"/>
+    <p:sldId id="320" r:id="rId32"/>
+    <p:sldId id="321" r:id="rId33"/>
+    <p:sldId id="338" r:id="rId34"/>
+    <p:sldId id="337" r:id="rId35"/>
+    <p:sldId id="339" r:id="rId36"/>
+    <p:sldId id="324" r:id="rId37"/>
+    <p:sldId id="325" r:id="rId38"/>
+    <p:sldId id="326" r:id="rId39"/>
+    <p:sldId id="327" r:id="rId40"/>
+    <p:sldId id="328" r:id="rId41"/>
+    <p:sldId id="329" r:id="rId42"/>
+    <p:sldId id="330" r:id="rId43"/>
+    <p:sldId id="331" r:id="rId44"/>
+    <p:sldId id="332" r:id="rId45"/>
+    <p:sldId id="333" r:id="rId46"/>
+    <p:sldId id="334" r:id="rId47"/>
+    <p:sldId id="335" r:id="rId48"/>
+    <p:sldId id="336" r:id="rId49"/>
+    <p:sldId id="341" r:id="rId50"/>
+    <p:sldId id="340" r:id="rId51"/>
   </p:sldIdLst>
   <p:sldSz cx="12192000" cy="6858000"/>
   <p:notesSz cx="6858000" cy="9144000"/>
@@ -223,7 +246,7 @@
           <a:p>
             <a:fld id="{66EA208E-906A-4132-B1BA-0A73620AD9A5}" type="datetimeFigureOut">
               <a:rPr lang="en-US" smtClean="0"/>
-              <a:t>23-Nov-24</a:t>
+              <a:t>24-Nov-24</a:t>
             </a:fld>
             <a:endParaRPr lang="en-US"/>
           </a:p>
@@ -621,7 +644,7 @@
           <a:p>
             <a:fld id="{64F0E216-BA48-4F04-AC4F-645AA0DD6AC6}" type="datetimeFigureOut">
               <a:rPr lang="en-US" smtClean="0"/>
-              <a:t>23-Nov-24</a:t>
+              <a:t>24-Nov-24</a:t>
             </a:fld>
             <a:endParaRPr lang="en-US" dirty="0"/>
           </a:p>
@@ -791,7 +814,7 @@
           <a:p>
             <a:fld id="{64F0E216-BA48-4F04-AC4F-645AA0DD6AC6}" type="datetimeFigureOut">
               <a:rPr lang="en-US" smtClean="0"/>
-              <a:t>23-Nov-24</a:t>
+              <a:t>24-Nov-24</a:t>
             </a:fld>
             <a:endParaRPr lang="en-US"/>
           </a:p>
@@ -971,7 +994,7 @@
           <a:p>
             <a:fld id="{64F0E216-BA48-4F04-AC4F-645AA0DD6AC6}" type="datetimeFigureOut">
               <a:rPr lang="en-US" smtClean="0"/>
-              <a:t>23-Nov-24</a:t>
+              <a:t>24-Nov-24</a:t>
             </a:fld>
             <a:endParaRPr lang="en-US"/>
           </a:p>
@@ -1141,7 +1164,7 @@
           <a:p>
             <a:fld id="{64F0E216-BA48-4F04-AC4F-645AA0DD6AC6}" type="datetimeFigureOut">
               <a:rPr lang="en-US" smtClean="0"/>
-              <a:t>23-Nov-24</a:t>
+              <a:t>24-Nov-24</a:t>
             </a:fld>
             <a:endParaRPr lang="en-US"/>
           </a:p>
@@ -1387,7 +1410,7 @@
           <a:p>
             <a:fld id="{64F0E216-BA48-4F04-AC4F-645AA0DD6AC6}" type="datetimeFigureOut">
               <a:rPr lang="en-US" smtClean="0"/>
-              <a:t>23-Nov-24</a:t>
+              <a:t>24-Nov-24</a:t>
             </a:fld>
             <a:endParaRPr lang="en-US"/>
           </a:p>
@@ -1619,7 +1642,7 @@
           <a:p>
             <a:fld id="{64F0E216-BA48-4F04-AC4F-645AA0DD6AC6}" type="datetimeFigureOut">
               <a:rPr lang="en-US" smtClean="0"/>
-              <a:t>23-Nov-24</a:t>
+              <a:t>24-Nov-24</a:t>
             </a:fld>
             <a:endParaRPr lang="en-US"/>
           </a:p>
@@ -1986,7 +2009,7 @@
           <a:p>
             <a:fld id="{64F0E216-BA48-4F04-AC4F-645AA0DD6AC6}" type="datetimeFigureOut">
               <a:rPr lang="en-US" smtClean="0"/>
-              <a:t>23-Nov-24</a:t>
+              <a:t>24-Nov-24</a:t>
             </a:fld>
             <a:endParaRPr lang="en-US"/>
           </a:p>
@@ -2104,7 +2127,7 @@
           <a:p>
             <a:fld id="{64F0E216-BA48-4F04-AC4F-645AA0DD6AC6}" type="datetimeFigureOut">
               <a:rPr lang="en-US" smtClean="0"/>
-              <a:t>23-Nov-24</a:t>
+              <a:t>24-Nov-24</a:t>
             </a:fld>
             <a:endParaRPr lang="en-US"/>
           </a:p>
@@ -2199,7 +2222,7 @@
           <a:p>
             <a:fld id="{64F0E216-BA48-4F04-AC4F-645AA0DD6AC6}" type="datetimeFigureOut">
               <a:rPr lang="en-US" smtClean="0"/>
-              <a:t>23-Nov-24</a:t>
+              <a:t>24-Nov-24</a:t>
             </a:fld>
             <a:endParaRPr lang="en-US"/>
           </a:p>
@@ -2476,7 +2499,7 @@
           <a:p>
             <a:fld id="{64F0E216-BA48-4F04-AC4F-645AA0DD6AC6}" type="datetimeFigureOut">
               <a:rPr lang="en-US" smtClean="0"/>
-              <a:t>23-Nov-24</a:t>
+              <a:t>24-Nov-24</a:t>
             </a:fld>
             <a:endParaRPr lang="en-US"/>
           </a:p>
@@ -2733,7 +2756,7 @@
           <a:p>
             <a:fld id="{64F0E216-BA48-4F04-AC4F-645AA0DD6AC6}" type="datetimeFigureOut">
               <a:rPr lang="en-US" smtClean="0"/>
-              <a:t>23-Nov-24</a:t>
+              <a:t>24-Nov-24</a:t>
             </a:fld>
             <a:endParaRPr lang="en-US"/>
           </a:p>
@@ -2947,7 +2970,7 @@
             <a:fld id="{64F0E216-BA48-4F04-AC4F-645AA0DD6AC6}" type="datetimeFigureOut">
               <a:rPr lang="en-US" smtClean="0"/>
               <a:pPr/>
-              <a:t>23-Nov-24</a:t>
+              <a:t>24-Nov-24</a:t>
             </a:fld>
             <a:endParaRPr lang="en-US" dirty="0"/>
           </a:p>
@@ -4280,11 +4303,11 @@
         <p:spPr/>
         <p:txBody>
           <a:bodyPr>
-            <a:normAutofit fontScale="92500" lnSpcReduction="10000"/>
+            <a:normAutofit fontScale="92500" lnSpcReduction="20000"/>
           </a:bodyPr>
           <a:lstStyle/>
           <a:p>
-            <a:pPr marL="0" indent="0">
+            <a:pPr marL="0" indent="0" algn="just">
               <a:buNone/>
             </a:pPr>
             <a:r>
@@ -4292,7 +4315,7 @@
               <a:t>For instance, for this PhD project and during my preparation for this interview,  my Python expertise plays a key role in several areas (</a:t>
             </a:r>
             <a:r>
-              <a:rPr lang="en-US" sz="2800" b="1" dirty="0">
+              <a:rPr lang="en-US" sz="2800" dirty="0">
                 <a:latin typeface="Times New Roman" panose="02020603050405020304" pitchFamily="18" charset="0"/>
                 <a:cs typeface="Times New Roman" panose="02020603050405020304" pitchFamily="18" charset="0"/>
                 <a:hlinkClick r:id="rId2">
@@ -4306,21 +4329,32 @@
               <a:t>Visit our lab</a:t>
             </a:r>
             <a:r>
-              <a:rPr lang="en-US" sz="2800" b="1" dirty="0">
+              <a:rPr lang="en-US" sz="2800" dirty="0">
                 <a:latin typeface="Times New Roman" panose="02020603050405020304" pitchFamily="18" charset="0"/>
                 <a:cs typeface="Times New Roman" panose="02020603050405020304" pitchFamily="18" charset="0"/>
               </a:rPr>
               <a:t>) and (see the Appendix</a:t>
             </a:r>
             <a:r>
-              <a:rPr lang="en-US" b="1" dirty="0">
+              <a:rPr lang="en-US" dirty="0">
                 <a:latin typeface="Times New Roman" panose="02020603050405020304" pitchFamily="18" charset="0"/>
                 <a:cs typeface="Times New Roman" panose="02020603050405020304" pitchFamily="18" charset="0"/>
               </a:rPr>
-              <a:t>)</a:t>
-            </a:r>
-            <a:r>
-              <a:rPr lang="en-US" sz="2800" b="1" dirty="0">
+              <a:t>) for (</a:t>
+            </a:r>
+            <a:r>
+              <a:rPr lang="en-US" sz="2800" dirty="0">
+                <a:latin typeface="Times New Roman" panose="02020603050405020304" pitchFamily="18" charset="0"/>
+                <a:cs typeface="Times New Roman" panose="02020603050405020304" pitchFamily="18" charset="0"/>
+              </a:rPr>
+              <a:t>Random Fluctuations, Uptake Rate, Feedback Loop, Visualizing Trends) </a:t>
+            </a:r>
+            <a:r>
+              <a:rPr lang="en-US" dirty="0"/>
+              <a:t>of all stakeholder groups (patients, doctors, nurses, administrators)</a:t>
+            </a:r>
+            <a:r>
+              <a:rPr lang="en-US" sz="2800" dirty="0">
                 <a:latin typeface="Times New Roman" panose="02020603050405020304" pitchFamily="18" charset="0"/>
                 <a:cs typeface="Times New Roman" panose="02020603050405020304" pitchFamily="18" charset="0"/>
               </a:rPr>
@@ -5368,7 +5402,7 @@
           <p:cNvPr id="2" name="Title 1">
             <a:extLst>
               <a:ext uri="{FF2B5EF4-FFF2-40B4-BE49-F238E27FC236}">
-                <a16:creationId xmlns:a16="http://schemas.microsoft.com/office/drawing/2014/main" id="{C99277B6-5A7D-F80C-B993-E21EAE92B23F}"/>
+                <a16:creationId xmlns:a16="http://schemas.microsoft.com/office/drawing/2014/main" id="{23E7F1AE-18A6-61B9-12BD-59581FBF1F21}"/>
               </a:ext>
             </a:extLst>
           </p:cNvPr>
@@ -5381,66 +5415,90 @@
         </p:nvSpPr>
         <p:spPr/>
         <p:txBody>
-          <a:bodyPr>
-            <a:normAutofit/>
-          </a:bodyPr>
-          <a:lstStyle/>
-          <a:p>
+          <a:bodyPr/>
+          <a:lstStyle/>
+          <a:p>
+            <a:r>
+              <a:rPr lang="en-US" dirty="0"/>
+              <a:t>The engagement level is simulated for different groups</a:t>
+            </a:r>
+          </a:p>
+        </p:txBody>
+      </p:sp>
+      <p:sp>
+        <p:nvSpPr>
+          <p:cNvPr id="3" name="Content Placeholder 2">
+            <a:extLst>
+              <a:ext uri="{FF2B5EF4-FFF2-40B4-BE49-F238E27FC236}">
+                <a16:creationId xmlns:a16="http://schemas.microsoft.com/office/drawing/2014/main" id="{60F6674F-CA90-F119-4D66-CABE2D9136CA}"/>
+              </a:ext>
+            </a:extLst>
+          </p:cNvPr>
+          <p:cNvSpPr>
+            <a:spLocks noGrp="1"/>
+          </p:cNvSpPr>
+          <p:nvPr>
+            <p:ph idx="1"/>
+          </p:nvPr>
+        </p:nvSpPr>
+        <p:spPr/>
+        <p:txBody>
+          <a:bodyPr/>
+          <a:lstStyle/>
+          <a:p>
+            <a:pPr algn="just">
+              <a:buFont typeface="Arial" panose="020B0604020202020204" pitchFamily="34" charset="0"/>
+              <a:buChar char="•"/>
+            </a:pPr>
             <a:r>
               <a:rPr lang="en-US" b="1" dirty="0"/>
-              <a:t>A: Healthcare Participatory Model Simulation</a:t>
-            </a:r>
-          </a:p>
-        </p:txBody>
-      </p:sp>
-      <p:sp>
-        <p:nvSpPr>
-          <p:cNvPr id="3" name="Content Placeholder 2">
-            <a:extLst>
-              <a:ext uri="{FF2B5EF4-FFF2-40B4-BE49-F238E27FC236}">
-                <a16:creationId xmlns:a16="http://schemas.microsoft.com/office/drawing/2014/main" id="{23BE0B53-402D-8581-3510-C4B1E73C3D28}"/>
-              </a:ext>
-            </a:extLst>
-          </p:cNvPr>
-          <p:cNvSpPr>
-            <a:spLocks noGrp="1"/>
-          </p:cNvSpPr>
-          <p:nvPr>
-            <p:ph idx="1"/>
-          </p:nvPr>
-        </p:nvSpPr>
-        <p:spPr/>
-        <p:txBody>
-          <a:bodyPr>
-            <a:normAutofit fontScale="92500" lnSpcReduction="10000"/>
-          </a:bodyPr>
-          <a:lstStyle/>
-          <a:p>
-            <a:pPr algn="just"/>
-            <a:r>
-              <a:rPr lang="en-US" dirty="0"/>
-              <a:t>I have developed a Python-based code that simulates a simplified healthcare participatory model. This model collects, processes, and visualizes opinions from various healthcare stakeholders (patients, doctors, administrators). </a:t>
-            </a:r>
-          </a:p>
-          <a:p>
-            <a:pPr algn="just"/>
-            <a:r>
-              <a:rPr lang="en-US" dirty="0"/>
-              <a:t>The simulation demonstrates key processes such as data collection, stakeholder engagement, and system dynamics analysis—skills highly relevant to the Doctoral project. </a:t>
-            </a:r>
-          </a:p>
-          <a:p>
-            <a:pPr algn="just"/>
-            <a:r>
-              <a:rPr lang="en-US" dirty="0"/>
-              <a:t>The modular design of this code not only reflects my expertise in Python and data processing, but also demonstrates a deep understanding of participatory modeling, system dynamics, and stakeholder interactions within healthcare settings. </a:t>
-            </a:r>
-          </a:p>
-          <a:p>
-            <a:pPr algn="just"/>
-            <a:r>
-              <a:rPr lang="en-US" dirty="0"/>
-              <a:t>This code is adaptable, allowing for future refinement and expansion.</a:t>
+              <a:t>Patients</a:t>
+            </a:r>
+            <a:r>
+              <a:rPr lang="en-US" dirty="0"/>
+              <a:t>: How involved patients are in a healthcare system, project, or study.</a:t>
+            </a:r>
+          </a:p>
+          <a:p>
+            <a:pPr algn="just">
+              <a:buFont typeface="Arial" panose="020B0604020202020204" pitchFamily="34" charset="0"/>
+              <a:buChar char="•"/>
+            </a:pPr>
+            <a:r>
+              <a:rPr lang="en-US" b="1" dirty="0"/>
+              <a:t>Doctors</a:t>
+            </a:r>
+            <a:r>
+              <a:rPr lang="en-US" dirty="0"/>
+              <a:t>: The degree of participation or involvement of doctors in a healthcare setting or initiative.</a:t>
+            </a:r>
+          </a:p>
+          <a:p>
+            <a:pPr algn="just">
+              <a:buFont typeface="Arial" panose="020B0604020202020204" pitchFamily="34" charset="0"/>
+              <a:buChar char="•"/>
+            </a:pPr>
+            <a:r>
+              <a:rPr lang="en-US" b="1" dirty="0"/>
+              <a:t>Nurses</a:t>
+            </a:r>
+            <a:r>
+              <a:rPr lang="en-US" dirty="0"/>
+              <a:t>: The level of engagement of nursing staff in activities, events, or initiatives.</a:t>
+            </a:r>
+          </a:p>
+          <a:p>
+            <a:pPr algn="just">
+              <a:buFont typeface="Arial" panose="020B0604020202020204" pitchFamily="34" charset="0"/>
+              <a:buChar char="•"/>
+            </a:pPr>
+            <a:r>
+              <a:rPr lang="en-US" b="1" dirty="0"/>
+              <a:t>Administrators</a:t>
+            </a:r>
+            <a:r>
+              <a:rPr lang="en-US" dirty="0"/>
+              <a:t>: The level of involvement of administrative personnel in decision-making, planning, or day-to-day operations.</a:t>
             </a:r>
           </a:p>
         </p:txBody>
@@ -5448,7 +5506,7 @@
     </p:spTree>
     <p:extLst>
       <p:ext uri="{BB962C8B-B14F-4D97-AF65-F5344CB8AC3E}">
-        <p14:creationId xmlns:p14="http://schemas.microsoft.com/office/powerpoint/2010/main" val="2023197474"/>
+        <p14:creationId xmlns:p14="http://schemas.microsoft.com/office/powerpoint/2010/main" val="4227825685"/>
       </p:ext>
     </p:extLst>
   </p:cSld>
@@ -5480,7 +5538,7 @@
           <p:cNvPr id="2" name="Title 1">
             <a:extLst>
               <a:ext uri="{FF2B5EF4-FFF2-40B4-BE49-F238E27FC236}">
-                <a16:creationId xmlns:a16="http://schemas.microsoft.com/office/drawing/2014/main" id="{7A3A565F-926E-4737-D9C4-7136D0FDB6D3}"/>
+                <a16:creationId xmlns:a16="http://schemas.microsoft.com/office/drawing/2014/main" id="{C99277B6-5A7D-F80C-B993-E21EAE92B23F}"/>
               </a:ext>
             </a:extLst>
           </p:cNvPr>
@@ -5493,12 +5551,14 @@
         </p:nvSpPr>
         <p:spPr/>
         <p:txBody>
-          <a:bodyPr/>
+          <a:bodyPr>
+            <a:normAutofit/>
+          </a:bodyPr>
           <a:lstStyle/>
           <a:p>
             <a:r>
               <a:rPr lang="en-US" b="1" dirty="0"/>
-              <a:t>B: Statistical Distribution and Visualization</a:t>
+              <a:t>A: Healthcare Participatory Model Simulation</a:t>
             </a:r>
           </a:p>
         </p:txBody>
@@ -5508,7 +5568,7 @@
           <p:cNvPr id="3" name="Content Placeholder 2">
             <a:extLst>
               <a:ext uri="{FF2B5EF4-FFF2-40B4-BE49-F238E27FC236}">
-                <a16:creationId xmlns:a16="http://schemas.microsoft.com/office/drawing/2014/main" id="{8671093B-CE45-907C-0BD0-65B6A8BFFD5E}"/>
+                <a16:creationId xmlns:a16="http://schemas.microsoft.com/office/drawing/2014/main" id="{23BE0B53-402D-8581-3510-C4B1E73C3D28}"/>
               </a:ext>
             </a:extLst>
           </p:cNvPr>
@@ -5521,27 +5581,36 @@
         </p:nvSpPr>
         <p:spPr/>
         <p:txBody>
-          <a:bodyPr/>
+          <a:bodyPr>
+            <a:normAutofit fontScale="92500" lnSpcReduction="10000"/>
+          </a:bodyPr>
           <a:lstStyle/>
           <a:p>
             <a:pPr algn="just"/>
             <a:r>
               <a:rPr lang="en-US" dirty="0"/>
-              <a:t>I used Python to design a statistical distribution plot that visualizes simulated engagement levels of different healthcare stakeholders over a 12-month period. </a:t>
+              <a:t>I have developed a Python-based code that simulates a simplified healthcare participatory model. This model collects, processes, and visualizes opinions from various healthcare stakeholders (patients, doctors, administrators). </a:t>
             </a:r>
           </a:p>
           <a:p>
             <a:pPr algn="just"/>
             <a:r>
               <a:rPr lang="en-US" dirty="0"/>
-              <a:t>The histogram, with Kernel Density Estimate (KDE) lines, provides insights into the distribution and frequency of engagement within stakeholder groups (e.g., patients, doctors, nurses, administrators). </a:t>
+              <a:t>The simulation demonstrates key processes such as data collection, stakeholder engagement, and system dynamics analysis—skills highly relevant to the Doctoral project. </a:t>
             </a:r>
           </a:p>
           <a:p>
             <a:pPr algn="just"/>
             <a:r>
               <a:rPr lang="en-US" dirty="0"/>
-              <a:t>This visualization helps identify patterns—such as variations in engagement stability across different groups—and highlights areas where targeted strategies could improve participation.</a:t>
+              <a:t>The modular design of this code not only reflects my expertise in Python and data processing, but also demonstrates a deep understanding of participatory modeling, system dynamics, and stakeholder interactions within healthcare settings. </a:t>
+            </a:r>
+          </a:p>
+          <a:p>
+            <a:pPr algn="just"/>
+            <a:r>
+              <a:rPr lang="en-US" dirty="0"/>
+              <a:t>This code is adaptable, allowing for future refinement and expansion.</a:t>
             </a:r>
           </a:p>
         </p:txBody>
@@ -5549,7 +5618,7 @@
     </p:spTree>
     <p:extLst>
       <p:ext uri="{BB962C8B-B14F-4D97-AF65-F5344CB8AC3E}">
-        <p14:creationId xmlns:p14="http://schemas.microsoft.com/office/powerpoint/2010/main" val="1926944898"/>
+        <p14:creationId xmlns:p14="http://schemas.microsoft.com/office/powerpoint/2010/main" val="2023197474"/>
       </p:ext>
     </p:extLst>
   </p:cSld>
@@ -5581,7 +5650,7 @@
           <p:cNvPr id="2" name="Title 1">
             <a:extLst>
               <a:ext uri="{FF2B5EF4-FFF2-40B4-BE49-F238E27FC236}">
-                <a16:creationId xmlns:a16="http://schemas.microsoft.com/office/drawing/2014/main" id="{85333AAD-A473-D657-06A3-00351968AAAD}"/>
+                <a16:creationId xmlns:a16="http://schemas.microsoft.com/office/drawing/2014/main" id="{7A3A565F-926E-4737-D9C4-7136D0FDB6D3}"/>
               </a:ext>
             </a:extLst>
           </p:cNvPr>
@@ -5594,19 +5663,13 @@
         </p:nvSpPr>
         <p:spPr/>
         <p:txBody>
-          <a:bodyPr>
-            <a:normAutofit fontScale="90000"/>
-          </a:bodyPr>
+          <a:bodyPr/>
           <a:lstStyle/>
           <a:p>
             <a:r>
               <a:rPr lang="en-US" b="1" dirty="0"/>
-              <a:t>1. Random Fluctuations and Why They Are Used</a:t>
-            </a:r>
-            <a:br>
-              <a:rPr lang="en-US" b="1" dirty="0"/>
-            </a:br>
-            <a:endParaRPr lang="en-US" b="1" dirty="0"/>
+              <a:t>B: Statistical Distribution and Visualization</a:t>
+            </a:r>
           </a:p>
         </p:txBody>
       </p:sp>
@@ -5615,7 +5678,7 @@
           <p:cNvPr id="3" name="Content Placeholder 2">
             <a:extLst>
               <a:ext uri="{FF2B5EF4-FFF2-40B4-BE49-F238E27FC236}">
-                <a16:creationId xmlns:a16="http://schemas.microsoft.com/office/drawing/2014/main" id="{EB8460CD-91E9-1156-5004-378946AD5F9A}"/>
+                <a16:creationId xmlns:a16="http://schemas.microsoft.com/office/drawing/2014/main" id="{8671093B-CE45-907C-0BD0-65B6A8BFFD5E}"/>
               </a:ext>
             </a:extLst>
           </p:cNvPr>
@@ -5628,90 +5691,35 @@
         </p:nvSpPr>
         <p:spPr/>
         <p:txBody>
-          <a:bodyPr>
-            <a:normAutofit fontScale="92500" lnSpcReduction="20000"/>
-          </a:bodyPr>
-          <a:lstStyle/>
-          <a:p>
-            <a:pPr>
-              <a:buFont typeface="Arial" panose="020B0604020202020204" pitchFamily="34" charset="0"/>
-              <a:buChar char="•"/>
-            </a:pPr>
-            <a:r>
-              <a:rPr lang="en-US" b="1" dirty="0"/>
-              <a:t>Reason</a:t>
-            </a:r>
-            <a:r>
-              <a:rPr lang="en-US" dirty="0"/>
-              <a:t>: Engagement levels in real-world systems (e.g., healthcare participation) are inherently unpredictable and influenced by numerous factors such as personal behavior, external policies, or environmental changes.</a:t>
-            </a:r>
-          </a:p>
-          <a:p>
-            <a:pPr>
-              <a:buFont typeface="Arial" panose="020B0604020202020204" pitchFamily="34" charset="0"/>
-              <a:buChar char="•"/>
-            </a:pPr>
-            <a:r>
-              <a:rPr lang="en-US" b="1" dirty="0"/>
-              <a:t>Purpose in the Simulation</a:t>
-            </a:r>
-            <a:r>
-              <a:rPr lang="en-US" dirty="0"/>
-              <a:t>:</a:t>
-            </a:r>
-          </a:p>
-          <a:p>
-            <a:pPr marL="742950" lvl="1" indent="-285750">
-              <a:buFont typeface="Arial" panose="020B0604020202020204" pitchFamily="34" charset="0"/>
-              <a:buChar char="•"/>
-            </a:pPr>
-            <a:r>
-              <a:rPr lang="en-US" dirty="0"/>
-              <a:t>They introduce variability, making the model more realistic by simulating both increases and decreases in engagement levels over time.</a:t>
-            </a:r>
-          </a:p>
-          <a:p>
-            <a:pPr marL="742950" lvl="1" indent="-285750">
-              <a:buFont typeface="Arial" panose="020B0604020202020204" pitchFamily="34" charset="0"/>
-              <a:buChar char="•"/>
-            </a:pPr>
-            <a:r>
-              <a:rPr lang="en-US" dirty="0"/>
-              <a:t>Random fluctuations also allow the model to reflect potential short-term disruptions (e.g., staff shortages, new initiatives).</a:t>
-            </a:r>
-          </a:p>
-          <a:p>
-            <a:pPr>
-              <a:buFont typeface="Arial" panose="020B0604020202020204" pitchFamily="34" charset="0"/>
-              <a:buChar char="•"/>
-            </a:pPr>
-            <a:r>
-              <a:rPr lang="en-US" b="1" dirty="0"/>
-              <a:t>Example</a:t>
-            </a:r>
-            <a:r>
-              <a:rPr lang="en-US" dirty="0"/>
-              <a:t>: If "Patients" engagement starts at 0.6 and fluctuates randomly within [−0.02,+0.02][-0.02, +0.02][−0.02,+0.02], the variability mimics real-world behaviors such as patients being more engaged during health campaigns and less engaged during holidays.</a:t>
-            </a:r>
-          </a:p>
-          <a:p>
-            <a:pPr marL="0" indent="0">
-              <a:buNone/>
-            </a:pPr>
-            <a:endParaRPr lang="en-US" dirty="0"/>
-          </a:p>
-          <a:p>
-            <a:pPr marL="0" indent="0">
-              <a:buNone/>
-            </a:pPr>
-            <a:endParaRPr lang="en-US" dirty="0"/>
+          <a:bodyPr/>
+          <a:lstStyle/>
+          <a:p>
+            <a:pPr algn="just"/>
+            <a:r>
+              <a:rPr lang="en-US" dirty="0"/>
+              <a:t>I used Python to design a statistical distribution plot that visualizes simulated engagement levels of different healthcare stakeholders over a 12-month period. </a:t>
+            </a:r>
+          </a:p>
+          <a:p>
+            <a:pPr algn="just"/>
+            <a:r>
+              <a:rPr lang="en-US" dirty="0"/>
+              <a:t>The histogram, with Kernel Density Estimate (KDE) lines, provides insights into the distribution and frequency of engagement within stakeholder groups (e.g., patients, doctors, nurses, administrators). </a:t>
+            </a:r>
+          </a:p>
+          <a:p>
+            <a:pPr algn="just"/>
+            <a:r>
+              <a:rPr lang="en-US" dirty="0"/>
+              <a:t>This visualization helps identify patterns—such as variations in engagement stability across different groups—and highlights areas where targeted strategies could improve participation.</a:t>
+            </a:r>
           </a:p>
         </p:txBody>
       </p:sp>
     </p:spTree>
     <p:extLst>
       <p:ext uri="{BB962C8B-B14F-4D97-AF65-F5344CB8AC3E}">
-        <p14:creationId xmlns:p14="http://schemas.microsoft.com/office/powerpoint/2010/main" val="2079446477"/>
+        <p14:creationId xmlns:p14="http://schemas.microsoft.com/office/powerpoint/2010/main" val="1926944898"/>
       </p:ext>
     </p:extLst>
   </p:cSld>
@@ -5743,7 +5751,7 @@
           <p:cNvPr id="2" name="Title 1">
             <a:extLst>
               <a:ext uri="{FF2B5EF4-FFF2-40B4-BE49-F238E27FC236}">
-                <a16:creationId xmlns:a16="http://schemas.microsoft.com/office/drawing/2014/main" id="{FA4AF6BA-5094-CAD8-1EFA-108DF856B922}"/>
+                <a16:creationId xmlns:a16="http://schemas.microsoft.com/office/drawing/2014/main" id="{85333AAD-A473-D657-06A3-00351968AAAD}"/>
               </a:ext>
             </a:extLst>
           </p:cNvPr>
@@ -5756,13 +5764,19 @@
         </p:nvSpPr>
         <p:spPr/>
         <p:txBody>
-          <a:bodyPr/>
+          <a:bodyPr>
+            <a:normAutofit fontScale="90000"/>
+          </a:bodyPr>
           <a:lstStyle/>
           <a:p>
             <a:r>
               <a:rPr lang="en-US" b="1" dirty="0"/>
-              <a:t>2. Uptake Rate and Why It Is Used</a:t>
-            </a:r>
+              <a:t>1. Random Fluctuations and Why They Are Used</a:t>
+            </a:r>
+            <a:br>
+              <a:rPr lang="en-US" b="1" dirty="0"/>
+            </a:br>
+            <a:endParaRPr lang="en-US" b="1" dirty="0"/>
           </a:p>
         </p:txBody>
       </p:sp>
@@ -5771,7 +5785,7 @@
           <p:cNvPr id="3" name="Content Placeholder 2">
             <a:extLst>
               <a:ext uri="{FF2B5EF4-FFF2-40B4-BE49-F238E27FC236}">
-                <a16:creationId xmlns:a16="http://schemas.microsoft.com/office/drawing/2014/main" id="{4D502198-8EB0-56EA-0ECB-09A57E30C318}"/>
+                <a16:creationId xmlns:a16="http://schemas.microsoft.com/office/drawing/2014/main" id="{EB8460CD-91E9-1156-5004-378946AD5F9A}"/>
               </a:ext>
             </a:extLst>
           </p:cNvPr>
@@ -5785,7 +5799,7 @@
         <p:spPr/>
         <p:txBody>
           <a:bodyPr>
-            <a:normAutofit fontScale="92500" lnSpcReduction="10000"/>
+            <a:normAutofit fontScale="92500" lnSpcReduction="20000"/>
           </a:bodyPr>
           <a:lstStyle/>
           <a:p>
@@ -5799,7 +5813,7 @@
             </a:r>
             <a:r>
               <a:rPr lang="en-US" dirty="0"/>
-              <a:t>: The uptake rate summarizes the system's overall engagement by averaging the contributions of all stakeholder groups (patients, doctors, nurses, administrators).</a:t>
+              <a:t>: Engagement levels in real-world systems (e.g., healthcare participation) are inherently unpredictable and influenced by numerous factors such as personal behavior, external policies, or environmental changes.</a:t>
             </a:r>
           </a:p>
           <a:p>
@@ -5823,7 +5837,7 @@
             </a:pPr>
             <a:r>
               <a:rPr lang="en-US" dirty="0"/>
-              <a:t>It provides a high-level metric to evaluate the program's success.</a:t>
+              <a:t>They introduce variability, making the model more realistic by simulating both increases and decreases in engagement levels over time.</a:t>
             </a:r>
           </a:p>
           <a:p>
@@ -5833,17 +5847,7 @@
             </a:pPr>
             <a:r>
               <a:rPr lang="en-US" dirty="0"/>
-              <a:t>By tracking uptake over time, it identifies patterns and trends that can inform decision-making (e.g., whether engagement is improving or declining).</a:t>
-            </a:r>
-          </a:p>
-          <a:p>
-            <a:pPr marL="742950" lvl="1" indent="-285750">
-              <a:buFont typeface="Arial" panose="020B0604020202020204" pitchFamily="34" charset="0"/>
-              <a:buChar char="•"/>
-            </a:pPr>
-            <a:r>
-              <a:rPr lang="en-US" dirty="0"/>
-              <a:t>Aggregating individual engagement levels into a single uptake rate is useful for comparing across time or scenarios.</a:t>
+              <a:t>Random fluctuations also allow the model to reflect potential short-term disruptions (e.g., staff shortages, new initiatives).</a:t>
             </a:r>
           </a:p>
           <a:p>
@@ -5857,7 +5861,7 @@
             </a:r>
             <a:r>
               <a:rPr lang="en-US" dirty="0"/>
-              <a:t>: If engagement for doctors is high but low for administrators, the uptake rate highlights this gap. Monitoring it monthly ensures timely adjustments.</a:t>
+              <a:t>: If "Patients" engagement starts at 0.6 and fluctuates randomly within [−0.02,+0.02][-0.02, +0.02][−0.02,+0.02], the variability mimics real-world behaviors such as patients being more engaged during health campaigns and less engaged during holidays.</a:t>
             </a:r>
           </a:p>
           <a:p>
@@ -5877,7 +5881,7 @@
     </p:spTree>
     <p:extLst>
       <p:ext uri="{BB962C8B-B14F-4D97-AF65-F5344CB8AC3E}">
-        <p14:creationId xmlns:p14="http://schemas.microsoft.com/office/powerpoint/2010/main" val="1197161432"/>
+        <p14:creationId xmlns:p14="http://schemas.microsoft.com/office/powerpoint/2010/main" val="2079446477"/>
       </p:ext>
     </p:extLst>
   </p:cSld>
@@ -5909,7 +5913,7 @@
           <p:cNvPr id="2" name="Title 1">
             <a:extLst>
               <a:ext uri="{FF2B5EF4-FFF2-40B4-BE49-F238E27FC236}">
-                <a16:creationId xmlns:a16="http://schemas.microsoft.com/office/drawing/2014/main" id="{22045202-0EBC-98EB-84A8-D77B0D7E4ACF}"/>
+                <a16:creationId xmlns:a16="http://schemas.microsoft.com/office/drawing/2014/main" id="{FA4AF6BA-5094-CAD8-1EFA-108DF856B922}"/>
               </a:ext>
             </a:extLst>
           </p:cNvPr>
@@ -5926,10 +5930,9 @@
           <a:lstStyle/>
           <a:p>
             <a:r>
-              <a:rPr lang="en-US" sz="4400" b="1" dirty="0"/>
-              <a:t>3. Feedback Loop and Why It Is Used</a:t>
-            </a:r>
-            <a:endParaRPr lang="en-US" dirty="0"/>
+              <a:rPr lang="en-US" b="1" dirty="0"/>
+              <a:t>2. Uptake Rate and Why It Is Used</a:t>
+            </a:r>
           </a:p>
         </p:txBody>
       </p:sp>
@@ -5938,7 +5941,7 @@
           <p:cNvPr id="3" name="Content Placeholder 2">
             <a:extLst>
               <a:ext uri="{FF2B5EF4-FFF2-40B4-BE49-F238E27FC236}">
-                <a16:creationId xmlns:a16="http://schemas.microsoft.com/office/drawing/2014/main" id="{AFC0FC29-9C04-1D18-55DA-05D85BA03178}"/>
+                <a16:creationId xmlns:a16="http://schemas.microsoft.com/office/drawing/2014/main" id="{4D502198-8EB0-56EA-0ECB-09A57E30C318}"/>
               </a:ext>
             </a:extLst>
           </p:cNvPr>
@@ -5952,7 +5955,7 @@
         <p:spPr/>
         <p:txBody>
           <a:bodyPr>
-            <a:normAutofit fontScale="85000" lnSpcReduction="20000"/>
+            <a:normAutofit fontScale="92500" lnSpcReduction="10000"/>
           </a:bodyPr>
           <a:lstStyle/>
           <a:p>
@@ -5966,7 +5969,21 @@
             </a:r>
             <a:r>
               <a:rPr lang="en-US" dirty="0"/>
-              <a:t>: Engagement in one period influences future participation, as people’s behavior often follows momentum (positive or negative). For instance:</a:t>
+              <a:t>: The uptake rate summarizes the system's overall engagement by averaging the contributions of all stakeholder groups (patients, doctors, nurses, administrators).</a:t>
+            </a:r>
+          </a:p>
+          <a:p>
+            <a:pPr>
+              <a:buFont typeface="Arial" panose="020B0604020202020204" pitchFamily="34" charset="0"/>
+              <a:buChar char="•"/>
+            </a:pPr>
+            <a:r>
+              <a:rPr lang="en-US" b="1" dirty="0"/>
+              <a:t>Purpose in the Simulation</a:t>
+            </a:r>
+            <a:r>
+              <a:rPr lang="en-US" dirty="0"/>
+              <a:t>:</a:t>
             </a:r>
           </a:p>
           <a:p>
@@ -5976,7 +5993,7 @@
             </a:pPr>
             <a:r>
               <a:rPr lang="en-US" dirty="0"/>
-              <a:t>A stakeholder's higher engagement in one month could lead to better results or satisfaction, encouraging continued involvement.</a:t>
+              <a:t>It provides a high-level metric to evaluate the program's success.</a:t>
             </a:r>
           </a:p>
           <a:p>
@@ -5986,7 +6003,17 @@
             </a:pPr>
             <a:r>
               <a:rPr lang="en-US" dirty="0"/>
-              <a:t>Conversely, disengagement could compound due to frustration, leading to further drops.</a:t>
+              <a:t>By tracking uptake over time, it identifies patterns and trends that can inform decision-making (e.g., whether engagement is improving or declining).</a:t>
+            </a:r>
+          </a:p>
+          <a:p>
+            <a:pPr marL="742950" lvl="1" indent="-285750">
+              <a:buFont typeface="Arial" panose="020B0604020202020204" pitchFamily="34" charset="0"/>
+              <a:buChar char="•"/>
+            </a:pPr>
+            <a:r>
+              <a:rPr lang="en-US" dirty="0"/>
+              <a:t>Aggregating individual engagement levels into a single uptake rate is useful for comparing across time or scenarios.</a:t>
             </a:r>
           </a:p>
           <a:p>
@@ -5996,53 +6023,31 @@
             </a:pPr>
             <a:r>
               <a:rPr lang="en-US" b="1" dirty="0"/>
-              <a:t>Purpose in the Simulation</a:t>
-            </a:r>
-            <a:r>
-              <a:rPr lang="en-US" dirty="0"/>
-              <a:t>:</a:t>
-            </a:r>
-          </a:p>
-          <a:p>
-            <a:pPr marL="742950" lvl="1" indent="-285750">
-              <a:buFont typeface="Arial" panose="020B0604020202020204" pitchFamily="34" charset="0"/>
-              <a:buChar char="•"/>
-            </a:pPr>
-            <a:r>
-              <a:rPr lang="en-US" dirty="0"/>
-              <a:t>The feedback loop captures these cascading effects, helping simulate long-term dynamics.</a:t>
-            </a:r>
-          </a:p>
-          <a:p>
-            <a:pPr marL="742950" lvl="1" indent="-285750">
-              <a:buFont typeface="Arial" panose="020B0604020202020204" pitchFamily="34" charset="0"/>
-              <a:buChar char="•"/>
-            </a:pPr>
-            <a:r>
-              <a:rPr lang="en-US" dirty="0"/>
-              <a:t>It reflects realistic cause-and-effect relationships, showing how policies or external shocks affect sustained participation.</a:t>
-            </a:r>
-          </a:p>
-          <a:p>
-            <a:pPr>
-              <a:buFont typeface="Arial" panose="020B0604020202020204" pitchFamily="34" charset="0"/>
-              <a:buChar char="•"/>
-            </a:pPr>
-            <a:r>
-              <a:rPr lang="en-US" b="1" dirty="0"/>
               <a:t>Example</a:t>
             </a:r>
             <a:r>
               <a:rPr lang="en-US" dirty="0"/>
-              <a:t>: If "Doctors" engagement decreases slightly in Month 2, the new lower level sets the baseline for Month 3, leading to a compounding effect unless counteracted by positive fluctuations.</a:t>
-            </a:r>
+              <a:t>: If engagement for doctors is high but low for administrators, the uptake rate highlights this gap. Monitoring it monthly ensures timely adjustments.</a:t>
+            </a:r>
+          </a:p>
+          <a:p>
+            <a:pPr marL="0" indent="0">
+              <a:buNone/>
+            </a:pPr>
+            <a:endParaRPr lang="en-US" dirty="0"/>
+          </a:p>
+          <a:p>
+            <a:pPr marL="0" indent="0">
+              <a:buNone/>
+            </a:pPr>
+            <a:endParaRPr lang="en-US" dirty="0"/>
           </a:p>
         </p:txBody>
       </p:sp>
     </p:spTree>
     <p:extLst>
       <p:ext uri="{BB962C8B-B14F-4D97-AF65-F5344CB8AC3E}">
-        <p14:creationId xmlns:p14="http://schemas.microsoft.com/office/powerpoint/2010/main" val="1348638516"/>
+        <p14:creationId xmlns:p14="http://schemas.microsoft.com/office/powerpoint/2010/main" val="1197161432"/>
       </p:ext>
     </p:extLst>
   </p:cSld>
@@ -6074,7 +6079,7 @@
           <p:cNvPr id="2" name="Title 1">
             <a:extLst>
               <a:ext uri="{FF2B5EF4-FFF2-40B4-BE49-F238E27FC236}">
-                <a16:creationId xmlns:a16="http://schemas.microsoft.com/office/drawing/2014/main" id="{865F4C6E-9293-6315-8011-08E6FA8D4403}"/>
+                <a16:creationId xmlns:a16="http://schemas.microsoft.com/office/drawing/2014/main" id="{22045202-0EBC-98EB-84A8-D77B0D7E4ACF}"/>
               </a:ext>
             </a:extLst>
           </p:cNvPr>
@@ -6087,42 +6092,37 @@
         </p:nvSpPr>
         <p:spPr/>
         <p:txBody>
+          <a:bodyPr/>
+          <a:lstStyle/>
+          <a:p>
+            <a:r>
+              <a:rPr lang="en-US" sz="4400" b="1" dirty="0"/>
+              <a:t>3. Feedback Loop and Why It Is Used</a:t>
+            </a:r>
+            <a:endParaRPr lang="en-US" dirty="0"/>
+          </a:p>
+        </p:txBody>
+      </p:sp>
+      <p:sp>
+        <p:nvSpPr>
+          <p:cNvPr id="3" name="Content Placeholder 2">
+            <a:extLst>
+              <a:ext uri="{FF2B5EF4-FFF2-40B4-BE49-F238E27FC236}">
+                <a16:creationId xmlns:a16="http://schemas.microsoft.com/office/drawing/2014/main" id="{AFC0FC29-9C04-1D18-55DA-05D85BA03178}"/>
+              </a:ext>
+            </a:extLst>
+          </p:cNvPr>
+          <p:cNvSpPr>
+            <a:spLocks noGrp="1"/>
+          </p:cNvSpPr>
+          <p:nvPr>
+            <p:ph idx="1"/>
+          </p:nvPr>
+        </p:nvSpPr>
+        <p:spPr/>
+        <p:txBody>
           <a:bodyPr>
-            <a:normAutofit fontScale="90000"/>
-          </a:bodyPr>
-          <a:lstStyle/>
-          <a:p>
-            <a:r>
-              <a:rPr lang="en-US" sz="4400" b="1" dirty="0"/>
-              <a:t>4. Visualizing Trends and Why It Is Important</a:t>
-            </a:r>
-            <a:br>
-              <a:rPr lang="en-US" sz="4400" b="1" dirty="0"/>
-            </a:br>
-            <a:endParaRPr lang="en-US" dirty="0"/>
-          </a:p>
-        </p:txBody>
-      </p:sp>
-      <p:sp>
-        <p:nvSpPr>
-          <p:cNvPr id="3" name="Content Placeholder 2">
-            <a:extLst>
-              <a:ext uri="{FF2B5EF4-FFF2-40B4-BE49-F238E27FC236}">
-                <a16:creationId xmlns:a16="http://schemas.microsoft.com/office/drawing/2014/main" id="{FB0D8D01-EDAF-C0DE-17BF-73983E6CC4D1}"/>
-              </a:ext>
-            </a:extLst>
-          </p:cNvPr>
-          <p:cNvSpPr>
-            <a:spLocks noGrp="1"/>
-          </p:cNvSpPr>
-          <p:nvPr>
-            <p:ph idx="1"/>
-          </p:nvPr>
-        </p:nvSpPr>
-        <p:spPr/>
-        <p:txBody>
-          <a:bodyPr>
-            <a:normAutofit/>
+            <a:normAutofit fontScale="85000" lnSpcReduction="20000"/>
           </a:bodyPr>
           <a:lstStyle/>
           <a:p>
@@ -6136,7 +6136,27 @@
             </a:r>
             <a:r>
               <a:rPr lang="en-US" dirty="0"/>
-              <a:t>: Trends over time help stakeholders understand the overall direction of the system and pinpoint areas for intervention.</a:t>
+              <a:t>: Engagement in one period influences future participation, as people’s behavior often follows momentum (positive or negative). For instance:</a:t>
+            </a:r>
+          </a:p>
+          <a:p>
+            <a:pPr marL="742950" lvl="1" indent="-285750">
+              <a:buFont typeface="Arial" panose="020B0604020202020204" pitchFamily="34" charset="0"/>
+              <a:buChar char="•"/>
+            </a:pPr>
+            <a:r>
+              <a:rPr lang="en-US" dirty="0"/>
+              <a:t>A stakeholder's higher engagement in one month could lead to better results or satisfaction, encouraging continued involvement.</a:t>
+            </a:r>
+          </a:p>
+          <a:p>
+            <a:pPr marL="742950" lvl="1" indent="-285750">
+              <a:buFont typeface="Arial" panose="020B0604020202020204" pitchFamily="34" charset="0"/>
+              <a:buChar char="•"/>
+            </a:pPr>
+            <a:r>
+              <a:rPr lang="en-US" dirty="0"/>
+              <a:t>Conversely, disengagement could compound due to frustration, leading to further drops.</a:t>
             </a:r>
           </a:p>
           <a:p>
@@ -6160,7 +6180,7 @@
             </a:pPr>
             <a:r>
               <a:rPr lang="en-US" dirty="0"/>
-              <a:t>Identifying whether engagement levels are increasing, stable, or declining over time helps evaluate program success.</a:t>
+              <a:t>The feedback loop captures these cascading effects, helping simulate long-term dynamics.</a:t>
             </a:r>
           </a:p>
           <a:p>
@@ -6170,7 +6190,7 @@
             </a:pPr>
             <a:r>
               <a:rPr lang="en-US" dirty="0"/>
-              <a:t>Visualization simplifies complex data, making it accessible for decision-makers.</a:t>
+              <a:t>It reflects realistic cause-and-effect relationships, showing how policies or external shocks affect sustained participation.</a:t>
             </a:r>
           </a:p>
           <a:p>
@@ -6184,27 +6204,15 @@
             </a:r>
             <a:r>
               <a:rPr lang="en-US" dirty="0"/>
-              <a:t>: A plot showing consistent drops in administrator engagement could prompt targeted measures (e.g., new training or incentives).</a:t>
-            </a:r>
-          </a:p>
-          <a:p>
-            <a:pPr marL="0" indent="0">
-              <a:buNone/>
-            </a:pPr>
-            <a:endParaRPr lang="en-US" dirty="0"/>
-          </a:p>
-          <a:p>
-            <a:pPr marL="0" indent="0">
-              <a:buNone/>
-            </a:pPr>
-            <a:endParaRPr lang="en-US" dirty="0"/>
+              <a:t>: If "Doctors" engagement decreases slightly in Month 2, the new lower level sets the baseline for Month 3, leading to a compounding effect unless counteracted by positive fluctuations.</a:t>
+            </a:r>
           </a:p>
         </p:txBody>
       </p:sp>
     </p:spTree>
     <p:extLst>
       <p:ext uri="{BB962C8B-B14F-4D97-AF65-F5344CB8AC3E}">
-        <p14:creationId xmlns:p14="http://schemas.microsoft.com/office/powerpoint/2010/main" val="3303629775"/>
+        <p14:creationId xmlns:p14="http://schemas.microsoft.com/office/powerpoint/2010/main" val="1348638516"/>
       </p:ext>
     </p:extLst>
   </p:cSld>
@@ -6236,6 +6244,168 @@
           <p:cNvPr id="2" name="Title 1">
             <a:extLst>
               <a:ext uri="{FF2B5EF4-FFF2-40B4-BE49-F238E27FC236}">
+                <a16:creationId xmlns:a16="http://schemas.microsoft.com/office/drawing/2014/main" id="{865F4C6E-9293-6315-8011-08E6FA8D4403}"/>
+              </a:ext>
+            </a:extLst>
+          </p:cNvPr>
+          <p:cNvSpPr>
+            <a:spLocks noGrp="1"/>
+          </p:cNvSpPr>
+          <p:nvPr>
+            <p:ph type="title"/>
+          </p:nvPr>
+        </p:nvSpPr>
+        <p:spPr/>
+        <p:txBody>
+          <a:bodyPr>
+            <a:normAutofit fontScale="90000"/>
+          </a:bodyPr>
+          <a:lstStyle/>
+          <a:p>
+            <a:r>
+              <a:rPr lang="en-US" sz="4400" b="1" dirty="0"/>
+              <a:t>4. Visualizing Trends and Why It Is Important</a:t>
+            </a:r>
+            <a:br>
+              <a:rPr lang="en-US" sz="4400" b="1" dirty="0"/>
+            </a:br>
+            <a:endParaRPr lang="en-US" dirty="0"/>
+          </a:p>
+        </p:txBody>
+      </p:sp>
+      <p:sp>
+        <p:nvSpPr>
+          <p:cNvPr id="3" name="Content Placeholder 2">
+            <a:extLst>
+              <a:ext uri="{FF2B5EF4-FFF2-40B4-BE49-F238E27FC236}">
+                <a16:creationId xmlns:a16="http://schemas.microsoft.com/office/drawing/2014/main" id="{FB0D8D01-EDAF-C0DE-17BF-73983E6CC4D1}"/>
+              </a:ext>
+            </a:extLst>
+          </p:cNvPr>
+          <p:cNvSpPr>
+            <a:spLocks noGrp="1"/>
+          </p:cNvSpPr>
+          <p:nvPr>
+            <p:ph idx="1"/>
+          </p:nvPr>
+        </p:nvSpPr>
+        <p:spPr/>
+        <p:txBody>
+          <a:bodyPr>
+            <a:normAutofit/>
+          </a:bodyPr>
+          <a:lstStyle/>
+          <a:p>
+            <a:pPr>
+              <a:buFont typeface="Arial" panose="020B0604020202020204" pitchFamily="34" charset="0"/>
+              <a:buChar char="•"/>
+            </a:pPr>
+            <a:r>
+              <a:rPr lang="en-US" b="1" dirty="0"/>
+              <a:t>Reason</a:t>
+            </a:r>
+            <a:r>
+              <a:rPr lang="en-US" dirty="0"/>
+              <a:t>: Trends over time help stakeholders understand the overall direction of the system and pinpoint areas for intervention.</a:t>
+            </a:r>
+          </a:p>
+          <a:p>
+            <a:pPr>
+              <a:buFont typeface="Arial" panose="020B0604020202020204" pitchFamily="34" charset="0"/>
+              <a:buChar char="•"/>
+            </a:pPr>
+            <a:r>
+              <a:rPr lang="en-US" b="1" dirty="0"/>
+              <a:t>Purpose in the Simulation</a:t>
+            </a:r>
+            <a:r>
+              <a:rPr lang="en-US" dirty="0"/>
+              <a:t>:</a:t>
+            </a:r>
+          </a:p>
+          <a:p>
+            <a:pPr marL="742950" lvl="1" indent="-285750">
+              <a:buFont typeface="Arial" panose="020B0604020202020204" pitchFamily="34" charset="0"/>
+              <a:buChar char="•"/>
+            </a:pPr>
+            <a:r>
+              <a:rPr lang="en-US" dirty="0"/>
+              <a:t>Identifying whether engagement levels are increasing, stable, or declining over time helps evaluate program success.</a:t>
+            </a:r>
+          </a:p>
+          <a:p>
+            <a:pPr marL="742950" lvl="1" indent="-285750">
+              <a:buFont typeface="Arial" panose="020B0604020202020204" pitchFamily="34" charset="0"/>
+              <a:buChar char="•"/>
+            </a:pPr>
+            <a:r>
+              <a:rPr lang="en-US" dirty="0"/>
+              <a:t>Visualization simplifies complex data, making it accessible for decision-makers.</a:t>
+            </a:r>
+          </a:p>
+          <a:p>
+            <a:pPr>
+              <a:buFont typeface="Arial" panose="020B0604020202020204" pitchFamily="34" charset="0"/>
+              <a:buChar char="•"/>
+            </a:pPr>
+            <a:r>
+              <a:rPr lang="en-US" b="1" dirty="0"/>
+              <a:t>Example</a:t>
+            </a:r>
+            <a:r>
+              <a:rPr lang="en-US" dirty="0"/>
+              <a:t>: A plot showing consistent drops in administrator engagement could prompt targeted measures (e.g., new training or incentives).</a:t>
+            </a:r>
+          </a:p>
+          <a:p>
+            <a:pPr marL="0" indent="0">
+              <a:buNone/>
+            </a:pPr>
+            <a:endParaRPr lang="en-US" dirty="0"/>
+          </a:p>
+          <a:p>
+            <a:pPr marL="0" indent="0">
+              <a:buNone/>
+            </a:pPr>
+            <a:endParaRPr lang="en-US" dirty="0"/>
+          </a:p>
+        </p:txBody>
+      </p:sp>
+    </p:spTree>
+    <p:extLst>
+      <p:ext uri="{BB962C8B-B14F-4D97-AF65-F5344CB8AC3E}">
+        <p14:creationId xmlns:p14="http://schemas.microsoft.com/office/powerpoint/2010/main" val="3303629775"/>
+      </p:ext>
+    </p:extLst>
+  </p:cSld>
+  <p:clrMapOvr>
+    <a:masterClrMapping/>
+  </p:clrMapOvr>
+</p:sld>
+</file>
+
+<file path=ppt/slides/slide28.xml><?xml version="1.0" encoding="utf-8"?>
+<p:sld xmlns:a="http://schemas.openxmlformats.org/drawingml/2006/main" xmlns:r="http://schemas.openxmlformats.org/officeDocument/2006/relationships" xmlns:p="http://schemas.openxmlformats.org/presentationml/2006/main">
+  <p:cSld>
+    <p:spTree>
+      <p:nvGrpSpPr>
+        <p:cNvPr id="1" name=""/>
+        <p:cNvGrpSpPr/>
+        <p:nvPr/>
+      </p:nvGrpSpPr>
+      <p:grpSpPr>
+        <a:xfrm>
+          <a:off x="0" y="0"/>
+          <a:ext cx="0" cy="0"/>
+          <a:chOff x="0" y="0"/>
+          <a:chExt cx="0" cy="0"/>
+        </a:xfrm>
+      </p:grpSpPr>
+      <p:sp>
+        <p:nvSpPr>
+          <p:cNvPr id="2" name="Title 1">
+            <a:extLst>
+              <a:ext uri="{FF2B5EF4-FFF2-40B4-BE49-F238E27FC236}">
                 <a16:creationId xmlns:a16="http://schemas.microsoft.com/office/drawing/2014/main" id="{D88C41F5-CEFA-1C20-A088-02EA6C32A518}"/>
               </a:ext>
             </a:extLst>
@@ -6352,6 +6522,93 @@
     <p:extLst>
       <p:ext uri="{BB962C8B-B14F-4D97-AF65-F5344CB8AC3E}">
         <p14:creationId xmlns:p14="http://schemas.microsoft.com/office/powerpoint/2010/main" val="387507915"/>
+      </p:ext>
+    </p:extLst>
+  </p:cSld>
+  <p:clrMapOvr>
+    <a:masterClrMapping/>
+  </p:clrMapOvr>
+</p:sld>
+</file>
+
+<file path=ppt/slides/slide29.xml><?xml version="1.0" encoding="utf-8"?>
+<p:sld xmlns:a="http://schemas.openxmlformats.org/drawingml/2006/main" xmlns:r="http://schemas.openxmlformats.org/officeDocument/2006/relationships" xmlns:p="http://schemas.openxmlformats.org/presentationml/2006/main">
+  <p:cSld>
+    <p:spTree>
+      <p:nvGrpSpPr>
+        <p:cNvPr id="1" name=""/>
+        <p:cNvGrpSpPr/>
+        <p:nvPr/>
+      </p:nvGrpSpPr>
+      <p:grpSpPr>
+        <a:xfrm>
+          <a:off x="0" y="0"/>
+          <a:ext cx="0" cy="0"/>
+          <a:chOff x="0" y="0"/>
+          <a:chExt cx="0" cy="0"/>
+        </a:xfrm>
+      </p:grpSpPr>
+      <p:sp>
+        <p:nvSpPr>
+          <p:cNvPr id="2" name="Title 1">
+            <a:extLst>
+              <a:ext uri="{FF2B5EF4-FFF2-40B4-BE49-F238E27FC236}">
+                <a16:creationId xmlns:a16="http://schemas.microsoft.com/office/drawing/2014/main" id="{359401A8-8FAA-D579-B630-C01641FAFDBE}"/>
+              </a:ext>
+            </a:extLst>
+          </p:cNvPr>
+          <p:cNvSpPr>
+            <a:spLocks noGrp="1"/>
+          </p:cNvSpPr>
+          <p:nvPr>
+            <p:ph type="title"/>
+          </p:nvPr>
+        </p:nvSpPr>
+        <p:spPr/>
+        <p:txBody>
+          <a:bodyPr/>
+          <a:lstStyle/>
+          <a:p>
+            <a:r>
+              <a:rPr lang="en-US" b="1" dirty="0"/>
+              <a:t>Summary of Key Formulas</a:t>
+            </a:r>
+          </a:p>
+        </p:txBody>
+      </p:sp>
+      <p:pic>
+        <p:nvPicPr>
+          <p:cNvPr id="5" name="Content Placeholder 4">
+            <a:extLst>
+              <a:ext uri="{FF2B5EF4-FFF2-40B4-BE49-F238E27FC236}">
+                <a16:creationId xmlns:a16="http://schemas.microsoft.com/office/drawing/2014/main" id="{C946BF37-028E-99F5-D54D-180CF2C39CA4}"/>
+              </a:ext>
+            </a:extLst>
+          </p:cNvPr>
+          <p:cNvPicPr>
+            <a:picLocks noGrp="1" noChangeAspect="1"/>
+          </p:cNvPicPr>
+          <p:nvPr>
+            <p:ph idx="1"/>
+          </p:nvPr>
+        </p:nvPicPr>
+        <p:blipFill>
+          <a:blip r:embed="rId2"/>
+          <a:stretch>
+            <a:fillRect/>
+          </a:stretch>
+        </p:blipFill>
+        <p:spPr>
+          <a:xfrm>
+            <a:off x="980813" y="1553949"/>
+            <a:ext cx="8275560" cy="4938925"/>
+          </a:xfrm>
+        </p:spPr>
+      </p:pic>
+    </p:spTree>
+    <p:extLst>
+      <p:ext uri="{BB962C8B-B14F-4D97-AF65-F5344CB8AC3E}">
+        <p14:creationId xmlns:p14="http://schemas.microsoft.com/office/powerpoint/2010/main" val="1878192659"/>
       </p:ext>
     </p:extLst>
   </p:cSld>
@@ -6467,6 +6724,1064 @@
 </p:sld>
 </file>
 
+<file path=ppt/slides/slide30.xml><?xml version="1.0" encoding="utf-8"?>
+<p:sld xmlns:a="http://schemas.openxmlformats.org/drawingml/2006/main" xmlns:r="http://schemas.openxmlformats.org/officeDocument/2006/relationships" xmlns:p="http://schemas.openxmlformats.org/presentationml/2006/main">
+  <p:cSld>
+    <p:spTree>
+      <p:nvGrpSpPr>
+        <p:cNvPr id="1" name=""/>
+        <p:cNvGrpSpPr/>
+        <p:nvPr/>
+      </p:nvGrpSpPr>
+      <p:grpSpPr>
+        <a:xfrm>
+          <a:off x="0" y="0"/>
+          <a:ext cx="0" cy="0"/>
+          <a:chOff x="0" y="0"/>
+          <a:chExt cx="0" cy="0"/>
+        </a:xfrm>
+      </p:grpSpPr>
+      <p:sp>
+        <p:nvSpPr>
+          <p:cNvPr id="2" name="Title 1">
+            <a:extLst>
+              <a:ext uri="{FF2B5EF4-FFF2-40B4-BE49-F238E27FC236}">
+                <a16:creationId xmlns:a16="http://schemas.microsoft.com/office/drawing/2014/main" id="{6F870E5F-4C62-6546-7024-9E8A6A969C20}"/>
+              </a:ext>
+            </a:extLst>
+          </p:cNvPr>
+          <p:cNvSpPr>
+            <a:spLocks noGrp="1"/>
+          </p:cNvSpPr>
+          <p:nvPr>
+            <p:ph type="title"/>
+          </p:nvPr>
+        </p:nvSpPr>
+        <p:spPr/>
+        <p:txBody>
+          <a:bodyPr/>
+          <a:lstStyle/>
+          <a:p>
+            <a:r>
+              <a:rPr lang="en-US" b="1" dirty="0"/>
+              <a:t>1. Engagement Simulation Formula</a:t>
+            </a:r>
+          </a:p>
+        </p:txBody>
+      </p:sp>
+      <p:pic>
+        <p:nvPicPr>
+          <p:cNvPr id="11" name="Picture 10">
+            <a:extLst>
+              <a:ext uri="{FF2B5EF4-FFF2-40B4-BE49-F238E27FC236}">
+                <a16:creationId xmlns:a16="http://schemas.microsoft.com/office/drawing/2014/main" id="{376C3BC6-6F1A-966E-E873-D31C2D66D931}"/>
+              </a:ext>
+            </a:extLst>
+          </p:cNvPr>
+          <p:cNvPicPr>
+            <a:picLocks noChangeAspect="1"/>
+          </p:cNvPicPr>
+          <p:nvPr/>
+        </p:nvPicPr>
+        <p:blipFill>
+          <a:blip r:embed="rId2"/>
+          <a:stretch>
+            <a:fillRect/>
+          </a:stretch>
+        </p:blipFill>
+        <p:spPr>
+          <a:xfrm>
+            <a:off x="1066019" y="1838243"/>
+            <a:ext cx="8333741" cy="4654632"/>
+          </a:xfrm>
+          <a:prstGeom prst="rect">
+            <a:avLst/>
+          </a:prstGeom>
+        </p:spPr>
+      </p:pic>
+    </p:spTree>
+    <p:extLst>
+      <p:ext uri="{BB962C8B-B14F-4D97-AF65-F5344CB8AC3E}">
+        <p14:creationId xmlns:p14="http://schemas.microsoft.com/office/powerpoint/2010/main" val="4266184612"/>
+      </p:ext>
+    </p:extLst>
+  </p:cSld>
+  <p:clrMapOvr>
+    <a:masterClrMapping/>
+  </p:clrMapOvr>
+</p:sld>
+</file>
+
+<file path=ppt/slides/slide31.xml><?xml version="1.0" encoding="utf-8"?>
+<p:sld xmlns:a="http://schemas.openxmlformats.org/drawingml/2006/main" xmlns:r="http://schemas.openxmlformats.org/officeDocument/2006/relationships" xmlns:p="http://schemas.openxmlformats.org/presentationml/2006/main">
+  <p:cSld>
+    <p:spTree>
+      <p:nvGrpSpPr>
+        <p:cNvPr id="1" name=""/>
+        <p:cNvGrpSpPr/>
+        <p:nvPr/>
+      </p:nvGrpSpPr>
+      <p:grpSpPr>
+        <a:xfrm>
+          <a:off x="0" y="0"/>
+          <a:ext cx="0" cy="0"/>
+          <a:chOff x="0" y="0"/>
+          <a:chExt cx="0" cy="0"/>
+        </a:xfrm>
+      </p:grpSpPr>
+      <p:sp>
+        <p:nvSpPr>
+          <p:cNvPr id="2" name="Title 1">
+            <a:extLst>
+              <a:ext uri="{FF2B5EF4-FFF2-40B4-BE49-F238E27FC236}">
+                <a16:creationId xmlns:a16="http://schemas.microsoft.com/office/drawing/2014/main" id="{53C61FA5-AADF-2E4B-2C0D-C5F2A04C61ED}"/>
+              </a:ext>
+            </a:extLst>
+          </p:cNvPr>
+          <p:cNvSpPr>
+            <a:spLocks noGrp="1"/>
+          </p:cNvSpPr>
+          <p:nvPr>
+            <p:ph type="title"/>
+          </p:nvPr>
+        </p:nvSpPr>
+        <p:spPr/>
+        <p:txBody>
+          <a:bodyPr/>
+          <a:lstStyle/>
+          <a:p>
+            <a:r>
+              <a:rPr lang="en-US" b="1" dirty="0"/>
+              <a:t>2. Model Uptake Rate Formula</a:t>
+            </a:r>
+          </a:p>
+        </p:txBody>
+      </p:sp>
+      <p:pic>
+        <p:nvPicPr>
+          <p:cNvPr id="5" name="Content Placeholder 4">
+            <a:extLst>
+              <a:ext uri="{FF2B5EF4-FFF2-40B4-BE49-F238E27FC236}">
+                <a16:creationId xmlns:a16="http://schemas.microsoft.com/office/drawing/2014/main" id="{509AB2DF-EC5A-BED8-77AC-321777E65F9C}"/>
+              </a:ext>
+            </a:extLst>
+          </p:cNvPr>
+          <p:cNvPicPr>
+            <a:picLocks noGrp="1" noChangeAspect="1"/>
+          </p:cNvPicPr>
+          <p:nvPr>
+            <p:ph idx="1"/>
+          </p:nvPr>
+        </p:nvPicPr>
+        <p:blipFill>
+          <a:blip r:embed="rId2"/>
+          <a:stretch>
+            <a:fillRect/>
+          </a:stretch>
+        </p:blipFill>
+        <p:spPr>
+          <a:xfrm>
+            <a:off x="1143000" y="1537760"/>
+            <a:ext cx="9547466" cy="4748739"/>
+          </a:xfrm>
+        </p:spPr>
+      </p:pic>
+    </p:spTree>
+    <p:extLst>
+      <p:ext uri="{BB962C8B-B14F-4D97-AF65-F5344CB8AC3E}">
+        <p14:creationId xmlns:p14="http://schemas.microsoft.com/office/powerpoint/2010/main" val="1901633027"/>
+      </p:ext>
+    </p:extLst>
+  </p:cSld>
+  <p:clrMapOvr>
+    <a:masterClrMapping/>
+  </p:clrMapOvr>
+</p:sld>
+</file>
+
+<file path=ppt/slides/slide32.xml><?xml version="1.0" encoding="utf-8"?>
+<p:sld xmlns:a="http://schemas.openxmlformats.org/drawingml/2006/main" xmlns:r="http://schemas.openxmlformats.org/officeDocument/2006/relationships" xmlns:p="http://schemas.openxmlformats.org/presentationml/2006/main">
+  <p:cSld>
+    <p:spTree>
+      <p:nvGrpSpPr>
+        <p:cNvPr id="1" name=""/>
+        <p:cNvGrpSpPr/>
+        <p:nvPr/>
+      </p:nvGrpSpPr>
+      <p:grpSpPr>
+        <a:xfrm>
+          <a:off x="0" y="0"/>
+          <a:ext cx="0" cy="0"/>
+          <a:chOff x="0" y="0"/>
+          <a:chExt cx="0" cy="0"/>
+        </a:xfrm>
+      </p:grpSpPr>
+      <p:sp>
+        <p:nvSpPr>
+          <p:cNvPr id="2" name="Title 1">
+            <a:extLst>
+              <a:ext uri="{FF2B5EF4-FFF2-40B4-BE49-F238E27FC236}">
+                <a16:creationId xmlns:a16="http://schemas.microsoft.com/office/drawing/2014/main" id="{A7693D49-5ADD-03E7-6AD6-1A1C0BC33797}"/>
+              </a:ext>
+            </a:extLst>
+          </p:cNvPr>
+          <p:cNvSpPr>
+            <a:spLocks noGrp="1"/>
+          </p:cNvSpPr>
+          <p:nvPr>
+            <p:ph type="title"/>
+          </p:nvPr>
+        </p:nvSpPr>
+        <p:spPr/>
+        <p:txBody>
+          <a:bodyPr/>
+          <a:lstStyle/>
+          <a:p>
+            <a:r>
+              <a:rPr lang="en-US" b="1" dirty="0"/>
+              <a:t>3. Uptake Rate Feedback Loop</a:t>
+            </a:r>
+          </a:p>
+        </p:txBody>
+      </p:sp>
+      <p:pic>
+        <p:nvPicPr>
+          <p:cNvPr id="5" name="Content Placeholder 4">
+            <a:extLst>
+              <a:ext uri="{FF2B5EF4-FFF2-40B4-BE49-F238E27FC236}">
+                <a16:creationId xmlns:a16="http://schemas.microsoft.com/office/drawing/2014/main" id="{DD07DB38-3883-7214-BE72-E632D473C517}"/>
+              </a:ext>
+            </a:extLst>
+          </p:cNvPr>
+          <p:cNvPicPr>
+            <a:picLocks noGrp="1" noChangeAspect="1"/>
+          </p:cNvPicPr>
+          <p:nvPr>
+            <p:ph idx="1"/>
+          </p:nvPr>
+        </p:nvPicPr>
+        <p:blipFill>
+          <a:blip r:embed="rId2"/>
+          <a:stretch>
+            <a:fillRect/>
+          </a:stretch>
+        </p:blipFill>
+        <p:spPr>
+          <a:xfrm>
+            <a:off x="753495" y="1954634"/>
+            <a:ext cx="9525733" cy="3649211"/>
+          </a:xfrm>
+        </p:spPr>
+      </p:pic>
+    </p:spTree>
+    <p:extLst>
+      <p:ext uri="{BB962C8B-B14F-4D97-AF65-F5344CB8AC3E}">
+        <p14:creationId xmlns:p14="http://schemas.microsoft.com/office/powerpoint/2010/main" val="993494936"/>
+      </p:ext>
+    </p:extLst>
+  </p:cSld>
+  <p:clrMapOvr>
+    <a:masterClrMapping/>
+  </p:clrMapOvr>
+</p:sld>
+</file>
+
+<file path=ppt/slides/slide33.xml><?xml version="1.0" encoding="utf-8"?>
+<p:sld xmlns:a="http://schemas.openxmlformats.org/drawingml/2006/main" xmlns:r="http://schemas.openxmlformats.org/officeDocument/2006/relationships" xmlns:p="http://schemas.openxmlformats.org/presentationml/2006/main">
+  <p:cSld>
+    <p:spTree>
+      <p:nvGrpSpPr>
+        <p:cNvPr id="1" name="">
+          <a:extLst>
+            <a:ext uri="{FF2B5EF4-FFF2-40B4-BE49-F238E27FC236}">
+              <a16:creationId xmlns:a16="http://schemas.microsoft.com/office/drawing/2014/main" id="{DB881C68-0AAE-D805-B32E-417B76559EAE}"/>
+            </a:ext>
+          </a:extLst>
+        </p:cNvPr>
+        <p:cNvGrpSpPr/>
+        <p:nvPr/>
+      </p:nvGrpSpPr>
+      <p:grpSpPr>
+        <a:xfrm>
+          <a:off x="0" y="0"/>
+          <a:ext cx="0" cy="0"/>
+          <a:chOff x="0" y="0"/>
+          <a:chExt cx="0" cy="0"/>
+        </a:xfrm>
+      </p:grpSpPr>
+      <p:sp>
+        <p:nvSpPr>
+          <p:cNvPr id="2" name="Title 1">
+            <a:extLst>
+              <a:ext uri="{FF2B5EF4-FFF2-40B4-BE49-F238E27FC236}">
+                <a16:creationId xmlns:a16="http://schemas.microsoft.com/office/drawing/2014/main" id="{37ACBE16-66B4-2FA5-BBBD-E6CFBEC83D57}"/>
+              </a:ext>
+            </a:extLst>
+          </p:cNvPr>
+          <p:cNvSpPr>
+            <a:spLocks noGrp="1"/>
+          </p:cNvSpPr>
+          <p:nvPr>
+            <p:ph type="title"/>
+          </p:nvPr>
+        </p:nvSpPr>
+        <p:spPr>
+          <a:xfrm>
+            <a:off x="2515998" y="2504317"/>
+            <a:ext cx="10515600" cy="1325563"/>
+          </a:xfrm>
+        </p:spPr>
+        <p:txBody>
+          <a:bodyPr/>
+          <a:lstStyle/>
+          <a:p>
+            <a:r>
+              <a:rPr lang="en-US" b="1" dirty="0"/>
+              <a:t>Numerical Example</a:t>
+            </a:r>
+          </a:p>
+        </p:txBody>
+      </p:sp>
+    </p:spTree>
+    <p:extLst>
+      <p:ext uri="{BB962C8B-B14F-4D97-AF65-F5344CB8AC3E}">
+        <p14:creationId xmlns:p14="http://schemas.microsoft.com/office/powerpoint/2010/main" val="3654834218"/>
+      </p:ext>
+    </p:extLst>
+  </p:cSld>
+  <p:clrMapOvr>
+    <a:masterClrMapping/>
+  </p:clrMapOvr>
+</p:sld>
+</file>
+
+<file path=ppt/slides/slide34.xml><?xml version="1.0" encoding="utf-8"?>
+<p:sld xmlns:a="http://schemas.openxmlformats.org/drawingml/2006/main" xmlns:r="http://schemas.openxmlformats.org/officeDocument/2006/relationships" xmlns:p="http://schemas.openxmlformats.org/presentationml/2006/main">
+  <p:cSld>
+    <p:spTree>
+      <p:nvGrpSpPr>
+        <p:cNvPr id="1" name=""/>
+        <p:cNvGrpSpPr/>
+        <p:nvPr/>
+      </p:nvGrpSpPr>
+      <p:grpSpPr>
+        <a:xfrm>
+          <a:off x="0" y="0"/>
+          <a:ext cx="0" cy="0"/>
+          <a:chOff x="0" y="0"/>
+          <a:chExt cx="0" cy="0"/>
+        </a:xfrm>
+      </p:grpSpPr>
+      <p:sp>
+        <p:nvSpPr>
+          <p:cNvPr id="2" name="Title 1">
+            <a:extLst>
+              <a:ext uri="{FF2B5EF4-FFF2-40B4-BE49-F238E27FC236}">
+                <a16:creationId xmlns:a16="http://schemas.microsoft.com/office/drawing/2014/main" id="{A59CB8A9-2F60-432C-4B99-E9B8A97EE7C3}"/>
+              </a:ext>
+            </a:extLst>
+          </p:cNvPr>
+          <p:cNvSpPr>
+            <a:spLocks noGrp="1"/>
+          </p:cNvSpPr>
+          <p:nvPr>
+            <p:ph type="title"/>
+          </p:nvPr>
+        </p:nvSpPr>
+        <p:spPr/>
+        <p:txBody>
+          <a:bodyPr/>
+          <a:lstStyle/>
+          <a:p>
+            <a:r>
+              <a:rPr lang="en-US" dirty="0"/>
+              <a:t>Numerical example</a:t>
+            </a:r>
+          </a:p>
+        </p:txBody>
+      </p:sp>
+      <p:sp>
+        <p:nvSpPr>
+          <p:cNvPr id="3" name="Content Placeholder 2">
+            <a:extLst>
+              <a:ext uri="{FF2B5EF4-FFF2-40B4-BE49-F238E27FC236}">
+                <a16:creationId xmlns:a16="http://schemas.microsoft.com/office/drawing/2014/main" id="{CD02969A-F93A-0921-A7B4-4AE9831A5E62}"/>
+              </a:ext>
+            </a:extLst>
+          </p:cNvPr>
+          <p:cNvSpPr>
+            <a:spLocks noGrp="1"/>
+          </p:cNvSpPr>
+          <p:nvPr>
+            <p:ph idx="1"/>
+          </p:nvPr>
+        </p:nvSpPr>
+        <p:spPr/>
+        <p:txBody>
+          <a:bodyPr/>
+          <a:lstStyle/>
+          <a:p>
+            <a:pPr marL="0" indent="0" algn="just">
+              <a:buNone/>
+            </a:pPr>
+            <a:r>
+              <a:rPr lang="en-US" dirty="0"/>
+              <a:t>This numerical example illustrates how:</a:t>
+            </a:r>
+          </a:p>
+          <a:p>
+            <a:pPr algn="just">
+              <a:buFont typeface="Arial" panose="020B0604020202020204" pitchFamily="34" charset="0"/>
+              <a:buChar char="•"/>
+            </a:pPr>
+            <a:r>
+              <a:rPr lang="en-US" dirty="0"/>
+              <a:t>Engagement levels fluctuate based on random changes each month.</a:t>
+            </a:r>
+          </a:p>
+          <a:p>
+            <a:pPr algn="just">
+              <a:buFont typeface="Arial" panose="020B0604020202020204" pitchFamily="34" charset="0"/>
+              <a:buChar char="•"/>
+            </a:pPr>
+            <a:r>
+              <a:rPr lang="en-US" dirty="0"/>
+              <a:t>The uptake rate is calculated as the average of the engagement levels.</a:t>
+            </a:r>
+          </a:p>
+          <a:p>
+            <a:pPr algn="just">
+              <a:buFont typeface="Arial" panose="020B0604020202020204" pitchFamily="34" charset="0"/>
+              <a:buChar char="•"/>
+            </a:pPr>
+            <a:r>
+              <a:rPr lang="en-US" dirty="0"/>
+              <a:t>A feedback loop exists, where each month's engagement influences the next, and this pattern can be visualized to see the overall trend.</a:t>
+            </a:r>
+          </a:p>
+          <a:p>
+            <a:pPr algn="just"/>
+            <a:endParaRPr lang="en-US" dirty="0"/>
+          </a:p>
+        </p:txBody>
+      </p:sp>
+    </p:spTree>
+    <p:extLst>
+      <p:ext uri="{BB962C8B-B14F-4D97-AF65-F5344CB8AC3E}">
+        <p14:creationId xmlns:p14="http://schemas.microsoft.com/office/powerpoint/2010/main" val="3065450447"/>
+      </p:ext>
+    </p:extLst>
+  </p:cSld>
+  <p:clrMapOvr>
+    <a:masterClrMapping/>
+  </p:clrMapOvr>
+</p:sld>
+</file>
+
+<file path=ppt/slides/slide35.xml><?xml version="1.0" encoding="utf-8"?>
+<p:sld xmlns:a="http://schemas.openxmlformats.org/drawingml/2006/main" xmlns:r="http://schemas.openxmlformats.org/officeDocument/2006/relationships" xmlns:p="http://schemas.openxmlformats.org/presentationml/2006/main">
+  <p:cSld>
+    <p:spTree>
+      <p:nvGrpSpPr>
+        <p:cNvPr id="1" name=""/>
+        <p:cNvGrpSpPr/>
+        <p:nvPr/>
+      </p:nvGrpSpPr>
+      <p:grpSpPr>
+        <a:xfrm>
+          <a:off x="0" y="0"/>
+          <a:ext cx="0" cy="0"/>
+          <a:chOff x="0" y="0"/>
+          <a:chExt cx="0" cy="0"/>
+        </a:xfrm>
+      </p:grpSpPr>
+      <p:sp>
+        <p:nvSpPr>
+          <p:cNvPr id="2" name="Title 1">
+            <a:extLst>
+              <a:ext uri="{FF2B5EF4-FFF2-40B4-BE49-F238E27FC236}">
+                <a16:creationId xmlns:a16="http://schemas.microsoft.com/office/drawing/2014/main" id="{3582663F-FFB9-2D2E-F74A-2DAA9B29E04B}"/>
+              </a:ext>
+            </a:extLst>
+          </p:cNvPr>
+          <p:cNvSpPr>
+            <a:spLocks noGrp="1"/>
+          </p:cNvSpPr>
+          <p:nvPr>
+            <p:ph type="title"/>
+          </p:nvPr>
+        </p:nvSpPr>
+        <p:spPr/>
+        <p:txBody>
+          <a:bodyPr/>
+          <a:lstStyle/>
+          <a:p>
+            <a:r>
+              <a:rPr lang="en-US" b="1" dirty="0"/>
+              <a:t>Simulation Steps</a:t>
+            </a:r>
+          </a:p>
+        </p:txBody>
+      </p:sp>
+      <p:sp>
+        <p:nvSpPr>
+          <p:cNvPr id="3" name="Content Placeholder 2">
+            <a:extLst>
+              <a:ext uri="{FF2B5EF4-FFF2-40B4-BE49-F238E27FC236}">
+                <a16:creationId xmlns:a16="http://schemas.microsoft.com/office/drawing/2014/main" id="{F3270000-727C-10C0-CC47-006697DC7B58}"/>
+              </a:ext>
+            </a:extLst>
+          </p:cNvPr>
+          <p:cNvSpPr>
+            <a:spLocks noGrp="1"/>
+          </p:cNvSpPr>
+          <p:nvPr>
+            <p:ph idx="1"/>
+          </p:nvPr>
+        </p:nvSpPr>
+        <p:spPr/>
+        <p:txBody>
+          <a:bodyPr/>
+          <a:lstStyle/>
+          <a:p>
+            <a:r>
+              <a:rPr lang="en-US" b="1" dirty="0"/>
+              <a:t>Step 1: Define Initial Engagement Levels</a:t>
+            </a:r>
+          </a:p>
+          <a:p>
+            <a:r>
+              <a:rPr lang="en-US" b="1" dirty="0"/>
+              <a:t>Step 2: Simulate Engagement Fluctuations for 12 Months</a:t>
+            </a:r>
+          </a:p>
+          <a:p>
+            <a:r>
+              <a:rPr lang="en-US" b="1" dirty="0"/>
+              <a:t>Step 3: Calculate Uptake Rate for Month 2</a:t>
+            </a:r>
+          </a:p>
+          <a:p>
+            <a:r>
+              <a:rPr lang="en-US" b="1" dirty="0"/>
+              <a:t>Step 4: Simulate for Month 3</a:t>
+            </a:r>
+          </a:p>
+          <a:p>
+            <a:r>
+              <a:rPr lang="en-US" b="1" dirty="0"/>
+              <a:t>Step 5: Calculate Uptake Rate for Month 3</a:t>
+            </a:r>
+          </a:p>
+          <a:p>
+            <a:r>
+              <a:rPr lang="en-US" b="1" dirty="0"/>
+              <a:t>Step 6: Repeat for Remaining Months</a:t>
+            </a:r>
+          </a:p>
+        </p:txBody>
+      </p:sp>
+    </p:spTree>
+    <p:extLst>
+      <p:ext uri="{BB962C8B-B14F-4D97-AF65-F5344CB8AC3E}">
+        <p14:creationId xmlns:p14="http://schemas.microsoft.com/office/powerpoint/2010/main" val="2465834568"/>
+      </p:ext>
+    </p:extLst>
+  </p:cSld>
+  <p:clrMapOvr>
+    <a:masterClrMapping/>
+  </p:clrMapOvr>
+</p:sld>
+</file>
+
+<file path=ppt/slides/slide36.xml><?xml version="1.0" encoding="utf-8"?>
+<p:sld xmlns:a="http://schemas.openxmlformats.org/drawingml/2006/main" xmlns:r="http://schemas.openxmlformats.org/officeDocument/2006/relationships" xmlns:p="http://schemas.openxmlformats.org/presentationml/2006/main">
+  <p:cSld>
+    <p:spTree>
+      <p:nvGrpSpPr>
+        <p:cNvPr id="1" name=""/>
+        <p:cNvGrpSpPr/>
+        <p:nvPr/>
+      </p:nvGrpSpPr>
+      <p:grpSpPr>
+        <a:xfrm>
+          <a:off x="0" y="0"/>
+          <a:ext cx="0" cy="0"/>
+          <a:chOff x="0" y="0"/>
+          <a:chExt cx="0" cy="0"/>
+        </a:xfrm>
+      </p:grpSpPr>
+      <p:sp>
+        <p:nvSpPr>
+          <p:cNvPr id="2" name="Title 1">
+            <a:extLst>
+              <a:ext uri="{FF2B5EF4-FFF2-40B4-BE49-F238E27FC236}">
+                <a16:creationId xmlns:a16="http://schemas.microsoft.com/office/drawing/2014/main" id="{AF6E53CC-7D1E-6624-763D-4B69072627B4}"/>
+              </a:ext>
+            </a:extLst>
+          </p:cNvPr>
+          <p:cNvSpPr>
+            <a:spLocks noGrp="1"/>
+          </p:cNvSpPr>
+          <p:nvPr>
+            <p:ph type="title"/>
+          </p:nvPr>
+        </p:nvSpPr>
+        <p:spPr/>
+        <p:txBody>
+          <a:bodyPr/>
+          <a:lstStyle/>
+          <a:p>
+            <a:r>
+              <a:rPr lang="en-US" b="1" dirty="0"/>
+              <a:t>Step 1: Define Initial Engagement Levels</a:t>
+            </a:r>
+            <a:endParaRPr lang="en-US" dirty="0"/>
+          </a:p>
+        </p:txBody>
+      </p:sp>
+      <p:sp>
+        <p:nvSpPr>
+          <p:cNvPr id="3" name="Content Placeholder 2">
+            <a:extLst>
+              <a:ext uri="{FF2B5EF4-FFF2-40B4-BE49-F238E27FC236}">
+                <a16:creationId xmlns:a16="http://schemas.microsoft.com/office/drawing/2014/main" id="{1037176A-96AF-A4D6-11A1-8EB588A1F889}"/>
+              </a:ext>
+            </a:extLst>
+          </p:cNvPr>
+          <p:cNvSpPr>
+            <a:spLocks noGrp="1"/>
+          </p:cNvSpPr>
+          <p:nvPr>
+            <p:ph idx="1"/>
+          </p:nvPr>
+        </p:nvSpPr>
+        <p:spPr/>
+        <p:txBody>
+          <a:bodyPr/>
+          <a:lstStyle/>
+          <a:p>
+            <a:r>
+              <a:rPr lang="en-US" dirty="0"/>
+              <a:t>We begin with the following </a:t>
+            </a:r>
+            <a:r>
+              <a:rPr lang="en-US" b="1" dirty="0"/>
+              <a:t>initial engagement levels</a:t>
+            </a:r>
+            <a:r>
+              <a:rPr lang="en-US" dirty="0"/>
+              <a:t> for each stakeholder:</a:t>
+            </a:r>
+          </a:p>
+          <a:p>
+            <a:pPr>
+              <a:buFont typeface="Arial" panose="020B0604020202020204" pitchFamily="34" charset="0"/>
+              <a:buChar char="•"/>
+            </a:pPr>
+            <a:r>
+              <a:rPr lang="en-US" b="1" dirty="0"/>
+              <a:t>Patients</a:t>
+            </a:r>
+            <a:r>
+              <a:rPr lang="en-US" dirty="0"/>
+              <a:t>: 0.6 (60% engaged)</a:t>
+            </a:r>
+          </a:p>
+          <a:p>
+            <a:pPr>
+              <a:buFont typeface="Arial" panose="020B0604020202020204" pitchFamily="34" charset="0"/>
+              <a:buChar char="•"/>
+            </a:pPr>
+            <a:r>
+              <a:rPr lang="en-US" b="1" dirty="0"/>
+              <a:t>Doctors</a:t>
+            </a:r>
+            <a:r>
+              <a:rPr lang="en-US" dirty="0"/>
+              <a:t>: 0.8 (80% engaged)</a:t>
+            </a:r>
+          </a:p>
+          <a:p>
+            <a:pPr>
+              <a:buFont typeface="Arial" panose="020B0604020202020204" pitchFamily="34" charset="0"/>
+              <a:buChar char="•"/>
+            </a:pPr>
+            <a:r>
+              <a:rPr lang="en-US" b="1" dirty="0"/>
+              <a:t>Nurses</a:t>
+            </a:r>
+            <a:r>
+              <a:rPr lang="en-US" dirty="0"/>
+              <a:t>: 0.75 (75% engaged)</a:t>
+            </a:r>
+          </a:p>
+          <a:p>
+            <a:pPr>
+              <a:buFont typeface="Arial" panose="020B0604020202020204" pitchFamily="34" charset="0"/>
+              <a:buChar char="•"/>
+            </a:pPr>
+            <a:r>
+              <a:rPr lang="en-US" b="1" dirty="0"/>
+              <a:t>Administrators</a:t>
+            </a:r>
+            <a:r>
+              <a:rPr lang="en-US" dirty="0"/>
+              <a:t>: 0.5 (50% engaged)</a:t>
+            </a:r>
+          </a:p>
+        </p:txBody>
+      </p:sp>
+    </p:spTree>
+    <p:extLst>
+      <p:ext uri="{BB962C8B-B14F-4D97-AF65-F5344CB8AC3E}">
+        <p14:creationId xmlns:p14="http://schemas.microsoft.com/office/powerpoint/2010/main" val="2183177192"/>
+      </p:ext>
+    </p:extLst>
+  </p:cSld>
+  <p:clrMapOvr>
+    <a:masterClrMapping/>
+  </p:clrMapOvr>
+</p:sld>
+</file>
+
+<file path=ppt/slides/slide37.xml><?xml version="1.0" encoding="utf-8"?>
+<p:sld xmlns:a="http://schemas.openxmlformats.org/drawingml/2006/main" xmlns:r="http://schemas.openxmlformats.org/officeDocument/2006/relationships" xmlns:p="http://schemas.openxmlformats.org/presentationml/2006/main">
+  <p:cSld>
+    <p:spTree>
+      <p:nvGrpSpPr>
+        <p:cNvPr id="1" name=""/>
+        <p:cNvGrpSpPr/>
+        <p:nvPr/>
+      </p:nvGrpSpPr>
+      <p:grpSpPr>
+        <a:xfrm>
+          <a:off x="0" y="0"/>
+          <a:ext cx="0" cy="0"/>
+          <a:chOff x="0" y="0"/>
+          <a:chExt cx="0" cy="0"/>
+        </a:xfrm>
+      </p:grpSpPr>
+      <p:sp>
+        <p:nvSpPr>
+          <p:cNvPr id="2" name="Title 1">
+            <a:extLst>
+              <a:ext uri="{FF2B5EF4-FFF2-40B4-BE49-F238E27FC236}">
+                <a16:creationId xmlns:a16="http://schemas.microsoft.com/office/drawing/2014/main" id="{DAC98F31-2FB9-C77F-0AEA-6E709BE7B660}"/>
+              </a:ext>
+            </a:extLst>
+          </p:cNvPr>
+          <p:cNvSpPr>
+            <a:spLocks noGrp="1"/>
+          </p:cNvSpPr>
+          <p:nvPr>
+            <p:ph type="title"/>
+          </p:nvPr>
+        </p:nvSpPr>
+        <p:spPr/>
+        <p:txBody>
+          <a:bodyPr>
+            <a:normAutofit/>
+          </a:bodyPr>
+          <a:lstStyle/>
+          <a:p>
+            <a:r>
+              <a:rPr lang="en-US" b="1" dirty="0"/>
+              <a:t>Step 2: Simulate Engagement Fluctuations for 12 Months</a:t>
+            </a:r>
+            <a:endParaRPr lang="en-US" dirty="0"/>
+          </a:p>
+        </p:txBody>
+      </p:sp>
+      <p:sp>
+        <p:nvSpPr>
+          <p:cNvPr id="3" name="Content Placeholder 2">
+            <a:extLst>
+              <a:ext uri="{FF2B5EF4-FFF2-40B4-BE49-F238E27FC236}">
+                <a16:creationId xmlns:a16="http://schemas.microsoft.com/office/drawing/2014/main" id="{52CD24E6-869F-2265-E967-EA0C0EDC84AA}"/>
+              </a:ext>
+            </a:extLst>
+          </p:cNvPr>
+          <p:cNvSpPr>
+            <a:spLocks noGrp="1"/>
+          </p:cNvSpPr>
+          <p:nvPr>
+            <p:ph idx="1"/>
+          </p:nvPr>
+        </p:nvSpPr>
+        <p:spPr/>
+        <p:txBody>
+          <a:bodyPr/>
+          <a:lstStyle/>
+          <a:p>
+            <a:pPr marL="0" indent="0">
+              <a:buNone/>
+            </a:pPr>
+            <a:r>
+              <a:rPr lang="en-US" dirty="0"/>
+              <a:t>we apply random fluctuations (within the range [−0.05,+0.05][-0.05, +0.05][−0.05,+0.05]) each month to the initial engagement levels.</a:t>
+            </a:r>
+            <a:endParaRPr lang="en-US" b="1" dirty="0"/>
+          </a:p>
+          <a:p>
+            <a:r>
+              <a:rPr lang="en-US" b="1" dirty="0"/>
+              <a:t>Month 1:</a:t>
+            </a:r>
+          </a:p>
+          <a:p>
+            <a:pPr>
+              <a:buFont typeface="Arial" panose="020B0604020202020204" pitchFamily="34" charset="0"/>
+              <a:buChar char="•"/>
+            </a:pPr>
+            <a:r>
+              <a:rPr lang="en-US" b="1" dirty="0"/>
+              <a:t>Initial Engagement</a:t>
+            </a:r>
+            <a:r>
+              <a:rPr lang="en-US" dirty="0"/>
+              <a:t> (for all stakeholders):</a:t>
+            </a:r>
+          </a:p>
+          <a:p>
+            <a:pPr marL="742950" lvl="1" indent="-285750">
+              <a:buFont typeface="Arial" panose="020B0604020202020204" pitchFamily="34" charset="0"/>
+              <a:buChar char="•"/>
+            </a:pPr>
+            <a:r>
+              <a:rPr lang="en-US" b="1" dirty="0"/>
+              <a:t>Patients</a:t>
+            </a:r>
+            <a:r>
+              <a:rPr lang="en-US" dirty="0"/>
+              <a:t>: 0.6</a:t>
+            </a:r>
+          </a:p>
+          <a:p>
+            <a:pPr marL="742950" lvl="1" indent="-285750">
+              <a:buFont typeface="Arial" panose="020B0604020202020204" pitchFamily="34" charset="0"/>
+              <a:buChar char="•"/>
+            </a:pPr>
+            <a:r>
+              <a:rPr lang="en-US" b="1" dirty="0"/>
+              <a:t>Doctors</a:t>
+            </a:r>
+            <a:r>
+              <a:rPr lang="en-US" dirty="0"/>
+              <a:t>: 0.8</a:t>
+            </a:r>
+          </a:p>
+          <a:p>
+            <a:pPr marL="742950" lvl="1" indent="-285750">
+              <a:buFont typeface="Arial" panose="020B0604020202020204" pitchFamily="34" charset="0"/>
+              <a:buChar char="•"/>
+            </a:pPr>
+            <a:r>
+              <a:rPr lang="en-US" b="1" dirty="0"/>
+              <a:t>Nurses</a:t>
+            </a:r>
+            <a:r>
+              <a:rPr lang="en-US" dirty="0"/>
+              <a:t>: 0.75</a:t>
+            </a:r>
+          </a:p>
+          <a:p>
+            <a:pPr marL="742950" lvl="1" indent="-285750">
+              <a:buFont typeface="Arial" panose="020B0604020202020204" pitchFamily="34" charset="0"/>
+              <a:buChar char="•"/>
+            </a:pPr>
+            <a:r>
+              <a:rPr lang="en-US" b="1" dirty="0"/>
+              <a:t>Administrators</a:t>
+            </a:r>
+            <a:r>
+              <a:rPr lang="en-US" dirty="0"/>
+              <a:t>: 0.5</a:t>
+            </a:r>
+          </a:p>
+          <a:p>
+            <a:pPr marL="0" indent="0">
+              <a:buNone/>
+            </a:pPr>
+            <a:endParaRPr lang="en-US" dirty="0"/>
+          </a:p>
+        </p:txBody>
+      </p:sp>
+    </p:spTree>
+    <p:extLst>
+      <p:ext uri="{BB962C8B-B14F-4D97-AF65-F5344CB8AC3E}">
+        <p14:creationId xmlns:p14="http://schemas.microsoft.com/office/powerpoint/2010/main" val="3867802229"/>
+      </p:ext>
+    </p:extLst>
+  </p:cSld>
+  <p:clrMapOvr>
+    <a:masterClrMapping/>
+  </p:clrMapOvr>
+</p:sld>
+</file>
+
+<file path=ppt/slides/slide38.xml><?xml version="1.0" encoding="utf-8"?>
+<p:sld xmlns:a="http://schemas.openxmlformats.org/drawingml/2006/main" xmlns:r="http://schemas.openxmlformats.org/officeDocument/2006/relationships" xmlns:p="http://schemas.openxmlformats.org/presentationml/2006/main">
+  <p:cSld>
+    <p:spTree>
+      <p:nvGrpSpPr>
+        <p:cNvPr id="1" name=""/>
+        <p:cNvGrpSpPr/>
+        <p:nvPr/>
+      </p:nvGrpSpPr>
+      <p:grpSpPr>
+        <a:xfrm>
+          <a:off x="0" y="0"/>
+          <a:ext cx="0" cy="0"/>
+          <a:chOff x="0" y="0"/>
+          <a:chExt cx="0" cy="0"/>
+        </a:xfrm>
+      </p:grpSpPr>
+      <p:sp>
+        <p:nvSpPr>
+          <p:cNvPr id="2" name="Title 1">
+            <a:extLst>
+              <a:ext uri="{FF2B5EF4-FFF2-40B4-BE49-F238E27FC236}">
+                <a16:creationId xmlns:a16="http://schemas.microsoft.com/office/drawing/2014/main" id="{A3BFB231-84DE-64BC-93C6-48E5983BC312}"/>
+              </a:ext>
+            </a:extLst>
+          </p:cNvPr>
+          <p:cNvSpPr>
+            <a:spLocks noGrp="1"/>
+          </p:cNvSpPr>
+          <p:nvPr>
+            <p:ph type="title"/>
+          </p:nvPr>
+        </p:nvSpPr>
+        <p:spPr/>
+        <p:txBody>
+          <a:bodyPr/>
+          <a:lstStyle/>
+          <a:p>
+            <a:r>
+              <a:rPr lang="en-US" b="1" dirty="0"/>
+              <a:t>Month 2 (First Fluctuation)</a:t>
+            </a:r>
+            <a:endParaRPr lang="en-US" dirty="0"/>
+          </a:p>
+        </p:txBody>
+      </p:sp>
+      <p:sp>
+        <p:nvSpPr>
+          <p:cNvPr id="3" name="Content Placeholder 2">
+            <a:extLst>
+              <a:ext uri="{FF2B5EF4-FFF2-40B4-BE49-F238E27FC236}">
+                <a16:creationId xmlns:a16="http://schemas.microsoft.com/office/drawing/2014/main" id="{F137F21A-78F7-CECA-4708-8B565C64DA77}"/>
+              </a:ext>
+            </a:extLst>
+          </p:cNvPr>
+          <p:cNvSpPr>
+            <a:spLocks noGrp="1"/>
+          </p:cNvSpPr>
+          <p:nvPr>
+            <p:ph idx="1"/>
+          </p:nvPr>
+        </p:nvSpPr>
+        <p:spPr/>
+        <p:txBody>
+          <a:bodyPr/>
+          <a:lstStyle/>
+          <a:p>
+            <a:pPr marL="0" indent="0">
+              <a:buNone/>
+            </a:pPr>
+            <a:r>
+              <a:rPr lang="en-US" dirty="0"/>
+              <a:t>Assume the random fluctuations for each stakeholder are as follows:</a:t>
+            </a:r>
+          </a:p>
+          <a:p>
+            <a:pPr marL="0" indent="0">
+              <a:buNone/>
+            </a:pPr>
+            <a:endParaRPr lang="en-US" dirty="0"/>
+          </a:p>
+          <a:p>
+            <a:pPr marL="0" indent="0">
+              <a:buNone/>
+            </a:pPr>
+            <a:endParaRPr lang="en-US" dirty="0"/>
+          </a:p>
+        </p:txBody>
+      </p:sp>
+    </p:spTree>
+    <p:extLst>
+      <p:ext uri="{BB962C8B-B14F-4D97-AF65-F5344CB8AC3E}">
+        <p14:creationId xmlns:p14="http://schemas.microsoft.com/office/powerpoint/2010/main" val="267507049"/>
+      </p:ext>
+    </p:extLst>
+  </p:cSld>
+  <p:clrMapOvr>
+    <a:masterClrMapping/>
+  </p:clrMapOvr>
+</p:sld>
+</file>
+
+<file path=ppt/slides/slide39.xml><?xml version="1.0" encoding="utf-8"?>
+<p:sld xmlns:a="http://schemas.openxmlformats.org/drawingml/2006/main" xmlns:r="http://schemas.openxmlformats.org/officeDocument/2006/relationships" xmlns:p="http://schemas.openxmlformats.org/presentationml/2006/main">
+  <p:cSld>
+    <p:spTree>
+      <p:nvGrpSpPr>
+        <p:cNvPr id="1" name=""/>
+        <p:cNvGrpSpPr/>
+        <p:nvPr/>
+      </p:nvGrpSpPr>
+      <p:grpSpPr>
+        <a:xfrm>
+          <a:off x="0" y="0"/>
+          <a:ext cx="0" cy="0"/>
+          <a:chOff x="0" y="0"/>
+          <a:chExt cx="0" cy="0"/>
+        </a:xfrm>
+      </p:grpSpPr>
+      <p:pic>
+        <p:nvPicPr>
+          <p:cNvPr id="5" name="Picture 4">
+            <a:extLst>
+              <a:ext uri="{FF2B5EF4-FFF2-40B4-BE49-F238E27FC236}">
+                <a16:creationId xmlns:a16="http://schemas.microsoft.com/office/drawing/2014/main" id="{09E34BB4-9B57-7EB9-A0D4-F883E3EA7D7A}"/>
+              </a:ext>
+            </a:extLst>
+          </p:cNvPr>
+          <p:cNvPicPr>
+            <a:picLocks noChangeAspect="1"/>
+          </p:cNvPicPr>
+          <p:nvPr/>
+        </p:nvPicPr>
+        <p:blipFill>
+          <a:blip r:embed="rId2"/>
+          <a:stretch>
+            <a:fillRect/>
+          </a:stretch>
+        </p:blipFill>
+        <p:spPr>
+          <a:xfrm>
+            <a:off x="2323961" y="421958"/>
+            <a:ext cx="6088949" cy="6247290"/>
+          </a:xfrm>
+          <a:prstGeom prst="rect">
+            <a:avLst/>
+          </a:prstGeom>
+        </p:spPr>
+      </p:pic>
+    </p:spTree>
+    <p:extLst>
+      <p:ext uri="{BB962C8B-B14F-4D97-AF65-F5344CB8AC3E}">
+        <p14:creationId xmlns:p14="http://schemas.microsoft.com/office/powerpoint/2010/main" val="1379721022"/>
+      </p:ext>
+    </p:extLst>
+  </p:cSld>
+  <p:clrMapOvr>
+    <a:masterClrMapping/>
+  </p:clrMapOvr>
+</p:sld>
+</file>
+
 <file path=ppt/slides/slide4.xml><?xml version="1.0" encoding="utf-8"?>
 <p:sld xmlns:a="http://schemas.openxmlformats.org/drawingml/2006/main" xmlns:r="http://schemas.openxmlformats.org/officeDocument/2006/relationships" xmlns:p="http://schemas.openxmlformats.org/presentationml/2006/main">
   <p:cSld>
@@ -6543,7 +7858,15 @@
             <a:pPr algn="just"/>
             <a:r>
               <a:rPr lang="en-US" dirty="0"/>
-              <a:t>My experience at USI, ETH Zürich and the Free University of Bozen-Bolzano (UNIBZ) involved hands-on projects focused on participatory modeling, software reliability, and system dynamics—areas I believe are highly relevant to this position.</a:t>
+              <a:t>My experience at USI, ETH Zürich and the Free University of Bozen-Bolzano (UNIBZ) involved hands-on projects and laboratory focused on participatory Modulation Simulation Optimization, Human Machine Interaction, software reliability and testing,</a:t>
+            </a:r>
+            <a:r>
+              <a:rPr lang="ar-SA" dirty="0"/>
+              <a:t> </a:t>
+            </a:r>
+            <a:r>
+              <a:rPr lang="en-US" dirty="0"/>
+              <a:t>Stochastic process and system dynamics—areas I believe are highly relevant to this position.</a:t>
             </a:r>
           </a:p>
         </p:txBody>
@@ -6552,6 +7875,918 @@
     <p:extLst>
       <p:ext uri="{BB962C8B-B14F-4D97-AF65-F5344CB8AC3E}">
         <p14:creationId xmlns:p14="http://schemas.microsoft.com/office/powerpoint/2010/main" val="3200188890"/>
+      </p:ext>
+    </p:extLst>
+  </p:cSld>
+  <p:clrMapOvr>
+    <a:masterClrMapping/>
+  </p:clrMapOvr>
+</p:sld>
+</file>
+
+<file path=ppt/slides/slide40.xml><?xml version="1.0" encoding="utf-8"?>
+<p:sld xmlns:a="http://schemas.openxmlformats.org/drawingml/2006/main" xmlns:r="http://schemas.openxmlformats.org/officeDocument/2006/relationships" xmlns:p="http://schemas.openxmlformats.org/presentationml/2006/main">
+  <p:cSld>
+    <p:spTree>
+      <p:nvGrpSpPr>
+        <p:cNvPr id="1" name=""/>
+        <p:cNvGrpSpPr/>
+        <p:nvPr/>
+      </p:nvGrpSpPr>
+      <p:grpSpPr>
+        <a:xfrm>
+          <a:off x="0" y="0"/>
+          <a:ext cx="0" cy="0"/>
+          <a:chOff x="0" y="0"/>
+          <a:chExt cx="0" cy="0"/>
+        </a:xfrm>
+      </p:grpSpPr>
+      <p:sp>
+        <p:nvSpPr>
+          <p:cNvPr id="2" name="Title 1">
+            <a:extLst>
+              <a:ext uri="{FF2B5EF4-FFF2-40B4-BE49-F238E27FC236}">
+                <a16:creationId xmlns:a16="http://schemas.microsoft.com/office/drawing/2014/main" id="{A245C48B-F092-0BCA-5962-2833A4C05B4D}"/>
+              </a:ext>
+            </a:extLst>
+          </p:cNvPr>
+          <p:cNvSpPr>
+            <a:spLocks noGrp="1"/>
+          </p:cNvSpPr>
+          <p:nvPr>
+            <p:ph type="title"/>
+          </p:nvPr>
+        </p:nvSpPr>
+        <p:spPr/>
+        <p:txBody>
+          <a:bodyPr/>
+          <a:lstStyle/>
+          <a:p>
+            <a:r>
+              <a:rPr lang="en-US" b="1" dirty="0"/>
+              <a:t>Month 2 Engagement Levels</a:t>
+            </a:r>
+            <a:endParaRPr lang="en-US" dirty="0"/>
+          </a:p>
+        </p:txBody>
+      </p:sp>
+      <p:sp>
+        <p:nvSpPr>
+          <p:cNvPr id="3" name="Content Placeholder 2">
+            <a:extLst>
+              <a:ext uri="{FF2B5EF4-FFF2-40B4-BE49-F238E27FC236}">
+                <a16:creationId xmlns:a16="http://schemas.microsoft.com/office/drawing/2014/main" id="{0A42358D-C626-A6A7-162C-B4D3757B119F}"/>
+              </a:ext>
+            </a:extLst>
+          </p:cNvPr>
+          <p:cNvSpPr>
+            <a:spLocks noGrp="1"/>
+          </p:cNvSpPr>
+          <p:nvPr>
+            <p:ph idx="1"/>
+          </p:nvPr>
+        </p:nvSpPr>
+        <p:spPr/>
+        <p:txBody>
+          <a:bodyPr/>
+          <a:lstStyle/>
+          <a:p>
+            <a:pPr>
+              <a:buFont typeface="Arial" panose="020B0604020202020204" pitchFamily="34" charset="0"/>
+              <a:buChar char="•"/>
+            </a:pPr>
+            <a:r>
+              <a:rPr lang="en-US" b="1" dirty="0"/>
+              <a:t>Patients</a:t>
+            </a:r>
+            <a:r>
+              <a:rPr lang="en-US" dirty="0"/>
+              <a:t>: 0.63</a:t>
+            </a:r>
+          </a:p>
+          <a:p>
+            <a:pPr>
+              <a:buFont typeface="Arial" panose="020B0604020202020204" pitchFamily="34" charset="0"/>
+              <a:buChar char="•"/>
+            </a:pPr>
+            <a:r>
+              <a:rPr lang="en-US" b="1" dirty="0"/>
+              <a:t>Doctors</a:t>
+            </a:r>
+            <a:r>
+              <a:rPr lang="en-US" dirty="0"/>
+              <a:t>: 0.78</a:t>
+            </a:r>
+          </a:p>
+          <a:p>
+            <a:pPr>
+              <a:buFont typeface="Arial" panose="020B0604020202020204" pitchFamily="34" charset="0"/>
+              <a:buChar char="•"/>
+            </a:pPr>
+            <a:r>
+              <a:rPr lang="en-US" b="1" dirty="0"/>
+              <a:t>Nurses</a:t>
+            </a:r>
+            <a:r>
+              <a:rPr lang="en-US" dirty="0"/>
+              <a:t>: 0.76</a:t>
+            </a:r>
+          </a:p>
+          <a:p>
+            <a:pPr>
+              <a:buFont typeface="Arial" panose="020B0604020202020204" pitchFamily="34" charset="0"/>
+              <a:buChar char="•"/>
+            </a:pPr>
+            <a:r>
+              <a:rPr lang="en-US" b="1" dirty="0"/>
+              <a:t>Administrators</a:t>
+            </a:r>
+            <a:r>
+              <a:rPr lang="en-US" dirty="0"/>
+              <a:t>: 0.54</a:t>
+            </a:r>
+          </a:p>
+          <a:p>
+            <a:pPr marL="0" indent="0">
+              <a:buNone/>
+            </a:pPr>
+            <a:endParaRPr lang="en-US" dirty="0"/>
+          </a:p>
+        </p:txBody>
+      </p:sp>
+    </p:spTree>
+    <p:extLst>
+      <p:ext uri="{BB962C8B-B14F-4D97-AF65-F5344CB8AC3E}">
+        <p14:creationId xmlns:p14="http://schemas.microsoft.com/office/powerpoint/2010/main" val="2392780534"/>
+      </p:ext>
+    </p:extLst>
+  </p:cSld>
+  <p:clrMapOvr>
+    <a:masterClrMapping/>
+  </p:clrMapOvr>
+</p:sld>
+</file>
+
+<file path=ppt/slides/slide41.xml><?xml version="1.0" encoding="utf-8"?>
+<p:sld xmlns:a="http://schemas.openxmlformats.org/drawingml/2006/main" xmlns:r="http://schemas.openxmlformats.org/officeDocument/2006/relationships" xmlns:p="http://schemas.openxmlformats.org/presentationml/2006/main">
+  <p:cSld>
+    <p:spTree>
+      <p:nvGrpSpPr>
+        <p:cNvPr id="1" name=""/>
+        <p:cNvGrpSpPr/>
+        <p:nvPr/>
+      </p:nvGrpSpPr>
+      <p:grpSpPr>
+        <a:xfrm>
+          <a:off x="0" y="0"/>
+          <a:ext cx="0" cy="0"/>
+          <a:chOff x="0" y="0"/>
+          <a:chExt cx="0" cy="0"/>
+        </a:xfrm>
+      </p:grpSpPr>
+      <p:sp>
+        <p:nvSpPr>
+          <p:cNvPr id="2" name="Title 1">
+            <a:extLst>
+              <a:ext uri="{FF2B5EF4-FFF2-40B4-BE49-F238E27FC236}">
+                <a16:creationId xmlns:a16="http://schemas.microsoft.com/office/drawing/2014/main" id="{BB06A895-59F9-A587-B902-83634EDB394B}"/>
+              </a:ext>
+            </a:extLst>
+          </p:cNvPr>
+          <p:cNvSpPr>
+            <a:spLocks noGrp="1"/>
+          </p:cNvSpPr>
+          <p:nvPr>
+            <p:ph type="title"/>
+          </p:nvPr>
+        </p:nvSpPr>
+        <p:spPr/>
+        <p:txBody>
+          <a:bodyPr/>
+          <a:lstStyle/>
+          <a:p>
+            <a:r>
+              <a:rPr lang="en-US" b="1" dirty="0"/>
+              <a:t>Step 3: Calculate Uptake Rate for Month 2</a:t>
+            </a:r>
+            <a:endParaRPr lang="en-US" dirty="0"/>
+          </a:p>
+        </p:txBody>
+      </p:sp>
+      <p:pic>
+        <p:nvPicPr>
+          <p:cNvPr id="5" name="Content Placeholder 4">
+            <a:extLst>
+              <a:ext uri="{FF2B5EF4-FFF2-40B4-BE49-F238E27FC236}">
+                <a16:creationId xmlns:a16="http://schemas.microsoft.com/office/drawing/2014/main" id="{0B320E85-3F39-04EA-8D03-9CB72B5C0832}"/>
+              </a:ext>
+            </a:extLst>
+          </p:cNvPr>
+          <p:cNvPicPr>
+            <a:picLocks noGrp="1" noChangeAspect="1"/>
+          </p:cNvPicPr>
+          <p:nvPr>
+            <p:ph idx="1"/>
+          </p:nvPr>
+        </p:nvPicPr>
+        <p:blipFill>
+          <a:blip r:embed="rId2"/>
+          <a:stretch>
+            <a:fillRect/>
+          </a:stretch>
+        </p:blipFill>
+        <p:spPr>
+          <a:xfrm>
+            <a:off x="529872" y="1828800"/>
+            <a:ext cx="11069618" cy="4320540"/>
+          </a:xfrm>
+        </p:spPr>
+      </p:pic>
+    </p:spTree>
+    <p:extLst>
+      <p:ext uri="{BB962C8B-B14F-4D97-AF65-F5344CB8AC3E}">
+        <p14:creationId xmlns:p14="http://schemas.microsoft.com/office/powerpoint/2010/main" val="1304821326"/>
+      </p:ext>
+    </p:extLst>
+  </p:cSld>
+  <p:clrMapOvr>
+    <a:masterClrMapping/>
+  </p:clrMapOvr>
+</p:sld>
+</file>
+
+<file path=ppt/slides/slide42.xml><?xml version="1.0" encoding="utf-8"?>
+<p:sld xmlns:a="http://schemas.openxmlformats.org/drawingml/2006/main" xmlns:r="http://schemas.openxmlformats.org/officeDocument/2006/relationships" xmlns:p="http://schemas.openxmlformats.org/presentationml/2006/main">
+  <p:cSld>
+    <p:spTree>
+      <p:nvGrpSpPr>
+        <p:cNvPr id="1" name=""/>
+        <p:cNvGrpSpPr/>
+        <p:nvPr/>
+      </p:nvGrpSpPr>
+      <p:grpSpPr>
+        <a:xfrm>
+          <a:off x="0" y="0"/>
+          <a:ext cx="0" cy="0"/>
+          <a:chOff x="0" y="0"/>
+          <a:chExt cx="0" cy="0"/>
+        </a:xfrm>
+      </p:grpSpPr>
+      <p:sp>
+        <p:nvSpPr>
+          <p:cNvPr id="2" name="Title 1">
+            <a:extLst>
+              <a:ext uri="{FF2B5EF4-FFF2-40B4-BE49-F238E27FC236}">
+                <a16:creationId xmlns:a16="http://schemas.microsoft.com/office/drawing/2014/main" id="{AA261731-11D6-5826-92C2-A188C8138BAE}"/>
+              </a:ext>
+            </a:extLst>
+          </p:cNvPr>
+          <p:cNvSpPr>
+            <a:spLocks noGrp="1"/>
+          </p:cNvSpPr>
+          <p:nvPr>
+            <p:ph type="title"/>
+          </p:nvPr>
+        </p:nvSpPr>
+        <p:spPr/>
+        <p:txBody>
+          <a:bodyPr/>
+          <a:lstStyle/>
+          <a:p>
+            <a:r>
+              <a:rPr lang="en-US" b="1" dirty="0"/>
+              <a:t>Step 4: Simulate for Month 3</a:t>
+            </a:r>
+            <a:endParaRPr lang="en-US" dirty="0"/>
+          </a:p>
+        </p:txBody>
+      </p:sp>
+      <p:pic>
+        <p:nvPicPr>
+          <p:cNvPr id="5" name="Content Placeholder 4">
+            <a:extLst>
+              <a:ext uri="{FF2B5EF4-FFF2-40B4-BE49-F238E27FC236}">
+                <a16:creationId xmlns:a16="http://schemas.microsoft.com/office/drawing/2014/main" id="{E40A475A-6D76-6A08-1386-8BD67BDD8A58}"/>
+              </a:ext>
+            </a:extLst>
+          </p:cNvPr>
+          <p:cNvPicPr>
+            <a:picLocks noGrp="1" noChangeAspect="1"/>
+          </p:cNvPicPr>
+          <p:nvPr>
+            <p:ph idx="1"/>
+          </p:nvPr>
+        </p:nvPicPr>
+        <p:blipFill>
+          <a:blip r:embed="rId2"/>
+          <a:stretch>
+            <a:fillRect/>
+          </a:stretch>
+        </p:blipFill>
+        <p:spPr>
+          <a:xfrm>
+            <a:off x="664903" y="1840230"/>
+            <a:ext cx="9364481" cy="3726180"/>
+          </a:xfrm>
+        </p:spPr>
+      </p:pic>
+    </p:spTree>
+    <p:extLst>
+      <p:ext uri="{BB962C8B-B14F-4D97-AF65-F5344CB8AC3E}">
+        <p14:creationId xmlns:p14="http://schemas.microsoft.com/office/powerpoint/2010/main" val="93422283"/>
+      </p:ext>
+    </p:extLst>
+  </p:cSld>
+  <p:clrMapOvr>
+    <a:masterClrMapping/>
+  </p:clrMapOvr>
+</p:sld>
+</file>
+
+<file path=ppt/slides/slide43.xml><?xml version="1.0" encoding="utf-8"?>
+<p:sld xmlns:a="http://schemas.openxmlformats.org/drawingml/2006/main" xmlns:r="http://schemas.openxmlformats.org/officeDocument/2006/relationships" xmlns:p="http://schemas.openxmlformats.org/presentationml/2006/main">
+  <p:cSld>
+    <p:spTree>
+      <p:nvGrpSpPr>
+        <p:cNvPr id="1" name=""/>
+        <p:cNvGrpSpPr/>
+        <p:nvPr/>
+      </p:nvGrpSpPr>
+      <p:grpSpPr>
+        <a:xfrm>
+          <a:off x="0" y="0"/>
+          <a:ext cx="0" cy="0"/>
+          <a:chOff x="0" y="0"/>
+          <a:chExt cx="0" cy="0"/>
+        </a:xfrm>
+      </p:grpSpPr>
+      <p:pic>
+        <p:nvPicPr>
+          <p:cNvPr id="5" name="Picture 4">
+            <a:extLst>
+              <a:ext uri="{FF2B5EF4-FFF2-40B4-BE49-F238E27FC236}">
+                <a16:creationId xmlns:a16="http://schemas.microsoft.com/office/drawing/2014/main" id="{2B0B354D-C44C-2CE0-99E0-DCC31EAA5EC2}"/>
+              </a:ext>
+            </a:extLst>
+          </p:cNvPr>
+          <p:cNvPicPr>
+            <a:picLocks noChangeAspect="1"/>
+          </p:cNvPicPr>
+          <p:nvPr/>
+        </p:nvPicPr>
+        <p:blipFill>
+          <a:blip r:embed="rId2"/>
+          <a:stretch>
+            <a:fillRect/>
+          </a:stretch>
+        </p:blipFill>
+        <p:spPr>
+          <a:xfrm>
+            <a:off x="1417321" y="328461"/>
+            <a:ext cx="7486786" cy="6201077"/>
+          </a:xfrm>
+          <a:prstGeom prst="rect">
+            <a:avLst/>
+          </a:prstGeom>
+        </p:spPr>
+      </p:pic>
+    </p:spTree>
+    <p:extLst>
+      <p:ext uri="{BB962C8B-B14F-4D97-AF65-F5344CB8AC3E}">
+        <p14:creationId xmlns:p14="http://schemas.microsoft.com/office/powerpoint/2010/main" val="1641835664"/>
+      </p:ext>
+    </p:extLst>
+  </p:cSld>
+  <p:clrMapOvr>
+    <a:masterClrMapping/>
+  </p:clrMapOvr>
+</p:sld>
+</file>
+
+<file path=ppt/slides/slide44.xml><?xml version="1.0" encoding="utf-8"?>
+<p:sld xmlns:a="http://schemas.openxmlformats.org/drawingml/2006/main" xmlns:r="http://schemas.openxmlformats.org/officeDocument/2006/relationships" xmlns:p="http://schemas.openxmlformats.org/presentationml/2006/main">
+  <p:cSld>
+    <p:spTree>
+      <p:nvGrpSpPr>
+        <p:cNvPr id="1" name=""/>
+        <p:cNvGrpSpPr/>
+        <p:nvPr/>
+      </p:nvGrpSpPr>
+      <p:grpSpPr>
+        <a:xfrm>
+          <a:off x="0" y="0"/>
+          <a:ext cx="0" cy="0"/>
+          <a:chOff x="0" y="0"/>
+          <a:chExt cx="0" cy="0"/>
+        </a:xfrm>
+      </p:grpSpPr>
+      <p:sp>
+        <p:nvSpPr>
+          <p:cNvPr id="2" name="Title 1">
+            <a:extLst>
+              <a:ext uri="{FF2B5EF4-FFF2-40B4-BE49-F238E27FC236}">
+                <a16:creationId xmlns:a16="http://schemas.microsoft.com/office/drawing/2014/main" id="{555DAF58-A0B8-E4D0-23F4-A3224D298D69}"/>
+              </a:ext>
+            </a:extLst>
+          </p:cNvPr>
+          <p:cNvSpPr>
+            <a:spLocks noGrp="1"/>
+          </p:cNvSpPr>
+          <p:nvPr>
+            <p:ph type="title"/>
+          </p:nvPr>
+        </p:nvSpPr>
+        <p:spPr/>
+        <p:txBody>
+          <a:bodyPr/>
+          <a:lstStyle/>
+          <a:p>
+            <a:r>
+              <a:rPr lang="en-US" b="1" dirty="0"/>
+              <a:t>Month 3 Engagement Levels</a:t>
+            </a:r>
+            <a:endParaRPr lang="en-US" dirty="0"/>
+          </a:p>
+        </p:txBody>
+      </p:sp>
+      <p:sp>
+        <p:nvSpPr>
+          <p:cNvPr id="3" name="Content Placeholder 2">
+            <a:extLst>
+              <a:ext uri="{FF2B5EF4-FFF2-40B4-BE49-F238E27FC236}">
+                <a16:creationId xmlns:a16="http://schemas.microsoft.com/office/drawing/2014/main" id="{B69A44F4-2AF7-5F60-66EB-5BE793BFA733}"/>
+              </a:ext>
+            </a:extLst>
+          </p:cNvPr>
+          <p:cNvSpPr>
+            <a:spLocks noGrp="1"/>
+          </p:cNvSpPr>
+          <p:nvPr>
+            <p:ph idx="1"/>
+          </p:nvPr>
+        </p:nvSpPr>
+        <p:spPr/>
+        <p:txBody>
+          <a:bodyPr/>
+          <a:lstStyle/>
+          <a:p>
+            <a:pPr>
+              <a:buFont typeface="Arial" panose="020B0604020202020204" pitchFamily="34" charset="0"/>
+              <a:buChar char="•"/>
+            </a:pPr>
+            <a:r>
+              <a:rPr lang="en-US" b="1" dirty="0"/>
+              <a:t>Patients</a:t>
+            </a:r>
+            <a:r>
+              <a:rPr lang="en-US" dirty="0"/>
+              <a:t>: 0.61</a:t>
+            </a:r>
+          </a:p>
+          <a:p>
+            <a:pPr>
+              <a:buFont typeface="Arial" panose="020B0604020202020204" pitchFamily="34" charset="0"/>
+              <a:buChar char="•"/>
+            </a:pPr>
+            <a:r>
+              <a:rPr lang="en-US" b="1" dirty="0"/>
+              <a:t>Doctors</a:t>
+            </a:r>
+            <a:r>
+              <a:rPr lang="en-US" dirty="0"/>
+              <a:t>: 0.79</a:t>
+            </a:r>
+          </a:p>
+          <a:p>
+            <a:pPr>
+              <a:buFont typeface="Arial" panose="020B0604020202020204" pitchFamily="34" charset="0"/>
+              <a:buChar char="•"/>
+            </a:pPr>
+            <a:r>
+              <a:rPr lang="en-US" b="1" dirty="0"/>
+              <a:t>Nurses</a:t>
+            </a:r>
+            <a:r>
+              <a:rPr lang="en-US" dirty="0"/>
+              <a:t>: 0.73</a:t>
+            </a:r>
+          </a:p>
+          <a:p>
+            <a:pPr>
+              <a:buFont typeface="Arial" panose="020B0604020202020204" pitchFamily="34" charset="0"/>
+              <a:buChar char="•"/>
+            </a:pPr>
+            <a:r>
+              <a:rPr lang="en-US" b="1" dirty="0"/>
+              <a:t>Administrators</a:t>
+            </a:r>
+            <a:r>
+              <a:rPr lang="en-US" dirty="0"/>
+              <a:t>: 0.53</a:t>
+            </a:r>
+          </a:p>
+          <a:p>
+            <a:pPr marL="0" indent="0">
+              <a:buNone/>
+            </a:pPr>
+            <a:endParaRPr lang="en-US" dirty="0"/>
+          </a:p>
+        </p:txBody>
+      </p:sp>
+    </p:spTree>
+    <p:extLst>
+      <p:ext uri="{BB962C8B-B14F-4D97-AF65-F5344CB8AC3E}">
+        <p14:creationId xmlns:p14="http://schemas.microsoft.com/office/powerpoint/2010/main" val="3431756054"/>
+      </p:ext>
+    </p:extLst>
+  </p:cSld>
+  <p:clrMapOvr>
+    <a:masterClrMapping/>
+  </p:clrMapOvr>
+</p:sld>
+</file>
+
+<file path=ppt/slides/slide45.xml><?xml version="1.0" encoding="utf-8"?>
+<p:sld xmlns:a="http://schemas.openxmlformats.org/drawingml/2006/main" xmlns:r="http://schemas.openxmlformats.org/officeDocument/2006/relationships" xmlns:p="http://schemas.openxmlformats.org/presentationml/2006/main">
+  <p:cSld>
+    <p:spTree>
+      <p:nvGrpSpPr>
+        <p:cNvPr id="1" name=""/>
+        <p:cNvGrpSpPr/>
+        <p:nvPr/>
+      </p:nvGrpSpPr>
+      <p:grpSpPr>
+        <a:xfrm>
+          <a:off x="0" y="0"/>
+          <a:ext cx="0" cy="0"/>
+          <a:chOff x="0" y="0"/>
+          <a:chExt cx="0" cy="0"/>
+        </a:xfrm>
+      </p:grpSpPr>
+      <p:sp>
+        <p:nvSpPr>
+          <p:cNvPr id="2" name="Title 1">
+            <a:extLst>
+              <a:ext uri="{FF2B5EF4-FFF2-40B4-BE49-F238E27FC236}">
+                <a16:creationId xmlns:a16="http://schemas.microsoft.com/office/drawing/2014/main" id="{418EF76A-A44C-64C3-5D49-4714CE3E72CC}"/>
+              </a:ext>
+            </a:extLst>
+          </p:cNvPr>
+          <p:cNvSpPr>
+            <a:spLocks noGrp="1"/>
+          </p:cNvSpPr>
+          <p:nvPr>
+            <p:ph type="title"/>
+          </p:nvPr>
+        </p:nvSpPr>
+        <p:spPr/>
+        <p:txBody>
+          <a:bodyPr/>
+          <a:lstStyle/>
+          <a:p>
+            <a:r>
+              <a:rPr lang="en-US" b="1" dirty="0"/>
+              <a:t>Step 5: Calculate Uptake Rate for Month 3</a:t>
+            </a:r>
+            <a:endParaRPr lang="en-US" dirty="0"/>
+          </a:p>
+        </p:txBody>
+      </p:sp>
+      <p:pic>
+        <p:nvPicPr>
+          <p:cNvPr id="5" name="Content Placeholder 4">
+            <a:extLst>
+              <a:ext uri="{FF2B5EF4-FFF2-40B4-BE49-F238E27FC236}">
+                <a16:creationId xmlns:a16="http://schemas.microsoft.com/office/drawing/2014/main" id="{D4E23DC5-E849-6D3B-CA53-8F924D9AD5AB}"/>
+              </a:ext>
+            </a:extLst>
+          </p:cNvPr>
+          <p:cNvPicPr>
+            <a:picLocks noGrp="1" noChangeAspect="1"/>
+          </p:cNvPicPr>
+          <p:nvPr>
+            <p:ph idx="1"/>
+          </p:nvPr>
+        </p:nvPicPr>
+        <p:blipFill>
+          <a:blip r:embed="rId2"/>
+          <a:stretch>
+            <a:fillRect/>
+          </a:stretch>
+        </p:blipFill>
+        <p:spPr>
+          <a:xfrm>
+            <a:off x="1241994" y="2484027"/>
+            <a:ext cx="10646938" cy="2247993"/>
+          </a:xfrm>
+        </p:spPr>
+      </p:pic>
+    </p:spTree>
+    <p:extLst>
+      <p:ext uri="{BB962C8B-B14F-4D97-AF65-F5344CB8AC3E}">
+        <p14:creationId xmlns:p14="http://schemas.microsoft.com/office/powerpoint/2010/main" val="1132329806"/>
+      </p:ext>
+    </p:extLst>
+  </p:cSld>
+  <p:clrMapOvr>
+    <a:masterClrMapping/>
+  </p:clrMapOvr>
+</p:sld>
+</file>
+
+<file path=ppt/slides/slide46.xml><?xml version="1.0" encoding="utf-8"?>
+<p:sld xmlns:a="http://schemas.openxmlformats.org/drawingml/2006/main" xmlns:r="http://schemas.openxmlformats.org/officeDocument/2006/relationships" xmlns:p="http://schemas.openxmlformats.org/presentationml/2006/main">
+  <p:cSld>
+    <p:spTree>
+      <p:nvGrpSpPr>
+        <p:cNvPr id="1" name=""/>
+        <p:cNvGrpSpPr/>
+        <p:nvPr/>
+      </p:nvGrpSpPr>
+      <p:grpSpPr>
+        <a:xfrm>
+          <a:off x="0" y="0"/>
+          <a:ext cx="0" cy="0"/>
+          <a:chOff x="0" y="0"/>
+          <a:chExt cx="0" cy="0"/>
+        </a:xfrm>
+      </p:grpSpPr>
+      <p:sp>
+        <p:nvSpPr>
+          <p:cNvPr id="2" name="Title 1">
+            <a:extLst>
+              <a:ext uri="{FF2B5EF4-FFF2-40B4-BE49-F238E27FC236}">
+                <a16:creationId xmlns:a16="http://schemas.microsoft.com/office/drawing/2014/main" id="{9C03D75A-5C4B-3E23-3D97-7D055F746A08}"/>
+              </a:ext>
+            </a:extLst>
+          </p:cNvPr>
+          <p:cNvSpPr>
+            <a:spLocks noGrp="1"/>
+          </p:cNvSpPr>
+          <p:nvPr>
+            <p:ph type="title"/>
+          </p:nvPr>
+        </p:nvSpPr>
+        <p:spPr/>
+        <p:txBody>
+          <a:bodyPr/>
+          <a:lstStyle/>
+          <a:p>
+            <a:r>
+              <a:rPr lang="en-US" dirty="0"/>
+              <a:t>Summary of the First 3 Months</a:t>
+            </a:r>
+          </a:p>
+        </p:txBody>
+      </p:sp>
+      <p:pic>
+        <p:nvPicPr>
+          <p:cNvPr id="5" name="Picture 4">
+            <a:extLst>
+              <a:ext uri="{FF2B5EF4-FFF2-40B4-BE49-F238E27FC236}">
+                <a16:creationId xmlns:a16="http://schemas.microsoft.com/office/drawing/2014/main" id="{F2F93567-E1E1-D383-A91A-6A565CF0A037}"/>
+              </a:ext>
+            </a:extLst>
+          </p:cNvPr>
+          <p:cNvPicPr>
+            <a:picLocks noChangeAspect="1"/>
+          </p:cNvPicPr>
+          <p:nvPr/>
+        </p:nvPicPr>
+        <p:blipFill>
+          <a:blip r:embed="rId2"/>
+          <a:stretch>
+            <a:fillRect/>
+          </a:stretch>
+        </p:blipFill>
+        <p:spPr>
+          <a:xfrm>
+            <a:off x="289560" y="2023110"/>
+            <a:ext cx="11415361" cy="2240280"/>
+          </a:xfrm>
+          <a:prstGeom prst="rect">
+            <a:avLst/>
+          </a:prstGeom>
+        </p:spPr>
+      </p:pic>
+    </p:spTree>
+    <p:extLst>
+      <p:ext uri="{BB962C8B-B14F-4D97-AF65-F5344CB8AC3E}">
+        <p14:creationId xmlns:p14="http://schemas.microsoft.com/office/powerpoint/2010/main" val="3269075715"/>
+      </p:ext>
+    </p:extLst>
+  </p:cSld>
+  <p:clrMapOvr>
+    <a:masterClrMapping/>
+  </p:clrMapOvr>
+</p:sld>
+</file>
+
+<file path=ppt/slides/slide47.xml><?xml version="1.0" encoding="utf-8"?>
+<p:sld xmlns:a="http://schemas.openxmlformats.org/drawingml/2006/main" xmlns:r="http://schemas.openxmlformats.org/officeDocument/2006/relationships" xmlns:p="http://schemas.openxmlformats.org/presentationml/2006/main">
+  <p:cSld>
+    <p:spTree>
+      <p:nvGrpSpPr>
+        <p:cNvPr id="1" name=""/>
+        <p:cNvGrpSpPr/>
+        <p:nvPr/>
+      </p:nvGrpSpPr>
+      <p:grpSpPr>
+        <a:xfrm>
+          <a:off x="0" y="0"/>
+          <a:ext cx="0" cy="0"/>
+          <a:chOff x="0" y="0"/>
+          <a:chExt cx="0" cy="0"/>
+        </a:xfrm>
+      </p:grpSpPr>
+      <p:sp>
+        <p:nvSpPr>
+          <p:cNvPr id="2" name="Title 1">
+            <a:extLst>
+              <a:ext uri="{FF2B5EF4-FFF2-40B4-BE49-F238E27FC236}">
+                <a16:creationId xmlns:a16="http://schemas.microsoft.com/office/drawing/2014/main" id="{F35657FB-568A-F557-7FE9-BA2F835099DC}"/>
+              </a:ext>
+            </a:extLst>
+          </p:cNvPr>
+          <p:cNvSpPr>
+            <a:spLocks noGrp="1"/>
+          </p:cNvSpPr>
+          <p:nvPr>
+            <p:ph type="title"/>
+          </p:nvPr>
+        </p:nvSpPr>
+        <p:spPr/>
+        <p:txBody>
+          <a:bodyPr/>
+          <a:lstStyle/>
+          <a:p>
+            <a:r>
+              <a:rPr lang="en-US" b="1" dirty="0"/>
+              <a:t>Step 6: Repeat for Remaining Months</a:t>
+            </a:r>
+            <a:endParaRPr lang="en-US" dirty="0"/>
+          </a:p>
+        </p:txBody>
+      </p:sp>
+      <p:sp>
+        <p:nvSpPr>
+          <p:cNvPr id="3" name="Content Placeholder 2">
+            <a:extLst>
+              <a:ext uri="{FF2B5EF4-FFF2-40B4-BE49-F238E27FC236}">
+                <a16:creationId xmlns:a16="http://schemas.microsoft.com/office/drawing/2014/main" id="{688F6E8F-8A36-073E-AB40-E42B293B4F3F}"/>
+              </a:ext>
+            </a:extLst>
+          </p:cNvPr>
+          <p:cNvSpPr>
+            <a:spLocks noGrp="1"/>
+          </p:cNvSpPr>
+          <p:nvPr>
+            <p:ph idx="1"/>
+          </p:nvPr>
+        </p:nvSpPr>
+        <p:spPr/>
+        <p:txBody>
+          <a:bodyPr/>
+          <a:lstStyle/>
+          <a:p>
+            <a:pPr algn="just"/>
+            <a:r>
+              <a:rPr lang="en-US" dirty="0"/>
+              <a:t>The same process is repeated for the remaining months (Month 4 to Month 12), where new fluctuations are applied each month to simulate the evolution of engagement levels and the corresponding uptake rate. </a:t>
+            </a:r>
+          </a:p>
+          <a:p>
+            <a:pPr algn="just"/>
+            <a:r>
+              <a:rPr lang="en-US" dirty="0"/>
+              <a:t>The final uptakes are plotted over time to visualize the model’s performance.</a:t>
+            </a:r>
+          </a:p>
+        </p:txBody>
+      </p:sp>
+    </p:spTree>
+    <p:extLst>
+      <p:ext uri="{BB962C8B-B14F-4D97-AF65-F5344CB8AC3E}">
+        <p14:creationId xmlns:p14="http://schemas.microsoft.com/office/powerpoint/2010/main" val="564831343"/>
+      </p:ext>
+    </p:extLst>
+  </p:cSld>
+  <p:clrMapOvr>
+    <a:masterClrMapping/>
+  </p:clrMapOvr>
+</p:sld>
+</file>
+
+<file path=ppt/slides/slide48.xml><?xml version="1.0" encoding="utf-8"?>
+<p:sld xmlns:a="http://schemas.openxmlformats.org/drawingml/2006/main" xmlns:r="http://schemas.openxmlformats.org/officeDocument/2006/relationships" xmlns:p="http://schemas.openxmlformats.org/presentationml/2006/main">
+  <p:cSld>
+    <p:spTree>
+      <p:nvGrpSpPr>
+        <p:cNvPr id="1" name=""/>
+        <p:cNvGrpSpPr/>
+        <p:nvPr/>
+      </p:nvGrpSpPr>
+      <p:grpSpPr>
+        <a:xfrm>
+          <a:off x="0" y="0"/>
+          <a:ext cx="0" cy="0"/>
+          <a:chOff x="0" y="0"/>
+          <a:chExt cx="0" cy="0"/>
+        </a:xfrm>
+      </p:grpSpPr>
+      <p:pic>
+        <p:nvPicPr>
+          <p:cNvPr id="5" name="Picture 4">
+            <a:extLst>
+              <a:ext uri="{FF2B5EF4-FFF2-40B4-BE49-F238E27FC236}">
+                <a16:creationId xmlns:a16="http://schemas.microsoft.com/office/drawing/2014/main" id="{02613AB4-A91C-2007-99C7-A45CA896978B}"/>
+              </a:ext>
+            </a:extLst>
+          </p:cNvPr>
+          <p:cNvPicPr>
+            <a:picLocks noChangeAspect="1"/>
+          </p:cNvPicPr>
+          <p:nvPr/>
+        </p:nvPicPr>
+        <p:blipFill>
+          <a:blip r:embed="rId2"/>
+          <a:srcRect l="1261" t="1843"/>
+          <a:stretch/>
+        </p:blipFill>
+        <p:spPr>
+          <a:xfrm>
+            <a:off x="388620" y="297625"/>
+            <a:ext cx="10218420" cy="6560375"/>
+          </a:xfrm>
+          <a:prstGeom prst="rect">
+            <a:avLst/>
+          </a:prstGeom>
+        </p:spPr>
+      </p:pic>
+    </p:spTree>
+    <p:extLst>
+      <p:ext uri="{BB962C8B-B14F-4D97-AF65-F5344CB8AC3E}">
+        <p14:creationId xmlns:p14="http://schemas.microsoft.com/office/powerpoint/2010/main" val="352014599"/>
+      </p:ext>
+    </p:extLst>
+  </p:cSld>
+  <p:clrMapOvr>
+    <a:masterClrMapping/>
+  </p:clrMapOvr>
+</p:sld>
+</file>
+
+<file path=ppt/slides/slide49.xml><?xml version="1.0" encoding="utf-8"?>
+<p:sld xmlns:a="http://schemas.openxmlformats.org/drawingml/2006/main" xmlns:r="http://schemas.openxmlformats.org/officeDocument/2006/relationships" xmlns:p="http://schemas.openxmlformats.org/presentationml/2006/main">
+  <p:cSld>
+    <p:spTree>
+      <p:nvGrpSpPr>
+        <p:cNvPr id="1" name=""/>
+        <p:cNvGrpSpPr/>
+        <p:nvPr/>
+      </p:nvGrpSpPr>
+      <p:grpSpPr>
+        <a:xfrm>
+          <a:off x="0" y="0"/>
+          <a:ext cx="0" cy="0"/>
+          <a:chOff x="0" y="0"/>
+          <a:chExt cx="0" cy="0"/>
+        </a:xfrm>
+      </p:grpSpPr>
+      <p:pic>
+        <p:nvPicPr>
+          <p:cNvPr id="5" name="Picture 4">
+            <a:extLst>
+              <a:ext uri="{FF2B5EF4-FFF2-40B4-BE49-F238E27FC236}">
+                <a16:creationId xmlns:a16="http://schemas.microsoft.com/office/drawing/2014/main" id="{35601A60-922E-5507-7374-B66DB34F0C00}"/>
+              </a:ext>
+            </a:extLst>
+          </p:cNvPr>
+          <p:cNvPicPr>
+            <a:picLocks noChangeAspect="1"/>
+          </p:cNvPicPr>
+          <p:nvPr/>
+        </p:nvPicPr>
+        <p:blipFill>
+          <a:blip r:embed="rId2"/>
+          <a:stretch>
+            <a:fillRect/>
+          </a:stretch>
+        </p:blipFill>
+        <p:spPr>
+          <a:xfrm>
+            <a:off x="712101" y="162367"/>
+            <a:ext cx="10432149" cy="6533265"/>
+          </a:xfrm>
+          <a:prstGeom prst="rect">
+            <a:avLst/>
+          </a:prstGeom>
+        </p:spPr>
+      </p:pic>
+    </p:spTree>
+    <p:extLst>
+      <p:ext uri="{BB962C8B-B14F-4D97-AF65-F5344CB8AC3E}">
+        <p14:creationId xmlns:p14="http://schemas.microsoft.com/office/powerpoint/2010/main" val="981455110"/>
       </p:ext>
     </p:extLst>
   </p:cSld>
@@ -6648,6 +8883,112 @@
     <p:extLst>
       <p:ext uri="{BB962C8B-B14F-4D97-AF65-F5344CB8AC3E}">
         <p14:creationId xmlns:p14="http://schemas.microsoft.com/office/powerpoint/2010/main" val="757653921"/>
+      </p:ext>
+    </p:extLst>
+  </p:cSld>
+  <p:clrMapOvr>
+    <a:masterClrMapping/>
+  </p:clrMapOvr>
+</p:sld>
+</file>
+
+<file path=ppt/slides/slide50.xml><?xml version="1.0" encoding="utf-8"?>
+<p:sld xmlns:a="http://schemas.openxmlformats.org/drawingml/2006/main" xmlns:r="http://schemas.openxmlformats.org/officeDocument/2006/relationships" xmlns:p="http://schemas.openxmlformats.org/presentationml/2006/main">
+  <p:cSld>
+    <p:spTree>
+      <p:nvGrpSpPr>
+        <p:cNvPr id="1" name=""/>
+        <p:cNvGrpSpPr/>
+        <p:nvPr/>
+      </p:nvGrpSpPr>
+      <p:grpSpPr>
+        <a:xfrm>
+          <a:off x="0" y="0"/>
+          <a:ext cx="0" cy="0"/>
+          <a:chOff x="0" y="0"/>
+          <a:chExt cx="0" cy="0"/>
+        </a:xfrm>
+      </p:grpSpPr>
+      <p:sp>
+        <p:nvSpPr>
+          <p:cNvPr id="2" name="Title 1">
+            <a:extLst>
+              <a:ext uri="{FF2B5EF4-FFF2-40B4-BE49-F238E27FC236}">
+                <a16:creationId xmlns:a16="http://schemas.microsoft.com/office/drawing/2014/main" id="{0EE09850-8D58-DD45-2EC1-3E6CDCF67FF7}"/>
+              </a:ext>
+            </a:extLst>
+          </p:cNvPr>
+          <p:cNvSpPr>
+            <a:spLocks noGrp="1"/>
+          </p:cNvSpPr>
+          <p:nvPr>
+            <p:ph type="title"/>
+          </p:nvPr>
+        </p:nvSpPr>
+        <p:spPr/>
+        <p:txBody>
+          <a:bodyPr/>
+          <a:lstStyle/>
+          <a:p>
+            <a:r>
+              <a:rPr lang="en-US"/>
+              <a:t>Under Development …</a:t>
+            </a:r>
+            <a:endParaRPr lang="en-US" dirty="0"/>
+          </a:p>
+        </p:txBody>
+      </p:sp>
+      <p:pic>
+        <p:nvPicPr>
+          <p:cNvPr id="2050" name="Picture 2">
+            <a:extLst>
+              <a:ext uri="{FF2B5EF4-FFF2-40B4-BE49-F238E27FC236}">
+                <a16:creationId xmlns:a16="http://schemas.microsoft.com/office/drawing/2014/main" id="{A15830AC-0DE2-65D7-E3E0-665D77B99431}"/>
+              </a:ext>
+            </a:extLst>
+          </p:cNvPr>
+          <p:cNvPicPr>
+            <a:picLocks noChangeAspect="1" noChangeArrowheads="1"/>
+          </p:cNvPicPr>
+          <p:nvPr/>
+        </p:nvPicPr>
+        <p:blipFill>
+          <a:blip r:embed="rId2">
+            <a:extLst>
+              <a:ext uri="{28A0092B-C50C-407E-A947-70E740481C1C}">
+                <a14:useLocalDpi xmlns:a14="http://schemas.microsoft.com/office/drawing/2010/main" val="0"/>
+              </a:ext>
+            </a:extLst>
+          </a:blip>
+          <a:srcRect/>
+          <a:stretch>
+            <a:fillRect/>
+          </a:stretch>
+        </p:blipFill>
+        <p:spPr bwMode="auto">
+          <a:xfrm>
+            <a:off x="583511" y="1508760"/>
+            <a:ext cx="11024977" cy="5132070"/>
+          </a:xfrm>
+          <a:prstGeom prst="rect">
+            <a:avLst/>
+          </a:prstGeom>
+          <a:noFill/>
+          <a:extLst>
+            <a:ext uri="{909E8E84-426E-40DD-AFC4-6F175D3DCCD1}">
+              <a14:hiddenFill xmlns:a14="http://schemas.microsoft.com/office/drawing/2010/main">
+                <a:solidFill>
+                  <a:srgbClr val="FFFFFF"/>
+                </a:solidFill>
+              </a14:hiddenFill>
+            </a:ext>
+          </a:extLst>
+        </p:spPr>
+      </p:pic>
+    </p:spTree>
+    <p:extLst>
+      <p:ext uri="{BB962C8B-B14F-4D97-AF65-F5344CB8AC3E}">
+        <p14:creationId xmlns:p14="http://schemas.microsoft.com/office/powerpoint/2010/main" val="4291504715"/>
       </p:ext>
     </p:extLst>
   </p:cSld>

--- a/Background and motivation.pptx
+++ b/Background and motivation.pptx
@@ -5,59 +5,60 @@
     <p:sldMasterId id="2147483720" r:id="rId1"/>
   </p:sldMasterIdLst>
   <p:notesMasterIdLst>
-    <p:notesMasterId r:id="rId52"/>
+    <p:notesMasterId r:id="rId53"/>
   </p:notesMasterIdLst>
   <p:sldIdLst>
     <p:sldId id="317" r:id="rId2"/>
-    <p:sldId id="316" r:id="rId3"/>
-    <p:sldId id="303" r:id="rId4"/>
-    <p:sldId id="296" r:id="rId5"/>
-    <p:sldId id="297" r:id="rId6"/>
-    <p:sldId id="279" r:id="rId7"/>
-    <p:sldId id="280" r:id="rId8"/>
-    <p:sldId id="301" r:id="rId9"/>
-    <p:sldId id="294" r:id="rId10"/>
-    <p:sldId id="295" r:id="rId11"/>
-    <p:sldId id="306" r:id="rId12"/>
-    <p:sldId id="304" r:id="rId13"/>
-    <p:sldId id="305" r:id="rId14"/>
-    <p:sldId id="307" r:id="rId15"/>
-    <p:sldId id="308" r:id="rId16"/>
-    <p:sldId id="298" r:id="rId17"/>
-    <p:sldId id="299" r:id="rId18"/>
-    <p:sldId id="300" r:id="rId19"/>
-    <p:sldId id="276" r:id="rId20"/>
-    <p:sldId id="302" r:id="rId21"/>
-    <p:sldId id="318" r:id="rId22"/>
-    <p:sldId id="309" r:id="rId23"/>
-    <p:sldId id="310" r:id="rId24"/>
-    <p:sldId id="311" r:id="rId25"/>
-    <p:sldId id="312" r:id="rId26"/>
-    <p:sldId id="313" r:id="rId27"/>
-    <p:sldId id="314" r:id="rId28"/>
-    <p:sldId id="315" r:id="rId29"/>
-    <p:sldId id="322" r:id="rId30"/>
-    <p:sldId id="319" r:id="rId31"/>
-    <p:sldId id="320" r:id="rId32"/>
-    <p:sldId id="321" r:id="rId33"/>
-    <p:sldId id="338" r:id="rId34"/>
-    <p:sldId id="337" r:id="rId35"/>
-    <p:sldId id="339" r:id="rId36"/>
-    <p:sldId id="324" r:id="rId37"/>
-    <p:sldId id="325" r:id="rId38"/>
-    <p:sldId id="326" r:id="rId39"/>
-    <p:sldId id="327" r:id="rId40"/>
-    <p:sldId id="328" r:id="rId41"/>
-    <p:sldId id="329" r:id="rId42"/>
-    <p:sldId id="330" r:id="rId43"/>
-    <p:sldId id="331" r:id="rId44"/>
-    <p:sldId id="332" r:id="rId45"/>
-    <p:sldId id="333" r:id="rId46"/>
-    <p:sldId id="334" r:id="rId47"/>
-    <p:sldId id="335" r:id="rId48"/>
-    <p:sldId id="336" r:id="rId49"/>
-    <p:sldId id="341" r:id="rId50"/>
-    <p:sldId id="340" r:id="rId51"/>
+    <p:sldId id="342" r:id="rId3"/>
+    <p:sldId id="316" r:id="rId4"/>
+    <p:sldId id="303" r:id="rId5"/>
+    <p:sldId id="296" r:id="rId6"/>
+    <p:sldId id="297" r:id="rId7"/>
+    <p:sldId id="279" r:id="rId8"/>
+    <p:sldId id="280" r:id="rId9"/>
+    <p:sldId id="301" r:id="rId10"/>
+    <p:sldId id="294" r:id="rId11"/>
+    <p:sldId id="295" r:id="rId12"/>
+    <p:sldId id="306" r:id="rId13"/>
+    <p:sldId id="304" r:id="rId14"/>
+    <p:sldId id="305" r:id="rId15"/>
+    <p:sldId id="307" r:id="rId16"/>
+    <p:sldId id="308" r:id="rId17"/>
+    <p:sldId id="298" r:id="rId18"/>
+    <p:sldId id="299" r:id="rId19"/>
+    <p:sldId id="300" r:id="rId20"/>
+    <p:sldId id="276" r:id="rId21"/>
+    <p:sldId id="302" r:id="rId22"/>
+    <p:sldId id="318" r:id="rId23"/>
+    <p:sldId id="309" r:id="rId24"/>
+    <p:sldId id="310" r:id="rId25"/>
+    <p:sldId id="311" r:id="rId26"/>
+    <p:sldId id="312" r:id="rId27"/>
+    <p:sldId id="313" r:id="rId28"/>
+    <p:sldId id="314" r:id="rId29"/>
+    <p:sldId id="315" r:id="rId30"/>
+    <p:sldId id="322" r:id="rId31"/>
+    <p:sldId id="319" r:id="rId32"/>
+    <p:sldId id="320" r:id="rId33"/>
+    <p:sldId id="321" r:id="rId34"/>
+    <p:sldId id="338" r:id="rId35"/>
+    <p:sldId id="337" r:id="rId36"/>
+    <p:sldId id="339" r:id="rId37"/>
+    <p:sldId id="324" r:id="rId38"/>
+    <p:sldId id="325" r:id="rId39"/>
+    <p:sldId id="326" r:id="rId40"/>
+    <p:sldId id="327" r:id="rId41"/>
+    <p:sldId id="328" r:id="rId42"/>
+    <p:sldId id="329" r:id="rId43"/>
+    <p:sldId id="330" r:id="rId44"/>
+    <p:sldId id="331" r:id="rId45"/>
+    <p:sldId id="332" r:id="rId46"/>
+    <p:sldId id="333" r:id="rId47"/>
+    <p:sldId id="334" r:id="rId48"/>
+    <p:sldId id="335" r:id="rId49"/>
+    <p:sldId id="336" r:id="rId50"/>
+    <p:sldId id="341" r:id="rId51"/>
+    <p:sldId id="340" r:id="rId52"/>
   </p:sldIdLst>
   <p:sldSz cx="12192000" cy="6858000"/>
   <p:notesSz cx="6858000" cy="9144000"/>
@@ -3858,7 +3859,7 @@
           <p:cNvPr id="2" name="Title 1">
             <a:extLst>
               <a:ext uri="{FF2B5EF4-FFF2-40B4-BE49-F238E27FC236}">
-                <a16:creationId xmlns:a16="http://schemas.microsoft.com/office/drawing/2014/main" id="{05459F32-A3DE-89BA-65DA-97E9C5BDF9FC}"/>
+                <a16:creationId xmlns:a16="http://schemas.microsoft.com/office/drawing/2014/main" id="{936F9CD3-EB3C-93F6-D72E-DD6792AC23DF}"/>
               </a:ext>
             </a:extLst>
           </p:cNvPr>
@@ -3878,7 +3879,7 @@
           <a:p>
             <a:r>
               <a:rPr lang="en-US" b="1" dirty="0"/>
-              <a:t>2. Passion for Real-World Impact</a:t>
+              <a:t>1. Driving Impact</a:t>
             </a:r>
           </a:p>
         </p:txBody>
@@ -3888,7 +3889,7 @@
           <p:cNvPr id="3" name="Content Placeholder 2">
             <a:extLst>
               <a:ext uri="{FF2B5EF4-FFF2-40B4-BE49-F238E27FC236}">
-                <a16:creationId xmlns:a16="http://schemas.microsoft.com/office/drawing/2014/main" id="{F2B992F4-9F11-4259-39B5-DE84D15B9BB4}"/>
+                <a16:creationId xmlns:a16="http://schemas.microsoft.com/office/drawing/2014/main" id="{4E4BFCC2-22A1-74C9-A81E-237EF25A315B}"/>
               </a:ext>
             </a:extLst>
           </p:cNvPr>
@@ -3907,21 +3908,21 @@
             <a:pPr algn="just"/>
             <a:r>
               <a:rPr lang="en-US" dirty="0"/>
-              <a:t>Leveraging Expertise in Design and Optimization to Contribute to KTH's Vision. </a:t>
+              <a:t>Advancing In Silico Models to Transform Decision-Making in Healthcare</a:t>
             </a:r>
           </a:p>
           <a:p>
             <a:pPr algn="just"/>
             <a:r>
               <a:rPr lang="en-US" dirty="0"/>
-              <a:t>My past projects on designing, modulation, simulation and optimization has fueled my interest in impactful, real-world applications, which aligns well with KTH’s vision. </a:t>
+              <a:t>What excites me most about this position is the chance to work on the societal complexities surrounding in silico models in healthcare. </a:t>
             </a:r>
           </a:p>
           <a:p>
             <a:pPr algn="just"/>
             <a:r>
               <a:rPr lang="en-US" dirty="0"/>
-              <a:t>I believe my motivation, combined with a practical approach, would enable me to contribute significantly to this PhD project and make a meaningful impact.</a:t>
+              <a:t>I see enormous potential in developing models that help stakeholders—such as healthcare providers and administrators—make informed decisions that benefit patients.</a:t>
             </a:r>
           </a:p>
         </p:txBody>
@@ -3929,7 +3930,7 @@
     </p:spTree>
     <p:extLst>
       <p:ext uri="{BB962C8B-B14F-4D97-AF65-F5344CB8AC3E}">
-        <p14:creationId xmlns:p14="http://schemas.microsoft.com/office/powerpoint/2010/main" val="3543254441"/>
+        <p14:creationId xmlns:p14="http://schemas.microsoft.com/office/powerpoint/2010/main" val="3667378260"/>
       </p:ext>
     </p:extLst>
   </p:cSld>
@@ -3961,7 +3962,7 @@
           <p:cNvPr id="2" name="Title 1">
             <a:extLst>
               <a:ext uri="{FF2B5EF4-FFF2-40B4-BE49-F238E27FC236}">
-                <a16:creationId xmlns:a16="http://schemas.microsoft.com/office/drawing/2014/main" id="{45D7AA36-FAF6-EEDA-DE5A-15DB029F7B38}"/>
+                <a16:creationId xmlns:a16="http://schemas.microsoft.com/office/drawing/2014/main" id="{05459F32-A3DE-89BA-65DA-97E9C5BDF9FC}"/>
               </a:ext>
             </a:extLst>
           </p:cNvPr>
@@ -3975,15 +3976,14 @@
         <p:spPr/>
         <p:txBody>
           <a:bodyPr>
-            <a:normAutofit fontScale="90000"/>
+            <a:normAutofit/>
           </a:bodyPr>
           <a:lstStyle/>
           <a:p>
             <a:r>
               <a:rPr lang="en-US" b="1" dirty="0"/>
-              <a:t>Part 3: How would My technical skill contribute to the research goals of this project?</a:t>
-            </a:r>
-            <a:endParaRPr lang="en-US" dirty="0"/>
+              <a:t>2. Passion for Real-World Impact</a:t>
+            </a:r>
           </a:p>
         </p:txBody>
       </p:sp>
@@ -3992,7 +3992,7 @@
           <p:cNvPr id="3" name="Content Placeholder 2">
             <a:extLst>
               <a:ext uri="{FF2B5EF4-FFF2-40B4-BE49-F238E27FC236}">
-                <a16:creationId xmlns:a16="http://schemas.microsoft.com/office/drawing/2014/main" id="{283119EF-A417-016C-BB8B-D837C0367B37}"/>
+                <a16:creationId xmlns:a16="http://schemas.microsoft.com/office/drawing/2014/main" id="{F2B992F4-9F11-4259-39B5-DE84D15B9BB4}"/>
               </a:ext>
             </a:extLst>
           </p:cNvPr>
@@ -4008,21 +4008,24 @@
           <a:bodyPr/>
           <a:lstStyle/>
           <a:p>
-            <a:pPr marL="514350" indent="-514350">
-              <a:buAutoNum type="arabicPeriod"/>
-            </a:pPr>
-            <a:r>
-              <a:rPr lang="en-US" dirty="0"/>
-              <a:t>Technical skills</a:t>
-            </a:r>
-          </a:p>
-          <a:p>
-            <a:pPr marL="514350" indent="-514350">
-              <a:buAutoNum type="arabicPeriod"/>
-            </a:pPr>
-            <a:r>
-              <a:rPr lang="en-US" dirty="0"/>
-              <a:t>Experience</a:t>
+            <a:pPr algn="just"/>
+            <a:r>
+              <a:rPr lang="en-US" dirty="0"/>
+              <a:t>Leveraging Expertise in Design and Optimization to Contribute to KTH's Vision. </a:t>
+            </a:r>
+          </a:p>
+          <a:p>
+            <a:pPr algn="just"/>
+            <a:r>
+              <a:rPr lang="en-US" dirty="0"/>
+              <a:t>My past projects on designing, modulation, simulation and optimization has fueled my interest in impactful, real-world applications, which aligns well with KTH’s vision. </a:t>
+            </a:r>
+          </a:p>
+          <a:p>
+            <a:pPr algn="just"/>
+            <a:r>
+              <a:rPr lang="en-US" dirty="0"/>
+              <a:t>I believe my motivation, combined with a practical approach, would enable me to contribute significantly to this PhD project and make a meaningful impact.</a:t>
             </a:r>
           </a:p>
         </p:txBody>
@@ -4030,7 +4033,7 @@
     </p:spTree>
     <p:extLst>
       <p:ext uri="{BB962C8B-B14F-4D97-AF65-F5344CB8AC3E}">
-        <p14:creationId xmlns:p14="http://schemas.microsoft.com/office/powerpoint/2010/main" val="3034451807"/>
+        <p14:creationId xmlns:p14="http://schemas.microsoft.com/office/powerpoint/2010/main" val="3543254441"/>
       </p:ext>
     </p:extLst>
   </p:cSld>
@@ -4062,7 +4065,7 @@
           <p:cNvPr id="2" name="Title 1">
             <a:extLst>
               <a:ext uri="{FF2B5EF4-FFF2-40B4-BE49-F238E27FC236}">
-                <a16:creationId xmlns:a16="http://schemas.microsoft.com/office/drawing/2014/main" id="{5A3FE399-3EE0-2BE5-DF6F-5B7C2648E69C}"/>
+                <a16:creationId xmlns:a16="http://schemas.microsoft.com/office/drawing/2014/main" id="{45D7AA36-FAF6-EEDA-DE5A-15DB029F7B38}"/>
               </a:ext>
             </a:extLst>
           </p:cNvPr>
@@ -4075,13 +4078,16 @@
         </p:nvSpPr>
         <p:spPr/>
         <p:txBody>
-          <a:bodyPr/>
+          <a:bodyPr>
+            <a:normAutofit fontScale="90000"/>
+          </a:bodyPr>
           <a:lstStyle/>
           <a:p>
             <a:r>
               <a:rPr lang="en-US" b="1" dirty="0"/>
-              <a:t>1. Technical skills</a:t>
-            </a:r>
+              <a:t>Part 3: How would My technical skill contribute to the research goals of this project?</a:t>
+            </a:r>
+            <a:endParaRPr lang="en-US" dirty="0"/>
           </a:p>
         </p:txBody>
       </p:sp>
@@ -4090,7 +4096,7 @@
           <p:cNvPr id="3" name="Content Placeholder 2">
             <a:extLst>
               <a:ext uri="{FF2B5EF4-FFF2-40B4-BE49-F238E27FC236}">
-                <a16:creationId xmlns:a16="http://schemas.microsoft.com/office/drawing/2014/main" id="{63D346BC-8B75-88C6-D0A8-865639F75F25}"/>
+                <a16:creationId xmlns:a16="http://schemas.microsoft.com/office/drawing/2014/main" id="{283119EF-A417-016C-BB8B-D837C0367B37}"/>
               </a:ext>
             </a:extLst>
           </p:cNvPr>
@@ -4106,15 +4112,21 @@
           <a:bodyPr/>
           <a:lstStyle/>
           <a:p>
-            <a:r>
-              <a:rPr lang="en-US" dirty="0"/>
-              <a:t>My technical skills span a variety of areas relevant to this project. </a:t>
-            </a:r>
-          </a:p>
-          <a:p>
-            <a:r>
-              <a:rPr lang="en-US" dirty="0"/>
-              <a:t>I am proficient in Python, Java, and other languages for modeling and simulation, which aligns well with the participatory modeling and complexity analyses required in this PhD project.</a:t>
+            <a:pPr marL="514350" indent="-514350">
+              <a:buAutoNum type="arabicPeriod"/>
+            </a:pPr>
+            <a:r>
+              <a:rPr lang="en-US" dirty="0"/>
+              <a:t>Technical skills</a:t>
+            </a:r>
+          </a:p>
+          <a:p>
+            <a:pPr marL="514350" indent="-514350">
+              <a:buAutoNum type="arabicPeriod"/>
+            </a:pPr>
+            <a:r>
+              <a:rPr lang="en-US" dirty="0"/>
+              <a:t>Experience</a:t>
             </a:r>
           </a:p>
         </p:txBody>
@@ -4122,7 +4134,7 @@
     </p:spTree>
     <p:extLst>
       <p:ext uri="{BB962C8B-B14F-4D97-AF65-F5344CB8AC3E}">
-        <p14:creationId xmlns:p14="http://schemas.microsoft.com/office/powerpoint/2010/main" val="1692314642"/>
+        <p14:creationId xmlns:p14="http://schemas.microsoft.com/office/powerpoint/2010/main" val="3034451807"/>
       </p:ext>
     </p:extLst>
   </p:cSld>
@@ -4154,7 +4166,7 @@
           <p:cNvPr id="2" name="Title 1">
             <a:extLst>
               <a:ext uri="{FF2B5EF4-FFF2-40B4-BE49-F238E27FC236}">
-                <a16:creationId xmlns:a16="http://schemas.microsoft.com/office/drawing/2014/main" id="{ED16CE48-EA02-BF66-25A4-FB914ABD70A1}"/>
+                <a16:creationId xmlns:a16="http://schemas.microsoft.com/office/drawing/2014/main" id="{5A3FE399-3EE0-2BE5-DF6F-5B7C2648E69C}"/>
               </a:ext>
             </a:extLst>
           </p:cNvPr>
@@ -4172,7 +4184,7 @@
           <a:p>
             <a:r>
               <a:rPr lang="en-US" b="1" dirty="0"/>
-              <a:t>2. Experience</a:t>
+              <a:t>1. Technical skills</a:t>
             </a:r>
           </a:p>
         </p:txBody>
@@ -4182,7 +4194,7 @@
           <p:cNvPr id="3" name="Content Placeholder 2">
             <a:extLst>
               <a:ext uri="{FF2B5EF4-FFF2-40B4-BE49-F238E27FC236}">
-                <a16:creationId xmlns:a16="http://schemas.microsoft.com/office/drawing/2014/main" id="{BE116B59-E933-EB41-4FAC-05F2213BD4A8}"/>
+                <a16:creationId xmlns:a16="http://schemas.microsoft.com/office/drawing/2014/main" id="{63D346BC-8B75-88C6-D0A8-865639F75F25}"/>
               </a:ext>
             </a:extLst>
           </p:cNvPr>
@@ -4198,30 +4210,23 @@
           <a:bodyPr/>
           <a:lstStyle/>
           <a:p>
-            <a:pPr marL="0" indent="0">
-              <a:buNone/>
-            </a:pPr>
-            <a:r>
-              <a:rPr lang="en-US" dirty="0"/>
-              <a:t>E</a:t>
-            </a:r>
-            <a:r>
-              <a:rPr lang="en-US" i="0" dirty="0"/>
-              <a:t>xperience with statistical methods and data visualization will support the rigorous analysis needed to validate and communicate findings effectively.</a:t>
-            </a:r>
-          </a:p>
-          <a:p>
-            <a:pPr marL="0" indent="0">
-              <a:buNone/>
-            </a:pPr>
-            <a:endParaRPr lang="en-US" dirty="0"/>
+            <a:r>
+              <a:rPr lang="en-US" dirty="0"/>
+              <a:t>My technical skills span a variety of areas relevant to this project. </a:t>
+            </a:r>
+          </a:p>
+          <a:p>
+            <a:r>
+              <a:rPr lang="en-US" dirty="0"/>
+              <a:t>I am proficient in Python, Java, and other languages for modeling and simulation, which aligns well with the participatory modeling and complexity analyses required in this PhD project.</a:t>
+            </a:r>
           </a:p>
         </p:txBody>
       </p:sp>
     </p:spTree>
     <p:extLst>
       <p:ext uri="{BB962C8B-B14F-4D97-AF65-F5344CB8AC3E}">
-        <p14:creationId xmlns:p14="http://schemas.microsoft.com/office/powerpoint/2010/main" val="818668518"/>
+        <p14:creationId xmlns:p14="http://schemas.microsoft.com/office/powerpoint/2010/main" val="1692314642"/>
       </p:ext>
     </p:extLst>
   </p:cSld>
@@ -4253,7 +4258,7 @@
           <p:cNvPr id="2" name="Title 1">
             <a:extLst>
               <a:ext uri="{FF2B5EF4-FFF2-40B4-BE49-F238E27FC236}">
-                <a16:creationId xmlns:a16="http://schemas.microsoft.com/office/drawing/2014/main" id="{0C8F88FF-55E3-8914-5114-26FDA5FC2CC4}"/>
+                <a16:creationId xmlns:a16="http://schemas.microsoft.com/office/drawing/2014/main" id="{ED16CE48-EA02-BF66-25A4-FB914ABD70A1}"/>
               </a:ext>
             </a:extLst>
           </p:cNvPr>
@@ -4270,17 +4275,9 @@
           <a:lstStyle/>
           <a:p>
             <a:r>
-              <a:rPr lang="en-US" sz="4400" b="1" kern="1200" dirty="0">
-                <a:solidFill>
-                  <a:schemeClr val="tx1"/>
-                </a:solidFill>
-                <a:latin typeface="+mj-lt"/>
-                <a:ea typeface="+mj-ea"/>
-                <a:cs typeface="+mj-cs"/>
-              </a:rPr>
-              <a:t>Part 4: Project where I used participatory modeling or similar techniques</a:t>
-            </a:r>
-            <a:endParaRPr lang="en-US" b="1" dirty="0"/>
+              <a:rPr lang="en-US" b="1" dirty="0"/>
+              <a:t>2. Experience</a:t>
+            </a:r>
           </a:p>
         </p:txBody>
       </p:sp>
@@ -4289,7 +4286,7 @@
           <p:cNvPr id="3" name="Content Placeholder 2">
             <a:extLst>
               <a:ext uri="{FF2B5EF4-FFF2-40B4-BE49-F238E27FC236}">
-                <a16:creationId xmlns:a16="http://schemas.microsoft.com/office/drawing/2014/main" id="{79293411-F9A3-FA1F-24B4-92DE1D7FFF3E}"/>
+                <a16:creationId xmlns:a16="http://schemas.microsoft.com/office/drawing/2014/main" id="{BE116B59-E933-EB41-4FAC-05F2213BD4A8}"/>
               </a:ext>
             </a:extLst>
           </p:cNvPr>
@@ -4302,134 +4299,33 @@
         </p:nvSpPr>
         <p:spPr/>
         <p:txBody>
-          <a:bodyPr>
-            <a:normAutofit fontScale="92500" lnSpcReduction="20000"/>
-          </a:bodyPr>
-          <a:lstStyle/>
-          <a:p>
-            <a:pPr marL="0" indent="0" algn="just">
-              <a:buNone/>
-            </a:pPr>
-            <a:r>
-              <a:rPr lang="en-US" dirty="0"/>
-              <a:t>For instance, for this PhD project and during my preparation for this interview,  my Python expertise plays a key role in several areas (</a:t>
-            </a:r>
-            <a:r>
-              <a:rPr lang="en-US" sz="2800" dirty="0">
-                <a:latin typeface="Times New Roman" panose="02020603050405020304" pitchFamily="18" charset="0"/>
-                <a:cs typeface="Times New Roman" panose="02020603050405020304" pitchFamily="18" charset="0"/>
-                <a:hlinkClick r:id="rId2">
-                  <a:extLst>
-                    <a:ext uri="{A12FA001-AC4F-418D-AE19-62706E023703}">
-                      <ahyp:hlinkClr xmlns:ahyp="http://schemas.microsoft.com/office/drawing/2018/hyperlinkcolor" val="tx"/>
-                    </a:ext>
-                  </a:extLst>
-                </a:hlinkClick>
-              </a:rPr>
-              <a:t>Visit our lab</a:t>
-            </a:r>
-            <a:r>
-              <a:rPr lang="en-US" sz="2800" dirty="0">
-                <a:latin typeface="Times New Roman" panose="02020603050405020304" pitchFamily="18" charset="0"/>
-                <a:cs typeface="Times New Roman" panose="02020603050405020304" pitchFamily="18" charset="0"/>
-              </a:rPr>
-              <a:t>) and (see the Appendix</a:t>
-            </a:r>
-            <a:r>
-              <a:rPr lang="en-US" dirty="0">
-                <a:latin typeface="Times New Roman" panose="02020603050405020304" pitchFamily="18" charset="0"/>
-                <a:cs typeface="Times New Roman" panose="02020603050405020304" pitchFamily="18" charset="0"/>
-              </a:rPr>
-              <a:t>) for (</a:t>
-            </a:r>
-            <a:r>
-              <a:rPr lang="en-US" sz="2800" dirty="0">
-                <a:latin typeface="Times New Roman" panose="02020603050405020304" pitchFamily="18" charset="0"/>
-                <a:cs typeface="Times New Roman" panose="02020603050405020304" pitchFamily="18" charset="0"/>
-              </a:rPr>
-              <a:t>Random Fluctuations, Uptake Rate, Feedback Loop, Visualizing Trends) </a:t>
-            </a:r>
-            <a:r>
-              <a:rPr lang="en-US" dirty="0"/>
-              <a:t>of all stakeholder groups (patients, doctors, nurses, administrators)</a:t>
-            </a:r>
-            <a:r>
-              <a:rPr lang="en-US" sz="2800" dirty="0">
-                <a:latin typeface="Times New Roman" panose="02020603050405020304" pitchFamily="18" charset="0"/>
-                <a:cs typeface="Times New Roman" panose="02020603050405020304" pitchFamily="18" charset="0"/>
-              </a:rPr>
-              <a:t>:</a:t>
-            </a:r>
-          </a:p>
+          <a:bodyPr/>
+          <a:lstStyle/>
           <a:p>
             <a:pPr marL="0" indent="0">
               <a:buNone/>
             </a:pPr>
             <a:r>
               <a:rPr lang="en-US" dirty="0"/>
-              <a:t>A: Healthcare Participatory Model Simulation</a:t>
+              <a:t>E</a:t>
+            </a:r>
+            <a:r>
+              <a:rPr lang="en-US" i="0" dirty="0"/>
+              <a:t>xperience with statistical methods and data visualization will support the rigorous analysis needed to validate and communicate findings effectively.</a:t>
             </a:r>
           </a:p>
           <a:p>
             <a:pPr marL="0" indent="0">
               <a:buNone/>
             </a:pPr>
-            <a:r>
-              <a:rPr lang="en-US" dirty="0"/>
-              <a:t>B: Statistical Distribution and Visualization</a:t>
-            </a:r>
-          </a:p>
-          <a:p>
-            <a:pPr marL="0" indent="0">
-              <a:buNone/>
-            </a:pPr>
-            <a:r>
-              <a:rPr lang="en-US" dirty="0"/>
-              <a:t>1. Random Fluctuations and Why They Are Used</a:t>
-            </a:r>
-          </a:p>
-          <a:p>
-            <a:pPr marL="0" indent="0">
-              <a:buNone/>
-            </a:pPr>
-            <a:r>
-              <a:rPr lang="en-US" dirty="0"/>
-              <a:t>2. Uptake Rate and Why It Is Used</a:t>
-            </a:r>
-          </a:p>
-          <a:p>
-            <a:pPr marL="0" indent="0">
-              <a:buNone/>
-            </a:pPr>
-            <a:r>
-              <a:rPr lang="en-US" dirty="0"/>
-              <a:t>3. Feedback Loop and Why It Is Used</a:t>
-            </a:r>
-          </a:p>
-          <a:p>
-            <a:pPr marL="0" indent="0">
-              <a:buNone/>
-            </a:pPr>
-            <a:r>
-              <a:rPr lang="en-US" dirty="0"/>
-              <a:t>4. Visualizing Trends and Why It Is Important</a:t>
-            </a:r>
-          </a:p>
-          <a:p>
-            <a:pPr marL="0" indent="0">
-              <a:buNone/>
-            </a:pPr>
-            <a:r>
-              <a:rPr lang="en-US" dirty="0"/>
-              <a:t>5. Why Combine These Elements?</a:t>
-            </a:r>
+            <a:endParaRPr lang="en-US" dirty="0"/>
           </a:p>
         </p:txBody>
       </p:sp>
     </p:spTree>
     <p:extLst>
       <p:ext uri="{BB962C8B-B14F-4D97-AF65-F5344CB8AC3E}">
-        <p14:creationId xmlns:p14="http://schemas.microsoft.com/office/powerpoint/2010/main" val="1928138773"/>
+        <p14:creationId xmlns:p14="http://schemas.microsoft.com/office/powerpoint/2010/main" val="818668518"/>
       </p:ext>
     </p:extLst>
   </p:cSld>
@@ -4461,7 +4357,7 @@
           <p:cNvPr id="2" name="Title 1">
             <a:extLst>
               <a:ext uri="{FF2B5EF4-FFF2-40B4-BE49-F238E27FC236}">
-                <a16:creationId xmlns:a16="http://schemas.microsoft.com/office/drawing/2014/main" id="{3D4CD2B6-D0D6-F15A-1C78-3ADB70F4B6F3}"/>
+                <a16:creationId xmlns:a16="http://schemas.microsoft.com/office/drawing/2014/main" id="{0C8F88FF-55E3-8914-5114-26FDA5FC2CC4}"/>
               </a:ext>
             </a:extLst>
           </p:cNvPr>
@@ -4474,71 +4370,162 @@
         </p:nvSpPr>
         <p:spPr/>
         <p:txBody>
+          <a:bodyPr/>
+          <a:lstStyle/>
+          <a:p>
+            <a:r>
+              <a:rPr lang="en-US" sz="4400" b="1" kern="1200" dirty="0">
+                <a:solidFill>
+                  <a:schemeClr val="tx1"/>
+                </a:solidFill>
+                <a:latin typeface="+mj-lt"/>
+                <a:ea typeface="+mj-ea"/>
+                <a:cs typeface="+mj-cs"/>
+              </a:rPr>
+              <a:t>Part 4: Project where I used participatory modeling or similar techniques</a:t>
+            </a:r>
+            <a:endParaRPr lang="en-US" b="1" dirty="0"/>
+          </a:p>
+        </p:txBody>
+      </p:sp>
+      <p:sp>
+        <p:nvSpPr>
+          <p:cNvPr id="3" name="Content Placeholder 2">
+            <a:extLst>
+              <a:ext uri="{FF2B5EF4-FFF2-40B4-BE49-F238E27FC236}">
+                <a16:creationId xmlns:a16="http://schemas.microsoft.com/office/drawing/2014/main" id="{79293411-F9A3-FA1F-24B4-92DE1D7FFF3E}"/>
+              </a:ext>
+            </a:extLst>
+          </p:cNvPr>
+          <p:cNvSpPr>
+            <a:spLocks noGrp="1"/>
+          </p:cNvSpPr>
+          <p:nvPr>
+            <p:ph idx="1"/>
+          </p:nvPr>
+        </p:nvSpPr>
+        <p:spPr/>
+        <p:txBody>
           <a:bodyPr>
-            <a:normAutofit fontScale="90000"/>
+            <a:normAutofit fontScale="92500" lnSpcReduction="20000"/>
           </a:bodyPr>
           <a:lstStyle/>
           <a:p>
-            <a:r>
-              <a:rPr lang="en-US" b="1" dirty="0"/>
-              <a:t>Part 5: What do I hope to learn from working within the </a:t>
-            </a:r>
-            <a:r>
-              <a:rPr lang="en-US" b="1" dirty="0" err="1"/>
-              <a:t>InSilicoHealth</a:t>
-            </a:r>
-            <a:r>
-              <a:rPr lang="en-US" b="1" dirty="0"/>
-              <a:t> Doctoral Network and at KTH?</a:t>
-            </a:r>
-          </a:p>
-        </p:txBody>
-      </p:sp>
-      <p:sp>
-        <p:nvSpPr>
-          <p:cNvPr id="3" name="Content Placeholder 2">
-            <a:extLst>
-              <a:ext uri="{FF2B5EF4-FFF2-40B4-BE49-F238E27FC236}">
-                <a16:creationId xmlns:a16="http://schemas.microsoft.com/office/drawing/2014/main" id="{3480394C-E003-0415-C40F-AD221208C72F}"/>
-              </a:ext>
-            </a:extLst>
-          </p:cNvPr>
-          <p:cNvSpPr>
-            <a:spLocks noGrp="1"/>
-          </p:cNvSpPr>
-          <p:nvPr>
-            <p:ph idx="1"/>
-          </p:nvPr>
-        </p:nvSpPr>
-        <p:spPr/>
-        <p:txBody>
-          <a:bodyPr/>
-          <a:lstStyle/>
-          <a:p>
-            <a:pPr marL="514350" indent="-514350">
-              <a:buAutoNum type="arabicPeriod"/>
-            </a:pPr>
-            <a:r>
-              <a:rPr lang="en-US" dirty="0"/>
-              <a:t>Exploring KTH’s Approach</a:t>
-            </a:r>
-          </a:p>
-          <a:p>
-            <a:pPr marL="514350" indent="-514350">
-              <a:buAutoNum type="arabicPeriod"/>
-            </a:pPr>
-            <a:r>
-              <a:rPr lang="en-US" dirty="0"/>
-              <a:t>Real-World Healthcare Insights</a:t>
-            </a:r>
-          </a:p>
-          <a:p>
-            <a:pPr marL="514350" indent="-514350">
-              <a:buAutoNum type="arabicPeriod"/>
-            </a:pPr>
-            <a:r>
-              <a:rPr lang="en-US" dirty="0"/>
-              <a:t>Gaining a Holistic Understanding of Healthcare Challenges</a:t>
+            <a:pPr marL="0" indent="0" algn="just">
+              <a:buNone/>
+            </a:pPr>
+            <a:r>
+              <a:rPr lang="en-US" dirty="0"/>
+              <a:t>For instance, for this PhD project and during my preparation for this interview,  my Python expertise plays a key role in several areas (</a:t>
+            </a:r>
+            <a:r>
+              <a:rPr lang="en-US" sz="2800" dirty="0">
+                <a:latin typeface="Times New Roman" panose="02020603050405020304" pitchFamily="18" charset="0"/>
+                <a:cs typeface="Times New Roman" panose="02020603050405020304" pitchFamily="18" charset="0"/>
+                <a:hlinkClick r:id="rId2">
+                  <a:extLst>
+                    <a:ext uri="{A12FA001-AC4F-418D-AE19-62706E023703}">
+                      <ahyp:hlinkClr xmlns:ahyp="http://schemas.microsoft.com/office/drawing/2018/hyperlinkcolor" val="tx"/>
+                    </a:ext>
+                  </a:extLst>
+                </a:hlinkClick>
+              </a:rPr>
+              <a:t>Visit our lab</a:t>
+            </a:r>
+            <a:r>
+              <a:rPr lang="en-US" sz="2800" dirty="0">
+                <a:latin typeface="Times New Roman" panose="02020603050405020304" pitchFamily="18" charset="0"/>
+                <a:cs typeface="Times New Roman" panose="02020603050405020304" pitchFamily="18" charset="0"/>
+              </a:rPr>
+              <a:t>) and (see the Appendix</a:t>
+            </a:r>
+            <a:r>
+              <a:rPr lang="en-US" dirty="0">
+                <a:latin typeface="Times New Roman" panose="02020603050405020304" pitchFamily="18" charset="0"/>
+                <a:cs typeface="Times New Roman" panose="02020603050405020304" pitchFamily="18" charset="0"/>
+              </a:rPr>
+              <a:t>) for (</a:t>
+            </a:r>
+            <a:r>
+              <a:rPr lang="en-US" sz="2800" dirty="0">
+                <a:latin typeface="Times New Roman" panose="02020603050405020304" pitchFamily="18" charset="0"/>
+                <a:cs typeface="Times New Roman" panose="02020603050405020304" pitchFamily="18" charset="0"/>
+              </a:rPr>
+              <a:t>Random Fluctuations, Uptake Rate, Feedback Loop, Visualizing Trends) </a:t>
+            </a:r>
+            <a:r>
+              <a:rPr lang="en-US" dirty="0"/>
+              <a:t>of all stakeholder groups (patients, doctors, nurses, administrators)</a:t>
+            </a:r>
+            <a:r>
+              <a:rPr lang="en-US" sz="2800" dirty="0">
+                <a:latin typeface="Times New Roman" panose="02020603050405020304" pitchFamily="18" charset="0"/>
+                <a:cs typeface="Times New Roman" panose="02020603050405020304" pitchFamily="18" charset="0"/>
+              </a:rPr>
+              <a:t>:</a:t>
+            </a:r>
+          </a:p>
+          <a:p>
+            <a:pPr marL="0" indent="0">
+              <a:buNone/>
+            </a:pPr>
+            <a:r>
+              <a:rPr lang="en-US" dirty="0"/>
+              <a:t>A: Healthcare Participatory Model Simulation</a:t>
+            </a:r>
+          </a:p>
+          <a:p>
+            <a:pPr marL="0" indent="0">
+              <a:buNone/>
+            </a:pPr>
+            <a:r>
+              <a:rPr lang="en-US" dirty="0"/>
+              <a:t>B: Statistical Distribution and Visualization</a:t>
+            </a:r>
+          </a:p>
+          <a:p>
+            <a:pPr marL="0" indent="0">
+              <a:buNone/>
+            </a:pPr>
+            <a:r>
+              <a:rPr lang="en-US" dirty="0"/>
+              <a:t>1. Random Fluctuations and Why They Are Used</a:t>
+            </a:r>
+          </a:p>
+          <a:p>
+            <a:pPr marL="0" indent="0">
+              <a:buNone/>
+            </a:pPr>
+            <a:r>
+              <a:rPr lang="en-US" dirty="0"/>
+              <a:t>2. Uptake Rate and Why It Is Used</a:t>
+            </a:r>
+          </a:p>
+          <a:p>
+            <a:pPr marL="0" indent="0">
+              <a:buNone/>
+            </a:pPr>
+            <a:r>
+              <a:rPr lang="en-US" dirty="0"/>
+              <a:t>3. Feedback Loop and Why It Is Used</a:t>
+            </a:r>
+          </a:p>
+          <a:p>
+            <a:pPr marL="0" indent="0">
+              <a:buNone/>
+            </a:pPr>
+            <a:r>
+              <a:rPr lang="en-US" dirty="0"/>
+              <a:t>4. Visualizing Trends and Why It Is Important</a:t>
+            </a:r>
+          </a:p>
+          <a:p>
+            <a:pPr marL="0" indent="0">
+              <a:buNone/>
+            </a:pPr>
+            <a:r>
+              <a:rPr lang="en-US" dirty="0"/>
+              <a:t>5. Why Combine These Elements?</a:t>
             </a:r>
           </a:p>
         </p:txBody>
@@ -4546,7 +4533,7 @@
     </p:spTree>
     <p:extLst>
       <p:ext uri="{BB962C8B-B14F-4D97-AF65-F5344CB8AC3E}">
-        <p14:creationId xmlns:p14="http://schemas.microsoft.com/office/powerpoint/2010/main" val="665681271"/>
+        <p14:creationId xmlns:p14="http://schemas.microsoft.com/office/powerpoint/2010/main" val="1928138773"/>
       </p:ext>
     </p:extLst>
   </p:cSld>
@@ -4578,7 +4565,7 @@
           <p:cNvPr id="2" name="Title 1">
             <a:extLst>
               <a:ext uri="{FF2B5EF4-FFF2-40B4-BE49-F238E27FC236}">
-                <a16:creationId xmlns:a16="http://schemas.microsoft.com/office/drawing/2014/main" id="{0E856EDD-3D86-4020-BBB5-7CDBAD9C2AB1}"/>
+                <a16:creationId xmlns:a16="http://schemas.microsoft.com/office/drawing/2014/main" id="{3D4CD2B6-D0D6-F15A-1C78-3ADB70F4B6F3}"/>
               </a:ext>
             </a:extLst>
           </p:cNvPr>
@@ -4591,12 +4578,22 @@
         </p:nvSpPr>
         <p:spPr/>
         <p:txBody>
-          <a:bodyPr/>
+          <a:bodyPr>
+            <a:normAutofit fontScale="90000"/>
+          </a:bodyPr>
           <a:lstStyle/>
           <a:p>
             <a:r>
               <a:rPr lang="en-US" b="1" dirty="0"/>
-              <a:t>1. Exploring KTH’s Approach</a:t>
+              <a:t>Part 5: What do I hope to learn from working within the </a:t>
+            </a:r>
+            <a:r>
+              <a:rPr lang="en-US" b="1" dirty="0" err="1"/>
+              <a:t>InSilicoHealth</a:t>
+            </a:r>
+            <a:r>
+              <a:rPr lang="en-US" b="1" dirty="0"/>
+              <a:t> Doctoral Network and at KTH?</a:t>
             </a:r>
           </a:p>
         </p:txBody>
@@ -4606,7 +4603,7 @@
           <p:cNvPr id="3" name="Content Placeholder 2">
             <a:extLst>
               <a:ext uri="{FF2B5EF4-FFF2-40B4-BE49-F238E27FC236}">
-                <a16:creationId xmlns:a16="http://schemas.microsoft.com/office/drawing/2014/main" id="{9E8BA058-162E-1AB1-B84F-3865CE327F5B}"/>
+                <a16:creationId xmlns:a16="http://schemas.microsoft.com/office/drawing/2014/main" id="{3480394C-E003-0415-C40F-AD221208C72F}"/>
               </a:ext>
             </a:extLst>
           </p:cNvPr>
@@ -4622,23 +4619,38 @@
           <a:bodyPr/>
           <a:lstStyle/>
           <a:p>
-            <a:pPr marL="0" indent="0">
-              <a:buNone/>
-            </a:pPr>
-            <a:r>
-              <a:rPr lang="en-US" dirty="0"/>
-              <a:t>To learn about KTH’s approach to integrating participatory modeling within healthcare systems and to understand the nuances of translating model outputs into practical strategies that can be implemented in hospitals</a:t>
-            </a:r>
-          </a:p>
-          <a:p>
-            <a:endParaRPr lang="en-US" dirty="0"/>
+            <a:pPr marL="514350" indent="-514350">
+              <a:buAutoNum type="arabicPeriod"/>
+            </a:pPr>
+            <a:r>
+              <a:rPr lang="en-US" dirty="0"/>
+              <a:t>Exploring KTH’s Approach</a:t>
+            </a:r>
+          </a:p>
+          <a:p>
+            <a:pPr marL="514350" indent="-514350">
+              <a:buAutoNum type="arabicPeriod"/>
+            </a:pPr>
+            <a:r>
+              <a:rPr lang="en-US" dirty="0"/>
+              <a:t>Real-World Healthcare Insights</a:t>
+            </a:r>
+          </a:p>
+          <a:p>
+            <a:pPr marL="514350" indent="-514350">
+              <a:buAutoNum type="arabicPeriod"/>
+            </a:pPr>
+            <a:r>
+              <a:rPr lang="en-US" dirty="0"/>
+              <a:t>Gaining a Holistic Understanding of Healthcare Challenges</a:t>
+            </a:r>
           </a:p>
         </p:txBody>
       </p:sp>
     </p:spTree>
     <p:extLst>
       <p:ext uri="{BB962C8B-B14F-4D97-AF65-F5344CB8AC3E}">
-        <p14:creationId xmlns:p14="http://schemas.microsoft.com/office/powerpoint/2010/main" val="2712323824"/>
+        <p14:creationId xmlns:p14="http://schemas.microsoft.com/office/powerpoint/2010/main" val="665681271"/>
       </p:ext>
     </p:extLst>
   </p:cSld>
@@ -4670,7 +4682,7 @@
           <p:cNvPr id="2" name="Title 1">
             <a:extLst>
               <a:ext uri="{FF2B5EF4-FFF2-40B4-BE49-F238E27FC236}">
-                <a16:creationId xmlns:a16="http://schemas.microsoft.com/office/drawing/2014/main" id="{C0A32529-B1B4-D2A1-9F34-63E4B5CB11AE}"/>
+                <a16:creationId xmlns:a16="http://schemas.microsoft.com/office/drawing/2014/main" id="{0E856EDD-3D86-4020-BBB5-7CDBAD9C2AB1}"/>
               </a:ext>
             </a:extLst>
           </p:cNvPr>
@@ -4688,7 +4700,7 @@
           <a:p>
             <a:r>
               <a:rPr lang="en-US" b="1" dirty="0"/>
-              <a:t>2. Real-World Healthcare Insights</a:t>
+              <a:t>1. Exploring KTH’s Approach</a:t>
             </a:r>
           </a:p>
         </p:txBody>
@@ -4698,7 +4710,7 @@
           <p:cNvPr id="3" name="Content Placeholder 2">
             <a:extLst>
               <a:ext uri="{FF2B5EF4-FFF2-40B4-BE49-F238E27FC236}">
-                <a16:creationId xmlns:a16="http://schemas.microsoft.com/office/drawing/2014/main" id="{DD7113F4-7DC9-0B5A-903F-906D03EF8CC5}"/>
+                <a16:creationId xmlns:a16="http://schemas.microsoft.com/office/drawing/2014/main" id="{9E8BA058-162E-1AB1-B84F-3865CE327F5B}"/>
               </a:ext>
             </a:extLst>
           </p:cNvPr>
@@ -4714,20 +4726,23 @@
           <a:bodyPr/>
           <a:lstStyle/>
           <a:p>
-            <a:pPr marL="0" indent="0" algn="just">
-              <a:buNone/>
-            </a:pPr>
-            <a:r>
-              <a:rPr lang="en-US" dirty="0"/>
-              <a:t>The secondments in Amsterdam and Karolinska University Hospital are also particularly exciting to me, as they offer a chance to experience firsthand how models are applied in real-world healthcare settings.</a:t>
-            </a:r>
+            <a:pPr marL="0" indent="0">
+              <a:buNone/>
+            </a:pPr>
+            <a:r>
+              <a:rPr lang="en-US" dirty="0"/>
+              <a:t>To learn about KTH’s approach to integrating participatory modeling within healthcare systems and to understand the nuances of translating model outputs into practical strategies that can be implemented in hospitals</a:t>
+            </a:r>
+          </a:p>
+          <a:p>
+            <a:endParaRPr lang="en-US" dirty="0"/>
           </a:p>
         </p:txBody>
       </p:sp>
     </p:spTree>
     <p:extLst>
       <p:ext uri="{BB962C8B-B14F-4D97-AF65-F5344CB8AC3E}">
-        <p14:creationId xmlns:p14="http://schemas.microsoft.com/office/powerpoint/2010/main" val="3948877058"/>
+        <p14:creationId xmlns:p14="http://schemas.microsoft.com/office/powerpoint/2010/main" val="2712323824"/>
       </p:ext>
     </p:extLst>
   </p:cSld>
@@ -4759,7 +4774,7 @@
           <p:cNvPr id="2" name="Title 1">
             <a:extLst>
               <a:ext uri="{FF2B5EF4-FFF2-40B4-BE49-F238E27FC236}">
-                <a16:creationId xmlns:a16="http://schemas.microsoft.com/office/drawing/2014/main" id="{7C491F63-9F9D-17D8-84C4-2AAA864D872B}"/>
+                <a16:creationId xmlns:a16="http://schemas.microsoft.com/office/drawing/2014/main" id="{C0A32529-B1B4-D2A1-9F34-63E4B5CB11AE}"/>
               </a:ext>
             </a:extLst>
           </p:cNvPr>
@@ -4777,7 +4792,7 @@
           <a:p>
             <a:r>
               <a:rPr lang="en-US" b="1" dirty="0"/>
-              <a:t>3. Gaining a Holistic Understanding of Healthcare Challenges</a:t>
+              <a:t>2. Real-World Healthcare Insights</a:t>
             </a:r>
           </a:p>
         </p:txBody>
@@ -4787,7 +4802,7 @@
           <p:cNvPr id="3" name="Content Placeholder 2">
             <a:extLst>
               <a:ext uri="{FF2B5EF4-FFF2-40B4-BE49-F238E27FC236}">
-                <a16:creationId xmlns:a16="http://schemas.microsoft.com/office/drawing/2014/main" id="{E53099BE-1CE2-CA47-7272-ACDEDD95C002}"/>
+                <a16:creationId xmlns:a16="http://schemas.microsoft.com/office/drawing/2014/main" id="{DD7113F4-7DC9-0B5A-903F-906D03EF8CC5}"/>
               </a:ext>
             </a:extLst>
           </p:cNvPr>
@@ -4803,12 +4818,12 @@
           <a:bodyPr/>
           <a:lstStyle/>
           <a:p>
-            <a:pPr marL="0" indent="0">
-              <a:buNone/>
-            </a:pPr>
-            <a:r>
-              <a:rPr lang="en-US" dirty="0"/>
-              <a:t>Allowing me to develop solutions that support evidence-based policy and management decisions in healthcare</a:t>
+            <a:pPr marL="0" indent="0" algn="just">
+              <a:buNone/>
+            </a:pPr>
+            <a:r>
+              <a:rPr lang="en-US" dirty="0"/>
+              <a:t>The secondments in Amsterdam and Karolinska University Hospital are also particularly exciting to me, as they offer a chance to experience firsthand how models are applied in real-world healthcare settings.</a:t>
             </a:r>
           </a:p>
         </p:txBody>
@@ -4816,7 +4831,7 @@
     </p:spTree>
     <p:extLst>
       <p:ext uri="{BB962C8B-B14F-4D97-AF65-F5344CB8AC3E}">
-        <p14:creationId xmlns:p14="http://schemas.microsoft.com/office/powerpoint/2010/main" val="2873258294"/>
+        <p14:creationId xmlns:p14="http://schemas.microsoft.com/office/powerpoint/2010/main" val="3948877058"/>
       </p:ext>
     </p:extLst>
   </p:cSld>
@@ -4848,7 +4863,7 @@
           <p:cNvPr id="2" name="Title 1">
             <a:extLst>
               <a:ext uri="{FF2B5EF4-FFF2-40B4-BE49-F238E27FC236}">
-                <a16:creationId xmlns:a16="http://schemas.microsoft.com/office/drawing/2014/main" id="{D43EF163-2EEF-62E9-DAC3-5FFD8788600D}"/>
+                <a16:creationId xmlns:a16="http://schemas.microsoft.com/office/drawing/2014/main" id="{7C491F63-9F9D-17D8-84C4-2AAA864D872B}"/>
               </a:ext>
             </a:extLst>
           </p:cNvPr>
@@ -4866,20 +4881,8 @@
           <a:p>
             <a:r>
               <a:rPr lang="en-US" b="1" dirty="0"/>
-              <a:t>Part 6: Q</a:t>
-            </a:r>
-            <a:r>
-              <a:rPr lang="en-US" sz="4400" b="1" kern="1200" dirty="0">
-                <a:solidFill>
-                  <a:schemeClr val="tx1"/>
-                </a:solidFill>
-                <a:latin typeface="+mj-lt"/>
-                <a:ea typeface="+mj-ea"/>
-                <a:cs typeface="+mj-cs"/>
-              </a:rPr>
-              <a:t>uestions</a:t>
-            </a:r>
-            <a:endParaRPr lang="en-US" b="1" dirty="0"/>
+              <a:t>3. Gaining a Holistic Understanding of Healthcare Challenges</a:t>
+            </a:r>
           </a:p>
         </p:txBody>
       </p:sp>
@@ -4888,7 +4891,7 @@
           <p:cNvPr id="3" name="Content Placeholder 2">
             <a:extLst>
               <a:ext uri="{FF2B5EF4-FFF2-40B4-BE49-F238E27FC236}">
-                <a16:creationId xmlns:a16="http://schemas.microsoft.com/office/drawing/2014/main" id="{B97AD6BD-4298-A662-1D9C-9876252BC60D}"/>
+                <a16:creationId xmlns:a16="http://schemas.microsoft.com/office/drawing/2014/main" id="{E53099BE-1CE2-CA47-7272-ACDEDD95C002}"/>
               </a:ext>
             </a:extLst>
           </p:cNvPr>
@@ -4904,39 +4907,12 @@
           <a:bodyPr/>
           <a:lstStyle/>
           <a:p>
-            <a:pPr algn="just"/>
-            <a:r>
-              <a:rPr lang="en-US" dirty="0"/>
-              <a:t>Could you share more about the specific goals the research group hopes to achieve with this project?</a:t>
-            </a:r>
-          </a:p>
-          <a:p>
-            <a:pPr algn="just"/>
-            <a:r>
-              <a:rPr lang="en-US" dirty="0"/>
-              <a:t>How does KTH facilitate collaboration between doctoral candidates within the </a:t>
-            </a:r>
-            <a:r>
-              <a:rPr lang="en-US" dirty="0" err="1"/>
-              <a:t>InSilicoHealth</a:t>
-            </a:r>
-            <a:r>
-              <a:rPr lang="en-US" dirty="0"/>
-              <a:t> network?</a:t>
-            </a:r>
-          </a:p>
-          <a:p>
-            <a:pPr algn="just"/>
-            <a:r>
-              <a:rPr lang="en-US" dirty="0"/>
-              <a:t>What qualities or skills have you found most beneficial for success in this doctoral program?</a:t>
-            </a:r>
-          </a:p>
-          <a:p>
-            <a:pPr algn="just"/>
-            <a:r>
-              <a:rPr lang="en-US" dirty="0"/>
-              <a:t>Could you explain more about the participatory model approaches used in this project?</a:t>
+            <a:pPr marL="0" indent="0">
+              <a:buNone/>
+            </a:pPr>
+            <a:r>
+              <a:rPr lang="en-US" dirty="0"/>
+              <a:t>Allowing me to develop solutions that support evidence-based policy and management decisions in healthcare</a:t>
             </a:r>
           </a:p>
         </p:txBody>
@@ -4944,7 +4920,7 @@
     </p:spTree>
     <p:extLst>
       <p:ext uri="{BB962C8B-B14F-4D97-AF65-F5344CB8AC3E}">
-        <p14:creationId xmlns:p14="http://schemas.microsoft.com/office/powerpoint/2010/main" val="3191113713"/>
+        <p14:creationId xmlns:p14="http://schemas.microsoft.com/office/powerpoint/2010/main" val="2873258294"/>
       </p:ext>
     </p:extLst>
   </p:cSld>
@@ -4976,7 +4952,7 @@
           <p:cNvPr id="2" name="Title 1">
             <a:extLst>
               <a:ext uri="{FF2B5EF4-FFF2-40B4-BE49-F238E27FC236}">
-                <a16:creationId xmlns:a16="http://schemas.microsoft.com/office/drawing/2014/main" id="{BDFD0304-763D-42F7-7258-2B1ED29D5AB8}"/>
+                <a16:creationId xmlns:a16="http://schemas.microsoft.com/office/drawing/2014/main" id="{1853B414-7DE5-9CA2-2E76-1D5743ADBEB1}"/>
               </a:ext>
             </a:extLst>
           </p:cNvPr>
@@ -4993,235 +4969,307 @@
           <a:lstStyle/>
           <a:p>
             <a:r>
+              <a:rPr lang="en-US" dirty="0"/>
+              <a:t>Research Proposal: Participatory Modeling for Societal Complexity in Healthcare</a:t>
+            </a:r>
+          </a:p>
+        </p:txBody>
+      </p:sp>
+      <p:sp>
+        <p:nvSpPr>
+          <p:cNvPr id="3" name="Content Placeholder 2">
+            <a:extLst>
+              <a:ext uri="{FF2B5EF4-FFF2-40B4-BE49-F238E27FC236}">
+                <a16:creationId xmlns:a16="http://schemas.microsoft.com/office/drawing/2014/main" id="{4721E4D8-6C00-CF09-624E-DF55CAA1BB4E}"/>
+              </a:ext>
+            </a:extLst>
+          </p:cNvPr>
+          <p:cNvSpPr>
+            <a:spLocks noGrp="1"/>
+          </p:cNvSpPr>
+          <p:nvPr>
+            <p:ph idx="1"/>
+          </p:nvPr>
+        </p:nvSpPr>
+        <p:spPr/>
+        <p:txBody>
+          <a:bodyPr>
+            <a:normAutofit fontScale="92500" lnSpcReduction="20000"/>
+          </a:bodyPr>
+          <a:lstStyle/>
+          <a:p>
+            <a:pPr marL="0" indent="0" algn="just">
+              <a:buNone/>
+            </a:pPr>
+            <a:r>
+              <a:rPr lang="en-US" dirty="0"/>
+              <a:t>Hello and welcome! We're excited to share our work on participatory modeling for societal complexity in healthcare. Explore and engage with our resources below:</a:t>
+            </a:r>
+          </a:p>
+          <a:p>
+            <a:pPr algn="just"/>
+            <a:r>
               <a:rPr lang="en-US" b="1" dirty="0"/>
-              <a:t>Presentation Structure</a:t>
-            </a:r>
-          </a:p>
-        </p:txBody>
-      </p:sp>
-      <p:sp>
-        <p:nvSpPr>
-          <p:cNvPr id="3" name="Content Placeholder 2">
+              <a:t>Discover Our Project</a:t>
+            </a:r>
+            <a:r>
+              <a:rPr lang="en-US" dirty="0"/>
+              <a:t>: Learn about our approach and research on </a:t>
+            </a:r>
+            <a:r>
+              <a:rPr lang="en-US" dirty="0">
+                <a:hlinkClick r:id="rId2"/>
+              </a:rPr>
+              <a:t>GitHub</a:t>
+            </a:r>
+            <a:endParaRPr lang="en-US" dirty="0"/>
+          </a:p>
+          <a:p>
+            <a:pPr algn="just"/>
+            <a:r>
+              <a:rPr lang="en-US" dirty="0"/>
+              <a:t>Try It Out: Experiment with our simulation through this interactive </a:t>
+            </a:r>
+            <a:r>
+              <a:rPr lang="en-US" dirty="0">
+                <a:hlinkClick r:id="rId3"/>
+              </a:rPr>
+              <a:t>Google </a:t>
+            </a:r>
+            <a:r>
+              <a:rPr lang="en-US" dirty="0" err="1">
+                <a:hlinkClick r:id="rId3"/>
+              </a:rPr>
+              <a:t>Colab</a:t>
+            </a:r>
+            <a:r>
+              <a:rPr lang="en-US" dirty="0">
+                <a:hlinkClick r:id="rId3"/>
+              </a:rPr>
+              <a:t> notebook</a:t>
+            </a:r>
+            <a:r>
+              <a:rPr lang="en-US" dirty="0"/>
+              <a:t>.</a:t>
+            </a:r>
+          </a:p>
+          <a:p>
+            <a:pPr algn="just"/>
+            <a:r>
+              <a:rPr lang="en-US" b="1" dirty="0"/>
+              <a:t>Explore the Code</a:t>
+            </a:r>
+            <a:r>
+              <a:rPr lang="en-US" dirty="0"/>
+              <a:t>: Dive into the details of our simulation by reviewing the </a:t>
+            </a:r>
+            <a:r>
+              <a:rPr lang="en-US" dirty="0">
+                <a:hlinkClick r:id="rId4"/>
+              </a:rPr>
+              <a:t>source code</a:t>
+            </a:r>
+            <a:r>
+              <a:rPr lang="en-US" dirty="0"/>
+              <a:t>.</a:t>
+            </a:r>
+          </a:p>
+          <a:p>
+            <a:pPr marL="0" indent="0" algn="just">
+              <a:buNone/>
+            </a:pPr>
+            <a:endParaRPr lang="en-US" dirty="0"/>
+          </a:p>
+          <a:p>
+            <a:pPr marL="0" indent="0" algn="just">
+              <a:buNone/>
+            </a:pPr>
+            <a:r>
+              <a:rPr lang="en-US" sz="3000" b="1" dirty="0"/>
+              <a:t>We’d love for you to explore, experiment, and share your thoughts with us!</a:t>
+            </a:r>
+          </a:p>
+          <a:p>
+            <a:pPr algn="just"/>
+            <a:endParaRPr lang="en-US" dirty="0"/>
+          </a:p>
+          <a:p>
+            <a:pPr marL="0" indent="0" algn="just">
+              <a:buNone/>
+            </a:pPr>
+            <a:endParaRPr lang="en-US" dirty="0"/>
+          </a:p>
+        </p:txBody>
+      </p:sp>
+      <p:sp>
+        <p:nvSpPr>
+          <p:cNvPr id="6" name="Rectangle 3">
             <a:extLst>
               <a:ext uri="{FF2B5EF4-FFF2-40B4-BE49-F238E27FC236}">
-                <a16:creationId xmlns:a16="http://schemas.microsoft.com/office/drawing/2014/main" id="{A2EBC689-9469-6B7D-C4DF-F5D0AF965E88}"/>
+                <a16:creationId xmlns:a16="http://schemas.microsoft.com/office/drawing/2014/main" id="{80E49973-683A-631C-B005-8269842C3A94}"/>
               </a:ext>
             </a:extLst>
           </p:cNvPr>
           <p:cNvSpPr>
-            <a:spLocks noGrp="1"/>
-          </p:cNvSpPr>
-          <p:nvPr>
-            <p:ph idx="1"/>
-          </p:nvPr>
-        </p:nvSpPr>
-        <p:spPr/>
-        <p:txBody>
-          <a:bodyPr/>
-          <a:lstStyle/>
-          <a:p>
-            <a:pPr marL="0" indent="0">
-              <a:buNone/>
-            </a:pPr>
-            <a:r>
-              <a:rPr lang="en-US" sz="2800" b="1" kern="1200" dirty="0">
+            <a:spLocks noChangeArrowheads="1"/>
+          </p:cNvSpPr>
+          <p:nvPr/>
+        </p:nvSpPr>
+        <p:spPr bwMode="auto">
+          <a:xfrm>
+            <a:off x="0" y="0"/>
+            <a:ext cx="12192000" cy="0"/>
+          </a:xfrm>
+          <a:prstGeom prst="rect">
+            <a:avLst/>
+          </a:prstGeom>
+          <a:noFill/>
+          <a:ln>
+            <a:noFill/>
+          </a:ln>
+          <a:effectLst/>
+          <a:extLst>
+            <a:ext uri="{909E8E84-426E-40DD-AFC4-6F175D3DCCD1}">
+              <a14:hiddenFill xmlns:a14="http://schemas.microsoft.com/office/drawing/2010/main">
+                <a:solidFill>
+                  <a:schemeClr val="accent1"/>
+                </a:solidFill>
+              </a14:hiddenFill>
+            </a:ext>
+            <a:ext uri="{91240B29-F687-4F45-9708-019B960494DF}">
+              <a14:hiddenLine xmlns:a14="http://schemas.microsoft.com/office/drawing/2010/main" w="9525">
                 <a:solidFill>
                   <a:schemeClr val="tx1"/>
                 </a:solidFill>
-                <a:latin typeface="+mj-lt"/>
-                <a:ea typeface="+mj-ea"/>
-                <a:cs typeface="+mj-cs"/>
-              </a:rPr>
-              <a:t>Part 1: </a:t>
-            </a:r>
-            <a:r>
-              <a:rPr lang="en-US" sz="2800" kern="1200" dirty="0">
+                <a:miter lim="800000"/>
+                <a:headEnd/>
+                <a:tailEnd/>
+              </a14:hiddenLine>
+            </a:ext>
+            <a:ext uri="{AF507438-7753-43E0-B8FC-AC1667EBCBE1}">
+              <a14:hiddenEffects xmlns:a14="http://schemas.microsoft.com/office/drawing/2010/main">
+                <a:effectLst>
+                  <a:outerShdw dist="35921" dir="2700000" algn="ctr" rotWithShape="0">
+                    <a:schemeClr val="bg2"/>
+                  </a:outerShdw>
+                </a:effectLst>
+              </a14:hiddenEffects>
+            </a:ext>
+          </a:extLst>
+        </p:spPr>
+        <p:txBody>
+          <a:bodyPr vert="horz" wrap="none" lIns="91440" tIns="45720" rIns="91440" bIns="45720" numCol="1" anchor="ctr" anchorCtr="0" compatLnSpc="1">
+            <a:prstTxWarp prst="textNoShape">
+              <a:avLst/>
+            </a:prstTxWarp>
+            <a:spAutoFit/>
+          </a:bodyPr>
+          <a:lstStyle/>
+          <a:p>
+            <a:pPr marL="0" marR="0" lvl="0" indent="0" algn="l" defTabSz="914400" rtl="0" eaLnBrk="0" fontAlgn="base" latinLnBrk="0" hangingPunct="0">
+              <a:lnSpc>
+                <a:spcPct val="100000"/>
+              </a:lnSpc>
+              <a:spcBef>
+                <a:spcPct val="0"/>
+              </a:spcBef>
+              <a:spcAft>
+                <a:spcPct val="0"/>
+              </a:spcAft>
+              <a:buClrTx/>
+              <a:buSzTx/>
+              <a:buFontTx/>
+              <a:buChar char="•"/>
+              <a:tabLst/>
+            </a:pPr>
+            <a:r>
+              <a:rPr kumimoji="0" lang="en-US" altLang="en-US" sz="1800" b="1" i="0" u="none" strike="noStrike" cap="none" normalizeH="0" baseline="0">
+                <a:ln>
+                  <a:noFill/>
+                </a:ln>
                 <a:solidFill>
                   <a:schemeClr val="tx1"/>
                 </a:solidFill>
-                <a:latin typeface="+mj-lt"/>
-                <a:ea typeface="+mj-ea"/>
-                <a:cs typeface="+mj-cs"/>
+                <a:effectLst/>
+                <a:latin typeface="Arial" panose="020B0604020202020204" pitchFamily="34" charset="0"/>
               </a:rPr>
-              <a:t>My Background and how it relates to this KTH’s PhD position?</a:t>
-            </a:r>
-          </a:p>
-          <a:p>
-            <a:pPr marL="0" indent="0">
-              <a:buNone/>
-            </a:pPr>
-            <a:r>
-              <a:rPr lang="en-US" sz="2800" b="1" kern="1200" dirty="0">
+              <a:t>Try It Out</a:t>
+            </a:r>
+            <a:r>
+              <a:rPr kumimoji="0" lang="en-US" altLang="en-US" sz="1800" b="0" i="0" u="none" strike="noStrike" cap="none" normalizeH="0" baseline="0">
+                <a:ln>
+                  <a:noFill/>
+                </a:ln>
                 <a:solidFill>
                   <a:schemeClr val="tx1"/>
                 </a:solidFill>
-                <a:latin typeface="+mj-lt"/>
-                <a:ea typeface="+mj-ea"/>
-                <a:cs typeface="+mj-cs"/>
+                <a:effectLst/>
+                <a:latin typeface="Arial" panose="020B0604020202020204" pitchFamily="34" charset="0"/>
               </a:rPr>
-              <a:t>Part 2: </a:t>
-            </a:r>
-            <a:r>
-              <a:rPr lang="en-US" sz="2800" kern="1200" dirty="0">
+              <a:t>: Experiment with our simulation through this </a:t>
+            </a:r>
+            <a:r>
+              <a:rPr kumimoji="0" lang="en-US" altLang="en-US" sz="1800" b="0" i="0" u="none" strike="noStrike" cap="none" normalizeH="0" baseline="0">
+                <a:ln>
+                  <a:noFill/>
+                </a:ln>
                 <a:solidFill>
                   <a:schemeClr val="tx1"/>
                 </a:solidFill>
-                <a:latin typeface="+mj-lt"/>
-                <a:ea typeface="+mj-ea"/>
-                <a:cs typeface="+mj-cs"/>
+                <a:effectLst/>
+                <a:latin typeface="Arial" panose="020B0604020202020204" pitchFamily="34" charset="0"/>
+                <a:hlinkClick r:id="rId5"/>
               </a:rPr>
-              <a:t>What motivates me to pursue this position specifically?</a:t>
-            </a:r>
-          </a:p>
-          <a:p>
-            <a:pPr marL="0" indent="0">
-              <a:buNone/>
-            </a:pPr>
-            <a:r>
-              <a:rPr lang="en-US" sz="2800" b="1" kern="1200" dirty="0">
+              <a:t>interactive Google Colab notebook</a:t>
+            </a:r>
+            <a:r>
+              <a:rPr kumimoji="0" lang="en-US" altLang="en-US" sz="1800" b="0" i="0" u="none" strike="noStrike" cap="none" normalizeH="0" baseline="0">
+                <a:ln>
+                  <a:noFill/>
+                </a:ln>
                 <a:solidFill>
                   <a:schemeClr val="tx1"/>
                 </a:solidFill>
-                <a:latin typeface="+mj-lt"/>
-                <a:ea typeface="+mj-ea"/>
-                <a:cs typeface="+mj-cs"/>
+                <a:effectLst/>
+                <a:latin typeface="Arial" panose="020B0604020202020204" pitchFamily="34" charset="0"/>
               </a:rPr>
-              <a:t>Part 3: </a:t>
-            </a:r>
-            <a:r>
-              <a:rPr lang="en-US" sz="2800" kern="1200" dirty="0">
-                <a:solidFill>
-                  <a:schemeClr val="tx1"/>
-                </a:solidFill>
-                <a:latin typeface="+mj-lt"/>
-                <a:ea typeface="+mj-ea"/>
-                <a:cs typeface="+mj-cs"/>
-              </a:rPr>
-              <a:t>How would My technical skill contribute to the research goals of this project?</a:t>
-            </a:r>
-          </a:p>
-          <a:p>
-            <a:pPr marL="0" indent="0">
-              <a:buNone/>
-            </a:pPr>
-            <a:r>
-              <a:rPr lang="en-US" sz="2800" b="1" kern="1200" dirty="0">
-                <a:solidFill>
-                  <a:schemeClr val="tx1"/>
-                </a:solidFill>
-                <a:latin typeface="+mj-lt"/>
-                <a:ea typeface="+mj-ea"/>
-                <a:cs typeface="+mj-cs"/>
-              </a:rPr>
-              <a:t>Part 4: </a:t>
-            </a:r>
-            <a:r>
-              <a:rPr lang="en-US" sz="2800" kern="1200" dirty="0">
-                <a:solidFill>
-                  <a:schemeClr val="tx1"/>
-                </a:solidFill>
-                <a:latin typeface="+mj-lt"/>
-                <a:ea typeface="+mj-ea"/>
-                <a:cs typeface="+mj-cs"/>
-              </a:rPr>
-              <a:t>Project where I used participatory modeling or similar techniques</a:t>
-            </a:r>
-          </a:p>
-          <a:p>
-            <a:pPr marL="0" indent="0">
-              <a:buNone/>
-            </a:pPr>
-            <a:r>
-              <a:rPr lang="en-US" sz="2800" b="1" kern="1200" dirty="0">
-                <a:solidFill>
-                  <a:schemeClr val="tx1"/>
-                </a:solidFill>
-                <a:latin typeface="+mj-lt"/>
-                <a:ea typeface="+mj-ea"/>
-                <a:cs typeface="+mj-cs"/>
-              </a:rPr>
-              <a:t>Part 5: </a:t>
-            </a:r>
-            <a:r>
-              <a:rPr lang="en-US" sz="2800" kern="1200" dirty="0">
-                <a:solidFill>
-                  <a:schemeClr val="tx1"/>
-                </a:solidFill>
-                <a:latin typeface="+mj-lt"/>
-                <a:ea typeface="+mj-ea"/>
-                <a:cs typeface="+mj-cs"/>
-              </a:rPr>
-              <a:t>What do I hope to learn from working within the </a:t>
-            </a:r>
-            <a:r>
-              <a:rPr lang="en-US" sz="2800" kern="1200" dirty="0" err="1">
-                <a:solidFill>
-                  <a:schemeClr val="tx1"/>
-                </a:solidFill>
-                <a:latin typeface="+mj-lt"/>
-                <a:ea typeface="+mj-ea"/>
-                <a:cs typeface="+mj-cs"/>
-              </a:rPr>
-              <a:t>InSilicoHealth</a:t>
-            </a:r>
-            <a:r>
-              <a:rPr lang="en-US" sz="2800" kern="1200" dirty="0">
-                <a:solidFill>
-                  <a:schemeClr val="tx1"/>
-                </a:solidFill>
-                <a:latin typeface="+mj-lt"/>
-                <a:ea typeface="+mj-ea"/>
-                <a:cs typeface="+mj-cs"/>
-              </a:rPr>
-              <a:t> Doctoral Network and at KTH?</a:t>
-            </a:r>
-          </a:p>
-          <a:p>
-            <a:pPr marL="0" indent="0">
-              <a:buNone/>
-            </a:pPr>
-            <a:r>
-              <a:rPr lang="en-US" sz="2800" b="1" kern="1200" dirty="0">
-                <a:solidFill>
-                  <a:schemeClr val="tx1"/>
-                </a:solidFill>
-                <a:latin typeface="+mj-lt"/>
-                <a:ea typeface="+mj-ea"/>
-                <a:cs typeface="+mj-cs"/>
-              </a:rPr>
-              <a:t>Part 6: </a:t>
-            </a:r>
-            <a:r>
-              <a:rPr lang="en-US" sz="2800" kern="1200" dirty="0">
-                <a:solidFill>
-                  <a:schemeClr val="tx1"/>
-                </a:solidFill>
-                <a:latin typeface="+mj-lt"/>
-                <a:ea typeface="+mj-ea"/>
-                <a:cs typeface="+mj-cs"/>
-              </a:rPr>
-              <a:t>Questions</a:t>
-            </a:r>
-          </a:p>
-          <a:p>
-            <a:pPr marL="0" indent="0">
-              <a:buNone/>
-            </a:pPr>
-            <a:r>
-              <a:rPr lang="en-US" b="1" dirty="0"/>
-              <a:t>Part 7: </a:t>
-            </a:r>
-            <a:r>
-              <a:rPr lang="en-US" dirty="0"/>
-              <a:t>Appendix</a:t>
-            </a:r>
+              <a:t>.</a:t>
+            </a:r>
+          </a:p>
+          <a:p>
+            <a:pPr marL="0" marR="0" lvl="0" indent="0" algn="l" defTabSz="914400" rtl="0" eaLnBrk="0" fontAlgn="base" latinLnBrk="0" hangingPunct="0">
+              <a:lnSpc>
+                <a:spcPct val="100000"/>
+              </a:lnSpc>
+              <a:spcBef>
+                <a:spcPct val="0"/>
+              </a:spcBef>
+              <a:spcAft>
+                <a:spcPct val="0"/>
+              </a:spcAft>
+              <a:buClrTx/>
+              <a:buSzTx/>
+              <a:buFontTx/>
+              <a:buChar char="•"/>
+              <a:tabLst/>
+            </a:pPr>
+            <a:endParaRPr kumimoji="0" lang="en-US" altLang="en-US" sz="1800" b="0" i="0" u="none" strike="noStrike" cap="none" normalizeH="0" baseline="0">
+              <a:ln>
+                <a:noFill/>
+              </a:ln>
+              <a:solidFill>
+                <a:schemeClr val="tx1"/>
+              </a:solidFill>
+              <a:effectLst/>
+              <a:latin typeface="Arial" panose="020B0604020202020204" pitchFamily="34" charset="0"/>
+            </a:endParaRPr>
           </a:p>
         </p:txBody>
       </p:sp>
     </p:spTree>
     <p:extLst>
       <p:ext uri="{BB962C8B-B14F-4D97-AF65-F5344CB8AC3E}">
-        <p14:creationId xmlns:p14="http://schemas.microsoft.com/office/powerpoint/2010/main" val="2726750472"/>
+        <p14:creationId xmlns:p14="http://schemas.microsoft.com/office/powerpoint/2010/main" val="231819926"/>
       </p:ext>
     </p:extLst>
   </p:cSld>
@@ -5253,7 +5301,7 @@
           <p:cNvPr id="2" name="Title 1">
             <a:extLst>
               <a:ext uri="{FF2B5EF4-FFF2-40B4-BE49-F238E27FC236}">
-                <a16:creationId xmlns:a16="http://schemas.microsoft.com/office/drawing/2014/main" id="{4818C844-FCEC-BC69-2B25-4DB3C010D206}"/>
+                <a16:creationId xmlns:a16="http://schemas.microsoft.com/office/drawing/2014/main" id="{D43EF163-2EEF-62E9-DAC3-5FFD8788600D}"/>
               </a:ext>
             </a:extLst>
           </p:cNvPr>
@@ -5271,8 +5319,20 @@
           <a:p>
             <a:r>
               <a:rPr lang="en-US" b="1" dirty="0"/>
-              <a:t>Part 7: Appendix</a:t>
-            </a:r>
+              <a:t>Part 6: Q</a:t>
+            </a:r>
+            <a:r>
+              <a:rPr lang="en-US" sz="4400" b="1" kern="1200" dirty="0">
+                <a:solidFill>
+                  <a:schemeClr val="tx1"/>
+                </a:solidFill>
+                <a:latin typeface="+mj-lt"/>
+                <a:ea typeface="+mj-ea"/>
+                <a:cs typeface="+mj-cs"/>
+              </a:rPr>
+              <a:t>uestions</a:t>
+            </a:r>
+            <a:endParaRPr lang="en-US" b="1" dirty="0"/>
           </a:p>
         </p:txBody>
       </p:sp>
@@ -5281,7 +5341,7 @@
           <p:cNvPr id="3" name="Content Placeholder 2">
             <a:extLst>
               <a:ext uri="{FF2B5EF4-FFF2-40B4-BE49-F238E27FC236}">
-                <a16:creationId xmlns:a16="http://schemas.microsoft.com/office/drawing/2014/main" id="{EB3D6BC8-3FC1-DCA4-BADA-FA11FF1F3FE7}"/>
+                <a16:creationId xmlns:a16="http://schemas.microsoft.com/office/drawing/2014/main" id="{B97AD6BD-4298-A662-1D9C-9876252BC60D}"/>
               </a:ext>
             </a:extLst>
           </p:cNvPr>
@@ -5297,80 +5357,47 @@
           <a:bodyPr/>
           <a:lstStyle/>
           <a:p>
-            <a:pPr marL="0" indent="0">
-              <a:buNone/>
-            </a:pPr>
-            <a:r>
-              <a:rPr lang="en-US" b="1" dirty="0"/>
-              <a:t>A: Healthcare Participatory Model Simulation</a:t>
-            </a:r>
-          </a:p>
-          <a:p>
-            <a:pPr marL="0" indent="0">
-              <a:buNone/>
-            </a:pPr>
-            <a:r>
-              <a:rPr lang="en-US" b="1" dirty="0"/>
-              <a:t>B: Statistical Distribution and Visualization</a:t>
-            </a:r>
-          </a:p>
-          <a:p>
-            <a:pPr marL="0" indent="0">
-              <a:buNone/>
-            </a:pPr>
-            <a:r>
-              <a:rPr lang="en-US" b="1" dirty="0"/>
-              <a:t>1. Random Fluctuations and Why They Are Used</a:t>
-            </a:r>
-          </a:p>
-          <a:p>
-            <a:pPr marL="0" indent="0">
-              <a:buNone/>
-            </a:pPr>
-            <a:r>
-              <a:rPr lang="en-US" b="1" dirty="0"/>
-              <a:t>2. Uptake Rate and Why It Is Used</a:t>
-            </a:r>
-          </a:p>
-          <a:p>
-            <a:pPr marL="0" indent="0">
-              <a:buNone/>
-            </a:pPr>
-            <a:r>
-              <a:rPr lang="en-US" b="1" dirty="0"/>
-              <a:t>3. Feedback Loop and Why It Is Used</a:t>
-            </a:r>
-          </a:p>
-          <a:p>
-            <a:pPr marL="0" indent="0">
-              <a:buNone/>
-            </a:pPr>
-            <a:r>
-              <a:rPr lang="en-US" b="1" dirty="0"/>
-              <a:t>4. Visualizing Trends and Why It Is Important</a:t>
-            </a:r>
-          </a:p>
-          <a:p>
-            <a:pPr marL="0" indent="0">
-              <a:buNone/>
-            </a:pPr>
-            <a:r>
-              <a:rPr lang="en-US" b="1" dirty="0"/>
-              <a:t>5. Why Combine These Elements?</a:t>
-            </a:r>
-          </a:p>
-          <a:p>
-            <a:pPr marL="0" indent="0">
-              <a:buNone/>
-            </a:pPr>
-            <a:endParaRPr lang="en-US" dirty="0"/>
+            <a:pPr algn="just"/>
+            <a:r>
+              <a:rPr lang="en-US" dirty="0"/>
+              <a:t>Could you share more about the specific goals the research group hopes to achieve with this project?</a:t>
+            </a:r>
+          </a:p>
+          <a:p>
+            <a:pPr algn="just"/>
+            <a:r>
+              <a:rPr lang="en-US" dirty="0"/>
+              <a:t>How does KTH facilitate collaboration between doctoral candidates within the </a:t>
+            </a:r>
+            <a:r>
+              <a:rPr lang="en-US" dirty="0" err="1"/>
+              <a:t>InSilicoHealth</a:t>
+            </a:r>
+            <a:r>
+              <a:rPr lang="en-US" dirty="0"/>
+              <a:t> network?</a:t>
+            </a:r>
+          </a:p>
+          <a:p>
+            <a:pPr algn="just"/>
+            <a:r>
+              <a:rPr lang="en-US" dirty="0"/>
+              <a:t>What qualities or skills have you found most beneficial for success in this doctoral program?</a:t>
+            </a:r>
+          </a:p>
+          <a:p>
+            <a:pPr algn="just"/>
+            <a:r>
+              <a:rPr lang="en-US" dirty="0"/>
+              <a:t>Could you explain more about the participatory model approaches used in this project?</a:t>
+            </a:r>
           </a:p>
         </p:txBody>
       </p:sp>
     </p:spTree>
     <p:extLst>
       <p:ext uri="{BB962C8B-B14F-4D97-AF65-F5344CB8AC3E}">
-        <p14:creationId xmlns:p14="http://schemas.microsoft.com/office/powerpoint/2010/main" val="190224860"/>
+        <p14:creationId xmlns:p14="http://schemas.microsoft.com/office/powerpoint/2010/main" val="3191113713"/>
       </p:ext>
     </p:extLst>
   </p:cSld>
@@ -5402,7 +5429,7 @@
           <p:cNvPr id="2" name="Title 1">
             <a:extLst>
               <a:ext uri="{FF2B5EF4-FFF2-40B4-BE49-F238E27FC236}">
-                <a16:creationId xmlns:a16="http://schemas.microsoft.com/office/drawing/2014/main" id="{23E7F1AE-18A6-61B9-12BD-59581FBF1F21}"/>
+                <a16:creationId xmlns:a16="http://schemas.microsoft.com/office/drawing/2014/main" id="{4818C844-FCEC-BC69-2B25-4DB3C010D206}"/>
               </a:ext>
             </a:extLst>
           </p:cNvPr>
@@ -5419,8 +5446,8 @@
           <a:lstStyle/>
           <a:p>
             <a:r>
-              <a:rPr lang="en-US" dirty="0"/>
-              <a:t>The engagement level is simulated for different groups</a:t>
+              <a:rPr lang="en-US" b="1" dirty="0"/>
+              <a:t>Part 7: Appendix</a:t>
             </a:r>
           </a:p>
         </p:txBody>
@@ -5430,7 +5457,7 @@
           <p:cNvPr id="3" name="Content Placeholder 2">
             <a:extLst>
               <a:ext uri="{FF2B5EF4-FFF2-40B4-BE49-F238E27FC236}">
-                <a16:creationId xmlns:a16="http://schemas.microsoft.com/office/drawing/2014/main" id="{60F6674F-CA90-F119-4D66-CABE2D9136CA}"/>
+                <a16:creationId xmlns:a16="http://schemas.microsoft.com/office/drawing/2014/main" id="{EB3D6BC8-3FC1-DCA4-BADA-FA11FF1F3FE7}"/>
               </a:ext>
             </a:extLst>
           </p:cNvPr>
@@ -5443,70 +5470,94 @@
         </p:nvSpPr>
         <p:spPr/>
         <p:txBody>
-          <a:bodyPr/>
-          <a:lstStyle/>
-          <a:p>
-            <a:pPr algn="just">
-              <a:buFont typeface="Arial" panose="020B0604020202020204" pitchFamily="34" charset="0"/>
-              <a:buChar char="•"/>
+          <a:bodyPr>
+            <a:normAutofit/>
+          </a:bodyPr>
+          <a:lstStyle/>
+          <a:p>
+            <a:pPr marL="0" indent="0">
+              <a:buNone/>
             </a:pPr>
             <a:r>
               <a:rPr lang="en-US" b="1" dirty="0"/>
-              <a:t>Patients</a:t>
-            </a:r>
-            <a:r>
-              <a:rPr lang="en-US" dirty="0"/>
-              <a:t>: How involved patients are in a healthcare system, project, or study.</a:t>
-            </a:r>
-          </a:p>
-          <a:p>
-            <a:pPr algn="just">
-              <a:buFont typeface="Arial" panose="020B0604020202020204" pitchFamily="34" charset="0"/>
-              <a:buChar char="•"/>
+              <a:t>A: Healthcare Participatory Model Simulation</a:t>
+            </a:r>
+          </a:p>
+          <a:p>
+            <a:pPr marL="0" indent="0">
+              <a:buNone/>
             </a:pPr>
             <a:r>
               <a:rPr lang="en-US" b="1" dirty="0"/>
-              <a:t>Doctors</a:t>
-            </a:r>
-            <a:r>
-              <a:rPr lang="en-US" dirty="0"/>
-              <a:t>: The degree of participation or involvement of doctors in a healthcare setting or initiative.</a:t>
-            </a:r>
-          </a:p>
-          <a:p>
-            <a:pPr algn="just">
-              <a:buFont typeface="Arial" panose="020B0604020202020204" pitchFamily="34" charset="0"/>
-              <a:buChar char="•"/>
+              <a:t>B: Statistical Distribution and Visualization</a:t>
+            </a:r>
+          </a:p>
+          <a:p>
+            <a:pPr marL="0" indent="0">
+              <a:buNone/>
             </a:pPr>
             <a:r>
               <a:rPr lang="en-US" b="1" dirty="0"/>
-              <a:t>Nurses</a:t>
-            </a:r>
-            <a:r>
-              <a:rPr lang="en-US" dirty="0"/>
-              <a:t>: The level of engagement of nursing staff in activities, events, or initiatives.</a:t>
-            </a:r>
-          </a:p>
-          <a:p>
-            <a:pPr algn="just">
-              <a:buFont typeface="Arial" panose="020B0604020202020204" pitchFamily="34" charset="0"/>
-              <a:buChar char="•"/>
+              <a:t>1. Random Fluctuations and Why They Are Used</a:t>
+            </a:r>
+          </a:p>
+          <a:p>
+            <a:pPr marL="0" indent="0">
+              <a:buNone/>
             </a:pPr>
             <a:r>
               <a:rPr lang="en-US" b="1" dirty="0"/>
-              <a:t>Administrators</a:t>
-            </a:r>
-            <a:r>
-              <a:rPr lang="en-US" dirty="0"/>
-              <a:t>: The level of involvement of administrative personnel in decision-making, planning, or day-to-day operations.</a:t>
-            </a:r>
+              <a:t>2. Uptake Rate and Why It Is Used</a:t>
+            </a:r>
+          </a:p>
+          <a:p>
+            <a:pPr marL="0" indent="0">
+              <a:buNone/>
+            </a:pPr>
+            <a:r>
+              <a:rPr lang="en-US" b="1" dirty="0"/>
+              <a:t>3. Feedback Loop and Why It Is Used</a:t>
+            </a:r>
+          </a:p>
+          <a:p>
+            <a:pPr marL="0" indent="0">
+              <a:buNone/>
+            </a:pPr>
+            <a:r>
+              <a:rPr lang="en-US" b="1" dirty="0"/>
+              <a:t>4. Visualizing Trends and Why It Is Important</a:t>
+            </a:r>
+          </a:p>
+          <a:p>
+            <a:pPr marL="0" indent="0">
+              <a:buNone/>
+            </a:pPr>
+            <a:r>
+              <a:rPr lang="en-US" b="1" dirty="0"/>
+              <a:t>5. Why Combine These Elements?</a:t>
+            </a:r>
+          </a:p>
+          <a:p>
+            <a:pPr marL="0" indent="0">
+              <a:buNone/>
+            </a:pPr>
+            <a:r>
+              <a:rPr lang="en-US" b="1" dirty="0"/>
+              <a:t>6. Numerical Example, Simulation Steps</a:t>
+            </a:r>
+          </a:p>
+          <a:p>
+            <a:pPr marL="0" indent="0">
+              <a:buNone/>
+            </a:pPr>
+            <a:endParaRPr lang="en-US" dirty="0"/>
           </a:p>
         </p:txBody>
       </p:sp>
     </p:spTree>
     <p:extLst>
       <p:ext uri="{BB962C8B-B14F-4D97-AF65-F5344CB8AC3E}">
-        <p14:creationId xmlns:p14="http://schemas.microsoft.com/office/powerpoint/2010/main" val="4227825685"/>
+        <p14:creationId xmlns:p14="http://schemas.microsoft.com/office/powerpoint/2010/main" val="190224860"/>
       </p:ext>
     </p:extLst>
   </p:cSld>
@@ -5538,7 +5589,7 @@
           <p:cNvPr id="2" name="Title 1">
             <a:extLst>
               <a:ext uri="{FF2B5EF4-FFF2-40B4-BE49-F238E27FC236}">
-                <a16:creationId xmlns:a16="http://schemas.microsoft.com/office/drawing/2014/main" id="{C99277B6-5A7D-F80C-B993-E21EAE92B23F}"/>
+                <a16:creationId xmlns:a16="http://schemas.microsoft.com/office/drawing/2014/main" id="{23E7F1AE-18A6-61B9-12BD-59581FBF1F21}"/>
               </a:ext>
             </a:extLst>
           </p:cNvPr>
@@ -5551,66 +5602,90 @@
         </p:nvSpPr>
         <p:spPr/>
         <p:txBody>
-          <a:bodyPr>
-            <a:normAutofit/>
-          </a:bodyPr>
-          <a:lstStyle/>
-          <a:p>
+          <a:bodyPr/>
+          <a:lstStyle/>
+          <a:p>
+            <a:r>
+              <a:rPr lang="en-US" dirty="0"/>
+              <a:t>The engagement level is simulated for different groups</a:t>
+            </a:r>
+          </a:p>
+        </p:txBody>
+      </p:sp>
+      <p:sp>
+        <p:nvSpPr>
+          <p:cNvPr id="3" name="Content Placeholder 2">
+            <a:extLst>
+              <a:ext uri="{FF2B5EF4-FFF2-40B4-BE49-F238E27FC236}">
+                <a16:creationId xmlns:a16="http://schemas.microsoft.com/office/drawing/2014/main" id="{60F6674F-CA90-F119-4D66-CABE2D9136CA}"/>
+              </a:ext>
+            </a:extLst>
+          </p:cNvPr>
+          <p:cNvSpPr>
+            <a:spLocks noGrp="1"/>
+          </p:cNvSpPr>
+          <p:nvPr>
+            <p:ph idx="1"/>
+          </p:nvPr>
+        </p:nvSpPr>
+        <p:spPr/>
+        <p:txBody>
+          <a:bodyPr/>
+          <a:lstStyle/>
+          <a:p>
+            <a:pPr algn="just">
+              <a:buFont typeface="Arial" panose="020B0604020202020204" pitchFamily="34" charset="0"/>
+              <a:buChar char="•"/>
+            </a:pPr>
             <a:r>
               <a:rPr lang="en-US" b="1" dirty="0"/>
-              <a:t>A: Healthcare Participatory Model Simulation</a:t>
-            </a:r>
-          </a:p>
-        </p:txBody>
-      </p:sp>
-      <p:sp>
-        <p:nvSpPr>
-          <p:cNvPr id="3" name="Content Placeholder 2">
-            <a:extLst>
-              <a:ext uri="{FF2B5EF4-FFF2-40B4-BE49-F238E27FC236}">
-                <a16:creationId xmlns:a16="http://schemas.microsoft.com/office/drawing/2014/main" id="{23BE0B53-402D-8581-3510-C4B1E73C3D28}"/>
-              </a:ext>
-            </a:extLst>
-          </p:cNvPr>
-          <p:cNvSpPr>
-            <a:spLocks noGrp="1"/>
-          </p:cNvSpPr>
-          <p:nvPr>
-            <p:ph idx="1"/>
-          </p:nvPr>
-        </p:nvSpPr>
-        <p:spPr/>
-        <p:txBody>
-          <a:bodyPr>
-            <a:normAutofit fontScale="92500" lnSpcReduction="10000"/>
-          </a:bodyPr>
-          <a:lstStyle/>
-          <a:p>
-            <a:pPr algn="just"/>
-            <a:r>
-              <a:rPr lang="en-US" dirty="0"/>
-              <a:t>I have developed a Python-based code that simulates a simplified healthcare participatory model. This model collects, processes, and visualizes opinions from various healthcare stakeholders (patients, doctors, administrators). </a:t>
-            </a:r>
-          </a:p>
-          <a:p>
-            <a:pPr algn="just"/>
-            <a:r>
-              <a:rPr lang="en-US" dirty="0"/>
-              <a:t>The simulation demonstrates key processes such as data collection, stakeholder engagement, and system dynamics analysis—skills highly relevant to the Doctoral project. </a:t>
-            </a:r>
-          </a:p>
-          <a:p>
-            <a:pPr algn="just"/>
-            <a:r>
-              <a:rPr lang="en-US" dirty="0"/>
-              <a:t>The modular design of this code not only reflects my expertise in Python and data processing, but also demonstrates a deep understanding of participatory modeling, system dynamics, and stakeholder interactions within healthcare settings. </a:t>
-            </a:r>
-          </a:p>
-          <a:p>
-            <a:pPr algn="just"/>
-            <a:r>
-              <a:rPr lang="en-US" dirty="0"/>
-              <a:t>This code is adaptable, allowing for future refinement and expansion.</a:t>
+              <a:t>Patients</a:t>
+            </a:r>
+            <a:r>
+              <a:rPr lang="en-US" dirty="0"/>
+              <a:t>: How involved patients are in a healthcare system, project, or study.</a:t>
+            </a:r>
+          </a:p>
+          <a:p>
+            <a:pPr algn="just">
+              <a:buFont typeface="Arial" panose="020B0604020202020204" pitchFamily="34" charset="0"/>
+              <a:buChar char="•"/>
+            </a:pPr>
+            <a:r>
+              <a:rPr lang="en-US" b="1" dirty="0"/>
+              <a:t>Doctors</a:t>
+            </a:r>
+            <a:r>
+              <a:rPr lang="en-US" dirty="0"/>
+              <a:t>: The degree of participation or involvement of doctors in a healthcare setting or initiative.</a:t>
+            </a:r>
+          </a:p>
+          <a:p>
+            <a:pPr algn="just">
+              <a:buFont typeface="Arial" panose="020B0604020202020204" pitchFamily="34" charset="0"/>
+              <a:buChar char="•"/>
+            </a:pPr>
+            <a:r>
+              <a:rPr lang="en-US" b="1" dirty="0"/>
+              <a:t>Nurses</a:t>
+            </a:r>
+            <a:r>
+              <a:rPr lang="en-US" dirty="0"/>
+              <a:t>: The level of engagement of nursing staff in activities, events, or initiatives.</a:t>
+            </a:r>
+          </a:p>
+          <a:p>
+            <a:pPr algn="just">
+              <a:buFont typeface="Arial" panose="020B0604020202020204" pitchFamily="34" charset="0"/>
+              <a:buChar char="•"/>
+            </a:pPr>
+            <a:r>
+              <a:rPr lang="en-US" b="1" dirty="0"/>
+              <a:t>Administrators</a:t>
+            </a:r>
+            <a:r>
+              <a:rPr lang="en-US" dirty="0"/>
+              <a:t>: The level of involvement of administrative personnel in decision-making, planning, or day-to-day operations.</a:t>
             </a:r>
           </a:p>
         </p:txBody>
@@ -5618,7 +5693,7 @@
     </p:spTree>
     <p:extLst>
       <p:ext uri="{BB962C8B-B14F-4D97-AF65-F5344CB8AC3E}">
-        <p14:creationId xmlns:p14="http://schemas.microsoft.com/office/powerpoint/2010/main" val="2023197474"/>
+        <p14:creationId xmlns:p14="http://schemas.microsoft.com/office/powerpoint/2010/main" val="4227825685"/>
       </p:ext>
     </p:extLst>
   </p:cSld>
@@ -5650,7 +5725,7 @@
           <p:cNvPr id="2" name="Title 1">
             <a:extLst>
               <a:ext uri="{FF2B5EF4-FFF2-40B4-BE49-F238E27FC236}">
-                <a16:creationId xmlns:a16="http://schemas.microsoft.com/office/drawing/2014/main" id="{7A3A565F-926E-4737-D9C4-7136D0FDB6D3}"/>
+                <a16:creationId xmlns:a16="http://schemas.microsoft.com/office/drawing/2014/main" id="{C99277B6-5A7D-F80C-B993-E21EAE92B23F}"/>
               </a:ext>
             </a:extLst>
           </p:cNvPr>
@@ -5663,12 +5738,14 @@
         </p:nvSpPr>
         <p:spPr/>
         <p:txBody>
-          <a:bodyPr/>
+          <a:bodyPr>
+            <a:normAutofit/>
+          </a:bodyPr>
           <a:lstStyle/>
           <a:p>
             <a:r>
               <a:rPr lang="en-US" b="1" dirty="0"/>
-              <a:t>B: Statistical Distribution and Visualization</a:t>
+              <a:t>A: Healthcare Participatory Model Simulation</a:t>
             </a:r>
           </a:p>
         </p:txBody>
@@ -5678,7 +5755,7 @@
           <p:cNvPr id="3" name="Content Placeholder 2">
             <a:extLst>
               <a:ext uri="{FF2B5EF4-FFF2-40B4-BE49-F238E27FC236}">
-                <a16:creationId xmlns:a16="http://schemas.microsoft.com/office/drawing/2014/main" id="{8671093B-CE45-907C-0BD0-65B6A8BFFD5E}"/>
+                <a16:creationId xmlns:a16="http://schemas.microsoft.com/office/drawing/2014/main" id="{23BE0B53-402D-8581-3510-C4B1E73C3D28}"/>
               </a:ext>
             </a:extLst>
           </p:cNvPr>
@@ -5691,27 +5768,36 @@
         </p:nvSpPr>
         <p:spPr/>
         <p:txBody>
-          <a:bodyPr/>
+          <a:bodyPr>
+            <a:normAutofit fontScale="92500" lnSpcReduction="10000"/>
+          </a:bodyPr>
           <a:lstStyle/>
           <a:p>
             <a:pPr algn="just"/>
             <a:r>
               <a:rPr lang="en-US" dirty="0"/>
-              <a:t>I used Python to design a statistical distribution plot that visualizes simulated engagement levels of different healthcare stakeholders over a 12-month period. </a:t>
+              <a:t>I have developed a Python-based code that simulates a simplified healthcare participatory model. This model collects, processes, and visualizes opinions from various healthcare stakeholders (patients, doctors, administrators). </a:t>
             </a:r>
           </a:p>
           <a:p>
             <a:pPr algn="just"/>
             <a:r>
               <a:rPr lang="en-US" dirty="0"/>
-              <a:t>The histogram, with Kernel Density Estimate (KDE) lines, provides insights into the distribution and frequency of engagement within stakeholder groups (e.g., patients, doctors, nurses, administrators). </a:t>
+              <a:t>The simulation demonstrates key processes such as data collection, stakeholder engagement, and system dynamics analysis—skills highly relevant to the Doctoral project. </a:t>
             </a:r>
           </a:p>
           <a:p>
             <a:pPr algn="just"/>
             <a:r>
               <a:rPr lang="en-US" dirty="0"/>
-              <a:t>This visualization helps identify patterns—such as variations in engagement stability across different groups—and highlights areas where targeted strategies could improve participation.</a:t>
+              <a:t>The modular design of this code not only reflects my expertise in Python and data processing, but also demonstrates a deep understanding of participatory modeling, system dynamics, and stakeholder interactions within healthcare settings. </a:t>
+            </a:r>
+          </a:p>
+          <a:p>
+            <a:pPr algn="just"/>
+            <a:r>
+              <a:rPr lang="en-US" dirty="0"/>
+              <a:t>This code is adaptable, allowing for future refinement and expansion.</a:t>
             </a:r>
           </a:p>
         </p:txBody>
@@ -5719,7 +5805,7 @@
     </p:spTree>
     <p:extLst>
       <p:ext uri="{BB962C8B-B14F-4D97-AF65-F5344CB8AC3E}">
-        <p14:creationId xmlns:p14="http://schemas.microsoft.com/office/powerpoint/2010/main" val="1926944898"/>
+        <p14:creationId xmlns:p14="http://schemas.microsoft.com/office/powerpoint/2010/main" val="2023197474"/>
       </p:ext>
     </p:extLst>
   </p:cSld>
@@ -5751,7 +5837,7 @@
           <p:cNvPr id="2" name="Title 1">
             <a:extLst>
               <a:ext uri="{FF2B5EF4-FFF2-40B4-BE49-F238E27FC236}">
-                <a16:creationId xmlns:a16="http://schemas.microsoft.com/office/drawing/2014/main" id="{85333AAD-A473-D657-06A3-00351968AAAD}"/>
+                <a16:creationId xmlns:a16="http://schemas.microsoft.com/office/drawing/2014/main" id="{7A3A565F-926E-4737-D9C4-7136D0FDB6D3}"/>
               </a:ext>
             </a:extLst>
           </p:cNvPr>
@@ -5764,19 +5850,13 @@
         </p:nvSpPr>
         <p:spPr/>
         <p:txBody>
-          <a:bodyPr>
-            <a:normAutofit fontScale="90000"/>
-          </a:bodyPr>
+          <a:bodyPr/>
           <a:lstStyle/>
           <a:p>
             <a:r>
               <a:rPr lang="en-US" b="1" dirty="0"/>
-              <a:t>1. Random Fluctuations and Why They Are Used</a:t>
-            </a:r>
-            <a:br>
-              <a:rPr lang="en-US" b="1" dirty="0"/>
-            </a:br>
-            <a:endParaRPr lang="en-US" b="1" dirty="0"/>
+              <a:t>B: Statistical Distribution and Visualization</a:t>
+            </a:r>
           </a:p>
         </p:txBody>
       </p:sp>
@@ -5785,7 +5865,7 @@
           <p:cNvPr id="3" name="Content Placeholder 2">
             <a:extLst>
               <a:ext uri="{FF2B5EF4-FFF2-40B4-BE49-F238E27FC236}">
-                <a16:creationId xmlns:a16="http://schemas.microsoft.com/office/drawing/2014/main" id="{EB8460CD-91E9-1156-5004-378946AD5F9A}"/>
+                <a16:creationId xmlns:a16="http://schemas.microsoft.com/office/drawing/2014/main" id="{8671093B-CE45-907C-0BD0-65B6A8BFFD5E}"/>
               </a:ext>
             </a:extLst>
           </p:cNvPr>
@@ -5798,90 +5878,35 @@
         </p:nvSpPr>
         <p:spPr/>
         <p:txBody>
-          <a:bodyPr>
-            <a:normAutofit fontScale="92500" lnSpcReduction="20000"/>
-          </a:bodyPr>
-          <a:lstStyle/>
-          <a:p>
-            <a:pPr>
-              <a:buFont typeface="Arial" panose="020B0604020202020204" pitchFamily="34" charset="0"/>
-              <a:buChar char="•"/>
-            </a:pPr>
-            <a:r>
-              <a:rPr lang="en-US" b="1" dirty="0"/>
-              <a:t>Reason</a:t>
-            </a:r>
-            <a:r>
-              <a:rPr lang="en-US" dirty="0"/>
-              <a:t>: Engagement levels in real-world systems (e.g., healthcare participation) are inherently unpredictable and influenced by numerous factors such as personal behavior, external policies, or environmental changes.</a:t>
-            </a:r>
-          </a:p>
-          <a:p>
-            <a:pPr>
-              <a:buFont typeface="Arial" panose="020B0604020202020204" pitchFamily="34" charset="0"/>
-              <a:buChar char="•"/>
-            </a:pPr>
-            <a:r>
-              <a:rPr lang="en-US" b="1" dirty="0"/>
-              <a:t>Purpose in the Simulation</a:t>
-            </a:r>
-            <a:r>
-              <a:rPr lang="en-US" dirty="0"/>
-              <a:t>:</a:t>
-            </a:r>
-          </a:p>
-          <a:p>
-            <a:pPr marL="742950" lvl="1" indent="-285750">
-              <a:buFont typeface="Arial" panose="020B0604020202020204" pitchFamily="34" charset="0"/>
-              <a:buChar char="•"/>
-            </a:pPr>
-            <a:r>
-              <a:rPr lang="en-US" dirty="0"/>
-              <a:t>They introduce variability, making the model more realistic by simulating both increases and decreases in engagement levels over time.</a:t>
-            </a:r>
-          </a:p>
-          <a:p>
-            <a:pPr marL="742950" lvl="1" indent="-285750">
-              <a:buFont typeface="Arial" panose="020B0604020202020204" pitchFamily="34" charset="0"/>
-              <a:buChar char="•"/>
-            </a:pPr>
-            <a:r>
-              <a:rPr lang="en-US" dirty="0"/>
-              <a:t>Random fluctuations also allow the model to reflect potential short-term disruptions (e.g., staff shortages, new initiatives).</a:t>
-            </a:r>
-          </a:p>
-          <a:p>
-            <a:pPr>
-              <a:buFont typeface="Arial" panose="020B0604020202020204" pitchFamily="34" charset="0"/>
-              <a:buChar char="•"/>
-            </a:pPr>
-            <a:r>
-              <a:rPr lang="en-US" b="1" dirty="0"/>
-              <a:t>Example</a:t>
-            </a:r>
-            <a:r>
-              <a:rPr lang="en-US" dirty="0"/>
-              <a:t>: If "Patients" engagement starts at 0.6 and fluctuates randomly within [−0.02,+0.02][-0.02, +0.02][−0.02,+0.02], the variability mimics real-world behaviors such as patients being more engaged during health campaigns and less engaged during holidays.</a:t>
-            </a:r>
-          </a:p>
-          <a:p>
-            <a:pPr marL="0" indent="0">
-              <a:buNone/>
-            </a:pPr>
-            <a:endParaRPr lang="en-US" dirty="0"/>
-          </a:p>
-          <a:p>
-            <a:pPr marL="0" indent="0">
-              <a:buNone/>
-            </a:pPr>
-            <a:endParaRPr lang="en-US" dirty="0"/>
+          <a:bodyPr/>
+          <a:lstStyle/>
+          <a:p>
+            <a:pPr algn="just"/>
+            <a:r>
+              <a:rPr lang="en-US" dirty="0"/>
+              <a:t>I used Python to design a statistical distribution plot that visualizes simulated engagement levels of different healthcare stakeholders over a 12-month period. </a:t>
+            </a:r>
+          </a:p>
+          <a:p>
+            <a:pPr algn="just"/>
+            <a:r>
+              <a:rPr lang="en-US" dirty="0"/>
+              <a:t>The histogram, with Kernel Density Estimate (KDE) lines, provides insights into the distribution and frequency of engagement within stakeholder groups (e.g., patients, doctors, nurses, administrators). </a:t>
+            </a:r>
+          </a:p>
+          <a:p>
+            <a:pPr algn="just"/>
+            <a:r>
+              <a:rPr lang="en-US" dirty="0"/>
+              <a:t>This visualization helps identify patterns—such as variations in engagement stability across different groups—and highlights areas where targeted strategies could improve participation.</a:t>
+            </a:r>
           </a:p>
         </p:txBody>
       </p:sp>
     </p:spTree>
     <p:extLst>
       <p:ext uri="{BB962C8B-B14F-4D97-AF65-F5344CB8AC3E}">
-        <p14:creationId xmlns:p14="http://schemas.microsoft.com/office/powerpoint/2010/main" val="2079446477"/>
+        <p14:creationId xmlns:p14="http://schemas.microsoft.com/office/powerpoint/2010/main" val="1926944898"/>
       </p:ext>
     </p:extLst>
   </p:cSld>
@@ -5913,7 +5938,7 @@
           <p:cNvPr id="2" name="Title 1">
             <a:extLst>
               <a:ext uri="{FF2B5EF4-FFF2-40B4-BE49-F238E27FC236}">
-                <a16:creationId xmlns:a16="http://schemas.microsoft.com/office/drawing/2014/main" id="{FA4AF6BA-5094-CAD8-1EFA-108DF856B922}"/>
+                <a16:creationId xmlns:a16="http://schemas.microsoft.com/office/drawing/2014/main" id="{85333AAD-A473-D657-06A3-00351968AAAD}"/>
               </a:ext>
             </a:extLst>
           </p:cNvPr>
@@ -5926,13 +5951,19 @@
         </p:nvSpPr>
         <p:spPr/>
         <p:txBody>
-          <a:bodyPr/>
+          <a:bodyPr>
+            <a:normAutofit fontScale="90000"/>
+          </a:bodyPr>
           <a:lstStyle/>
           <a:p>
             <a:r>
               <a:rPr lang="en-US" b="1" dirty="0"/>
-              <a:t>2. Uptake Rate and Why It Is Used</a:t>
-            </a:r>
+              <a:t>1. Random Fluctuations and Why They Are Used</a:t>
+            </a:r>
+            <a:br>
+              <a:rPr lang="en-US" b="1" dirty="0"/>
+            </a:br>
+            <a:endParaRPr lang="en-US" b="1" dirty="0"/>
           </a:p>
         </p:txBody>
       </p:sp>
@@ -5941,7 +5972,7 @@
           <p:cNvPr id="3" name="Content Placeholder 2">
             <a:extLst>
               <a:ext uri="{FF2B5EF4-FFF2-40B4-BE49-F238E27FC236}">
-                <a16:creationId xmlns:a16="http://schemas.microsoft.com/office/drawing/2014/main" id="{4D502198-8EB0-56EA-0ECB-09A57E30C318}"/>
+                <a16:creationId xmlns:a16="http://schemas.microsoft.com/office/drawing/2014/main" id="{EB8460CD-91E9-1156-5004-378946AD5F9A}"/>
               </a:ext>
             </a:extLst>
           </p:cNvPr>
@@ -5955,7 +5986,7 @@
         <p:spPr/>
         <p:txBody>
           <a:bodyPr>
-            <a:normAutofit fontScale="92500" lnSpcReduction="10000"/>
+            <a:normAutofit fontScale="92500" lnSpcReduction="20000"/>
           </a:bodyPr>
           <a:lstStyle/>
           <a:p>
@@ -5969,7 +6000,7 @@
             </a:r>
             <a:r>
               <a:rPr lang="en-US" dirty="0"/>
-              <a:t>: The uptake rate summarizes the system's overall engagement by averaging the contributions of all stakeholder groups (patients, doctors, nurses, administrators).</a:t>
+              <a:t>: Engagement levels in real-world systems (e.g., healthcare participation) are inherently unpredictable and influenced by numerous factors such as personal behavior, external policies, or environmental changes.</a:t>
             </a:r>
           </a:p>
           <a:p>
@@ -5993,7 +6024,7 @@
             </a:pPr>
             <a:r>
               <a:rPr lang="en-US" dirty="0"/>
-              <a:t>It provides a high-level metric to evaluate the program's success.</a:t>
+              <a:t>They introduce variability, making the model more realistic by simulating both increases and decreases in engagement levels over time.</a:t>
             </a:r>
           </a:p>
           <a:p>
@@ -6003,17 +6034,7 @@
             </a:pPr>
             <a:r>
               <a:rPr lang="en-US" dirty="0"/>
-              <a:t>By tracking uptake over time, it identifies patterns and trends that can inform decision-making (e.g., whether engagement is improving or declining).</a:t>
-            </a:r>
-          </a:p>
-          <a:p>
-            <a:pPr marL="742950" lvl="1" indent="-285750">
-              <a:buFont typeface="Arial" panose="020B0604020202020204" pitchFamily="34" charset="0"/>
-              <a:buChar char="•"/>
-            </a:pPr>
-            <a:r>
-              <a:rPr lang="en-US" dirty="0"/>
-              <a:t>Aggregating individual engagement levels into a single uptake rate is useful for comparing across time or scenarios.</a:t>
+              <a:t>Random fluctuations also allow the model to reflect potential short-term disruptions (e.g., staff shortages, new initiatives).</a:t>
             </a:r>
           </a:p>
           <a:p>
@@ -6027,7 +6048,7 @@
             </a:r>
             <a:r>
               <a:rPr lang="en-US" dirty="0"/>
-              <a:t>: If engagement for doctors is high but low for administrators, the uptake rate highlights this gap. Monitoring it monthly ensures timely adjustments.</a:t>
+              <a:t>: If "Patients" engagement starts at 0.6 and fluctuates randomly within [−0.02,+0.02][-0.02, +0.02][−0.02,+0.02], the variability mimics real-world behaviors such as patients being more engaged during health campaigns and less engaged during holidays.</a:t>
             </a:r>
           </a:p>
           <a:p>
@@ -6047,7 +6068,7 @@
     </p:spTree>
     <p:extLst>
       <p:ext uri="{BB962C8B-B14F-4D97-AF65-F5344CB8AC3E}">
-        <p14:creationId xmlns:p14="http://schemas.microsoft.com/office/powerpoint/2010/main" val="1197161432"/>
+        <p14:creationId xmlns:p14="http://schemas.microsoft.com/office/powerpoint/2010/main" val="2079446477"/>
       </p:ext>
     </p:extLst>
   </p:cSld>
@@ -6079,7 +6100,7 @@
           <p:cNvPr id="2" name="Title 1">
             <a:extLst>
               <a:ext uri="{FF2B5EF4-FFF2-40B4-BE49-F238E27FC236}">
-                <a16:creationId xmlns:a16="http://schemas.microsoft.com/office/drawing/2014/main" id="{22045202-0EBC-98EB-84A8-D77B0D7E4ACF}"/>
+                <a16:creationId xmlns:a16="http://schemas.microsoft.com/office/drawing/2014/main" id="{FA4AF6BA-5094-CAD8-1EFA-108DF856B922}"/>
               </a:ext>
             </a:extLst>
           </p:cNvPr>
@@ -6096,10 +6117,9 @@
           <a:lstStyle/>
           <a:p>
             <a:r>
-              <a:rPr lang="en-US" sz="4400" b="1" dirty="0"/>
-              <a:t>3. Feedback Loop and Why It Is Used</a:t>
-            </a:r>
-            <a:endParaRPr lang="en-US" dirty="0"/>
+              <a:rPr lang="en-US" b="1" dirty="0"/>
+              <a:t>2. Uptake Rate and Why It Is Used</a:t>
+            </a:r>
           </a:p>
         </p:txBody>
       </p:sp>
@@ -6108,7 +6128,7 @@
           <p:cNvPr id="3" name="Content Placeholder 2">
             <a:extLst>
               <a:ext uri="{FF2B5EF4-FFF2-40B4-BE49-F238E27FC236}">
-                <a16:creationId xmlns:a16="http://schemas.microsoft.com/office/drawing/2014/main" id="{AFC0FC29-9C04-1D18-55DA-05D85BA03178}"/>
+                <a16:creationId xmlns:a16="http://schemas.microsoft.com/office/drawing/2014/main" id="{4D502198-8EB0-56EA-0ECB-09A57E30C318}"/>
               </a:ext>
             </a:extLst>
           </p:cNvPr>
@@ -6122,7 +6142,7 @@
         <p:spPr/>
         <p:txBody>
           <a:bodyPr>
-            <a:normAutofit fontScale="85000" lnSpcReduction="20000"/>
+            <a:normAutofit fontScale="92500" lnSpcReduction="10000"/>
           </a:bodyPr>
           <a:lstStyle/>
           <a:p>
@@ -6136,7 +6156,21 @@
             </a:r>
             <a:r>
               <a:rPr lang="en-US" dirty="0"/>
-              <a:t>: Engagement in one period influences future participation, as people’s behavior often follows momentum (positive or negative). For instance:</a:t>
+              <a:t>: The uptake rate summarizes the system's overall engagement by averaging the contributions of all stakeholder groups (patients, doctors, nurses, administrators).</a:t>
+            </a:r>
+          </a:p>
+          <a:p>
+            <a:pPr>
+              <a:buFont typeface="Arial" panose="020B0604020202020204" pitchFamily="34" charset="0"/>
+              <a:buChar char="•"/>
+            </a:pPr>
+            <a:r>
+              <a:rPr lang="en-US" b="1" dirty="0"/>
+              <a:t>Purpose in the Simulation</a:t>
+            </a:r>
+            <a:r>
+              <a:rPr lang="en-US" dirty="0"/>
+              <a:t>:</a:t>
             </a:r>
           </a:p>
           <a:p>
@@ -6146,7 +6180,7 @@
             </a:pPr>
             <a:r>
               <a:rPr lang="en-US" dirty="0"/>
-              <a:t>A stakeholder's higher engagement in one month could lead to better results or satisfaction, encouraging continued involvement.</a:t>
+              <a:t>It provides a high-level metric to evaluate the program's success.</a:t>
             </a:r>
           </a:p>
           <a:p>
@@ -6156,7 +6190,17 @@
             </a:pPr>
             <a:r>
               <a:rPr lang="en-US" dirty="0"/>
-              <a:t>Conversely, disengagement could compound due to frustration, leading to further drops.</a:t>
+              <a:t>By tracking uptake over time, it identifies patterns and trends that can inform decision-making (e.g., whether engagement is improving or declining).</a:t>
+            </a:r>
+          </a:p>
+          <a:p>
+            <a:pPr marL="742950" lvl="1" indent="-285750">
+              <a:buFont typeface="Arial" panose="020B0604020202020204" pitchFamily="34" charset="0"/>
+              <a:buChar char="•"/>
+            </a:pPr>
+            <a:r>
+              <a:rPr lang="en-US" dirty="0"/>
+              <a:t>Aggregating individual engagement levels into a single uptake rate is useful for comparing across time or scenarios.</a:t>
             </a:r>
           </a:p>
           <a:p>
@@ -6166,53 +6210,31 @@
             </a:pPr>
             <a:r>
               <a:rPr lang="en-US" b="1" dirty="0"/>
-              <a:t>Purpose in the Simulation</a:t>
-            </a:r>
-            <a:r>
-              <a:rPr lang="en-US" dirty="0"/>
-              <a:t>:</a:t>
-            </a:r>
-          </a:p>
-          <a:p>
-            <a:pPr marL="742950" lvl="1" indent="-285750">
-              <a:buFont typeface="Arial" panose="020B0604020202020204" pitchFamily="34" charset="0"/>
-              <a:buChar char="•"/>
-            </a:pPr>
-            <a:r>
-              <a:rPr lang="en-US" dirty="0"/>
-              <a:t>The feedback loop captures these cascading effects, helping simulate long-term dynamics.</a:t>
-            </a:r>
-          </a:p>
-          <a:p>
-            <a:pPr marL="742950" lvl="1" indent="-285750">
-              <a:buFont typeface="Arial" panose="020B0604020202020204" pitchFamily="34" charset="0"/>
-              <a:buChar char="•"/>
-            </a:pPr>
-            <a:r>
-              <a:rPr lang="en-US" dirty="0"/>
-              <a:t>It reflects realistic cause-and-effect relationships, showing how policies or external shocks affect sustained participation.</a:t>
-            </a:r>
-          </a:p>
-          <a:p>
-            <a:pPr>
-              <a:buFont typeface="Arial" panose="020B0604020202020204" pitchFamily="34" charset="0"/>
-              <a:buChar char="•"/>
-            </a:pPr>
-            <a:r>
-              <a:rPr lang="en-US" b="1" dirty="0"/>
               <a:t>Example</a:t>
             </a:r>
             <a:r>
               <a:rPr lang="en-US" dirty="0"/>
-              <a:t>: If "Doctors" engagement decreases slightly in Month 2, the new lower level sets the baseline for Month 3, leading to a compounding effect unless counteracted by positive fluctuations.</a:t>
-            </a:r>
+              <a:t>: If engagement for doctors is high but low for administrators, the uptake rate highlights this gap. Monitoring it monthly ensures timely adjustments.</a:t>
+            </a:r>
+          </a:p>
+          <a:p>
+            <a:pPr marL="0" indent="0">
+              <a:buNone/>
+            </a:pPr>
+            <a:endParaRPr lang="en-US" dirty="0"/>
+          </a:p>
+          <a:p>
+            <a:pPr marL="0" indent="0">
+              <a:buNone/>
+            </a:pPr>
+            <a:endParaRPr lang="en-US" dirty="0"/>
           </a:p>
         </p:txBody>
       </p:sp>
     </p:spTree>
     <p:extLst>
       <p:ext uri="{BB962C8B-B14F-4D97-AF65-F5344CB8AC3E}">
-        <p14:creationId xmlns:p14="http://schemas.microsoft.com/office/powerpoint/2010/main" val="1348638516"/>
+        <p14:creationId xmlns:p14="http://schemas.microsoft.com/office/powerpoint/2010/main" val="1197161432"/>
       </p:ext>
     </p:extLst>
   </p:cSld>
@@ -6244,7 +6266,7 @@
           <p:cNvPr id="2" name="Title 1">
             <a:extLst>
               <a:ext uri="{FF2B5EF4-FFF2-40B4-BE49-F238E27FC236}">
-                <a16:creationId xmlns:a16="http://schemas.microsoft.com/office/drawing/2014/main" id="{865F4C6E-9293-6315-8011-08E6FA8D4403}"/>
+                <a16:creationId xmlns:a16="http://schemas.microsoft.com/office/drawing/2014/main" id="{22045202-0EBC-98EB-84A8-D77B0D7E4ACF}"/>
               </a:ext>
             </a:extLst>
           </p:cNvPr>
@@ -6257,42 +6279,37 @@
         </p:nvSpPr>
         <p:spPr/>
         <p:txBody>
+          <a:bodyPr/>
+          <a:lstStyle/>
+          <a:p>
+            <a:r>
+              <a:rPr lang="en-US" sz="4400" b="1" dirty="0"/>
+              <a:t>3. Feedback Loop and Why It Is Used</a:t>
+            </a:r>
+            <a:endParaRPr lang="en-US" dirty="0"/>
+          </a:p>
+        </p:txBody>
+      </p:sp>
+      <p:sp>
+        <p:nvSpPr>
+          <p:cNvPr id="3" name="Content Placeholder 2">
+            <a:extLst>
+              <a:ext uri="{FF2B5EF4-FFF2-40B4-BE49-F238E27FC236}">
+                <a16:creationId xmlns:a16="http://schemas.microsoft.com/office/drawing/2014/main" id="{AFC0FC29-9C04-1D18-55DA-05D85BA03178}"/>
+              </a:ext>
+            </a:extLst>
+          </p:cNvPr>
+          <p:cNvSpPr>
+            <a:spLocks noGrp="1"/>
+          </p:cNvSpPr>
+          <p:nvPr>
+            <p:ph idx="1"/>
+          </p:nvPr>
+        </p:nvSpPr>
+        <p:spPr/>
+        <p:txBody>
           <a:bodyPr>
-            <a:normAutofit fontScale="90000"/>
-          </a:bodyPr>
-          <a:lstStyle/>
-          <a:p>
-            <a:r>
-              <a:rPr lang="en-US" sz="4400" b="1" dirty="0"/>
-              <a:t>4. Visualizing Trends and Why It Is Important</a:t>
-            </a:r>
-            <a:br>
-              <a:rPr lang="en-US" sz="4400" b="1" dirty="0"/>
-            </a:br>
-            <a:endParaRPr lang="en-US" dirty="0"/>
-          </a:p>
-        </p:txBody>
-      </p:sp>
-      <p:sp>
-        <p:nvSpPr>
-          <p:cNvPr id="3" name="Content Placeholder 2">
-            <a:extLst>
-              <a:ext uri="{FF2B5EF4-FFF2-40B4-BE49-F238E27FC236}">
-                <a16:creationId xmlns:a16="http://schemas.microsoft.com/office/drawing/2014/main" id="{FB0D8D01-EDAF-C0DE-17BF-73983E6CC4D1}"/>
-              </a:ext>
-            </a:extLst>
-          </p:cNvPr>
-          <p:cNvSpPr>
-            <a:spLocks noGrp="1"/>
-          </p:cNvSpPr>
-          <p:nvPr>
-            <p:ph idx="1"/>
-          </p:nvPr>
-        </p:nvSpPr>
-        <p:spPr/>
-        <p:txBody>
-          <a:bodyPr>
-            <a:normAutofit/>
+            <a:normAutofit fontScale="85000" lnSpcReduction="20000"/>
           </a:bodyPr>
           <a:lstStyle/>
           <a:p>
@@ -6306,7 +6323,27 @@
             </a:r>
             <a:r>
               <a:rPr lang="en-US" dirty="0"/>
-              <a:t>: Trends over time help stakeholders understand the overall direction of the system and pinpoint areas for intervention.</a:t>
+              <a:t>: Engagement in one period influences future participation, as people’s behavior often follows momentum (positive or negative). For instance:</a:t>
+            </a:r>
+          </a:p>
+          <a:p>
+            <a:pPr marL="742950" lvl="1" indent="-285750">
+              <a:buFont typeface="Arial" panose="020B0604020202020204" pitchFamily="34" charset="0"/>
+              <a:buChar char="•"/>
+            </a:pPr>
+            <a:r>
+              <a:rPr lang="en-US" dirty="0"/>
+              <a:t>A stakeholder's higher engagement in one month could lead to better results or satisfaction, encouraging continued involvement.</a:t>
+            </a:r>
+          </a:p>
+          <a:p>
+            <a:pPr marL="742950" lvl="1" indent="-285750">
+              <a:buFont typeface="Arial" panose="020B0604020202020204" pitchFamily="34" charset="0"/>
+              <a:buChar char="•"/>
+            </a:pPr>
+            <a:r>
+              <a:rPr lang="en-US" dirty="0"/>
+              <a:t>Conversely, disengagement could compound due to frustration, leading to further drops.</a:t>
             </a:r>
           </a:p>
           <a:p>
@@ -6330,7 +6367,7 @@
             </a:pPr>
             <a:r>
               <a:rPr lang="en-US" dirty="0"/>
-              <a:t>Identifying whether engagement levels are increasing, stable, or declining over time helps evaluate program success.</a:t>
+              <a:t>The feedback loop captures these cascading effects, helping simulate long-term dynamics.</a:t>
             </a:r>
           </a:p>
           <a:p>
@@ -6340,7 +6377,7 @@
             </a:pPr>
             <a:r>
               <a:rPr lang="en-US" dirty="0"/>
-              <a:t>Visualization simplifies complex data, making it accessible for decision-makers.</a:t>
+              <a:t>It reflects realistic cause-and-effect relationships, showing how policies or external shocks affect sustained participation.</a:t>
             </a:r>
           </a:p>
           <a:p>
@@ -6354,27 +6391,15 @@
             </a:r>
             <a:r>
               <a:rPr lang="en-US" dirty="0"/>
-              <a:t>: A plot showing consistent drops in administrator engagement could prompt targeted measures (e.g., new training or incentives).</a:t>
-            </a:r>
-          </a:p>
-          <a:p>
-            <a:pPr marL="0" indent="0">
-              <a:buNone/>
-            </a:pPr>
-            <a:endParaRPr lang="en-US" dirty="0"/>
-          </a:p>
-          <a:p>
-            <a:pPr marL="0" indent="0">
-              <a:buNone/>
-            </a:pPr>
-            <a:endParaRPr lang="en-US" dirty="0"/>
+              <a:t>: If "Doctors" engagement decreases slightly in Month 2, the new lower level sets the baseline for Month 3, leading to a compounding effect unless counteracted by positive fluctuations.</a:t>
+            </a:r>
           </a:p>
         </p:txBody>
       </p:sp>
     </p:spTree>
     <p:extLst>
       <p:ext uri="{BB962C8B-B14F-4D97-AF65-F5344CB8AC3E}">
-        <p14:creationId xmlns:p14="http://schemas.microsoft.com/office/powerpoint/2010/main" val="3303629775"/>
+        <p14:creationId xmlns:p14="http://schemas.microsoft.com/office/powerpoint/2010/main" val="1348638516"/>
       </p:ext>
     </p:extLst>
   </p:cSld>
@@ -6406,6 +6431,168 @@
           <p:cNvPr id="2" name="Title 1">
             <a:extLst>
               <a:ext uri="{FF2B5EF4-FFF2-40B4-BE49-F238E27FC236}">
+                <a16:creationId xmlns:a16="http://schemas.microsoft.com/office/drawing/2014/main" id="{865F4C6E-9293-6315-8011-08E6FA8D4403}"/>
+              </a:ext>
+            </a:extLst>
+          </p:cNvPr>
+          <p:cNvSpPr>
+            <a:spLocks noGrp="1"/>
+          </p:cNvSpPr>
+          <p:nvPr>
+            <p:ph type="title"/>
+          </p:nvPr>
+        </p:nvSpPr>
+        <p:spPr/>
+        <p:txBody>
+          <a:bodyPr>
+            <a:normAutofit fontScale="90000"/>
+          </a:bodyPr>
+          <a:lstStyle/>
+          <a:p>
+            <a:r>
+              <a:rPr lang="en-US" sz="4400" b="1" dirty="0"/>
+              <a:t>4. Visualizing Trends and Why It Is Important</a:t>
+            </a:r>
+            <a:br>
+              <a:rPr lang="en-US" sz="4400" b="1" dirty="0"/>
+            </a:br>
+            <a:endParaRPr lang="en-US" dirty="0"/>
+          </a:p>
+        </p:txBody>
+      </p:sp>
+      <p:sp>
+        <p:nvSpPr>
+          <p:cNvPr id="3" name="Content Placeholder 2">
+            <a:extLst>
+              <a:ext uri="{FF2B5EF4-FFF2-40B4-BE49-F238E27FC236}">
+                <a16:creationId xmlns:a16="http://schemas.microsoft.com/office/drawing/2014/main" id="{FB0D8D01-EDAF-C0DE-17BF-73983E6CC4D1}"/>
+              </a:ext>
+            </a:extLst>
+          </p:cNvPr>
+          <p:cNvSpPr>
+            <a:spLocks noGrp="1"/>
+          </p:cNvSpPr>
+          <p:nvPr>
+            <p:ph idx="1"/>
+          </p:nvPr>
+        </p:nvSpPr>
+        <p:spPr/>
+        <p:txBody>
+          <a:bodyPr>
+            <a:normAutofit/>
+          </a:bodyPr>
+          <a:lstStyle/>
+          <a:p>
+            <a:pPr>
+              <a:buFont typeface="Arial" panose="020B0604020202020204" pitchFamily="34" charset="0"/>
+              <a:buChar char="•"/>
+            </a:pPr>
+            <a:r>
+              <a:rPr lang="en-US" b="1" dirty="0"/>
+              <a:t>Reason</a:t>
+            </a:r>
+            <a:r>
+              <a:rPr lang="en-US" dirty="0"/>
+              <a:t>: Trends over time help stakeholders understand the overall direction of the system and pinpoint areas for intervention.</a:t>
+            </a:r>
+          </a:p>
+          <a:p>
+            <a:pPr>
+              <a:buFont typeface="Arial" panose="020B0604020202020204" pitchFamily="34" charset="0"/>
+              <a:buChar char="•"/>
+            </a:pPr>
+            <a:r>
+              <a:rPr lang="en-US" b="1" dirty="0"/>
+              <a:t>Purpose in the Simulation</a:t>
+            </a:r>
+            <a:r>
+              <a:rPr lang="en-US" dirty="0"/>
+              <a:t>:</a:t>
+            </a:r>
+          </a:p>
+          <a:p>
+            <a:pPr marL="742950" lvl="1" indent="-285750">
+              <a:buFont typeface="Arial" panose="020B0604020202020204" pitchFamily="34" charset="0"/>
+              <a:buChar char="•"/>
+            </a:pPr>
+            <a:r>
+              <a:rPr lang="en-US" dirty="0"/>
+              <a:t>Identifying whether engagement levels are increasing, stable, or declining over time helps evaluate program success.</a:t>
+            </a:r>
+          </a:p>
+          <a:p>
+            <a:pPr marL="742950" lvl="1" indent="-285750">
+              <a:buFont typeface="Arial" panose="020B0604020202020204" pitchFamily="34" charset="0"/>
+              <a:buChar char="•"/>
+            </a:pPr>
+            <a:r>
+              <a:rPr lang="en-US" dirty="0"/>
+              <a:t>Visualization simplifies complex data, making it accessible for decision-makers.</a:t>
+            </a:r>
+          </a:p>
+          <a:p>
+            <a:pPr>
+              <a:buFont typeface="Arial" panose="020B0604020202020204" pitchFamily="34" charset="0"/>
+              <a:buChar char="•"/>
+            </a:pPr>
+            <a:r>
+              <a:rPr lang="en-US" b="1" dirty="0"/>
+              <a:t>Example</a:t>
+            </a:r>
+            <a:r>
+              <a:rPr lang="en-US" dirty="0"/>
+              <a:t>: A plot showing consistent drops in administrator engagement could prompt targeted measures (e.g., new training or incentives).</a:t>
+            </a:r>
+          </a:p>
+          <a:p>
+            <a:pPr marL="0" indent="0">
+              <a:buNone/>
+            </a:pPr>
+            <a:endParaRPr lang="en-US" dirty="0"/>
+          </a:p>
+          <a:p>
+            <a:pPr marL="0" indent="0">
+              <a:buNone/>
+            </a:pPr>
+            <a:endParaRPr lang="en-US" dirty="0"/>
+          </a:p>
+        </p:txBody>
+      </p:sp>
+    </p:spTree>
+    <p:extLst>
+      <p:ext uri="{BB962C8B-B14F-4D97-AF65-F5344CB8AC3E}">
+        <p14:creationId xmlns:p14="http://schemas.microsoft.com/office/powerpoint/2010/main" val="3303629775"/>
+      </p:ext>
+    </p:extLst>
+  </p:cSld>
+  <p:clrMapOvr>
+    <a:masterClrMapping/>
+  </p:clrMapOvr>
+</p:sld>
+</file>
+
+<file path=ppt/slides/slide29.xml><?xml version="1.0" encoding="utf-8"?>
+<p:sld xmlns:a="http://schemas.openxmlformats.org/drawingml/2006/main" xmlns:r="http://schemas.openxmlformats.org/officeDocument/2006/relationships" xmlns:p="http://schemas.openxmlformats.org/presentationml/2006/main">
+  <p:cSld>
+    <p:spTree>
+      <p:nvGrpSpPr>
+        <p:cNvPr id="1" name=""/>
+        <p:cNvGrpSpPr/>
+        <p:nvPr/>
+      </p:nvGrpSpPr>
+      <p:grpSpPr>
+        <a:xfrm>
+          <a:off x="0" y="0"/>
+          <a:ext cx="0" cy="0"/>
+          <a:chOff x="0" y="0"/>
+          <a:chExt cx="0" cy="0"/>
+        </a:xfrm>
+      </p:grpSpPr>
+      <p:sp>
+        <p:nvSpPr>
+          <p:cNvPr id="2" name="Title 1">
+            <a:extLst>
+              <a:ext uri="{FF2B5EF4-FFF2-40B4-BE49-F238E27FC236}">
                 <a16:creationId xmlns:a16="http://schemas.microsoft.com/office/drawing/2014/main" id="{D88C41F5-CEFA-1C20-A088-02EA6C32A518}"/>
               </a:ext>
             </a:extLst>
@@ -6531,7 +6718,286 @@
 </p:sld>
 </file>
 
-<file path=ppt/slides/slide29.xml><?xml version="1.0" encoding="utf-8"?>
+<file path=ppt/slides/slide3.xml><?xml version="1.0" encoding="utf-8"?>
+<p:sld xmlns:a="http://schemas.openxmlformats.org/drawingml/2006/main" xmlns:r="http://schemas.openxmlformats.org/officeDocument/2006/relationships" xmlns:p="http://schemas.openxmlformats.org/presentationml/2006/main">
+  <p:cSld>
+    <p:spTree>
+      <p:nvGrpSpPr>
+        <p:cNvPr id="1" name=""/>
+        <p:cNvGrpSpPr/>
+        <p:nvPr/>
+      </p:nvGrpSpPr>
+      <p:grpSpPr>
+        <a:xfrm>
+          <a:off x="0" y="0"/>
+          <a:ext cx="0" cy="0"/>
+          <a:chOff x="0" y="0"/>
+          <a:chExt cx="0" cy="0"/>
+        </a:xfrm>
+      </p:grpSpPr>
+      <p:sp>
+        <p:nvSpPr>
+          <p:cNvPr id="2" name="Title 1">
+            <a:extLst>
+              <a:ext uri="{FF2B5EF4-FFF2-40B4-BE49-F238E27FC236}">
+                <a16:creationId xmlns:a16="http://schemas.microsoft.com/office/drawing/2014/main" id="{BDFD0304-763D-42F7-7258-2B1ED29D5AB8}"/>
+              </a:ext>
+            </a:extLst>
+          </p:cNvPr>
+          <p:cNvSpPr>
+            <a:spLocks noGrp="1"/>
+          </p:cNvSpPr>
+          <p:nvPr>
+            <p:ph type="title"/>
+          </p:nvPr>
+        </p:nvSpPr>
+        <p:spPr/>
+        <p:txBody>
+          <a:bodyPr/>
+          <a:lstStyle/>
+          <a:p>
+            <a:r>
+              <a:rPr lang="en-US" b="1" dirty="0"/>
+              <a:t>Presentation Structure</a:t>
+            </a:r>
+          </a:p>
+        </p:txBody>
+      </p:sp>
+      <p:sp>
+        <p:nvSpPr>
+          <p:cNvPr id="3" name="Content Placeholder 2">
+            <a:extLst>
+              <a:ext uri="{FF2B5EF4-FFF2-40B4-BE49-F238E27FC236}">
+                <a16:creationId xmlns:a16="http://schemas.microsoft.com/office/drawing/2014/main" id="{A2EBC689-9469-6B7D-C4DF-F5D0AF965E88}"/>
+              </a:ext>
+            </a:extLst>
+          </p:cNvPr>
+          <p:cNvSpPr>
+            <a:spLocks noGrp="1"/>
+          </p:cNvSpPr>
+          <p:nvPr>
+            <p:ph idx="1"/>
+          </p:nvPr>
+        </p:nvSpPr>
+        <p:spPr/>
+        <p:txBody>
+          <a:bodyPr>
+            <a:normAutofit/>
+          </a:bodyPr>
+          <a:lstStyle/>
+          <a:p>
+            <a:pPr marL="0" indent="0">
+              <a:buNone/>
+            </a:pPr>
+            <a:r>
+              <a:rPr lang="en-US" sz="2800" b="1" kern="1200" dirty="0">
+                <a:solidFill>
+                  <a:schemeClr val="tx1"/>
+                </a:solidFill>
+                <a:latin typeface="+mj-lt"/>
+                <a:ea typeface="+mj-ea"/>
+                <a:cs typeface="+mj-cs"/>
+              </a:rPr>
+              <a:t>Part 1: </a:t>
+            </a:r>
+            <a:r>
+              <a:rPr lang="en-US" sz="2800" kern="1200" dirty="0">
+                <a:solidFill>
+                  <a:schemeClr val="tx1"/>
+                </a:solidFill>
+                <a:latin typeface="+mj-lt"/>
+                <a:ea typeface="+mj-ea"/>
+                <a:cs typeface="+mj-cs"/>
+              </a:rPr>
+              <a:t>My Background and how it relates to this KTH’s PhD position?</a:t>
+            </a:r>
+          </a:p>
+          <a:p>
+            <a:pPr marL="0" indent="0">
+              <a:buNone/>
+            </a:pPr>
+            <a:r>
+              <a:rPr lang="en-US" sz="2800" b="1" kern="1200" dirty="0">
+                <a:solidFill>
+                  <a:schemeClr val="tx1"/>
+                </a:solidFill>
+                <a:latin typeface="+mj-lt"/>
+                <a:ea typeface="+mj-ea"/>
+                <a:cs typeface="+mj-cs"/>
+              </a:rPr>
+              <a:t>Part 2: </a:t>
+            </a:r>
+            <a:r>
+              <a:rPr lang="en-US" sz="2800" kern="1200" dirty="0">
+                <a:solidFill>
+                  <a:schemeClr val="tx1"/>
+                </a:solidFill>
+                <a:latin typeface="+mj-lt"/>
+                <a:ea typeface="+mj-ea"/>
+                <a:cs typeface="+mj-cs"/>
+              </a:rPr>
+              <a:t>What motivates me to pursue this position specifically?</a:t>
+            </a:r>
+          </a:p>
+          <a:p>
+            <a:pPr marL="0" indent="0">
+              <a:buNone/>
+            </a:pPr>
+            <a:r>
+              <a:rPr lang="en-US" sz="2800" b="1" kern="1200" dirty="0">
+                <a:solidFill>
+                  <a:schemeClr val="tx1"/>
+                </a:solidFill>
+                <a:latin typeface="+mj-lt"/>
+                <a:ea typeface="+mj-ea"/>
+                <a:cs typeface="+mj-cs"/>
+              </a:rPr>
+              <a:t>Part 3: </a:t>
+            </a:r>
+            <a:r>
+              <a:rPr lang="en-US" sz="2800" kern="1200" dirty="0">
+                <a:solidFill>
+                  <a:schemeClr val="tx1"/>
+                </a:solidFill>
+                <a:latin typeface="+mj-lt"/>
+                <a:ea typeface="+mj-ea"/>
+                <a:cs typeface="+mj-cs"/>
+              </a:rPr>
+              <a:t>How would My technical skill contribute to the research goals of this project?</a:t>
+            </a:r>
+          </a:p>
+          <a:p>
+            <a:pPr marL="0" indent="0">
+              <a:buNone/>
+            </a:pPr>
+            <a:r>
+              <a:rPr lang="en-US" sz="2800" b="1" kern="1200" dirty="0">
+                <a:solidFill>
+                  <a:schemeClr val="tx1"/>
+                </a:solidFill>
+                <a:latin typeface="+mj-lt"/>
+                <a:ea typeface="+mj-ea"/>
+                <a:cs typeface="+mj-cs"/>
+              </a:rPr>
+              <a:t>Part 4: </a:t>
+            </a:r>
+            <a:r>
+              <a:rPr lang="en-US" sz="2800" kern="1200" dirty="0">
+                <a:solidFill>
+                  <a:schemeClr val="tx1"/>
+                </a:solidFill>
+                <a:latin typeface="+mj-lt"/>
+                <a:ea typeface="+mj-ea"/>
+                <a:cs typeface="+mj-cs"/>
+              </a:rPr>
+              <a:t>Project where I used participatory modeling or similar techniques</a:t>
+            </a:r>
+          </a:p>
+          <a:p>
+            <a:pPr marL="0" indent="0">
+              <a:buNone/>
+            </a:pPr>
+            <a:r>
+              <a:rPr lang="en-US" sz="2800" b="1" kern="1200" dirty="0">
+                <a:solidFill>
+                  <a:schemeClr val="tx1"/>
+                </a:solidFill>
+                <a:latin typeface="+mj-lt"/>
+                <a:ea typeface="+mj-ea"/>
+                <a:cs typeface="+mj-cs"/>
+              </a:rPr>
+              <a:t>Part 5: </a:t>
+            </a:r>
+            <a:r>
+              <a:rPr lang="en-US" sz="2800" kern="1200" dirty="0">
+                <a:solidFill>
+                  <a:schemeClr val="tx1"/>
+                </a:solidFill>
+                <a:latin typeface="+mj-lt"/>
+                <a:ea typeface="+mj-ea"/>
+                <a:cs typeface="+mj-cs"/>
+              </a:rPr>
+              <a:t>What do I hope to learn from working within the </a:t>
+            </a:r>
+            <a:r>
+              <a:rPr lang="en-US" sz="2800" kern="1200" dirty="0" err="1">
+                <a:solidFill>
+                  <a:schemeClr val="tx1"/>
+                </a:solidFill>
+                <a:latin typeface="+mj-lt"/>
+                <a:ea typeface="+mj-ea"/>
+                <a:cs typeface="+mj-cs"/>
+              </a:rPr>
+              <a:t>InSilicoHealth</a:t>
+            </a:r>
+            <a:r>
+              <a:rPr lang="en-US" sz="2800" kern="1200" dirty="0">
+                <a:solidFill>
+                  <a:schemeClr val="tx1"/>
+                </a:solidFill>
+                <a:latin typeface="+mj-lt"/>
+                <a:ea typeface="+mj-ea"/>
+                <a:cs typeface="+mj-cs"/>
+              </a:rPr>
+              <a:t> Doctoral Network and at KTH?</a:t>
+            </a:r>
+          </a:p>
+          <a:p>
+            <a:pPr marL="0" indent="0">
+              <a:buNone/>
+            </a:pPr>
+            <a:r>
+              <a:rPr lang="en-US" sz="2800" b="1" kern="1200" dirty="0">
+                <a:solidFill>
+                  <a:schemeClr val="tx1"/>
+                </a:solidFill>
+                <a:latin typeface="+mj-lt"/>
+                <a:ea typeface="+mj-ea"/>
+                <a:cs typeface="+mj-cs"/>
+              </a:rPr>
+              <a:t>Part 6: </a:t>
+            </a:r>
+            <a:r>
+              <a:rPr lang="en-US" sz="2800" kern="1200" dirty="0">
+                <a:solidFill>
+                  <a:schemeClr val="tx1"/>
+                </a:solidFill>
+                <a:latin typeface="+mj-lt"/>
+                <a:ea typeface="+mj-ea"/>
+                <a:cs typeface="+mj-cs"/>
+              </a:rPr>
+              <a:t>Questions</a:t>
+            </a:r>
+          </a:p>
+          <a:p>
+            <a:pPr marL="0" indent="0">
+              <a:buNone/>
+            </a:pPr>
+            <a:r>
+              <a:rPr lang="en-US" b="1" dirty="0"/>
+              <a:t>Part 7: </a:t>
+            </a:r>
+            <a:r>
+              <a:rPr lang="en-US" dirty="0"/>
+              <a:t>Appendix: Numerical Example, Simulation Steps</a:t>
+            </a:r>
+          </a:p>
+        </p:txBody>
+      </p:sp>
+    </p:spTree>
+    <p:extLst>
+      <p:ext uri="{BB962C8B-B14F-4D97-AF65-F5344CB8AC3E}">
+        <p14:creationId xmlns:p14="http://schemas.microsoft.com/office/powerpoint/2010/main" val="2726750472"/>
+      </p:ext>
+    </p:extLst>
+  </p:cSld>
+  <p:clrMapOvr>
+    <a:masterClrMapping/>
+  </p:clrMapOvr>
+</p:sld>
+</file>
+
+<file path=ppt/slides/slide30.xml><?xml version="1.0" encoding="utf-8"?>
 <p:sld xmlns:a="http://schemas.openxmlformats.org/drawingml/2006/main" xmlns:r="http://schemas.openxmlformats.org/officeDocument/2006/relationships" xmlns:p="http://schemas.openxmlformats.org/presentationml/2006/main">
   <p:cSld>
     <p:spTree>
@@ -6618,113 +7084,7 @@
 </p:sld>
 </file>
 
-<file path=ppt/slides/slide3.xml><?xml version="1.0" encoding="utf-8"?>
-<p:sld xmlns:a="http://schemas.openxmlformats.org/drawingml/2006/main" xmlns:r="http://schemas.openxmlformats.org/officeDocument/2006/relationships" xmlns:p="http://schemas.openxmlformats.org/presentationml/2006/main">
-  <p:cSld>
-    <p:spTree>
-      <p:nvGrpSpPr>
-        <p:cNvPr id="1" name=""/>
-        <p:cNvGrpSpPr/>
-        <p:nvPr/>
-      </p:nvGrpSpPr>
-      <p:grpSpPr>
-        <a:xfrm>
-          <a:off x="0" y="0"/>
-          <a:ext cx="0" cy="0"/>
-          <a:chOff x="0" y="0"/>
-          <a:chExt cx="0" cy="0"/>
-        </a:xfrm>
-      </p:grpSpPr>
-      <p:sp>
-        <p:nvSpPr>
-          <p:cNvPr id="2" name="Title 1">
-            <a:extLst>
-              <a:ext uri="{FF2B5EF4-FFF2-40B4-BE49-F238E27FC236}">
-                <a16:creationId xmlns:a16="http://schemas.microsoft.com/office/drawing/2014/main" id="{B919DCD0-655A-A0A0-67A9-52A9D069669E}"/>
-              </a:ext>
-            </a:extLst>
-          </p:cNvPr>
-          <p:cNvSpPr>
-            <a:spLocks noGrp="1"/>
-          </p:cNvSpPr>
-          <p:nvPr>
-            <p:ph type="title"/>
-          </p:nvPr>
-        </p:nvSpPr>
-        <p:spPr/>
-        <p:txBody>
-          <a:bodyPr/>
-          <a:lstStyle/>
-          <a:p>
-            <a:r>
-              <a:rPr lang="en-US" sz="4400" b="1" kern="1200" dirty="0">
-                <a:solidFill>
-                  <a:schemeClr val="tx1"/>
-                </a:solidFill>
-                <a:latin typeface="+mj-lt"/>
-                <a:ea typeface="+mj-ea"/>
-                <a:cs typeface="+mj-cs"/>
-              </a:rPr>
-              <a:t>Part 1: My Background and how it relates to this KTH’s PhD position?</a:t>
-            </a:r>
-            <a:endParaRPr lang="en-US" b="1" dirty="0"/>
-          </a:p>
-        </p:txBody>
-      </p:sp>
-      <p:sp>
-        <p:nvSpPr>
-          <p:cNvPr id="3" name="Content Placeholder 2">
-            <a:extLst>
-              <a:ext uri="{FF2B5EF4-FFF2-40B4-BE49-F238E27FC236}">
-                <a16:creationId xmlns:a16="http://schemas.microsoft.com/office/drawing/2014/main" id="{CF17F581-4D42-45F5-8B1C-F136864F0A27}"/>
-              </a:ext>
-            </a:extLst>
-          </p:cNvPr>
-          <p:cNvSpPr>
-            <a:spLocks noGrp="1"/>
-          </p:cNvSpPr>
-          <p:nvPr>
-            <p:ph idx="1"/>
-          </p:nvPr>
-        </p:nvSpPr>
-        <p:spPr/>
-        <p:txBody>
-          <a:bodyPr/>
-          <a:lstStyle/>
-          <a:p>
-            <a:pPr marL="514350" indent="-514350">
-              <a:buAutoNum type="arabicPeriod"/>
-            </a:pPr>
-            <a:r>
-              <a:rPr lang="en-US" dirty="0"/>
-              <a:t>Interdisciplinary academic background</a:t>
-            </a:r>
-          </a:p>
-          <a:p>
-            <a:pPr marL="514350" indent="-514350">
-              <a:buAutoNum type="arabicPeriod"/>
-            </a:pPr>
-            <a:r>
-              <a:rPr lang="en-US" dirty="0"/>
-              <a:t>Master’s thesis</a:t>
-            </a:r>
-          </a:p>
-        </p:txBody>
-      </p:sp>
-    </p:spTree>
-    <p:extLst>
-      <p:ext uri="{BB962C8B-B14F-4D97-AF65-F5344CB8AC3E}">
-        <p14:creationId xmlns:p14="http://schemas.microsoft.com/office/powerpoint/2010/main" val="353225628"/>
-      </p:ext>
-    </p:extLst>
-  </p:cSld>
-  <p:clrMapOvr>
-    <a:masterClrMapping/>
-  </p:clrMapOvr>
-</p:sld>
-</file>
-
-<file path=ppt/slides/slide30.xml><?xml version="1.0" encoding="utf-8"?>
+<file path=ppt/slides/slide31.xml><?xml version="1.0" encoding="utf-8"?>
 <p:sld xmlns:a="http://schemas.openxmlformats.org/drawingml/2006/main" xmlns:r="http://schemas.openxmlformats.org/officeDocument/2006/relationships" xmlns:p="http://schemas.openxmlformats.org/presentationml/2006/main">
   <p:cSld>
     <p:spTree>
@@ -6812,7 +7172,7 @@
 </p:sld>
 </file>
 
-<file path=ppt/slides/slide31.xml><?xml version="1.0" encoding="utf-8"?>
+<file path=ppt/slides/slide32.xml><?xml version="1.0" encoding="utf-8"?>
 <p:sld xmlns:a="http://schemas.openxmlformats.org/drawingml/2006/main" xmlns:r="http://schemas.openxmlformats.org/officeDocument/2006/relationships" xmlns:p="http://schemas.openxmlformats.org/presentationml/2006/main">
   <p:cSld>
     <p:spTree>
@@ -6899,7 +7259,7 @@
 </p:sld>
 </file>
 
-<file path=ppt/slides/slide32.xml><?xml version="1.0" encoding="utf-8"?>
+<file path=ppt/slides/slide33.xml><?xml version="1.0" encoding="utf-8"?>
 <p:sld xmlns:a="http://schemas.openxmlformats.org/drawingml/2006/main" xmlns:r="http://schemas.openxmlformats.org/officeDocument/2006/relationships" xmlns:p="http://schemas.openxmlformats.org/presentationml/2006/main">
   <p:cSld>
     <p:spTree>
@@ -6986,7 +7346,7 @@
 </p:sld>
 </file>
 
-<file path=ppt/slides/slide33.xml><?xml version="1.0" encoding="utf-8"?>
+<file path=ppt/slides/slide34.xml><?xml version="1.0" encoding="utf-8"?>
 <p:sld xmlns:a="http://schemas.openxmlformats.org/drawingml/2006/main" xmlns:r="http://schemas.openxmlformats.org/officeDocument/2006/relationships" xmlns:p="http://schemas.openxmlformats.org/presentationml/2006/main">
   <p:cSld>
     <p:spTree>
@@ -7039,6 +7399,13 @@
               <a:rPr lang="en-US" b="1" dirty="0"/>
               <a:t>Numerical Example</a:t>
             </a:r>
+            <a:br>
+              <a:rPr lang="en-US" b="1" dirty="0"/>
+            </a:br>
+            <a:r>
+              <a:rPr lang="en-US" b="1" dirty="0"/>
+              <a:t>Simulation Steps</a:t>
+            </a:r>
           </a:p>
         </p:txBody>
       </p:sp>
@@ -7046,129 +7413,6 @@
     <p:extLst>
       <p:ext uri="{BB962C8B-B14F-4D97-AF65-F5344CB8AC3E}">
         <p14:creationId xmlns:p14="http://schemas.microsoft.com/office/powerpoint/2010/main" val="3654834218"/>
-      </p:ext>
-    </p:extLst>
-  </p:cSld>
-  <p:clrMapOvr>
-    <a:masterClrMapping/>
-  </p:clrMapOvr>
-</p:sld>
-</file>
-
-<file path=ppt/slides/slide34.xml><?xml version="1.0" encoding="utf-8"?>
-<p:sld xmlns:a="http://schemas.openxmlformats.org/drawingml/2006/main" xmlns:r="http://schemas.openxmlformats.org/officeDocument/2006/relationships" xmlns:p="http://schemas.openxmlformats.org/presentationml/2006/main">
-  <p:cSld>
-    <p:spTree>
-      <p:nvGrpSpPr>
-        <p:cNvPr id="1" name=""/>
-        <p:cNvGrpSpPr/>
-        <p:nvPr/>
-      </p:nvGrpSpPr>
-      <p:grpSpPr>
-        <a:xfrm>
-          <a:off x="0" y="0"/>
-          <a:ext cx="0" cy="0"/>
-          <a:chOff x="0" y="0"/>
-          <a:chExt cx="0" cy="0"/>
-        </a:xfrm>
-      </p:grpSpPr>
-      <p:sp>
-        <p:nvSpPr>
-          <p:cNvPr id="2" name="Title 1">
-            <a:extLst>
-              <a:ext uri="{FF2B5EF4-FFF2-40B4-BE49-F238E27FC236}">
-                <a16:creationId xmlns:a16="http://schemas.microsoft.com/office/drawing/2014/main" id="{A59CB8A9-2F60-432C-4B99-E9B8A97EE7C3}"/>
-              </a:ext>
-            </a:extLst>
-          </p:cNvPr>
-          <p:cNvSpPr>
-            <a:spLocks noGrp="1"/>
-          </p:cNvSpPr>
-          <p:nvPr>
-            <p:ph type="title"/>
-          </p:nvPr>
-        </p:nvSpPr>
-        <p:spPr/>
-        <p:txBody>
-          <a:bodyPr/>
-          <a:lstStyle/>
-          <a:p>
-            <a:r>
-              <a:rPr lang="en-US" dirty="0"/>
-              <a:t>Numerical example</a:t>
-            </a:r>
-          </a:p>
-        </p:txBody>
-      </p:sp>
-      <p:sp>
-        <p:nvSpPr>
-          <p:cNvPr id="3" name="Content Placeholder 2">
-            <a:extLst>
-              <a:ext uri="{FF2B5EF4-FFF2-40B4-BE49-F238E27FC236}">
-                <a16:creationId xmlns:a16="http://schemas.microsoft.com/office/drawing/2014/main" id="{CD02969A-F93A-0921-A7B4-4AE9831A5E62}"/>
-              </a:ext>
-            </a:extLst>
-          </p:cNvPr>
-          <p:cNvSpPr>
-            <a:spLocks noGrp="1"/>
-          </p:cNvSpPr>
-          <p:nvPr>
-            <p:ph idx="1"/>
-          </p:nvPr>
-        </p:nvSpPr>
-        <p:spPr/>
-        <p:txBody>
-          <a:bodyPr/>
-          <a:lstStyle/>
-          <a:p>
-            <a:pPr marL="0" indent="0" algn="just">
-              <a:buNone/>
-            </a:pPr>
-            <a:r>
-              <a:rPr lang="en-US" dirty="0"/>
-              <a:t>This numerical example illustrates how:</a:t>
-            </a:r>
-          </a:p>
-          <a:p>
-            <a:pPr algn="just">
-              <a:buFont typeface="Arial" panose="020B0604020202020204" pitchFamily="34" charset="0"/>
-              <a:buChar char="•"/>
-            </a:pPr>
-            <a:r>
-              <a:rPr lang="en-US" dirty="0"/>
-              <a:t>Engagement levels fluctuate based on random changes each month.</a:t>
-            </a:r>
-          </a:p>
-          <a:p>
-            <a:pPr algn="just">
-              <a:buFont typeface="Arial" panose="020B0604020202020204" pitchFamily="34" charset="0"/>
-              <a:buChar char="•"/>
-            </a:pPr>
-            <a:r>
-              <a:rPr lang="en-US" dirty="0"/>
-              <a:t>The uptake rate is calculated as the average of the engagement levels.</a:t>
-            </a:r>
-          </a:p>
-          <a:p>
-            <a:pPr algn="just">
-              <a:buFont typeface="Arial" panose="020B0604020202020204" pitchFamily="34" charset="0"/>
-              <a:buChar char="•"/>
-            </a:pPr>
-            <a:r>
-              <a:rPr lang="en-US" dirty="0"/>
-              <a:t>A feedback loop exists, where each month's engagement influences the next, and this pattern can be visualized to see the overall trend.</a:t>
-            </a:r>
-          </a:p>
-          <a:p>
-            <a:pPr algn="just"/>
-            <a:endParaRPr lang="en-US" dirty="0"/>
-          </a:p>
-        </p:txBody>
-      </p:sp>
-    </p:spTree>
-    <p:extLst>
-      <p:ext uri="{BB962C8B-B14F-4D97-AF65-F5344CB8AC3E}">
-        <p14:creationId xmlns:p14="http://schemas.microsoft.com/office/powerpoint/2010/main" val="3065450447"/>
       </p:ext>
     </p:extLst>
   </p:cSld>
@@ -7200,7 +7444,7 @@
           <p:cNvPr id="2" name="Title 1">
             <a:extLst>
               <a:ext uri="{FF2B5EF4-FFF2-40B4-BE49-F238E27FC236}">
-                <a16:creationId xmlns:a16="http://schemas.microsoft.com/office/drawing/2014/main" id="{3582663F-FFB9-2D2E-F74A-2DAA9B29E04B}"/>
+                <a16:creationId xmlns:a16="http://schemas.microsoft.com/office/drawing/2014/main" id="{A59CB8A9-2F60-432C-4B99-E9B8A97EE7C3}"/>
               </a:ext>
             </a:extLst>
           </p:cNvPr>
@@ -7217,8 +7461,8 @@
           <a:lstStyle/>
           <a:p>
             <a:r>
-              <a:rPr lang="en-US" b="1" dirty="0"/>
-              <a:t>Simulation Steps</a:t>
+              <a:rPr lang="en-US" dirty="0"/>
+              <a:t>Numerical example</a:t>
             </a:r>
           </a:p>
         </p:txBody>
@@ -7228,7 +7472,7 @@
           <p:cNvPr id="3" name="Content Placeholder 2">
             <a:extLst>
               <a:ext uri="{FF2B5EF4-FFF2-40B4-BE49-F238E27FC236}">
-                <a16:creationId xmlns:a16="http://schemas.microsoft.com/office/drawing/2014/main" id="{F3270000-727C-10C0-CC47-006697DC7B58}"/>
+                <a16:creationId xmlns:a16="http://schemas.microsoft.com/office/drawing/2014/main" id="{CD02969A-F93A-0921-A7B4-4AE9831A5E62}"/>
               </a:ext>
             </a:extLst>
           </p:cNvPr>
@@ -7244,47 +7488,54 @@
           <a:bodyPr/>
           <a:lstStyle/>
           <a:p>
-            <a:r>
-              <a:rPr lang="en-US" b="1" dirty="0"/>
-              <a:t>Step 1: Define Initial Engagement Levels</a:t>
-            </a:r>
-          </a:p>
-          <a:p>
-            <a:r>
-              <a:rPr lang="en-US" b="1" dirty="0"/>
-              <a:t>Step 2: Simulate Engagement Fluctuations for 12 Months</a:t>
-            </a:r>
-          </a:p>
-          <a:p>
-            <a:r>
-              <a:rPr lang="en-US" b="1" dirty="0"/>
-              <a:t>Step 3: Calculate Uptake Rate for Month 2</a:t>
-            </a:r>
-          </a:p>
-          <a:p>
-            <a:r>
-              <a:rPr lang="en-US" b="1" dirty="0"/>
-              <a:t>Step 4: Simulate for Month 3</a:t>
-            </a:r>
-          </a:p>
-          <a:p>
-            <a:r>
-              <a:rPr lang="en-US" b="1" dirty="0"/>
-              <a:t>Step 5: Calculate Uptake Rate for Month 3</a:t>
-            </a:r>
-          </a:p>
-          <a:p>
-            <a:r>
-              <a:rPr lang="en-US" b="1" dirty="0"/>
-              <a:t>Step 6: Repeat for Remaining Months</a:t>
-            </a:r>
+            <a:pPr marL="0" indent="0" algn="just">
+              <a:buNone/>
+            </a:pPr>
+            <a:r>
+              <a:rPr lang="en-US" dirty="0"/>
+              <a:t>This numerical example illustrates how:</a:t>
+            </a:r>
+          </a:p>
+          <a:p>
+            <a:pPr algn="just">
+              <a:buFont typeface="Arial" panose="020B0604020202020204" pitchFamily="34" charset="0"/>
+              <a:buChar char="•"/>
+            </a:pPr>
+            <a:r>
+              <a:rPr lang="en-US" dirty="0"/>
+              <a:t>Engagement levels fluctuate based on random changes each month.</a:t>
+            </a:r>
+          </a:p>
+          <a:p>
+            <a:pPr algn="just">
+              <a:buFont typeface="Arial" panose="020B0604020202020204" pitchFamily="34" charset="0"/>
+              <a:buChar char="•"/>
+            </a:pPr>
+            <a:r>
+              <a:rPr lang="en-US" dirty="0"/>
+              <a:t>The uptake rate is calculated as the average of the engagement levels.</a:t>
+            </a:r>
+          </a:p>
+          <a:p>
+            <a:pPr algn="just">
+              <a:buFont typeface="Arial" panose="020B0604020202020204" pitchFamily="34" charset="0"/>
+              <a:buChar char="•"/>
+            </a:pPr>
+            <a:r>
+              <a:rPr lang="en-US" dirty="0"/>
+              <a:t>A feedback loop exists, where each month's engagement influences the next, and this pattern can be visualized to see the overall trend.</a:t>
+            </a:r>
+          </a:p>
+          <a:p>
+            <a:pPr algn="just"/>
+            <a:endParaRPr lang="en-US" dirty="0"/>
           </a:p>
         </p:txBody>
       </p:sp>
     </p:spTree>
     <p:extLst>
       <p:ext uri="{BB962C8B-B14F-4D97-AF65-F5344CB8AC3E}">
-        <p14:creationId xmlns:p14="http://schemas.microsoft.com/office/powerpoint/2010/main" val="2465834568"/>
+        <p14:creationId xmlns:p14="http://schemas.microsoft.com/office/powerpoint/2010/main" val="3065450447"/>
       </p:ext>
     </p:extLst>
   </p:cSld>
@@ -7316,7 +7567,7 @@
           <p:cNvPr id="2" name="Title 1">
             <a:extLst>
               <a:ext uri="{FF2B5EF4-FFF2-40B4-BE49-F238E27FC236}">
-                <a16:creationId xmlns:a16="http://schemas.microsoft.com/office/drawing/2014/main" id="{AF6E53CC-7D1E-6624-763D-4B69072627B4}"/>
+                <a16:creationId xmlns:a16="http://schemas.microsoft.com/office/drawing/2014/main" id="{3582663F-FFB9-2D2E-F74A-2DAA9B29E04B}"/>
               </a:ext>
             </a:extLst>
           </p:cNvPr>
@@ -7325,6 +7576,34 @@
           </p:cNvSpPr>
           <p:nvPr>
             <p:ph type="title"/>
+          </p:nvPr>
+        </p:nvSpPr>
+        <p:spPr/>
+        <p:txBody>
+          <a:bodyPr/>
+          <a:lstStyle/>
+          <a:p>
+            <a:r>
+              <a:rPr lang="en-US" b="1" dirty="0"/>
+              <a:t>Simulation Steps</a:t>
+            </a:r>
+          </a:p>
+        </p:txBody>
+      </p:sp>
+      <p:sp>
+        <p:nvSpPr>
+          <p:cNvPr id="3" name="Content Placeholder 2">
+            <a:extLst>
+              <a:ext uri="{FF2B5EF4-FFF2-40B4-BE49-F238E27FC236}">
+                <a16:creationId xmlns:a16="http://schemas.microsoft.com/office/drawing/2014/main" id="{F3270000-727C-10C0-CC47-006697DC7B58}"/>
+              </a:ext>
+            </a:extLst>
+          </p:cNvPr>
+          <p:cNvSpPr>
+            <a:spLocks noGrp="1"/>
+          </p:cNvSpPr>
+          <p:nvPr>
+            <p:ph idx="1"/>
           </p:nvPr>
         </p:nvSpPr>
         <p:spPr/>
@@ -7336,98 +7615,35 @@
               <a:rPr lang="en-US" b="1" dirty="0"/>
               <a:t>Step 1: Define Initial Engagement Levels</a:t>
             </a:r>
-            <a:endParaRPr lang="en-US" dirty="0"/>
-          </a:p>
-        </p:txBody>
-      </p:sp>
-      <p:sp>
-        <p:nvSpPr>
-          <p:cNvPr id="3" name="Content Placeholder 2">
-            <a:extLst>
-              <a:ext uri="{FF2B5EF4-FFF2-40B4-BE49-F238E27FC236}">
-                <a16:creationId xmlns:a16="http://schemas.microsoft.com/office/drawing/2014/main" id="{1037176A-96AF-A4D6-11A1-8EB588A1F889}"/>
-              </a:ext>
-            </a:extLst>
-          </p:cNvPr>
-          <p:cNvSpPr>
-            <a:spLocks noGrp="1"/>
-          </p:cNvSpPr>
-          <p:nvPr>
-            <p:ph idx="1"/>
-          </p:nvPr>
-        </p:nvSpPr>
-        <p:spPr/>
-        <p:txBody>
-          <a:bodyPr/>
-          <a:lstStyle/>
-          <a:p>
-            <a:r>
-              <a:rPr lang="en-US" dirty="0"/>
-              <a:t>We begin with the following </a:t>
-            </a:r>
+          </a:p>
+          <a:p>
             <a:r>
               <a:rPr lang="en-US" b="1" dirty="0"/>
-              <a:t>initial engagement levels</a:t>
-            </a:r>
-            <a:r>
-              <a:rPr lang="en-US" dirty="0"/>
-              <a:t> for each stakeholder:</a:t>
-            </a:r>
-          </a:p>
-          <a:p>
-            <a:pPr>
-              <a:buFont typeface="Arial" panose="020B0604020202020204" pitchFamily="34" charset="0"/>
-              <a:buChar char="•"/>
-            </a:pPr>
+              <a:t>Step 2: Simulate Engagement Fluctuations for 12 Months</a:t>
+            </a:r>
+          </a:p>
+          <a:p>
             <a:r>
               <a:rPr lang="en-US" b="1" dirty="0"/>
-              <a:t>Patients</a:t>
-            </a:r>
-            <a:r>
-              <a:rPr lang="en-US" dirty="0"/>
-              <a:t>: 0.6 (60% engaged)</a:t>
-            </a:r>
-          </a:p>
-          <a:p>
-            <a:pPr>
-              <a:buFont typeface="Arial" panose="020B0604020202020204" pitchFamily="34" charset="0"/>
-              <a:buChar char="•"/>
-            </a:pPr>
+              <a:t>Step 3: Calculate Uptake Rate for Month 2</a:t>
+            </a:r>
+          </a:p>
+          <a:p>
             <a:r>
               <a:rPr lang="en-US" b="1" dirty="0"/>
-              <a:t>Doctors</a:t>
-            </a:r>
-            <a:r>
-              <a:rPr lang="en-US" dirty="0"/>
-              <a:t>: 0.8 (80% engaged)</a:t>
-            </a:r>
-          </a:p>
-          <a:p>
-            <a:pPr>
-              <a:buFont typeface="Arial" panose="020B0604020202020204" pitchFamily="34" charset="0"/>
-              <a:buChar char="•"/>
-            </a:pPr>
+              <a:t>Step 4: Simulate for Month 3</a:t>
+            </a:r>
+          </a:p>
+          <a:p>
             <a:r>
               <a:rPr lang="en-US" b="1" dirty="0"/>
-              <a:t>Nurses</a:t>
-            </a:r>
-            <a:r>
-              <a:rPr lang="en-US" dirty="0"/>
-              <a:t>: 0.75 (75% engaged)</a:t>
-            </a:r>
-          </a:p>
-          <a:p>
-            <a:pPr>
-              <a:buFont typeface="Arial" panose="020B0604020202020204" pitchFamily="34" charset="0"/>
-              <a:buChar char="•"/>
-            </a:pPr>
+              <a:t>Step 5: Calculate Uptake Rate for Month 3</a:t>
+            </a:r>
+          </a:p>
+          <a:p>
             <a:r>
               <a:rPr lang="en-US" b="1" dirty="0"/>
-              <a:t>Administrators</a:t>
-            </a:r>
-            <a:r>
-              <a:rPr lang="en-US" dirty="0"/>
-              <a:t>: 0.5 (50% engaged)</a:t>
+              <a:t>Step 6: Repeat for Remaining Months</a:t>
             </a:r>
           </a:p>
         </p:txBody>
@@ -7435,7 +7651,7 @@
     </p:spTree>
     <p:extLst>
       <p:ext uri="{BB962C8B-B14F-4D97-AF65-F5344CB8AC3E}">
-        <p14:creationId xmlns:p14="http://schemas.microsoft.com/office/powerpoint/2010/main" val="2183177192"/>
+        <p14:creationId xmlns:p14="http://schemas.microsoft.com/office/powerpoint/2010/main" val="2465834568"/>
       </p:ext>
     </p:extLst>
   </p:cSld>
@@ -7467,7 +7683,7 @@
           <p:cNvPr id="2" name="Title 1">
             <a:extLst>
               <a:ext uri="{FF2B5EF4-FFF2-40B4-BE49-F238E27FC236}">
-                <a16:creationId xmlns:a16="http://schemas.microsoft.com/office/drawing/2014/main" id="{DAC98F31-2FB9-C77F-0AEA-6E709BE7B660}"/>
+                <a16:creationId xmlns:a16="http://schemas.microsoft.com/office/drawing/2014/main" id="{AF6E53CC-7D1E-6624-763D-4B69072627B4}"/>
               </a:ext>
             </a:extLst>
           </p:cNvPr>
@@ -7480,14 +7696,12 @@
         </p:nvSpPr>
         <p:spPr/>
         <p:txBody>
-          <a:bodyPr>
-            <a:normAutofit/>
-          </a:bodyPr>
+          <a:bodyPr/>
           <a:lstStyle/>
           <a:p>
             <a:r>
               <a:rPr lang="en-US" b="1" dirty="0"/>
-              <a:t>Step 2: Simulate Engagement Fluctuations for 12 Months</a:t>
+              <a:t>Step 1: Define Initial Engagement Levels</a:t>
             </a:r>
             <a:endParaRPr lang="en-US" dirty="0"/>
           </a:p>
@@ -7498,7 +7712,7 @@
           <p:cNvPr id="3" name="Content Placeholder 2">
             <a:extLst>
               <a:ext uri="{FF2B5EF4-FFF2-40B4-BE49-F238E27FC236}">
-                <a16:creationId xmlns:a16="http://schemas.microsoft.com/office/drawing/2014/main" id="{52CD24E6-869F-2265-E967-EA0C0EDC84AA}"/>
+                <a16:creationId xmlns:a16="http://schemas.microsoft.com/office/drawing/2014/main" id="{1037176A-96AF-A4D6-11A1-8EB588A1F889}"/>
               </a:ext>
             </a:extLst>
           </p:cNvPr>
@@ -7514,19 +7728,17 @@
           <a:bodyPr/>
           <a:lstStyle/>
           <a:p>
-            <a:pPr marL="0" indent="0">
-              <a:buNone/>
-            </a:pPr>
-            <a:r>
-              <a:rPr lang="en-US" dirty="0"/>
-              <a:t>we apply random fluctuations (within the range [−0.05,+0.05][-0.05, +0.05][−0.05,+0.05]) each month to the initial engagement levels.</a:t>
-            </a:r>
-            <a:endParaRPr lang="en-US" b="1" dirty="0"/>
-          </a:p>
-          <a:p>
+            <a:r>
+              <a:rPr lang="en-US" dirty="0"/>
+              <a:t>We begin with the following </a:t>
+            </a:r>
             <a:r>
               <a:rPr lang="en-US" b="1" dirty="0"/>
-              <a:t>Month 1:</a:t>
+              <a:t>initial engagement levels</a:t>
+            </a:r>
+            <a:r>
+              <a:rPr lang="en-US" dirty="0"/>
+              <a:t> for each stakeholder:</a:t>
             </a:r>
           </a:p>
           <a:p>
@@ -7536,81 +7748,61 @@
             </a:pPr>
             <a:r>
               <a:rPr lang="en-US" b="1" dirty="0"/>
-              <a:t>Initial Engagement</a:t>
-            </a:r>
-            <a:r>
-              <a:rPr lang="en-US" dirty="0"/>
-              <a:t> (for all stakeholders):</a:t>
-            </a:r>
-          </a:p>
-          <a:p>
-            <a:pPr marL="742950" lvl="1" indent="-285750">
+              <a:t>Patients</a:t>
+            </a:r>
+            <a:r>
+              <a:rPr lang="en-US" dirty="0"/>
+              <a:t>: 0.6 (60% engaged)</a:t>
+            </a:r>
+          </a:p>
+          <a:p>
+            <a:pPr>
               <a:buFont typeface="Arial" panose="020B0604020202020204" pitchFamily="34" charset="0"/>
               <a:buChar char="•"/>
             </a:pPr>
             <a:r>
               <a:rPr lang="en-US" b="1" dirty="0"/>
-              <a:t>Patients</a:t>
-            </a:r>
-            <a:r>
-              <a:rPr lang="en-US" dirty="0"/>
-              <a:t>: 0.6</a:t>
-            </a:r>
-          </a:p>
-          <a:p>
-            <a:pPr marL="742950" lvl="1" indent="-285750">
+              <a:t>Doctors</a:t>
+            </a:r>
+            <a:r>
+              <a:rPr lang="en-US" dirty="0"/>
+              <a:t>: 0.8 (80% engaged)</a:t>
+            </a:r>
+          </a:p>
+          <a:p>
+            <a:pPr>
               <a:buFont typeface="Arial" panose="020B0604020202020204" pitchFamily="34" charset="0"/>
               <a:buChar char="•"/>
             </a:pPr>
             <a:r>
               <a:rPr lang="en-US" b="1" dirty="0"/>
-              <a:t>Doctors</a:t>
-            </a:r>
-            <a:r>
-              <a:rPr lang="en-US" dirty="0"/>
-              <a:t>: 0.8</a:t>
-            </a:r>
-          </a:p>
-          <a:p>
-            <a:pPr marL="742950" lvl="1" indent="-285750">
+              <a:t>Nurses</a:t>
+            </a:r>
+            <a:r>
+              <a:rPr lang="en-US" dirty="0"/>
+              <a:t>: 0.75 (75% engaged)</a:t>
+            </a:r>
+          </a:p>
+          <a:p>
+            <a:pPr>
               <a:buFont typeface="Arial" panose="020B0604020202020204" pitchFamily="34" charset="0"/>
               <a:buChar char="•"/>
             </a:pPr>
             <a:r>
               <a:rPr lang="en-US" b="1" dirty="0"/>
-              <a:t>Nurses</a:t>
-            </a:r>
-            <a:r>
-              <a:rPr lang="en-US" dirty="0"/>
-              <a:t>: 0.75</a:t>
-            </a:r>
-          </a:p>
-          <a:p>
-            <a:pPr marL="742950" lvl="1" indent="-285750">
-              <a:buFont typeface="Arial" panose="020B0604020202020204" pitchFamily="34" charset="0"/>
-              <a:buChar char="•"/>
-            </a:pPr>
-            <a:r>
-              <a:rPr lang="en-US" b="1" dirty="0"/>
               <a:t>Administrators</a:t>
             </a:r>
             <a:r>
               <a:rPr lang="en-US" dirty="0"/>
-              <a:t>: 0.5</a:t>
-            </a:r>
-          </a:p>
-          <a:p>
-            <a:pPr marL="0" indent="0">
-              <a:buNone/>
-            </a:pPr>
-            <a:endParaRPr lang="en-US" dirty="0"/>
+              <a:t>: 0.5 (50% engaged)</a:t>
+            </a:r>
           </a:p>
         </p:txBody>
       </p:sp>
     </p:spTree>
     <p:extLst>
       <p:ext uri="{BB962C8B-B14F-4D97-AF65-F5344CB8AC3E}">
-        <p14:creationId xmlns:p14="http://schemas.microsoft.com/office/powerpoint/2010/main" val="3867802229"/>
+        <p14:creationId xmlns:p14="http://schemas.microsoft.com/office/powerpoint/2010/main" val="2183177192"/>
       </p:ext>
     </p:extLst>
   </p:cSld>
@@ -7642,6 +7834,181 @@
           <p:cNvPr id="2" name="Title 1">
             <a:extLst>
               <a:ext uri="{FF2B5EF4-FFF2-40B4-BE49-F238E27FC236}">
+                <a16:creationId xmlns:a16="http://schemas.microsoft.com/office/drawing/2014/main" id="{DAC98F31-2FB9-C77F-0AEA-6E709BE7B660}"/>
+              </a:ext>
+            </a:extLst>
+          </p:cNvPr>
+          <p:cNvSpPr>
+            <a:spLocks noGrp="1"/>
+          </p:cNvSpPr>
+          <p:nvPr>
+            <p:ph type="title"/>
+          </p:nvPr>
+        </p:nvSpPr>
+        <p:spPr/>
+        <p:txBody>
+          <a:bodyPr>
+            <a:normAutofit/>
+          </a:bodyPr>
+          <a:lstStyle/>
+          <a:p>
+            <a:r>
+              <a:rPr lang="en-US" b="1" dirty="0"/>
+              <a:t>Step 2: Simulate Engagement Fluctuations for 12 Months</a:t>
+            </a:r>
+            <a:endParaRPr lang="en-US" dirty="0"/>
+          </a:p>
+        </p:txBody>
+      </p:sp>
+      <p:sp>
+        <p:nvSpPr>
+          <p:cNvPr id="3" name="Content Placeholder 2">
+            <a:extLst>
+              <a:ext uri="{FF2B5EF4-FFF2-40B4-BE49-F238E27FC236}">
+                <a16:creationId xmlns:a16="http://schemas.microsoft.com/office/drawing/2014/main" id="{52CD24E6-869F-2265-E967-EA0C0EDC84AA}"/>
+              </a:ext>
+            </a:extLst>
+          </p:cNvPr>
+          <p:cNvSpPr>
+            <a:spLocks noGrp="1"/>
+          </p:cNvSpPr>
+          <p:nvPr>
+            <p:ph idx="1"/>
+          </p:nvPr>
+        </p:nvSpPr>
+        <p:spPr/>
+        <p:txBody>
+          <a:bodyPr/>
+          <a:lstStyle/>
+          <a:p>
+            <a:pPr marL="0" indent="0">
+              <a:buNone/>
+            </a:pPr>
+            <a:r>
+              <a:rPr lang="en-US" dirty="0"/>
+              <a:t>we apply random fluctuations (within the range [−0.05,+0.05][-0.05, +0.05][−0.05,+0.05]) each month to the initial engagement levels.</a:t>
+            </a:r>
+            <a:endParaRPr lang="en-US" b="1" dirty="0"/>
+          </a:p>
+          <a:p>
+            <a:r>
+              <a:rPr lang="en-US" b="1" dirty="0"/>
+              <a:t>Month 1:</a:t>
+            </a:r>
+          </a:p>
+          <a:p>
+            <a:pPr>
+              <a:buFont typeface="Arial" panose="020B0604020202020204" pitchFamily="34" charset="0"/>
+              <a:buChar char="•"/>
+            </a:pPr>
+            <a:r>
+              <a:rPr lang="en-US" b="1" dirty="0"/>
+              <a:t>Initial Engagement</a:t>
+            </a:r>
+            <a:r>
+              <a:rPr lang="en-US" dirty="0"/>
+              <a:t> (for all stakeholders):</a:t>
+            </a:r>
+          </a:p>
+          <a:p>
+            <a:pPr marL="742950" lvl="1" indent="-285750">
+              <a:buFont typeface="Arial" panose="020B0604020202020204" pitchFamily="34" charset="0"/>
+              <a:buChar char="•"/>
+            </a:pPr>
+            <a:r>
+              <a:rPr lang="en-US" b="1" dirty="0"/>
+              <a:t>Patients</a:t>
+            </a:r>
+            <a:r>
+              <a:rPr lang="en-US" dirty="0"/>
+              <a:t>: 0.6</a:t>
+            </a:r>
+          </a:p>
+          <a:p>
+            <a:pPr marL="742950" lvl="1" indent="-285750">
+              <a:buFont typeface="Arial" panose="020B0604020202020204" pitchFamily="34" charset="0"/>
+              <a:buChar char="•"/>
+            </a:pPr>
+            <a:r>
+              <a:rPr lang="en-US" b="1" dirty="0"/>
+              <a:t>Doctors</a:t>
+            </a:r>
+            <a:r>
+              <a:rPr lang="en-US" dirty="0"/>
+              <a:t>: 0.8</a:t>
+            </a:r>
+          </a:p>
+          <a:p>
+            <a:pPr marL="742950" lvl="1" indent="-285750">
+              <a:buFont typeface="Arial" panose="020B0604020202020204" pitchFamily="34" charset="0"/>
+              <a:buChar char="•"/>
+            </a:pPr>
+            <a:r>
+              <a:rPr lang="en-US" b="1" dirty="0"/>
+              <a:t>Nurses</a:t>
+            </a:r>
+            <a:r>
+              <a:rPr lang="en-US" dirty="0"/>
+              <a:t>: 0.75</a:t>
+            </a:r>
+          </a:p>
+          <a:p>
+            <a:pPr marL="742950" lvl="1" indent="-285750">
+              <a:buFont typeface="Arial" panose="020B0604020202020204" pitchFamily="34" charset="0"/>
+              <a:buChar char="•"/>
+            </a:pPr>
+            <a:r>
+              <a:rPr lang="en-US" b="1" dirty="0"/>
+              <a:t>Administrators</a:t>
+            </a:r>
+            <a:r>
+              <a:rPr lang="en-US" dirty="0"/>
+              <a:t>: 0.5</a:t>
+            </a:r>
+          </a:p>
+          <a:p>
+            <a:pPr marL="0" indent="0">
+              <a:buNone/>
+            </a:pPr>
+            <a:endParaRPr lang="en-US" dirty="0"/>
+          </a:p>
+        </p:txBody>
+      </p:sp>
+    </p:spTree>
+    <p:extLst>
+      <p:ext uri="{BB962C8B-B14F-4D97-AF65-F5344CB8AC3E}">
+        <p14:creationId xmlns:p14="http://schemas.microsoft.com/office/powerpoint/2010/main" val="3867802229"/>
+      </p:ext>
+    </p:extLst>
+  </p:cSld>
+  <p:clrMapOvr>
+    <a:masterClrMapping/>
+  </p:clrMapOvr>
+</p:sld>
+</file>
+
+<file path=ppt/slides/slide39.xml><?xml version="1.0" encoding="utf-8"?>
+<p:sld xmlns:a="http://schemas.openxmlformats.org/drawingml/2006/main" xmlns:r="http://schemas.openxmlformats.org/officeDocument/2006/relationships" xmlns:p="http://schemas.openxmlformats.org/presentationml/2006/main">
+  <p:cSld>
+    <p:spTree>
+      <p:nvGrpSpPr>
+        <p:cNvPr id="1" name=""/>
+        <p:cNvGrpSpPr/>
+        <p:nvPr/>
+      </p:nvGrpSpPr>
+      <p:grpSpPr>
+        <a:xfrm>
+          <a:off x="0" y="0"/>
+          <a:ext cx="0" cy="0"/>
+          <a:chOff x="0" y="0"/>
+          <a:chExt cx="0" cy="0"/>
+        </a:xfrm>
+      </p:grpSpPr>
+      <p:sp>
+        <p:nvSpPr>
+          <p:cNvPr id="2" name="Title 1">
+            <a:extLst>
+              <a:ext uri="{FF2B5EF4-FFF2-40B4-BE49-F238E27FC236}">
                 <a16:creationId xmlns:a16="http://schemas.microsoft.com/office/drawing/2014/main" id="{A3BFB231-84DE-64BC-93C6-48E5983BC312}"/>
               </a:ext>
             </a:extLst>
@@ -7722,7 +8089,113 @@
 </p:sld>
 </file>
 
-<file path=ppt/slides/slide39.xml><?xml version="1.0" encoding="utf-8"?>
+<file path=ppt/slides/slide4.xml><?xml version="1.0" encoding="utf-8"?>
+<p:sld xmlns:a="http://schemas.openxmlformats.org/drawingml/2006/main" xmlns:r="http://schemas.openxmlformats.org/officeDocument/2006/relationships" xmlns:p="http://schemas.openxmlformats.org/presentationml/2006/main">
+  <p:cSld>
+    <p:spTree>
+      <p:nvGrpSpPr>
+        <p:cNvPr id="1" name=""/>
+        <p:cNvGrpSpPr/>
+        <p:nvPr/>
+      </p:nvGrpSpPr>
+      <p:grpSpPr>
+        <a:xfrm>
+          <a:off x="0" y="0"/>
+          <a:ext cx="0" cy="0"/>
+          <a:chOff x="0" y="0"/>
+          <a:chExt cx="0" cy="0"/>
+        </a:xfrm>
+      </p:grpSpPr>
+      <p:sp>
+        <p:nvSpPr>
+          <p:cNvPr id="2" name="Title 1">
+            <a:extLst>
+              <a:ext uri="{FF2B5EF4-FFF2-40B4-BE49-F238E27FC236}">
+                <a16:creationId xmlns:a16="http://schemas.microsoft.com/office/drawing/2014/main" id="{B919DCD0-655A-A0A0-67A9-52A9D069669E}"/>
+              </a:ext>
+            </a:extLst>
+          </p:cNvPr>
+          <p:cNvSpPr>
+            <a:spLocks noGrp="1"/>
+          </p:cNvSpPr>
+          <p:nvPr>
+            <p:ph type="title"/>
+          </p:nvPr>
+        </p:nvSpPr>
+        <p:spPr/>
+        <p:txBody>
+          <a:bodyPr/>
+          <a:lstStyle/>
+          <a:p>
+            <a:r>
+              <a:rPr lang="en-US" sz="4400" b="1" kern="1200" dirty="0">
+                <a:solidFill>
+                  <a:schemeClr val="tx1"/>
+                </a:solidFill>
+                <a:latin typeface="+mj-lt"/>
+                <a:ea typeface="+mj-ea"/>
+                <a:cs typeface="+mj-cs"/>
+              </a:rPr>
+              <a:t>Part 1: My Background and how it relates to this KTH’s PhD position?</a:t>
+            </a:r>
+            <a:endParaRPr lang="en-US" b="1" dirty="0"/>
+          </a:p>
+        </p:txBody>
+      </p:sp>
+      <p:sp>
+        <p:nvSpPr>
+          <p:cNvPr id="3" name="Content Placeholder 2">
+            <a:extLst>
+              <a:ext uri="{FF2B5EF4-FFF2-40B4-BE49-F238E27FC236}">
+                <a16:creationId xmlns:a16="http://schemas.microsoft.com/office/drawing/2014/main" id="{CF17F581-4D42-45F5-8B1C-F136864F0A27}"/>
+              </a:ext>
+            </a:extLst>
+          </p:cNvPr>
+          <p:cNvSpPr>
+            <a:spLocks noGrp="1"/>
+          </p:cNvSpPr>
+          <p:nvPr>
+            <p:ph idx="1"/>
+          </p:nvPr>
+        </p:nvSpPr>
+        <p:spPr/>
+        <p:txBody>
+          <a:bodyPr/>
+          <a:lstStyle/>
+          <a:p>
+            <a:pPr marL="514350" indent="-514350">
+              <a:buAutoNum type="arabicPeriod"/>
+            </a:pPr>
+            <a:r>
+              <a:rPr lang="en-US" dirty="0"/>
+              <a:t>Interdisciplinary academic background</a:t>
+            </a:r>
+          </a:p>
+          <a:p>
+            <a:pPr marL="514350" indent="-514350">
+              <a:buAutoNum type="arabicPeriod"/>
+            </a:pPr>
+            <a:r>
+              <a:rPr lang="en-US" dirty="0"/>
+              <a:t>Master’s thesis</a:t>
+            </a:r>
+          </a:p>
+        </p:txBody>
+      </p:sp>
+    </p:spTree>
+    <p:extLst>
+      <p:ext uri="{BB962C8B-B14F-4D97-AF65-F5344CB8AC3E}">
+        <p14:creationId xmlns:p14="http://schemas.microsoft.com/office/powerpoint/2010/main" val="353225628"/>
+      </p:ext>
+    </p:extLst>
+  </p:cSld>
+  <p:clrMapOvr>
+    <a:masterClrMapping/>
+  </p:clrMapOvr>
+</p:sld>
+</file>
+
+<file path=ppt/slides/slide40.xml><?xml version="1.0" encoding="utf-8"?>
 <p:sld xmlns:a="http://schemas.openxmlformats.org/drawingml/2006/main" xmlns:r="http://schemas.openxmlformats.org/officeDocument/2006/relationships" xmlns:p="http://schemas.openxmlformats.org/presentationml/2006/main">
   <p:cSld>
     <p:spTree>
@@ -7782,7 +8255,7 @@
 </p:sld>
 </file>
 
-<file path=ppt/slides/slide4.xml><?xml version="1.0" encoding="utf-8"?>
+<file path=ppt/slides/slide41.xml><?xml version="1.0" encoding="utf-8"?>
 <p:sld xmlns:a="http://schemas.openxmlformats.org/drawingml/2006/main" xmlns:r="http://schemas.openxmlformats.org/officeDocument/2006/relationships" xmlns:p="http://schemas.openxmlformats.org/presentationml/2006/main">
   <p:cSld>
     <p:spTree>
@@ -7804,108 +8277,6 @@
           <p:cNvPr id="2" name="Title 1">
             <a:extLst>
               <a:ext uri="{FF2B5EF4-FFF2-40B4-BE49-F238E27FC236}">
-                <a16:creationId xmlns:a16="http://schemas.microsoft.com/office/drawing/2014/main" id="{AC3C68D7-A0A2-FAD4-0751-741A02E76AFC}"/>
-              </a:ext>
-            </a:extLst>
-          </p:cNvPr>
-          <p:cNvSpPr>
-            <a:spLocks noGrp="1"/>
-          </p:cNvSpPr>
-          <p:nvPr>
-            <p:ph type="title"/>
-          </p:nvPr>
-        </p:nvSpPr>
-        <p:spPr/>
-        <p:txBody>
-          <a:bodyPr/>
-          <a:lstStyle/>
-          <a:p>
-            <a:r>
-              <a:rPr lang="en-US" b="1" dirty="0"/>
-              <a:t>1. Interdisciplinary academic background</a:t>
-            </a:r>
-          </a:p>
-        </p:txBody>
-      </p:sp>
-      <p:sp>
-        <p:nvSpPr>
-          <p:cNvPr id="3" name="Content Placeholder 2">
-            <a:extLst>
-              <a:ext uri="{FF2B5EF4-FFF2-40B4-BE49-F238E27FC236}">
-                <a16:creationId xmlns:a16="http://schemas.microsoft.com/office/drawing/2014/main" id="{8F514D7C-5ECB-CA52-7E99-71CBB13D5B40}"/>
-              </a:ext>
-            </a:extLst>
-          </p:cNvPr>
-          <p:cNvSpPr>
-            <a:spLocks noGrp="1"/>
-          </p:cNvSpPr>
-          <p:nvPr>
-            <p:ph idx="1"/>
-          </p:nvPr>
-        </p:nvSpPr>
-        <p:spPr/>
-        <p:txBody>
-          <a:bodyPr/>
-          <a:lstStyle/>
-          <a:p>
-            <a:pPr algn="just"/>
-            <a:r>
-              <a:rPr lang="en-US" dirty="0"/>
-              <a:t>Having completed degrees in Physics and Operations Research, followed by advanced studies in Computer Science and Artificial Intelligence.</a:t>
-            </a:r>
-          </a:p>
-          <a:p>
-            <a:pPr algn="just"/>
-            <a:r>
-              <a:rPr lang="en-US" dirty="0"/>
-              <a:t>My experience at USI, ETH Zürich and the Free University of Bozen-Bolzano (UNIBZ) involved hands-on projects and laboratory focused on participatory Modulation Simulation Optimization, Human Machine Interaction, software reliability and testing,</a:t>
-            </a:r>
-            <a:r>
-              <a:rPr lang="ar-SA" dirty="0"/>
-              <a:t> </a:t>
-            </a:r>
-            <a:r>
-              <a:rPr lang="en-US" dirty="0"/>
-              <a:t>Stochastic process and system dynamics—areas I believe are highly relevant to this position.</a:t>
-            </a:r>
-          </a:p>
-        </p:txBody>
-      </p:sp>
-    </p:spTree>
-    <p:extLst>
-      <p:ext uri="{BB962C8B-B14F-4D97-AF65-F5344CB8AC3E}">
-        <p14:creationId xmlns:p14="http://schemas.microsoft.com/office/powerpoint/2010/main" val="3200188890"/>
-      </p:ext>
-    </p:extLst>
-  </p:cSld>
-  <p:clrMapOvr>
-    <a:masterClrMapping/>
-  </p:clrMapOvr>
-</p:sld>
-</file>
-
-<file path=ppt/slides/slide40.xml><?xml version="1.0" encoding="utf-8"?>
-<p:sld xmlns:a="http://schemas.openxmlformats.org/drawingml/2006/main" xmlns:r="http://schemas.openxmlformats.org/officeDocument/2006/relationships" xmlns:p="http://schemas.openxmlformats.org/presentationml/2006/main">
-  <p:cSld>
-    <p:spTree>
-      <p:nvGrpSpPr>
-        <p:cNvPr id="1" name=""/>
-        <p:cNvGrpSpPr/>
-        <p:nvPr/>
-      </p:nvGrpSpPr>
-      <p:grpSpPr>
-        <a:xfrm>
-          <a:off x="0" y="0"/>
-          <a:ext cx="0" cy="0"/>
-          <a:chOff x="0" y="0"/>
-          <a:chExt cx="0" cy="0"/>
-        </a:xfrm>
-      </p:grpSpPr>
-      <p:sp>
-        <p:nvSpPr>
-          <p:cNvPr id="2" name="Title 1">
-            <a:extLst>
-              <a:ext uri="{FF2B5EF4-FFF2-40B4-BE49-F238E27FC236}">
                 <a16:creationId xmlns:a16="http://schemas.microsoft.com/office/drawing/2014/main" id="{A245C48B-F092-0BCA-5962-2833A4C05B4D}"/>
               </a:ext>
             </a:extLst>
@@ -8027,7 +8398,7 @@
 </p:sld>
 </file>
 
-<file path=ppt/slides/slide41.xml><?xml version="1.0" encoding="utf-8"?>
+<file path=ppt/slides/slide42.xml><?xml version="1.0" encoding="utf-8"?>
 <p:sld xmlns:a="http://schemas.openxmlformats.org/drawingml/2006/main" xmlns:r="http://schemas.openxmlformats.org/officeDocument/2006/relationships" xmlns:p="http://schemas.openxmlformats.org/presentationml/2006/main">
   <p:cSld>
     <p:spTree>
@@ -8115,7 +8486,7 @@
 </p:sld>
 </file>
 
-<file path=ppt/slides/slide42.xml><?xml version="1.0" encoding="utf-8"?>
+<file path=ppt/slides/slide43.xml><?xml version="1.0" encoding="utf-8"?>
 <p:sld xmlns:a="http://schemas.openxmlformats.org/drawingml/2006/main" xmlns:r="http://schemas.openxmlformats.org/officeDocument/2006/relationships" xmlns:p="http://schemas.openxmlformats.org/presentationml/2006/main">
   <p:cSld>
     <p:spTree>
@@ -8203,7 +8574,7 @@
 </p:sld>
 </file>
 
-<file path=ppt/slides/slide43.xml><?xml version="1.0" encoding="utf-8"?>
+<file path=ppt/slides/slide44.xml><?xml version="1.0" encoding="utf-8"?>
 <p:sld xmlns:a="http://schemas.openxmlformats.org/drawingml/2006/main" xmlns:r="http://schemas.openxmlformats.org/officeDocument/2006/relationships" xmlns:p="http://schemas.openxmlformats.org/presentationml/2006/main">
   <p:cSld>
     <p:spTree>
@@ -8263,7 +8634,7 @@
 </p:sld>
 </file>
 
-<file path=ppt/slides/slide44.xml><?xml version="1.0" encoding="utf-8"?>
+<file path=ppt/slides/slide45.xml><?xml version="1.0" encoding="utf-8"?>
 <p:sld xmlns:a="http://schemas.openxmlformats.org/drawingml/2006/main" xmlns:r="http://schemas.openxmlformats.org/officeDocument/2006/relationships" xmlns:p="http://schemas.openxmlformats.org/presentationml/2006/main">
   <p:cSld>
     <p:spTree>
@@ -8406,7 +8777,7 @@
 </p:sld>
 </file>
 
-<file path=ppt/slides/slide45.xml><?xml version="1.0" encoding="utf-8"?>
+<file path=ppt/slides/slide46.xml><?xml version="1.0" encoding="utf-8"?>
 <p:sld xmlns:a="http://schemas.openxmlformats.org/drawingml/2006/main" xmlns:r="http://schemas.openxmlformats.org/officeDocument/2006/relationships" xmlns:p="http://schemas.openxmlformats.org/presentationml/2006/main">
   <p:cSld>
     <p:spTree>
@@ -8494,7 +8865,7 @@
 </p:sld>
 </file>
 
-<file path=ppt/slides/slide46.xml><?xml version="1.0" encoding="utf-8"?>
+<file path=ppt/slides/slide47.xml><?xml version="1.0" encoding="utf-8"?>
 <p:sld xmlns:a="http://schemas.openxmlformats.org/drawingml/2006/main" xmlns:r="http://schemas.openxmlformats.org/officeDocument/2006/relationships" xmlns:p="http://schemas.openxmlformats.org/presentationml/2006/main">
   <p:cSld>
     <p:spTree>
@@ -8582,7 +8953,7 @@
 </p:sld>
 </file>
 
-<file path=ppt/slides/slide47.xml><?xml version="1.0" encoding="utf-8"?>
+<file path=ppt/slides/slide48.xml><?xml version="1.0" encoding="utf-8"?>
 <p:sld xmlns:a="http://schemas.openxmlformats.org/drawingml/2006/main" xmlns:r="http://schemas.openxmlformats.org/officeDocument/2006/relationships" xmlns:p="http://schemas.openxmlformats.org/presentationml/2006/main">
   <p:cSld>
     <p:spTree>
@@ -8677,7 +9048,7 @@
 </p:sld>
 </file>
 
-<file path=ppt/slides/slide48.xml><?xml version="1.0" encoding="utf-8"?>
+<file path=ppt/slides/slide49.xml><?xml version="1.0" encoding="utf-8"?>
 <p:sld xmlns:a="http://schemas.openxmlformats.org/drawingml/2006/main" xmlns:r="http://schemas.openxmlformats.org/officeDocument/2006/relationships" xmlns:p="http://schemas.openxmlformats.org/presentationml/2006/main">
   <p:cSld>
     <p:spTree>
@@ -8736,7 +9107,109 @@
 </p:sld>
 </file>
 
-<file path=ppt/slides/slide49.xml><?xml version="1.0" encoding="utf-8"?>
+<file path=ppt/slides/slide5.xml><?xml version="1.0" encoding="utf-8"?>
+<p:sld xmlns:a="http://schemas.openxmlformats.org/drawingml/2006/main" xmlns:r="http://schemas.openxmlformats.org/officeDocument/2006/relationships" xmlns:p="http://schemas.openxmlformats.org/presentationml/2006/main">
+  <p:cSld>
+    <p:spTree>
+      <p:nvGrpSpPr>
+        <p:cNvPr id="1" name=""/>
+        <p:cNvGrpSpPr/>
+        <p:nvPr/>
+      </p:nvGrpSpPr>
+      <p:grpSpPr>
+        <a:xfrm>
+          <a:off x="0" y="0"/>
+          <a:ext cx="0" cy="0"/>
+          <a:chOff x="0" y="0"/>
+          <a:chExt cx="0" cy="0"/>
+        </a:xfrm>
+      </p:grpSpPr>
+      <p:sp>
+        <p:nvSpPr>
+          <p:cNvPr id="2" name="Title 1">
+            <a:extLst>
+              <a:ext uri="{FF2B5EF4-FFF2-40B4-BE49-F238E27FC236}">
+                <a16:creationId xmlns:a16="http://schemas.microsoft.com/office/drawing/2014/main" id="{AC3C68D7-A0A2-FAD4-0751-741A02E76AFC}"/>
+              </a:ext>
+            </a:extLst>
+          </p:cNvPr>
+          <p:cNvSpPr>
+            <a:spLocks noGrp="1"/>
+          </p:cNvSpPr>
+          <p:nvPr>
+            <p:ph type="title"/>
+          </p:nvPr>
+        </p:nvSpPr>
+        <p:spPr/>
+        <p:txBody>
+          <a:bodyPr/>
+          <a:lstStyle/>
+          <a:p>
+            <a:r>
+              <a:rPr lang="en-US" b="1" dirty="0"/>
+              <a:t>1. Interdisciplinary academic background</a:t>
+            </a:r>
+          </a:p>
+        </p:txBody>
+      </p:sp>
+      <p:sp>
+        <p:nvSpPr>
+          <p:cNvPr id="3" name="Content Placeholder 2">
+            <a:extLst>
+              <a:ext uri="{FF2B5EF4-FFF2-40B4-BE49-F238E27FC236}">
+                <a16:creationId xmlns:a16="http://schemas.microsoft.com/office/drawing/2014/main" id="{8F514D7C-5ECB-CA52-7E99-71CBB13D5B40}"/>
+              </a:ext>
+            </a:extLst>
+          </p:cNvPr>
+          <p:cNvSpPr>
+            <a:spLocks noGrp="1"/>
+          </p:cNvSpPr>
+          <p:nvPr>
+            <p:ph idx="1"/>
+          </p:nvPr>
+        </p:nvSpPr>
+        <p:spPr/>
+        <p:txBody>
+          <a:bodyPr/>
+          <a:lstStyle/>
+          <a:p>
+            <a:pPr algn="just"/>
+            <a:r>
+              <a:rPr lang="en-US" dirty="0"/>
+              <a:t>Having completed degrees in Physics and Operations Research, followed by advanced studies in Computer Science and Artificial Intelligence.</a:t>
+            </a:r>
+          </a:p>
+          <a:p>
+            <a:pPr algn="just"/>
+            <a:r>
+              <a:rPr lang="en-US" dirty="0"/>
+              <a:t>My experience at USI, ETH Zürich and the Free University of Bozen-Bolzano (UNIBZ) involved hands-on projects and laboratory focused on participatory Modulation Simulation Optimization, Human Machine Interaction, software reliability and testing,</a:t>
+            </a:r>
+            <a:r>
+              <a:rPr lang="ar-SA" dirty="0"/>
+              <a:t> </a:t>
+            </a:r>
+            <a:r>
+              <a:rPr lang="en-US" dirty="0"/>
+              <a:t>Stochastic process and system dynamics—areas I believe are highly relevant to this position.</a:t>
+            </a:r>
+          </a:p>
+        </p:txBody>
+      </p:sp>
+    </p:spTree>
+    <p:extLst>
+      <p:ext uri="{BB962C8B-B14F-4D97-AF65-F5344CB8AC3E}">
+        <p14:creationId xmlns:p14="http://schemas.microsoft.com/office/powerpoint/2010/main" val="3200188890"/>
+      </p:ext>
+    </p:extLst>
+  </p:cSld>
+  <p:clrMapOvr>
+    <a:masterClrMapping/>
+  </p:clrMapOvr>
+</p:sld>
+</file>
+
+<file path=ppt/slides/slide50.xml><?xml version="1.0" encoding="utf-8"?>
 <p:sld xmlns:a="http://schemas.openxmlformats.org/drawingml/2006/main" xmlns:r="http://schemas.openxmlformats.org/officeDocument/2006/relationships" xmlns:p="http://schemas.openxmlformats.org/presentationml/2006/main">
   <p:cSld>
     <p:spTree>
@@ -8796,103 +9269,7 @@
 </p:sld>
 </file>
 
-<file path=ppt/slides/slide5.xml><?xml version="1.0" encoding="utf-8"?>
-<p:sld xmlns:a="http://schemas.openxmlformats.org/drawingml/2006/main" xmlns:r="http://schemas.openxmlformats.org/officeDocument/2006/relationships" xmlns:p="http://schemas.openxmlformats.org/presentationml/2006/main">
-  <p:cSld>
-    <p:spTree>
-      <p:nvGrpSpPr>
-        <p:cNvPr id="1" name=""/>
-        <p:cNvGrpSpPr/>
-        <p:nvPr/>
-      </p:nvGrpSpPr>
-      <p:grpSpPr>
-        <a:xfrm>
-          <a:off x="0" y="0"/>
-          <a:ext cx="0" cy="0"/>
-          <a:chOff x="0" y="0"/>
-          <a:chExt cx="0" cy="0"/>
-        </a:xfrm>
-      </p:grpSpPr>
-      <p:sp>
-        <p:nvSpPr>
-          <p:cNvPr id="2" name="Title 1">
-            <a:extLst>
-              <a:ext uri="{FF2B5EF4-FFF2-40B4-BE49-F238E27FC236}">
-                <a16:creationId xmlns:a16="http://schemas.microsoft.com/office/drawing/2014/main" id="{402AF9E1-74A2-13F5-2802-FC8C5C4BAA90}"/>
-              </a:ext>
-            </a:extLst>
-          </p:cNvPr>
-          <p:cNvSpPr>
-            <a:spLocks noGrp="1"/>
-          </p:cNvSpPr>
-          <p:nvPr>
-            <p:ph type="title"/>
-          </p:nvPr>
-        </p:nvSpPr>
-        <p:spPr/>
-        <p:txBody>
-          <a:bodyPr/>
-          <a:lstStyle/>
-          <a:p>
-            <a:r>
-              <a:rPr lang="en-US" b="1" dirty="0"/>
-              <a:t>2. Master’s thesis</a:t>
-            </a:r>
-          </a:p>
-        </p:txBody>
-      </p:sp>
-      <p:sp>
-        <p:nvSpPr>
-          <p:cNvPr id="3" name="Content Placeholder 2">
-            <a:extLst>
-              <a:ext uri="{FF2B5EF4-FFF2-40B4-BE49-F238E27FC236}">
-                <a16:creationId xmlns:a16="http://schemas.microsoft.com/office/drawing/2014/main" id="{B4C12A01-FD34-EA13-618C-F04536634BBB}"/>
-              </a:ext>
-            </a:extLst>
-          </p:cNvPr>
-          <p:cNvSpPr>
-            <a:spLocks noGrp="1"/>
-          </p:cNvSpPr>
-          <p:nvPr>
-            <p:ph idx="1"/>
-          </p:nvPr>
-        </p:nvSpPr>
-        <p:spPr/>
-        <p:txBody>
-          <a:bodyPr>
-            <a:normAutofit lnSpcReduction="10000"/>
-          </a:bodyPr>
-          <a:lstStyle/>
-          <a:p>
-            <a:pPr algn="just"/>
-            <a:r>
-              <a:rPr lang="en-US" dirty="0"/>
-              <a:t>I explored the failure factors of the “Elizabeth Anne Holmes the American biotechnology entrepreneur the founder of Theranos as an exemplar case study for my research, specifically addressing the regulatory and legal challenges that contributed to its downfall. Using gray literature”.</a:t>
-            </a:r>
-          </a:p>
-          <a:p>
-            <a:pPr algn="just"/>
-            <a:r>
-              <a:rPr lang="en-US" dirty="0"/>
-              <a:t>I developed a model for both qualitative and quantitative data collection and analysis. This approach allowed me to identify key factors related to the healthcare sector’s challenges. Through this work, I further developed my technical expertise in Python, data analysis, and complex model building—skills I am eager to apply in the PhD role at KTH.</a:t>
-            </a:r>
-          </a:p>
-        </p:txBody>
-      </p:sp>
-    </p:spTree>
-    <p:extLst>
-      <p:ext uri="{BB962C8B-B14F-4D97-AF65-F5344CB8AC3E}">
-        <p14:creationId xmlns:p14="http://schemas.microsoft.com/office/powerpoint/2010/main" val="757653921"/>
-      </p:ext>
-    </p:extLst>
-  </p:cSld>
-  <p:clrMapOvr>
-    <a:masterClrMapping/>
-  </p:clrMapOvr>
-</p:sld>
-</file>
-
-<file path=ppt/slides/slide50.xml><?xml version="1.0" encoding="utf-8"?>
+<file path=ppt/slides/slide51.xml><?xml version="1.0" encoding="utf-8"?>
 <p:sld xmlns:a="http://schemas.openxmlformats.org/drawingml/2006/main" xmlns:r="http://schemas.openxmlformats.org/officeDocument/2006/relationships" xmlns:p="http://schemas.openxmlformats.org/presentationml/2006/main">
   <p:cSld>
     <p:spTree>
@@ -9001,14 +9378,6 @@
 <file path=ppt/slides/slide6.xml><?xml version="1.0" encoding="utf-8"?>
 <p:sld xmlns:a="http://schemas.openxmlformats.org/drawingml/2006/main" xmlns:r="http://schemas.openxmlformats.org/officeDocument/2006/relationships" xmlns:p="http://schemas.openxmlformats.org/presentationml/2006/main">
   <p:cSld>
-    <p:bg>
-      <p:bgPr>
-        <a:solidFill>
-          <a:schemeClr val="bg1"/>
-        </a:solidFill>
-        <a:effectLst/>
-      </p:bgPr>
-    </p:bg>
     <p:spTree>
       <p:nvGrpSpPr>
         <p:cNvPr id="1" name=""/>
@@ -9023,80 +9392,76 @@
           <a:chExt cx="0" cy="0"/>
         </a:xfrm>
       </p:grpSpPr>
-      <p:pic>
-        <p:nvPicPr>
-          <p:cNvPr id="5" name="Picture 4" descr="A screenshot of a video conference&#10;&#10;Description automatically generated">
+      <p:sp>
+        <p:nvSpPr>
+          <p:cNvPr id="2" name="Title 1">
             <a:extLst>
               <a:ext uri="{FF2B5EF4-FFF2-40B4-BE49-F238E27FC236}">
-                <a16:creationId xmlns:a16="http://schemas.microsoft.com/office/drawing/2014/main" id="{09CB6513-2B52-832F-684F-2BD907FF7ED9}"/>
+                <a16:creationId xmlns:a16="http://schemas.microsoft.com/office/drawing/2014/main" id="{402AF9E1-74A2-13F5-2802-FC8C5C4BAA90}"/>
               </a:ext>
             </a:extLst>
           </p:cNvPr>
-          <p:cNvPicPr>
-            <a:picLocks noChangeAspect="1"/>
-          </p:cNvPicPr>
-          <p:nvPr/>
-        </p:nvPicPr>
-        <p:blipFill>
-          <a:blip r:embed="rId2">
-            <a:extLst>
-              <a:ext uri="{28A0092B-C50C-407E-A947-70E740481C1C}">
-                <a14:useLocalDpi xmlns:a14="http://schemas.microsoft.com/office/drawing/2010/main" val="0"/>
-              </a:ext>
-            </a:extLst>
-          </a:blip>
-          <a:srcRect l="7752" r="35251" b="-1"/>
-          <a:stretch/>
-        </p:blipFill>
-        <p:spPr>
-          <a:xfrm>
-            <a:off x="321731" y="557189"/>
-            <a:ext cx="5668684" cy="5743618"/>
-          </a:xfrm>
-          <a:prstGeom prst="rect">
-            <a:avLst/>
-          </a:prstGeom>
-        </p:spPr>
-      </p:pic>
-      <p:pic>
-        <p:nvPicPr>
-          <p:cNvPr id="7" name="Picture 6" descr="A screenshot of a video&#10;&#10;Description automatically generated">
+          <p:cNvSpPr>
+            <a:spLocks noGrp="1"/>
+          </p:cNvSpPr>
+          <p:nvPr>
+            <p:ph type="title"/>
+          </p:nvPr>
+        </p:nvSpPr>
+        <p:spPr/>
+        <p:txBody>
+          <a:bodyPr/>
+          <a:lstStyle/>
+          <a:p>
+            <a:r>
+              <a:rPr lang="en-US" b="1" dirty="0"/>
+              <a:t>2. Master’s thesis</a:t>
+            </a:r>
+          </a:p>
+        </p:txBody>
+      </p:sp>
+      <p:sp>
+        <p:nvSpPr>
+          <p:cNvPr id="3" name="Content Placeholder 2">
             <a:extLst>
               <a:ext uri="{FF2B5EF4-FFF2-40B4-BE49-F238E27FC236}">
-                <a16:creationId xmlns:a16="http://schemas.microsoft.com/office/drawing/2014/main" id="{ED83F73C-EAB5-45A1-B556-D7F207695887}"/>
+                <a16:creationId xmlns:a16="http://schemas.microsoft.com/office/drawing/2014/main" id="{B4C12A01-FD34-EA13-618C-F04536634BBB}"/>
               </a:ext>
             </a:extLst>
           </p:cNvPr>
-          <p:cNvPicPr>
-            <a:picLocks noChangeAspect="1"/>
-          </p:cNvPicPr>
-          <p:nvPr/>
-        </p:nvPicPr>
-        <p:blipFill>
-          <a:blip r:embed="rId3">
-            <a:extLst>
-              <a:ext uri="{28A0092B-C50C-407E-A947-70E740481C1C}">
-                <a14:useLocalDpi xmlns:a14="http://schemas.microsoft.com/office/drawing/2010/main" val="0"/>
-              </a:ext>
-            </a:extLst>
-          </a:blip>
-          <a:srcRect t="8657"/>
-          <a:stretch/>
-        </p:blipFill>
-        <p:spPr>
-          <a:xfrm>
-            <a:off x="6195375" y="557189"/>
-            <a:ext cx="5674893" cy="5743618"/>
-          </a:xfrm>
-          <a:prstGeom prst="rect">
-            <a:avLst/>
-          </a:prstGeom>
-        </p:spPr>
-      </p:pic>
+          <p:cNvSpPr>
+            <a:spLocks noGrp="1"/>
+          </p:cNvSpPr>
+          <p:nvPr>
+            <p:ph idx="1"/>
+          </p:nvPr>
+        </p:nvSpPr>
+        <p:spPr/>
+        <p:txBody>
+          <a:bodyPr>
+            <a:normAutofit lnSpcReduction="10000"/>
+          </a:bodyPr>
+          <a:lstStyle/>
+          <a:p>
+            <a:pPr algn="just"/>
+            <a:r>
+              <a:rPr lang="en-US" dirty="0"/>
+              <a:t>I explored the failure factors of the “Elizabeth Anne Holmes the American biotechnology entrepreneur the founder of Theranos as an exemplar case study for my research, specifically addressing the regulatory and legal challenges that contributed to its downfall. Using gray literature”.</a:t>
+            </a:r>
+          </a:p>
+          <a:p>
+            <a:pPr algn="just"/>
+            <a:r>
+              <a:rPr lang="en-US" dirty="0"/>
+              <a:t>I developed a model for both qualitative and quantitative data collection and analysis. This approach allowed me to identify key factors related to the healthcare sector’s challenges. Through this work, I further developed my technical expertise in Python, data analysis, and complex model building—skills I am eager to apply in the PhD role at KTH.</a:t>
+            </a:r>
+          </a:p>
+        </p:txBody>
+      </p:sp>
     </p:spTree>
     <p:extLst>
       <p:ext uri="{BB962C8B-B14F-4D97-AF65-F5344CB8AC3E}">
-        <p14:creationId xmlns:p14="http://schemas.microsoft.com/office/powerpoint/2010/main" val="2402349985"/>
+        <p14:creationId xmlns:p14="http://schemas.microsoft.com/office/powerpoint/2010/main" val="757653921"/>
       </p:ext>
     </p:extLst>
   </p:cSld>
@@ -9133,6 +9498,114 @@
       </p:grpSpPr>
       <p:pic>
         <p:nvPicPr>
+          <p:cNvPr id="5" name="Picture 4" descr="A screenshot of a video conference&#10;&#10;Description automatically generated">
+            <a:extLst>
+              <a:ext uri="{FF2B5EF4-FFF2-40B4-BE49-F238E27FC236}">
+                <a16:creationId xmlns:a16="http://schemas.microsoft.com/office/drawing/2014/main" id="{09CB6513-2B52-832F-684F-2BD907FF7ED9}"/>
+              </a:ext>
+            </a:extLst>
+          </p:cNvPr>
+          <p:cNvPicPr>
+            <a:picLocks noChangeAspect="1"/>
+          </p:cNvPicPr>
+          <p:nvPr/>
+        </p:nvPicPr>
+        <p:blipFill>
+          <a:blip r:embed="rId2">
+            <a:extLst>
+              <a:ext uri="{28A0092B-C50C-407E-A947-70E740481C1C}">
+                <a14:useLocalDpi xmlns:a14="http://schemas.microsoft.com/office/drawing/2010/main" val="0"/>
+              </a:ext>
+            </a:extLst>
+          </a:blip>
+          <a:srcRect l="7752" r="35251" b="-1"/>
+          <a:stretch/>
+        </p:blipFill>
+        <p:spPr>
+          <a:xfrm>
+            <a:off x="321731" y="557189"/>
+            <a:ext cx="5668684" cy="5743618"/>
+          </a:xfrm>
+          <a:prstGeom prst="rect">
+            <a:avLst/>
+          </a:prstGeom>
+        </p:spPr>
+      </p:pic>
+      <p:pic>
+        <p:nvPicPr>
+          <p:cNvPr id="7" name="Picture 6" descr="A screenshot of a video&#10;&#10;Description automatically generated">
+            <a:extLst>
+              <a:ext uri="{FF2B5EF4-FFF2-40B4-BE49-F238E27FC236}">
+                <a16:creationId xmlns:a16="http://schemas.microsoft.com/office/drawing/2014/main" id="{ED83F73C-EAB5-45A1-B556-D7F207695887}"/>
+              </a:ext>
+            </a:extLst>
+          </p:cNvPr>
+          <p:cNvPicPr>
+            <a:picLocks noChangeAspect="1"/>
+          </p:cNvPicPr>
+          <p:nvPr/>
+        </p:nvPicPr>
+        <p:blipFill>
+          <a:blip r:embed="rId3">
+            <a:extLst>
+              <a:ext uri="{28A0092B-C50C-407E-A947-70E740481C1C}">
+                <a14:useLocalDpi xmlns:a14="http://schemas.microsoft.com/office/drawing/2010/main" val="0"/>
+              </a:ext>
+            </a:extLst>
+          </a:blip>
+          <a:srcRect t="8657"/>
+          <a:stretch/>
+        </p:blipFill>
+        <p:spPr>
+          <a:xfrm>
+            <a:off x="6195375" y="557189"/>
+            <a:ext cx="5674893" cy="5743618"/>
+          </a:xfrm>
+          <a:prstGeom prst="rect">
+            <a:avLst/>
+          </a:prstGeom>
+        </p:spPr>
+      </p:pic>
+    </p:spTree>
+    <p:extLst>
+      <p:ext uri="{BB962C8B-B14F-4D97-AF65-F5344CB8AC3E}">
+        <p14:creationId xmlns:p14="http://schemas.microsoft.com/office/powerpoint/2010/main" val="2402349985"/>
+      </p:ext>
+    </p:extLst>
+  </p:cSld>
+  <p:clrMapOvr>
+    <a:masterClrMapping/>
+  </p:clrMapOvr>
+</p:sld>
+</file>
+
+<file path=ppt/slides/slide8.xml><?xml version="1.0" encoding="utf-8"?>
+<p:sld xmlns:a="http://schemas.openxmlformats.org/drawingml/2006/main" xmlns:r="http://schemas.openxmlformats.org/officeDocument/2006/relationships" xmlns:p="http://schemas.openxmlformats.org/presentationml/2006/main">
+  <p:cSld>
+    <p:bg>
+      <p:bgPr>
+        <a:solidFill>
+          <a:schemeClr val="bg1"/>
+        </a:solidFill>
+        <a:effectLst/>
+      </p:bgPr>
+    </p:bg>
+    <p:spTree>
+      <p:nvGrpSpPr>
+        <p:cNvPr id="1" name=""/>
+        <p:cNvGrpSpPr/>
+        <p:nvPr/>
+      </p:nvGrpSpPr>
+      <p:grpSpPr>
+        <a:xfrm>
+          <a:off x="0" y="0"/>
+          <a:ext cx="0" cy="0"/>
+          <a:chOff x="0" y="0"/>
+          <a:chExt cx="0" cy="0"/>
+        </a:xfrm>
+      </p:grpSpPr>
+      <p:pic>
+        <p:nvPicPr>
           <p:cNvPr id="9" name="Picture 8" descr="A screenshot of a computer">
             <a:extLst>
               <a:ext uri="{FF2B5EF4-FFF2-40B4-BE49-F238E27FC236}">
@@ -9214,114 +9687,6 @@
 </p:sld>
 </file>
 
-<file path=ppt/slides/slide8.xml><?xml version="1.0" encoding="utf-8"?>
-<p:sld xmlns:a="http://schemas.openxmlformats.org/drawingml/2006/main" xmlns:r="http://schemas.openxmlformats.org/officeDocument/2006/relationships" xmlns:p="http://schemas.openxmlformats.org/presentationml/2006/main">
-  <p:cSld>
-    <p:spTree>
-      <p:nvGrpSpPr>
-        <p:cNvPr id="1" name=""/>
-        <p:cNvGrpSpPr/>
-        <p:nvPr/>
-      </p:nvGrpSpPr>
-      <p:grpSpPr>
-        <a:xfrm>
-          <a:off x="0" y="0"/>
-          <a:ext cx="0" cy="0"/>
-          <a:chOff x="0" y="0"/>
-          <a:chExt cx="0" cy="0"/>
-        </a:xfrm>
-      </p:grpSpPr>
-      <p:sp>
-        <p:nvSpPr>
-          <p:cNvPr id="2" name="Title 1">
-            <a:extLst>
-              <a:ext uri="{FF2B5EF4-FFF2-40B4-BE49-F238E27FC236}">
-                <a16:creationId xmlns:a16="http://schemas.microsoft.com/office/drawing/2014/main" id="{8553D77A-2836-DC9A-964B-E3FD1B484CBA}"/>
-              </a:ext>
-            </a:extLst>
-          </p:cNvPr>
-          <p:cNvSpPr>
-            <a:spLocks noGrp="1"/>
-          </p:cNvSpPr>
-          <p:nvPr>
-            <p:ph type="title"/>
-          </p:nvPr>
-        </p:nvSpPr>
-        <p:spPr/>
-        <p:txBody>
-          <a:bodyPr/>
-          <a:lstStyle/>
-          <a:p>
-            <a:r>
-              <a:rPr lang="en-US" sz="4400" b="1" kern="1200" dirty="0">
-                <a:solidFill>
-                  <a:schemeClr val="tx1"/>
-                </a:solidFill>
-                <a:latin typeface="+mj-lt"/>
-                <a:ea typeface="+mj-ea"/>
-                <a:cs typeface="+mj-cs"/>
-              </a:rPr>
-              <a:t>Part 2: What motivates me to pursue this position specifically? </a:t>
-            </a:r>
-            <a:endParaRPr lang="en-US" dirty="0"/>
-          </a:p>
-        </p:txBody>
-      </p:sp>
-      <p:sp>
-        <p:nvSpPr>
-          <p:cNvPr id="3" name="Content Placeholder 2">
-            <a:extLst>
-              <a:ext uri="{FF2B5EF4-FFF2-40B4-BE49-F238E27FC236}">
-                <a16:creationId xmlns:a16="http://schemas.microsoft.com/office/drawing/2014/main" id="{D4A83C25-6105-98B8-F354-04BB4A7CBF1F}"/>
-              </a:ext>
-            </a:extLst>
-          </p:cNvPr>
-          <p:cNvSpPr>
-            <a:spLocks noGrp="1"/>
-          </p:cNvSpPr>
-          <p:nvPr>
-            <p:ph idx="1"/>
-          </p:nvPr>
-        </p:nvSpPr>
-        <p:spPr/>
-        <p:txBody>
-          <a:bodyPr/>
-          <a:lstStyle/>
-          <a:p>
-            <a:pPr marL="514350" indent="-514350">
-              <a:buFont typeface="+mj-lt"/>
-              <a:buAutoNum type="arabicPeriod"/>
-            </a:pPr>
-            <a:r>
-              <a:rPr lang="en-US" dirty="0"/>
-              <a:t>Driving Impact</a:t>
-            </a:r>
-          </a:p>
-          <a:p>
-            <a:pPr marL="514350" indent="-514350">
-              <a:buFont typeface="+mj-lt"/>
-              <a:buAutoNum type="arabicPeriod"/>
-            </a:pPr>
-            <a:r>
-              <a:rPr lang="en-US" dirty="0"/>
-              <a:t>Passion for Real-World Impact</a:t>
-            </a:r>
-          </a:p>
-        </p:txBody>
-      </p:sp>
-    </p:spTree>
-    <p:extLst>
-      <p:ext uri="{BB962C8B-B14F-4D97-AF65-F5344CB8AC3E}">
-        <p14:creationId xmlns:p14="http://schemas.microsoft.com/office/powerpoint/2010/main" val="2543317303"/>
-      </p:ext>
-    </p:extLst>
-  </p:cSld>
-  <p:clrMapOvr>
-    <a:masterClrMapping/>
-  </p:clrMapOvr>
-</p:sld>
-</file>
-
 <file path=ppt/slides/slide9.xml><?xml version="1.0" encoding="utf-8"?>
 <p:sld xmlns:a="http://schemas.openxmlformats.org/drawingml/2006/main" xmlns:r="http://schemas.openxmlformats.org/officeDocument/2006/relationships" xmlns:p="http://schemas.openxmlformats.org/presentationml/2006/main">
   <p:cSld>
@@ -9344,7 +9709,7 @@
           <p:cNvPr id="2" name="Title 1">
             <a:extLst>
               <a:ext uri="{FF2B5EF4-FFF2-40B4-BE49-F238E27FC236}">
-                <a16:creationId xmlns:a16="http://schemas.microsoft.com/office/drawing/2014/main" id="{936F9CD3-EB3C-93F6-D72E-DD6792AC23DF}"/>
+                <a16:creationId xmlns:a16="http://schemas.microsoft.com/office/drawing/2014/main" id="{8553D77A-2836-DC9A-964B-E3FD1B484CBA}"/>
               </a:ext>
             </a:extLst>
           </p:cNvPr>
@@ -9357,15 +9722,21 @@
         </p:nvSpPr>
         <p:spPr/>
         <p:txBody>
-          <a:bodyPr>
-            <a:normAutofit/>
-          </a:bodyPr>
-          <a:lstStyle/>
-          <a:p>
-            <a:r>
-              <a:rPr lang="en-US" b="1" dirty="0"/>
-              <a:t>1. Driving Impact</a:t>
-            </a:r>
+          <a:bodyPr/>
+          <a:lstStyle/>
+          <a:p>
+            <a:r>
+              <a:rPr lang="en-US" sz="4400" b="1" kern="1200" dirty="0">
+                <a:solidFill>
+                  <a:schemeClr val="tx1"/>
+                </a:solidFill>
+                <a:latin typeface="+mj-lt"/>
+                <a:ea typeface="+mj-ea"/>
+                <a:cs typeface="+mj-cs"/>
+              </a:rPr>
+              <a:t>Part 2: What motivates me to pursue this position specifically? </a:t>
+            </a:r>
+            <a:endParaRPr lang="en-US" dirty="0"/>
           </a:p>
         </p:txBody>
       </p:sp>
@@ -9374,7 +9745,7 @@
           <p:cNvPr id="3" name="Content Placeholder 2">
             <a:extLst>
               <a:ext uri="{FF2B5EF4-FFF2-40B4-BE49-F238E27FC236}">
-                <a16:creationId xmlns:a16="http://schemas.microsoft.com/office/drawing/2014/main" id="{4E4BFCC2-22A1-74C9-A81E-237EF25A315B}"/>
+                <a16:creationId xmlns:a16="http://schemas.microsoft.com/office/drawing/2014/main" id="{D4A83C25-6105-98B8-F354-04BB4A7CBF1F}"/>
               </a:ext>
             </a:extLst>
           </p:cNvPr>
@@ -9390,24 +9761,23 @@
           <a:bodyPr/>
           <a:lstStyle/>
           <a:p>
-            <a:pPr algn="just"/>
-            <a:r>
-              <a:rPr lang="en-US" dirty="0"/>
-              <a:t>Advancing In Silico Models to Transform Decision-Making in Healthcare</a:t>
-            </a:r>
-          </a:p>
-          <a:p>
-            <a:pPr algn="just"/>
-            <a:r>
-              <a:rPr lang="en-US" dirty="0"/>
-              <a:t>What excites me most about this position is the chance to work on the societal complexities surrounding in silico models in healthcare. </a:t>
-            </a:r>
-          </a:p>
-          <a:p>
-            <a:pPr algn="just"/>
-            <a:r>
-              <a:rPr lang="en-US" dirty="0"/>
-              <a:t>I see enormous potential in developing models that help stakeholders—such as healthcare providers and administrators—make informed decisions that benefit patients.</a:t>
+            <a:pPr marL="514350" indent="-514350">
+              <a:buFont typeface="+mj-lt"/>
+              <a:buAutoNum type="arabicPeriod"/>
+            </a:pPr>
+            <a:r>
+              <a:rPr lang="en-US" dirty="0"/>
+              <a:t>Driving Impact</a:t>
+            </a:r>
+          </a:p>
+          <a:p>
+            <a:pPr marL="514350" indent="-514350">
+              <a:buFont typeface="+mj-lt"/>
+              <a:buAutoNum type="arabicPeriod"/>
+            </a:pPr>
+            <a:r>
+              <a:rPr lang="en-US" dirty="0"/>
+              <a:t>Passion for Real-World Impact</a:t>
             </a:r>
           </a:p>
         </p:txBody>
@@ -9415,7 +9785,7 @@
     </p:spTree>
     <p:extLst>
       <p:ext uri="{BB962C8B-B14F-4D97-AF65-F5344CB8AC3E}">
-        <p14:creationId xmlns:p14="http://schemas.microsoft.com/office/powerpoint/2010/main" val="3667378260"/>
+        <p14:creationId xmlns:p14="http://schemas.microsoft.com/office/powerpoint/2010/main" val="2543317303"/>
       </p:ext>
     </p:extLst>
   </p:cSld>

--- a/Background and motivation.pptx
+++ b/Background and motivation.pptx
@@ -5,7 +5,7 @@
     <p:sldMasterId id="2147483720" r:id="rId1"/>
   </p:sldMasterIdLst>
   <p:notesMasterIdLst>
-    <p:notesMasterId r:id="rId53"/>
+    <p:notesMasterId r:id="rId55"/>
   </p:notesMasterIdLst>
   <p:sldIdLst>
     <p:sldId id="317" r:id="rId2"/>
@@ -17,48 +17,50 @@
     <p:sldId id="279" r:id="rId8"/>
     <p:sldId id="280" r:id="rId9"/>
     <p:sldId id="301" r:id="rId10"/>
-    <p:sldId id="294" r:id="rId11"/>
-    <p:sldId id="295" r:id="rId12"/>
-    <p:sldId id="306" r:id="rId13"/>
-    <p:sldId id="304" r:id="rId14"/>
-    <p:sldId id="305" r:id="rId15"/>
-    <p:sldId id="307" r:id="rId16"/>
-    <p:sldId id="308" r:id="rId17"/>
-    <p:sldId id="298" r:id="rId18"/>
-    <p:sldId id="299" r:id="rId19"/>
-    <p:sldId id="300" r:id="rId20"/>
-    <p:sldId id="276" r:id="rId21"/>
-    <p:sldId id="302" r:id="rId22"/>
-    <p:sldId id="318" r:id="rId23"/>
-    <p:sldId id="309" r:id="rId24"/>
-    <p:sldId id="310" r:id="rId25"/>
-    <p:sldId id="311" r:id="rId26"/>
-    <p:sldId id="312" r:id="rId27"/>
-    <p:sldId id="313" r:id="rId28"/>
-    <p:sldId id="314" r:id="rId29"/>
-    <p:sldId id="315" r:id="rId30"/>
-    <p:sldId id="322" r:id="rId31"/>
-    <p:sldId id="319" r:id="rId32"/>
-    <p:sldId id="320" r:id="rId33"/>
-    <p:sldId id="321" r:id="rId34"/>
-    <p:sldId id="338" r:id="rId35"/>
-    <p:sldId id="337" r:id="rId36"/>
-    <p:sldId id="339" r:id="rId37"/>
-    <p:sldId id="324" r:id="rId38"/>
-    <p:sldId id="325" r:id="rId39"/>
-    <p:sldId id="326" r:id="rId40"/>
-    <p:sldId id="327" r:id="rId41"/>
-    <p:sldId id="328" r:id="rId42"/>
-    <p:sldId id="329" r:id="rId43"/>
-    <p:sldId id="330" r:id="rId44"/>
-    <p:sldId id="331" r:id="rId45"/>
-    <p:sldId id="332" r:id="rId46"/>
-    <p:sldId id="333" r:id="rId47"/>
-    <p:sldId id="334" r:id="rId48"/>
-    <p:sldId id="335" r:id="rId49"/>
-    <p:sldId id="336" r:id="rId50"/>
-    <p:sldId id="341" r:id="rId51"/>
-    <p:sldId id="340" r:id="rId52"/>
+    <p:sldId id="343" r:id="rId11"/>
+    <p:sldId id="345" r:id="rId12"/>
+    <p:sldId id="294" r:id="rId13"/>
+    <p:sldId id="295" r:id="rId14"/>
+    <p:sldId id="306" r:id="rId15"/>
+    <p:sldId id="304" r:id="rId16"/>
+    <p:sldId id="305" r:id="rId17"/>
+    <p:sldId id="346" r:id="rId18"/>
+    <p:sldId id="308" r:id="rId19"/>
+    <p:sldId id="298" r:id="rId20"/>
+    <p:sldId id="299" r:id="rId21"/>
+    <p:sldId id="300" r:id="rId22"/>
+    <p:sldId id="276" r:id="rId23"/>
+    <p:sldId id="302" r:id="rId24"/>
+    <p:sldId id="318" r:id="rId25"/>
+    <p:sldId id="309" r:id="rId26"/>
+    <p:sldId id="310" r:id="rId27"/>
+    <p:sldId id="311" r:id="rId28"/>
+    <p:sldId id="312" r:id="rId29"/>
+    <p:sldId id="313" r:id="rId30"/>
+    <p:sldId id="314" r:id="rId31"/>
+    <p:sldId id="315" r:id="rId32"/>
+    <p:sldId id="322" r:id="rId33"/>
+    <p:sldId id="319" r:id="rId34"/>
+    <p:sldId id="320" r:id="rId35"/>
+    <p:sldId id="321" r:id="rId36"/>
+    <p:sldId id="338" r:id="rId37"/>
+    <p:sldId id="337" r:id="rId38"/>
+    <p:sldId id="339" r:id="rId39"/>
+    <p:sldId id="324" r:id="rId40"/>
+    <p:sldId id="325" r:id="rId41"/>
+    <p:sldId id="326" r:id="rId42"/>
+    <p:sldId id="327" r:id="rId43"/>
+    <p:sldId id="328" r:id="rId44"/>
+    <p:sldId id="329" r:id="rId45"/>
+    <p:sldId id="330" r:id="rId46"/>
+    <p:sldId id="331" r:id="rId47"/>
+    <p:sldId id="332" r:id="rId48"/>
+    <p:sldId id="333" r:id="rId49"/>
+    <p:sldId id="334" r:id="rId50"/>
+    <p:sldId id="335" r:id="rId51"/>
+    <p:sldId id="336" r:id="rId52"/>
+    <p:sldId id="341" r:id="rId53"/>
+    <p:sldId id="340" r:id="rId54"/>
   </p:sldIdLst>
   <p:sldSz cx="12192000" cy="6858000"/>
   <p:notesSz cx="6858000" cy="9144000"/>
@@ -3708,13 +3710,8 @@
             </a:pPr>
             <a:r>
               <a:rPr lang="en-US" sz="2000" dirty="0"/>
-              <a:t>By Heider </a:t>
-            </a:r>
-            <a:r>
-              <a:rPr lang="en-US" sz="2000"/>
-              <a:t>Jeffer</a:t>
-            </a:r>
-            <a:endParaRPr lang="en-US" sz="2000" dirty="0"/>
+              <a:t>By Heider Jeffer</a:t>
+            </a:r>
           </a:p>
           <a:p>
             <a:pPr marL="0" indent="0">
@@ -3859,7 +3856,7 @@
           <p:cNvPr id="2" name="Title 1">
             <a:extLst>
               <a:ext uri="{FF2B5EF4-FFF2-40B4-BE49-F238E27FC236}">
-                <a16:creationId xmlns:a16="http://schemas.microsoft.com/office/drawing/2014/main" id="{936F9CD3-EB3C-93F6-D72E-DD6792AC23DF}"/>
+                <a16:creationId xmlns:a16="http://schemas.microsoft.com/office/drawing/2014/main" id="{4CDDAD88-BD16-0324-58BE-13E6B75FE083}"/>
               </a:ext>
             </a:extLst>
           </p:cNvPr>
@@ -3872,65 +3869,50 @@
         </p:nvSpPr>
         <p:spPr/>
         <p:txBody>
-          <a:bodyPr>
-            <a:normAutofit/>
-          </a:bodyPr>
-          <a:lstStyle/>
-          <a:p>
-            <a:r>
-              <a:rPr lang="en-US" b="1" dirty="0"/>
-              <a:t>1. Driving Impact</a:t>
-            </a:r>
-          </a:p>
-        </p:txBody>
-      </p:sp>
-      <p:sp>
-        <p:nvSpPr>
-          <p:cNvPr id="3" name="Content Placeholder 2">
+          <a:bodyPr/>
+          <a:lstStyle/>
+          <a:p>
+            <a:r>
+              <a:rPr lang="en-US" dirty="0"/>
+              <a:t>1. The escalating challenges in global healthcare</a:t>
+            </a:r>
+          </a:p>
+        </p:txBody>
+      </p:sp>
+      <p:pic>
+        <p:nvPicPr>
+          <p:cNvPr id="7" name="Picture 6">
             <a:extLst>
               <a:ext uri="{FF2B5EF4-FFF2-40B4-BE49-F238E27FC236}">
-                <a16:creationId xmlns:a16="http://schemas.microsoft.com/office/drawing/2014/main" id="{4E4BFCC2-22A1-74C9-A81E-237EF25A315B}"/>
+                <a16:creationId xmlns:a16="http://schemas.microsoft.com/office/drawing/2014/main" id="{CF4BA962-0036-E3B7-9450-FDB200FDE411}"/>
               </a:ext>
             </a:extLst>
           </p:cNvPr>
-          <p:cNvSpPr>
-            <a:spLocks noGrp="1"/>
-          </p:cNvSpPr>
-          <p:nvPr>
-            <p:ph idx="1"/>
-          </p:nvPr>
-        </p:nvSpPr>
-        <p:spPr/>
-        <p:txBody>
-          <a:bodyPr/>
-          <a:lstStyle/>
-          <a:p>
-            <a:pPr algn="just"/>
-            <a:r>
-              <a:rPr lang="en-US" dirty="0"/>
-              <a:t>Advancing In Silico Models to Transform Decision-Making in Healthcare</a:t>
-            </a:r>
-          </a:p>
-          <a:p>
-            <a:pPr algn="just"/>
-            <a:r>
-              <a:rPr lang="en-US" dirty="0"/>
-              <a:t>What excites me most about this position is the chance to work on the societal complexities surrounding in silico models in healthcare. </a:t>
-            </a:r>
-          </a:p>
-          <a:p>
-            <a:pPr algn="just"/>
-            <a:r>
-              <a:rPr lang="en-US" dirty="0"/>
-              <a:t>I see enormous potential in developing models that help stakeholders—such as healthcare providers and administrators—make informed decisions that benefit patients.</a:t>
-            </a:r>
-          </a:p>
-        </p:txBody>
-      </p:sp>
+          <p:cNvPicPr>
+            <a:picLocks noChangeAspect="1"/>
+          </p:cNvPicPr>
+          <p:nvPr/>
+        </p:nvPicPr>
+        <p:blipFill>
+          <a:blip r:embed="rId2"/>
+          <a:stretch>
+            <a:fillRect/>
+          </a:stretch>
+        </p:blipFill>
+        <p:spPr>
+          <a:xfrm>
+            <a:off x="1704259" y="1631678"/>
+            <a:ext cx="7862651" cy="4861197"/>
+          </a:xfrm>
+          <a:prstGeom prst="rect">
+            <a:avLst/>
+          </a:prstGeom>
+        </p:spPr>
+      </p:pic>
     </p:spTree>
     <p:extLst>
       <p:ext uri="{BB962C8B-B14F-4D97-AF65-F5344CB8AC3E}">
-        <p14:creationId xmlns:p14="http://schemas.microsoft.com/office/powerpoint/2010/main" val="3667378260"/>
+        <p14:creationId xmlns:p14="http://schemas.microsoft.com/office/powerpoint/2010/main" val="3272384615"/>
       </p:ext>
     </p:extLst>
   </p:cSld>
@@ -3962,7 +3944,7 @@
           <p:cNvPr id="2" name="Title 1">
             <a:extLst>
               <a:ext uri="{FF2B5EF4-FFF2-40B4-BE49-F238E27FC236}">
-                <a16:creationId xmlns:a16="http://schemas.microsoft.com/office/drawing/2014/main" id="{05459F32-A3DE-89BA-65DA-97E9C5BDF9FC}"/>
+                <a16:creationId xmlns:a16="http://schemas.microsoft.com/office/drawing/2014/main" id="{1AF4F14B-0FC4-D375-3FF2-449831551B9A}"/>
               </a:ext>
             </a:extLst>
           </p:cNvPr>
@@ -3973,59 +3955,78 @@
             <p:ph type="title"/>
           </p:nvPr>
         </p:nvSpPr>
+        <p:spPr>
+          <a:xfrm>
+            <a:off x="327171" y="365125"/>
+            <a:ext cx="11677475" cy="1325563"/>
+          </a:xfrm>
+        </p:spPr>
+        <p:txBody>
+          <a:bodyPr/>
+          <a:lstStyle/>
+          <a:p>
+            <a:r>
+              <a:rPr lang="en-US" b="1" dirty="0"/>
+              <a:t>1. The escalating challenges in global healthcare</a:t>
+            </a:r>
+          </a:p>
+        </p:txBody>
+      </p:sp>
+      <p:sp>
+        <p:nvSpPr>
+          <p:cNvPr id="3" name="Content Placeholder 2">
+            <a:extLst>
+              <a:ext uri="{FF2B5EF4-FFF2-40B4-BE49-F238E27FC236}">
+                <a16:creationId xmlns:a16="http://schemas.microsoft.com/office/drawing/2014/main" id="{E1025D88-BCF2-B556-2DAB-5E3B4C9513DC}"/>
+              </a:ext>
+            </a:extLst>
+          </p:cNvPr>
+          <p:cNvSpPr>
+            <a:spLocks noGrp="1"/>
+          </p:cNvSpPr>
+          <p:nvPr>
+            <p:ph idx="1"/>
+          </p:nvPr>
+        </p:nvSpPr>
         <p:spPr/>
         <p:txBody>
           <a:bodyPr>
-            <a:normAutofit/>
+            <a:normAutofit fontScale="85000" lnSpcReduction="20000"/>
           </a:bodyPr>
           <a:lstStyle/>
           <a:p>
-            <a:r>
-              <a:rPr lang="en-US" b="1" dirty="0"/>
-              <a:t>2. Passion for Real-World Impact</a:t>
-            </a:r>
-          </a:p>
-        </p:txBody>
-      </p:sp>
-      <p:sp>
-        <p:nvSpPr>
-          <p:cNvPr id="3" name="Content Placeholder 2">
-            <a:extLst>
-              <a:ext uri="{FF2B5EF4-FFF2-40B4-BE49-F238E27FC236}">
-                <a16:creationId xmlns:a16="http://schemas.microsoft.com/office/drawing/2014/main" id="{F2B992F4-9F11-4259-39B5-DE84D15B9BB4}"/>
-              </a:ext>
-            </a:extLst>
-          </p:cNvPr>
-          <p:cNvSpPr>
-            <a:spLocks noGrp="1"/>
-          </p:cNvSpPr>
-          <p:nvPr>
-            <p:ph idx="1"/>
-          </p:nvPr>
-        </p:nvSpPr>
-        <p:spPr/>
-        <p:txBody>
-          <a:bodyPr/>
-          <a:lstStyle/>
-          <a:p>
             <a:pPr algn="just"/>
             <a:r>
               <a:rPr lang="en-US" dirty="0"/>
-              <a:t>Leveraging Expertise in Design and Optimization to Contribute to KTH's Vision. </a:t>
+              <a:t>Global healthcare challenges—pandemics like COVID-19, antimicrobial resistance, unequal healthcare access, and rising health issues—are urgent and demand innovative solutions. </a:t>
             </a:r>
           </a:p>
           <a:p>
             <a:pPr algn="just"/>
             <a:r>
               <a:rPr lang="en-US" dirty="0"/>
-              <a:t>My past projects on designing, modulation, simulation and optimization has fueled my interest in impactful, real-world applications, which aligns well with KTH’s vision. </a:t>
+              <a:t>The escalating challenges in global healthcare are hot topics that require immediate action, and we must start as soon as humanly possible.</a:t>
             </a:r>
           </a:p>
           <a:p>
             <a:pPr algn="just"/>
             <a:r>
               <a:rPr lang="en-US" dirty="0"/>
-              <a:t>I believe my motivation, combined with a practical approach, would enable me to contribute significantly to this PhD project and make a meaningful impact.</a:t>
+              <a:t>I am motivated to address these crises through KTH’s platform, leveraging its leadership in research, technology, and collaboration to drive impactful solutions. </a:t>
+            </a:r>
+          </a:p>
+          <a:p>
+            <a:pPr algn="just"/>
+            <a:r>
+              <a:rPr lang="en-US" dirty="0"/>
+              <a:t>KTH’s expertise uniquely positions it to lead efforts in healthcare accessibility, health systems innovation, and health support in local, European and international level.</a:t>
+            </a:r>
+          </a:p>
+          <a:p>
+            <a:pPr algn="just"/>
+            <a:r>
+              <a:rPr lang="en-US" dirty="0"/>
+              <a:t>Aligning my skills with KTH’s mission, I aim to help tackle these pressing issues and build resilience against future global health challenges.</a:t>
             </a:r>
           </a:p>
         </p:txBody>
@@ -4033,7 +4034,7 @@
     </p:spTree>
     <p:extLst>
       <p:ext uri="{BB962C8B-B14F-4D97-AF65-F5344CB8AC3E}">
-        <p14:creationId xmlns:p14="http://schemas.microsoft.com/office/powerpoint/2010/main" val="3543254441"/>
+        <p14:creationId xmlns:p14="http://schemas.microsoft.com/office/powerpoint/2010/main" val="3612179130"/>
       </p:ext>
     </p:extLst>
   </p:cSld>
@@ -4065,7 +4066,7 @@
           <p:cNvPr id="2" name="Title 1">
             <a:extLst>
               <a:ext uri="{FF2B5EF4-FFF2-40B4-BE49-F238E27FC236}">
-                <a16:creationId xmlns:a16="http://schemas.microsoft.com/office/drawing/2014/main" id="{45D7AA36-FAF6-EEDA-DE5A-15DB029F7B38}"/>
+                <a16:creationId xmlns:a16="http://schemas.microsoft.com/office/drawing/2014/main" id="{936F9CD3-EB3C-93F6-D72E-DD6792AC23DF}"/>
               </a:ext>
             </a:extLst>
           </p:cNvPr>
@@ -4079,15 +4080,14 @@
         <p:spPr/>
         <p:txBody>
           <a:bodyPr>
-            <a:normAutofit fontScale="90000"/>
+            <a:normAutofit/>
           </a:bodyPr>
           <a:lstStyle/>
           <a:p>
             <a:r>
               <a:rPr lang="en-US" b="1" dirty="0"/>
-              <a:t>Part 3: How would My technical skill contribute to the research goals of this project?</a:t>
-            </a:r>
-            <a:endParaRPr lang="en-US" dirty="0"/>
+              <a:t>2. Driving Impact</a:t>
+            </a:r>
           </a:p>
         </p:txBody>
       </p:sp>
@@ -4096,7 +4096,7 @@
           <p:cNvPr id="3" name="Content Placeholder 2">
             <a:extLst>
               <a:ext uri="{FF2B5EF4-FFF2-40B4-BE49-F238E27FC236}">
-                <a16:creationId xmlns:a16="http://schemas.microsoft.com/office/drawing/2014/main" id="{283119EF-A417-016C-BB8B-D837C0367B37}"/>
+                <a16:creationId xmlns:a16="http://schemas.microsoft.com/office/drawing/2014/main" id="{4E4BFCC2-22A1-74C9-A81E-237EF25A315B}"/>
               </a:ext>
             </a:extLst>
           </p:cNvPr>
@@ -4112,21 +4112,24 @@
           <a:bodyPr/>
           <a:lstStyle/>
           <a:p>
-            <a:pPr marL="514350" indent="-514350">
-              <a:buAutoNum type="arabicPeriod"/>
-            </a:pPr>
-            <a:r>
-              <a:rPr lang="en-US" dirty="0"/>
-              <a:t>Technical skills</a:t>
-            </a:r>
-          </a:p>
-          <a:p>
-            <a:pPr marL="514350" indent="-514350">
-              <a:buAutoNum type="arabicPeriod"/>
-            </a:pPr>
-            <a:r>
-              <a:rPr lang="en-US" dirty="0"/>
-              <a:t>Experience</a:t>
+            <a:pPr algn="just"/>
+            <a:r>
+              <a:rPr lang="en-US" dirty="0"/>
+              <a:t>Advancing In Silico Models to Transform Decision-Making in Healthcare</a:t>
+            </a:r>
+          </a:p>
+          <a:p>
+            <a:pPr algn="just"/>
+            <a:r>
+              <a:rPr lang="en-US" dirty="0"/>
+              <a:t>What excites me most about this position is the chance to work on the societal complexities surrounding in silico models in healthcare. </a:t>
+            </a:r>
+          </a:p>
+          <a:p>
+            <a:pPr algn="just"/>
+            <a:r>
+              <a:rPr lang="en-US" dirty="0"/>
+              <a:t>I see enormous potential in developing models that help stakeholders—such as healthcare providers and administrators—make informed decisions that benefit patients.</a:t>
             </a:r>
           </a:p>
         </p:txBody>
@@ -4134,7 +4137,7 @@
     </p:spTree>
     <p:extLst>
       <p:ext uri="{BB962C8B-B14F-4D97-AF65-F5344CB8AC3E}">
-        <p14:creationId xmlns:p14="http://schemas.microsoft.com/office/powerpoint/2010/main" val="3034451807"/>
+        <p14:creationId xmlns:p14="http://schemas.microsoft.com/office/powerpoint/2010/main" val="3667378260"/>
       </p:ext>
     </p:extLst>
   </p:cSld>
@@ -4166,7 +4169,7 @@
           <p:cNvPr id="2" name="Title 1">
             <a:extLst>
               <a:ext uri="{FF2B5EF4-FFF2-40B4-BE49-F238E27FC236}">
-                <a16:creationId xmlns:a16="http://schemas.microsoft.com/office/drawing/2014/main" id="{5A3FE399-3EE0-2BE5-DF6F-5B7C2648E69C}"/>
+                <a16:creationId xmlns:a16="http://schemas.microsoft.com/office/drawing/2014/main" id="{05459F32-A3DE-89BA-65DA-97E9C5BDF9FC}"/>
               </a:ext>
             </a:extLst>
           </p:cNvPr>
@@ -4179,12 +4182,14 @@
         </p:nvSpPr>
         <p:spPr/>
         <p:txBody>
-          <a:bodyPr/>
+          <a:bodyPr>
+            <a:normAutofit/>
+          </a:bodyPr>
           <a:lstStyle/>
           <a:p>
             <a:r>
               <a:rPr lang="en-US" b="1" dirty="0"/>
-              <a:t>1. Technical skills</a:t>
+              <a:t>3. Passion for Real-World Impact</a:t>
             </a:r>
           </a:p>
         </p:txBody>
@@ -4194,7 +4199,7 @@
           <p:cNvPr id="3" name="Content Placeholder 2">
             <a:extLst>
               <a:ext uri="{FF2B5EF4-FFF2-40B4-BE49-F238E27FC236}">
-                <a16:creationId xmlns:a16="http://schemas.microsoft.com/office/drawing/2014/main" id="{63D346BC-8B75-88C6-D0A8-865639F75F25}"/>
+                <a16:creationId xmlns:a16="http://schemas.microsoft.com/office/drawing/2014/main" id="{F2B992F4-9F11-4259-39B5-DE84D15B9BB4}"/>
               </a:ext>
             </a:extLst>
           </p:cNvPr>
@@ -4210,15 +4215,24 @@
           <a:bodyPr/>
           <a:lstStyle/>
           <a:p>
-            <a:r>
-              <a:rPr lang="en-US" dirty="0"/>
-              <a:t>My technical skills span a variety of areas relevant to this project. </a:t>
-            </a:r>
-          </a:p>
-          <a:p>
-            <a:r>
-              <a:rPr lang="en-US" dirty="0"/>
-              <a:t>I am proficient in Python, Java, and other languages for modeling and simulation, which aligns well with the participatory modeling and complexity analyses required in this PhD project.</a:t>
+            <a:pPr algn="just"/>
+            <a:r>
+              <a:rPr lang="en-US" dirty="0"/>
+              <a:t>Leveraging Expertise in Design and Optimization to Contribute to KTH's Vision. </a:t>
+            </a:r>
+          </a:p>
+          <a:p>
+            <a:pPr algn="just"/>
+            <a:r>
+              <a:rPr lang="en-US" dirty="0"/>
+              <a:t>My past projects on designing, modulation, simulation and optimization has fueled my interest in impactful, real-world applications, which aligns well with KTH’s vision. </a:t>
+            </a:r>
+          </a:p>
+          <a:p>
+            <a:pPr algn="just"/>
+            <a:r>
+              <a:rPr lang="en-US" dirty="0"/>
+              <a:t>I believe my motivation, combined with a practical approach, would enable me to contribute significantly to this PhD project and make a meaningful impact.</a:t>
             </a:r>
           </a:p>
         </p:txBody>
@@ -4226,7 +4240,7 @@
     </p:spTree>
     <p:extLst>
       <p:ext uri="{BB962C8B-B14F-4D97-AF65-F5344CB8AC3E}">
-        <p14:creationId xmlns:p14="http://schemas.microsoft.com/office/powerpoint/2010/main" val="1692314642"/>
+        <p14:creationId xmlns:p14="http://schemas.microsoft.com/office/powerpoint/2010/main" val="3543254441"/>
       </p:ext>
     </p:extLst>
   </p:cSld>
@@ -4258,7 +4272,7 @@
           <p:cNvPr id="2" name="Title 1">
             <a:extLst>
               <a:ext uri="{FF2B5EF4-FFF2-40B4-BE49-F238E27FC236}">
-                <a16:creationId xmlns:a16="http://schemas.microsoft.com/office/drawing/2014/main" id="{ED16CE48-EA02-BF66-25A4-FB914ABD70A1}"/>
+                <a16:creationId xmlns:a16="http://schemas.microsoft.com/office/drawing/2014/main" id="{45D7AA36-FAF6-EEDA-DE5A-15DB029F7B38}"/>
               </a:ext>
             </a:extLst>
           </p:cNvPr>
@@ -4271,13 +4285,16 @@
         </p:nvSpPr>
         <p:spPr/>
         <p:txBody>
-          <a:bodyPr/>
+          <a:bodyPr>
+            <a:normAutofit fontScale="90000"/>
+          </a:bodyPr>
           <a:lstStyle/>
           <a:p>
             <a:r>
               <a:rPr lang="en-US" b="1" dirty="0"/>
-              <a:t>2. Experience</a:t>
-            </a:r>
+              <a:t>Part 3: How would My technical skill contribute to the research goals of this project?</a:t>
+            </a:r>
+            <a:endParaRPr lang="en-US" dirty="0"/>
           </a:p>
         </p:txBody>
       </p:sp>
@@ -4286,7 +4303,7 @@
           <p:cNvPr id="3" name="Content Placeholder 2">
             <a:extLst>
               <a:ext uri="{FF2B5EF4-FFF2-40B4-BE49-F238E27FC236}">
-                <a16:creationId xmlns:a16="http://schemas.microsoft.com/office/drawing/2014/main" id="{BE116B59-E933-EB41-4FAC-05F2213BD4A8}"/>
+                <a16:creationId xmlns:a16="http://schemas.microsoft.com/office/drawing/2014/main" id="{283119EF-A417-016C-BB8B-D837C0367B37}"/>
               </a:ext>
             </a:extLst>
           </p:cNvPr>
@@ -4302,30 +4319,29 @@
           <a:bodyPr/>
           <a:lstStyle/>
           <a:p>
-            <a:pPr marL="0" indent="0">
-              <a:buNone/>
-            </a:pPr>
-            <a:r>
-              <a:rPr lang="en-US" dirty="0"/>
-              <a:t>E</a:t>
-            </a:r>
-            <a:r>
-              <a:rPr lang="en-US" i="0" dirty="0"/>
-              <a:t>xperience with statistical methods and data visualization will support the rigorous analysis needed to validate and communicate findings effectively.</a:t>
-            </a:r>
-          </a:p>
-          <a:p>
-            <a:pPr marL="0" indent="0">
-              <a:buNone/>
-            </a:pPr>
-            <a:endParaRPr lang="en-US" dirty="0"/>
+            <a:pPr marL="514350" indent="-514350">
+              <a:buAutoNum type="arabicPeriod"/>
+            </a:pPr>
+            <a:r>
+              <a:rPr lang="en-US" dirty="0"/>
+              <a:t>Technical skills</a:t>
+            </a:r>
+          </a:p>
+          <a:p>
+            <a:pPr marL="514350" indent="-514350">
+              <a:buAutoNum type="arabicPeriod"/>
+            </a:pPr>
+            <a:r>
+              <a:rPr lang="en-US" dirty="0"/>
+              <a:t>Experience</a:t>
+            </a:r>
           </a:p>
         </p:txBody>
       </p:sp>
     </p:spTree>
     <p:extLst>
       <p:ext uri="{BB962C8B-B14F-4D97-AF65-F5344CB8AC3E}">
-        <p14:creationId xmlns:p14="http://schemas.microsoft.com/office/powerpoint/2010/main" val="818668518"/>
+        <p14:creationId xmlns:p14="http://schemas.microsoft.com/office/powerpoint/2010/main" val="3034451807"/>
       </p:ext>
     </p:extLst>
   </p:cSld>
@@ -4357,7 +4373,7 @@
           <p:cNvPr id="2" name="Title 1">
             <a:extLst>
               <a:ext uri="{FF2B5EF4-FFF2-40B4-BE49-F238E27FC236}">
-                <a16:creationId xmlns:a16="http://schemas.microsoft.com/office/drawing/2014/main" id="{0C8F88FF-55E3-8914-5114-26FDA5FC2CC4}"/>
+                <a16:creationId xmlns:a16="http://schemas.microsoft.com/office/drawing/2014/main" id="{5A3FE399-3EE0-2BE5-DF6F-5B7C2648E69C}"/>
               </a:ext>
             </a:extLst>
           </p:cNvPr>
@@ -4374,17 +4390,9 @@
           <a:lstStyle/>
           <a:p>
             <a:r>
-              <a:rPr lang="en-US" sz="4400" b="1" kern="1200" dirty="0">
-                <a:solidFill>
-                  <a:schemeClr val="tx1"/>
-                </a:solidFill>
-                <a:latin typeface="+mj-lt"/>
-                <a:ea typeface="+mj-ea"/>
-                <a:cs typeface="+mj-cs"/>
-              </a:rPr>
-              <a:t>Part 4: Project where I used participatory modeling or similar techniques</a:t>
-            </a:r>
-            <a:endParaRPr lang="en-US" b="1" dirty="0"/>
+              <a:rPr lang="en-US" b="1" dirty="0"/>
+              <a:t>1. Technical skills</a:t>
+            </a:r>
           </a:p>
         </p:txBody>
       </p:sp>
@@ -4393,7 +4401,7 @@
           <p:cNvPr id="3" name="Content Placeholder 2">
             <a:extLst>
               <a:ext uri="{FF2B5EF4-FFF2-40B4-BE49-F238E27FC236}">
-                <a16:creationId xmlns:a16="http://schemas.microsoft.com/office/drawing/2014/main" id="{79293411-F9A3-FA1F-24B4-92DE1D7FFF3E}"/>
+                <a16:creationId xmlns:a16="http://schemas.microsoft.com/office/drawing/2014/main" id="{63D346BC-8B75-88C6-D0A8-865639F75F25}"/>
               </a:ext>
             </a:extLst>
           </p:cNvPr>
@@ -4406,126 +4414,18 @@
         </p:nvSpPr>
         <p:spPr/>
         <p:txBody>
-          <a:bodyPr>
-            <a:normAutofit fontScale="92500" lnSpcReduction="20000"/>
-          </a:bodyPr>
-          <a:lstStyle/>
-          <a:p>
-            <a:pPr marL="0" indent="0" algn="just">
-              <a:buNone/>
-            </a:pPr>
-            <a:r>
-              <a:rPr lang="en-US" dirty="0"/>
-              <a:t>For instance, for this PhD project and during my preparation for this interview,  my Python expertise plays a key role in several areas (</a:t>
-            </a:r>
-            <a:r>
-              <a:rPr lang="en-US" sz="2800" dirty="0">
-                <a:latin typeface="Times New Roman" panose="02020603050405020304" pitchFamily="18" charset="0"/>
-                <a:cs typeface="Times New Roman" panose="02020603050405020304" pitchFamily="18" charset="0"/>
-                <a:hlinkClick r:id="rId2">
-                  <a:extLst>
-                    <a:ext uri="{A12FA001-AC4F-418D-AE19-62706E023703}">
-                      <ahyp:hlinkClr xmlns:ahyp="http://schemas.microsoft.com/office/drawing/2018/hyperlinkcolor" val="tx"/>
-                    </a:ext>
-                  </a:extLst>
-                </a:hlinkClick>
-              </a:rPr>
-              <a:t>Visit our lab</a:t>
-            </a:r>
-            <a:r>
-              <a:rPr lang="en-US" sz="2800" dirty="0">
-                <a:latin typeface="Times New Roman" panose="02020603050405020304" pitchFamily="18" charset="0"/>
-                <a:cs typeface="Times New Roman" panose="02020603050405020304" pitchFamily="18" charset="0"/>
-              </a:rPr>
-              <a:t>) and (see the Appendix</a:t>
-            </a:r>
-            <a:r>
-              <a:rPr lang="en-US" dirty="0">
-                <a:latin typeface="Times New Roman" panose="02020603050405020304" pitchFamily="18" charset="0"/>
-                <a:cs typeface="Times New Roman" panose="02020603050405020304" pitchFamily="18" charset="0"/>
-              </a:rPr>
-              <a:t>) for (</a:t>
-            </a:r>
-            <a:r>
-              <a:rPr lang="en-US" sz="2800" dirty="0">
-                <a:latin typeface="Times New Roman" panose="02020603050405020304" pitchFamily="18" charset="0"/>
-                <a:cs typeface="Times New Roman" panose="02020603050405020304" pitchFamily="18" charset="0"/>
-              </a:rPr>
-              <a:t>Random Fluctuations, Uptake Rate, Feedback Loop, Visualizing Trends) </a:t>
-            </a:r>
-            <a:r>
-              <a:rPr lang="en-US" dirty="0"/>
-              <a:t>of all stakeholder groups (patients, doctors, nurses, administrators)</a:t>
-            </a:r>
-            <a:r>
-              <a:rPr lang="en-US" sz="2800" dirty="0">
-                <a:latin typeface="Times New Roman" panose="02020603050405020304" pitchFamily="18" charset="0"/>
-                <a:cs typeface="Times New Roman" panose="02020603050405020304" pitchFamily="18" charset="0"/>
-              </a:rPr>
-              <a:t>:</a:t>
-            </a:r>
-          </a:p>
-          <a:p>
-            <a:pPr marL="0" indent="0">
-              <a:buNone/>
-            </a:pPr>
-            <a:r>
-              <a:rPr lang="en-US" dirty="0"/>
-              <a:t>A: Healthcare Participatory Model Simulation</a:t>
-            </a:r>
-          </a:p>
-          <a:p>
-            <a:pPr marL="0" indent="0">
-              <a:buNone/>
-            </a:pPr>
-            <a:r>
-              <a:rPr lang="en-US" dirty="0"/>
-              <a:t>B: Statistical Distribution and Visualization</a:t>
-            </a:r>
-          </a:p>
-          <a:p>
-            <a:pPr marL="0" indent="0">
-              <a:buNone/>
-            </a:pPr>
-            <a:r>
-              <a:rPr lang="en-US" dirty="0"/>
-              <a:t>1. Random Fluctuations and Why They Are Used</a:t>
-            </a:r>
-          </a:p>
-          <a:p>
-            <a:pPr marL="0" indent="0">
-              <a:buNone/>
-            </a:pPr>
-            <a:r>
-              <a:rPr lang="en-US" dirty="0"/>
-              <a:t>2. Uptake Rate and Why It Is Used</a:t>
-            </a:r>
-          </a:p>
-          <a:p>
-            <a:pPr marL="0" indent="0">
-              <a:buNone/>
-            </a:pPr>
-            <a:r>
-              <a:rPr lang="en-US" dirty="0"/>
-              <a:t>3. Feedback Loop and Why It Is Used</a:t>
-            </a:r>
-          </a:p>
-          <a:p>
-            <a:pPr marL="0" indent="0">
-              <a:buNone/>
-            </a:pPr>
-            <a:r>
-              <a:rPr lang="en-US" dirty="0"/>
-              <a:t>4. Visualizing Trends and Why It Is Important</a:t>
-            </a:r>
-          </a:p>
-          <a:p>
-            <a:pPr marL="0" indent="0">
-              <a:buNone/>
-            </a:pPr>
-            <a:r>
-              <a:rPr lang="en-US" dirty="0"/>
-              <a:t>5. Why Combine These Elements?</a:t>
+          <a:bodyPr/>
+          <a:lstStyle/>
+          <a:p>
+            <a:r>
+              <a:rPr lang="en-US" dirty="0"/>
+              <a:t>My technical skills span a variety of areas relevant to this project. </a:t>
+            </a:r>
+          </a:p>
+          <a:p>
+            <a:r>
+              <a:rPr lang="en-US" dirty="0"/>
+              <a:t>I am proficient in Python, Java, and other languages for modeling and simulation, which aligns well with the participatory modeling and complexity analyses required in this PhD project.</a:t>
             </a:r>
           </a:p>
         </p:txBody>
@@ -4533,7 +4433,7 @@
     </p:spTree>
     <p:extLst>
       <p:ext uri="{BB962C8B-B14F-4D97-AF65-F5344CB8AC3E}">
-        <p14:creationId xmlns:p14="http://schemas.microsoft.com/office/powerpoint/2010/main" val="1928138773"/>
+        <p14:creationId xmlns:p14="http://schemas.microsoft.com/office/powerpoint/2010/main" val="1692314642"/>
       </p:ext>
     </p:extLst>
   </p:cSld>
@@ -4565,7 +4465,7 @@
           <p:cNvPr id="2" name="Title 1">
             <a:extLst>
               <a:ext uri="{FF2B5EF4-FFF2-40B4-BE49-F238E27FC236}">
-                <a16:creationId xmlns:a16="http://schemas.microsoft.com/office/drawing/2014/main" id="{3D4CD2B6-D0D6-F15A-1C78-3ADB70F4B6F3}"/>
+                <a16:creationId xmlns:a16="http://schemas.microsoft.com/office/drawing/2014/main" id="{ED16CE48-EA02-BF66-25A4-FB914ABD70A1}"/>
               </a:ext>
             </a:extLst>
           </p:cNvPr>
@@ -4578,22 +4478,12 @@
         </p:nvSpPr>
         <p:spPr/>
         <p:txBody>
-          <a:bodyPr>
-            <a:normAutofit fontScale="90000"/>
-          </a:bodyPr>
+          <a:bodyPr/>
           <a:lstStyle/>
           <a:p>
             <a:r>
               <a:rPr lang="en-US" b="1" dirty="0"/>
-              <a:t>Part 5: What do I hope to learn from working within the </a:t>
-            </a:r>
-            <a:r>
-              <a:rPr lang="en-US" b="1" dirty="0" err="1"/>
-              <a:t>InSilicoHealth</a:t>
-            </a:r>
-            <a:r>
-              <a:rPr lang="en-US" b="1" dirty="0"/>
-              <a:t> Doctoral Network and at KTH?</a:t>
+              <a:t>2. Experience</a:t>
             </a:r>
           </a:p>
         </p:txBody>
@@ -4603,7 +4493,7 @@
           <p:cNvPr id="3" name="Content Placeholder 2">
             <a:extLst>
               <a:ext uri="{FF2B5EF4-FFF2-40B4-BE49-F238E27FC236}">
-                <a16:creationId xmlns:a16="http://schemas.microsoft.com/office/drawing/2014/main" id="{3480394C-E003-0415-C40F-AD221208C72F}"/>
+                <a16:creationId xmlns:a16="http://schemas.microsoft.com/office/drawing/2014/main" id="{BE116B59-E933-EB41-4FAC-05F2213BD4A8}"/>
               </a:ext>
             </a:extLst>
           </p:cNvPr>
@@ -4619,38 +4509,30 @@
           <a:bodyPr/>
           <a:lstStyle/>
           <a:p>
-            <a:pPr marL="514350" indent="-514350">
-              <a:buAutoNum type="arabicPeriod"/>
-            </a:pPr>
-            <a:r>
-              <a:rPr lang="en-US" dirty="0"/>
-              <a:t>Exploring KTH’s Approach</a:t>
-            </a:r>
-          </a:p>
-          <a:p>
-            <a:pPr marL="514350" indent="-514350">
-              <a:buAutoNum type="arabicPeriod"/>
-            </a:pPr>
-            <a:r>
-              <a:rPr lang="en-US" dirty="0"/>
-              <a:t>Real-World Healthcare Insights</a:t>
-            </a:r>
-          </a:p>
-          <a:p>
-            <a:pPr marL="514350" indent="-514350">
-              <a:buAutoNum type="arabicPeriod"/>
-            </a:pPr>
-            <a:r>
-              <a:rPr lang="en-US" dirty="0"/>
-              <a:t>Gaining a Holistic Understanding of Healthcare Challenges</a:t>
-            </a:r>
+            <a:pPr marL="0" indent="0">
+              <a:buNone/>
+            </a:pPr>
+            <a:r>
+              <a:rPr lang="en-US" dirty="0"/>
+              <a:t>E</a:t>
+            </a:r>
+            <a:r>
+              <a:rPr lang="en-US" i="0" dirty="0"/>
+              <a:t>xperience with statistical methods and data visualization will support the rigorous analysis needed to validate and communicate findings effectively.</a:t>
+            </a:r>
+          </a:p>
+          <a:p>
+            <a:pPr marL="0" indent="0">
+              <a:buNone/>
+            </a:pPr>
+            <a:endParaRPr lang="en-US" dirty="0"/>
           </a:p>
         </p:txBody>
       </p:sp>
     </p:spTree>
     <p:extLst>
       <p:ext uri="{BB962C8B-B14F-4D97-AF65-F5344CB8AC3E}">
-        <p14:creationId xmlns:p14="http://schemas.microsoft.com/office/powerpoint/2010/main" val="665681271"/>
+        <p14:creationId xmlns:p14="http://schemas.microsoft.com/office/powerpoint/2010/main" val="818668518"/>
       </p:ext>
     </p:extLst>
   </p:cSld>
@@ -4665,7 +4547,13 @@
   <p:cSld>
     <p:spTree>
       <p:nvGrpSpPr>
-        <p:cNvPr id="1" name=""/>
+        <p:cNvPr id="1" name="">
+          <a:extLst>
+            <a:ext uri="{FF2B5EF4-FFF2-40B4-BE49-F238E27FC236}">
+              <a16:creationId xmlns:a16="http://schemas.microsoft.com/office/drawing/2014/main" id="{CC2B8971-E5B7-6FE1-7CF7-D1C254B32EB8}"/>
+            </a:ext>
+          </a:extLst>
+        </p:cNvPr>
         <p:cNvGrpSpPr/>
         <p:nvPr/>
       </p:nvGrpSpPr>
@@ -4682,7 +4570,7 @@
           <p:cNvPr id="2" name="Title 1">
             <a:extLst>
               <a:ext uri="{FF2B5EF4-FFF2-40B4-BE49-F238E27FC236}">
-                <a16:creationId xmlns:a16="http://schemas.microsoft.com/office/drawing/2014/main" id="{0E856EDD-3D86-4020-BBB5-7CDBAD9C2AB1}"/>
+                <a16:creationId xmlns:a16="http://schemas.microsoft.com/office/drawing/2014/main" id="{16E08841-8F74-7190-3A1A-D52121A52DFB}"/>
               </a:ext>
             </a:extLst>
           </p:cNvPr>
@@ -4699,42 +4587,115 @@
           <a:lstStyle/>
           <a:p>
             <a:r>
+              <a:rPr lang="en-US" sz="4400" b="1" kern="1200" dirty="0">
+                <a:solidFill>
+                  <a:schemeClr val="tx1"/>
+                </a:solidFill>
+                <a:latin typeface="+mj-lt"/>
+                <a:ea typeface="+mj-ea"/>
+                <a:cs typeface="+mj-cs"/>
+              </a:rPr>
+              <a:t>Part 4: Project where I used participatory modeling or similar techniques</a:t>
+            </a:r>
+            <a:endParaRPr lang="en-US" b="1" dirty="0"/>
+          </a:p>
+        </p:txBody>
+      </p:sp>
+      <p:sp>
+        <p:nvSpPr>
+          <p:cNvPr id="3" name="Content Placeholder 2">
+            <a:extLst>
+              <a:ext uri="{FF2B5EF4-FFF2-40B4-BE49-F238E27FC236}">
+                <a16:creationId xmlns:a16="http://schemas.microsoft.com/office/drawing/2014/main" id="{22A6F4B3-5AD9-948F-0AF6-40ECA8EC4732}"/>
+              </a:ext>
+            </a:extLst>
+          </p:cNvPr>
+          <p:cNvSpPr>
+            <a:spLocks noGrp="1"/>
+          </p:cNvSpPr>
+          <p:nvPr>
+            <p:ph idx="1"/>
+          </p:nvPr>
+        </p:nvSpPr>
+        <p:spPr/>
+        <p:txBody>
+          <a:bodyPr>
+            <a:normAutofit fontScale="92500" lnSpcReduction="20000"/>
+          </a:bodyPr>
+          <a:lstStyle/>
+          <a:p>
+            <a:pPr marL="0" indent="0" algn="just">
+              <a:buNone/>
+            </a:pPr>
+            <a:r>
+              <a:rPr lang="en-US" dirty="0"/>
+              <a:t>In this KTH PhD project. The Python code I developed for the KTH Project simulates stakeholder interactions and contributions within a participatory modeling framework, providing answers to the </a:t>
+            </a:r>
+            <a:r>
               <a:rPr lang="en-US" b="1" dirty="0"/>
-              <a:t>1. Exploring KTH’s Approach</a:t>
-            </a:r>
-          </a:p>
-        </p:txBody>
-      </p:sp>
-      <p:sp>
-        <p:nvSpPr>
-          <p:cNvPr id="3" name="Content Placeholder 2">
-            <a:extLst>
-              <a:ext uri="{FF2B5EF4-FFF2-40B4-BE49-F238E27FC236}">
-                <a16:creationId xmlns:a16="http://schemas.microsoft.com/office/drawing/2014/main" id="{9E8BA058-162E-1AB1-B84F-3865CE327F5B}"/>
-              </a:ext>
-            </a:extLst>
-          </p:cNvPr>
-          <p:cNvSpPr>
-            <a:spLocks noGrp="1"/>
-          </p:cNvSpPr>
-          <p:nvPr>
-            <p:ph idx="1"/>
-          </p:nvPr>
-        </p:nvSpPr>
-        <p:spPr/>
-        <p:txBody>
-          <a:bodyPr/>
-          <a:lstStyle/>
-          <a:p>
-            <a:pPr marL="0" indent="0">
-              <a:buNone/>
-            </a:pPr>
-            <a:r>
-              <a:rPr lang="en-US" dirty="0"/>
-              <a:t>To learn about KTH’s approach to integrating participatory modeling within healthcare systems and to understand the nuances of translating model outputs into practical strategies that can be implemented in hospitals</a:t>
-            </a:r>
-          </a:p>
-          <a:p>
+              <a:t>(</a:t>
+            </a:r>
+            <a:r>
+              <a:rPr lang="en-US" b="1" dirty="0">
+                <a:hlinkClick r:id="rId2"/>
+              </a:rPr>
+              <a:t>Research Questions</a:t>
+            </a:r>
+            <a:r>
+              <a:rPr lang="en-US" b="1" dirty="0"/>
+              <a:t>)</a:t>
+            </a:r>
+            <a:r>
+              <a:rPr lang="en-US" dirty="0"/>
+              <a:t> explored in this project:</a:t>
+            </a:r>
+          </a:p>
+          <a:p>
+            <a:r>
+              <a:rPr lang="en-US" b="1" dirty="0"/>
+              <a:t>Primary Research Question:</a:t>
+            </a:r>
+          </a:p>
+          <a:p>
+            <a:pPr marL="457200" lvl="1" indent="0">
+              <a:buNone/>
+            </a:pPr>
+            <a:r>
+              <a:rPr lang="en-US" dirty="0"/>
+              <a:t>How can participatory modeling approaches be designed to simulate and address stakeholder interactions, agency complexities, and decision-making processes in the adoption of in silico models for healthcare systems?</a:t>
+            </a:r>
+            <a:endParaRPr lang="en-US" b="1" dirty="0"/>
+          </a:p>
+          <a:p>
+            <a:pPr algn="just"/>
+            <a:r>
+              <a:rPr lang="en-US" b="1" dirty="0"/>
+              <a:t>Secondary Research Questions: </a:t>
+            </a:r>
+          </a:p>
+          <a:p>
+            <a:pPr marL="457200" lvl="1" indent="0" algn="just">
+              <a:buNone/>
+            </a:pPr>
+            <a:r>
+              <a:rPr lang="en-US" dirty="0"/>
+              <a:t>How can simulation techniques be used to capture and analyze the interplay of diverse stakeholders in the healthcare ecosystem?</a:t>
+            </a:r>
+          </a:p>
+          <a:p>
+            <a:pPr lvl="1" algn="just">
+              <a:buFontTx/>
+              <a:buChar char="-"/>
+            </a:pPr>
+            <a:r>
+              <a:rPr lang="en-US" i="1" dirty="0"/>
+              <a:t>The code models the interactions and contributions of different stakeholders, providing a quantitative and qualitative analysis of their roles in decision-making processes.</a:t>
+            </a:r>
+          </a:p>
+          <a:p>
+            <a:pPr marL="457200" lvl="1" indent="0" algn="just">
+              <a:buNone/>
+            </a:pPr>
             <a:endParaRPr lang="en-US" dirty="0"/>
           </a:p>
         </p:txBody>
@@ -4742,7 +4703,7 @@
     </p:spTree>
     <p:extLst>
       <p:ext uri="{BB962C8B-B14F-4D97-AF65-F5344CB8AC3E}">
-        <p14:creationId xmlns:p14="http://schemas.microsoft.com/office/powerpoint/2010/main" val="2712323824"/>
+        <p14:creationId xmlns:p14="http://schemas.microsoft.com/office/powerpoint/2010/main" val="2833196760"/>
       </p:ext>
     </p:extLst>
   </p:cSld>
@@ -4774,7 +4735,7 @@
           <p:cNvPr id="2" name="Title 1">
             <a:extLst>
               <a:ext uri="{FF2B5EF4-FFF2-40B4-BE49-F238E27FC236}">
-                <a16:creationId xmlns:a16="http://schemas.microsoft.com/office/drawing/2014/main" id="{C0A32529-B1B4-D2A1-9F34-63E4B5CB11AE}"/>
+                <a16:creationId xmlns:a16="http://schemas.microsoft.com/office/drawing/2014/main" id="{3D4CD2B6-D0D6-F15A-1C78-3ADB70F4B6F3}"/>
               </a:ext>
             </a:extLst>
           </p:cNvPr>
@@ -4787,12 +4748,22 @@
         </p:nvSpPr>
         <p:spPr/>
         <p:txBody>
-          <a:bodyPr/>
+          <a:bodyPr>
+            <a:normAutofit fontScale="90000"/>
+          </a:bodyPr>
           <a:lstStyle/>
           <a:p>
             <a:r>
               <a:rPr lang="en-US" b="1" dirty="0"/>
-              <a:t>2. Real-World Healthcare Insights</a:t>
+              <a:t>Part 5: What do I hope to learn from working within the </a:t>
+            </a:r>
+            <a:r>
+              <a:rPr lang="en-US" b="1" dirty="0" err="1"/>
+              <a:t>InSilicoHealth</a:t>
+            </a:r>
+            <a:r>
+              <a:rPr lang="en-US" b="1" dirty="0"/>
+              <a:t> Doctoral Network and at KTH?</a:t>
             </a:r>
           </a:p>
         </p:txBody>
@@ -4802,7 +4773,7 @@
           <p:cNvPr id="3" name="Content Placeholder 2">
             <a:extLst>
               <a:ext uri="{FF2B5EF4-FFF2-40B4-BE49-F238E27FC236}">
-                <a16:creationId xmlns:a16="http://schemas.microsoft.com/office/drawing/2014/main" id="{DD7113F4-7DC9-0B5A-903F-906D03EF8CC5}"/>
+                <a16:creationId xmlns:a16="http://schemas.microsoft.com/office/drawing/2014/main" id="{3480394C-E003-0415-C40F-AD221208C72F}"/>
               </a:ext>
             </a:extLst>
           </p:cNvPr>
@@ -4818,12 +4789,30 @@
           <a:bodyPr/>
           <a:lstStyle/>
           <a:p>
-            <a:pPr marL="0" indent="0" algn="just">
-              <a:buNone/>
-            </a:pPr>
-            <a:r>
-              <a:rPr lang="en-US" dirty="0"/>
-              <a:t>The secondments in Amsterdam and Karolinska University Hospital are also particularly exciting to me, as they offer a chance to experience firsthand how models are applied in real-world healthcare settings.</a:t>
+            <a:pPr marL="514350" indent="-514350">
+              <a:buAutoNum type="arabicPeriod"/>
+            </a:pPr>
+            <a:r>
+              <a:rPr lang="en-US" dirty="0"/>
+              <a:t>Exploring KTH’s Approach</a:t>
+            </a:r>
+          </a:p>
+          <a:p>
+            <a:pPr marL="514350" indent="-514350">
+              <a:buAutoNum type="arabicPeriod"/>
+            </a:pPr>
+            <a:r>
+              <a:rPr lang="en-US" dirty="0"/>
+              <a:t>Real-World Healthcare Insights</a:t>
+            </a:r>
+          </a:p>
+          <a:p>
+            <a:pPr marL="514350" indent="-514350">
+              <a:buAutoNum type="arabicPeriod"/>
+            </a:pPr>
+            <a:r>
+              <a:rPr lang="en-US" dirty="0"/>
+              <a:t>Gaining a Holistic Understanding of Healthcare Challenges</a:t>
             </a:r>
           </a:p>
         </p:txBody>
@@ -4831,7 +4820,7 @@
     </p:spTree>
     <p:extLst>
       <p:ext uri="{BB962C8B-B14F-4D97-AF65-F5344CB8AC3E}">
-        <p14:creationId xmlns:p14="http://schemas.microsoft.com/office/powerpoint/2010/main" val="3948877058"/>
+        <p14:creationId xmlns:p14="http://schemas.microsoft.com/office/powerpoint/2010/main" val="665681271"/>
       </p:ext>
     </p:extLst>
   </p:cSld>
@@ -4863,7 +4852,7 @@
           <p:cNvPr id="2" name="Title 1">
             <a:extLst>
               <a:ext uri="{FF2B5EF4-FFF2-40B4-BE49-F238E27FC236}">
-                <a16:creationId xmlns:a16="http://schemas.microsoft.com/office/drawing/2014/main" id="{7C491F63-9F9D-17D8-84C4-2AAA864D872B}"/>
+                <a16:creationId xmlns:a16="http://schemas.microsoft.com/office/drawing/2014/main" id="{0E856EDD-3D86-4020-BBB5-7CDBAD9C2AB1}"/>
               </a:ext>
             </a:extLst>
           </p:cNvPr>
@@ -4881,7 +4870,7 @@
           <a:p>
             <a:r>
               <a:rPr lang="en-US" b="1" dirty="0"/>
-              <a:t>3. Gaining a Holistic Understanding of Healthcare Challenges</a:t>
+              <a:t>1. Exploring KTH’s Approach</a:t>
             </a:r>
           </a:p>
         </p:txBody>
@@ -4891,7 +4880,7 @@
           <p:cNvPr id="3" name="Content Placeholder 2">
             <a:extLst>
               <a:ext uri="{FF2B5EF4-FFF2-40B4-BE49-F238E27FC236}">
-                <a16:creationId xmlns:a16="http://schemas.microsoft.com/office/drawing/2014/main" id="{E53099BE-1CE2-CA47-7272-ACDEDD95C002}"/>
+                <a16:creationId xmlns:a16="http://schemas.microsoft.com/office/drawing/2014/main" id="{9E8BA058-162E-1AB1-B84F-3865CE327F5B}"/>
               </a:ext>
             </a:extLst>
           </p:cNvPr>
@@ -4912,15 +4901,18 @@
             </a:pPr>
             <a:r>
               <a:rPr lang="en-US" dirty="0"/>
-              <a:t>Allowing me to develop solutions that support evidence-based policy and management decisions in healthcare</a:t>
-            </a:r>
+              <a:t>To learn about KTH’s approach to integrating participatory modeling within healthcare systems and to understand the nuances of translating model outputs into practical strategies that can be implemented in hospitals</a:t>
+            </a:r>
+          </a:p>
+          <a:p>
+            <a:endParaRPr lang="en-US" dirty="0"/>
           </a:p>
         </p:txBody>
       </p:sp>
     </p:spTree>
     <p:extLst>
       <p:ext uri="{BB962C8B-B14F-4D97-AF65-F5344CB8AC3E}">
-        <p14:creationId xmlns:p14="http://schemas.microsoft.com/office/powerpoint/2010/main" val="2873258294"/>
+        <p14:creationId xmlns:p14="http://schemas.microsoft.com/office/powerpoint/2010/main" val="2712323824"/>
       </p:ext>
     </p:extLst>
   </p:cSld>
@@ -5301,7 +5293,7 @@
           <p:cNvPr id="2" name="Title 1">
             <a:extLst>
               <a:ext uri="{FF2B5EF4-FFF2-40B4-BE49-F238E27FC236}">
-                <a16:creationId xmlns:a16="http://schemas.microsoft.com/office/drawing/2014/main" id="{D43EF163-2EEF-62E9-DAC3-5FFD8788600D}"/>
+                <a16:creationId xmlns:a16="http://schemas.microsoft.com/office/drawing/2014/main" id="{C0A32529-B1B4-D2A1-9F34-63E4B5CB11AE}"/>
               </a:ext>
             </a:extLst>
           </p:cNvPr>
@@ -5319,20 +5311,8 @@
           <a:p>
             <a:r>
               <a:rPr lang="en-US" b="1" dirty="0"/>
-              <a:t>Part 6: Q</a:t>
-            </a:r>
-            <a:r>
-              <a:rPr lang="en-US" sz="4400" b="1" kern="1200" dirty="0">
-                <a:solidFill>
-                  <a:schemeClr val="tx1"/>
-                </a:solidFill>
-                <a:latin typeface="+mj-lt"/>
-                <a:ea typeface="+mj-ea"/>
-                <a:cs typeface="+mj-cs"/>
-              </a:rPr>
-              <a:t>uestions</a:t>
-            </a:r>
-            <a:endParaRPr lang="en-US" b="1" dirty="0"/>
+              <a:t>2. Real-World Healthcare Insights</a:t>
+            </a:r>
           </a:p>
         </p:txBody>
       </p:sp>
@@ -5341,7 +5321,7 @@
           <p:cNvPr id="3" name="Content Placeholder 2">
             <a:extLst>
               <a:ext uri="{FF2B5EF4-FFF2-40B4-BE49-F238E27FC236}">
-                <a16:creationId xmlns:a16="http://schemas.microsoft.com/office/drawing/2014/main" id="{B97AD6BD-4298-A662-1D9C-9876252BC60D}"/>
+                <a16:creationId xmlns:a16="http://schemas.microsoft.com/office/drawing/2014/main" id="{DD7113F4-7DC9-0B5A-903F-906D03EF8CC5}"/>
               </a:ext>
             </a:extLst>
           </p:cNvPr>
@@ -5357,39 +5337,12 @@
           <a:bodyPr/>
           <a:lstStyle/>
           <a:p>
-            <a:pPr algn="just"/>
-            <a:r>
-              <a:rPr lang="en-US" dirty="0"/>
-              <a:t>Could you share more about the specific goals the research group hopes to achieve with this project?</a:t>
-            </a:r>
-          </a:p>
-          <a:p>
-            <a:pPr algn="just"/>
-            <a:r>
-              <a:rPr lang="en-US" dirty="0"/>
-              <a:t>How does KTH facilitate collaboration between doctoral candidates within the </a:t>
-            </a:r>
-            <a:r>
-              <a:rPr lang="en-US" dirty="0" err="1"/>
-              <a:t>InSilicoHealth</a:t>
-            </a:r>
-            <a:r>
-              <a:rPr lang="en-US" dirty="0"/>
-              <a:t> network?</a:t>
-            </a:r>
-          </a:p>
-          <a:p>
-            <a:pPr algn="just"/>
-            <a:r>
-              <a:rPr lang="en-US" dirty="0"/>
-              <a:t>What qualities or skills have you found most beneficial for success in this doctoral program?</a:t>
-            </a:r>
-          </a:p>
-          <a:p>
-            <a:pPr algn="just"/>
-            <a:r>
-              <a:rPr lang="en-US" dirty="0"/>
-              <a:t>Could you explain more about the participatory model approaches used in this project?</a:t>
+            <a:pPr marL="0" indent="0" algn="just">
+              <a:buNone/>
+            </a:pPr>
+            <a:r>
+              <a:rPr lang="en-US" dirty="0"/>
+              <a:t>The secondments in Amsterdam and Karolinska University Hospital are also particularly exciting to me, as they offer a chance to experience firsthand how models are applied in real-world healthcare settings.</a:t>
             </a:r>
           </a:p>
         </p:txBody>
@@ -5397,7 +5350,7 @@
     </p:spTree>
     <p:extLst>
       <p:ext uri="{BB962C8B-B14F-4D97-AF65-F5344CB8AC3E}">
-        <p14:creationId xmlns:p14="http://schemas.microsoft.com/office/powerpoint/2010/main" val="3191113713"/>
+        <p14:creationId xmlns:p14="http://schemas.microsoft.com/office/powerpoint/2010/main" val="3948877058"/>
       </p:ext>
     </p:extLst>
   </p:cSld>
@@ -5429,7 +5382,7 @@
           <p:cNvPr id="2" name="Title 1">
             <a:extLst>
               <a:ext uri="{FF2B5EF4-FFF2-40B4-BE49-F238E27FC236}">
-                <a16:creationId xmlns:a16="http://schemas.microsoft.com/office/drawing/2014/main" id="{4818C844-FCEC-BC69-2B25-4DB3C010D206}"/>
+                <a16:creationId xmlns:a16="http://schemas.microsoft.com/office/drawing/2014/main" id="{7C491F63-9F9D-17D8-84C4-2AAA864D872B}"/>
               </a:ext>
             </a:extLst>
           </p:cNvPr>
@@ -5447,7 +5400,7 @@
           <a:p>
             <a:r>
               <a:rPr lang="en-US" b="1" dirty="0"/>
-              <a:t>Part 7: Appendix</a:t>
+              <a:t>3. Gaining a Holistic Understanding of Healthcare Challenges</a:t>
             </a:r>
           </a:p>
         </p:txBody>
@@ -5457,7 +5410,7 @@
           <p:cNvPr id="3" name="Content Placeholder 2">
             <a:extLst>
               <a:ext uri="{FF2B5EF4-FFF2-40B4-BE49-F238E27FC236}">
-                <a16:creationId xmlns:a16="http://schemas.microsoft.com/office/drawing/2014/main" id="{EB3D6BC8-3FC1-DCA4-BADA-FA11FF1F3FE7}"/>
+                <a16:creationId xmlns:a16="http://schemas.microsoft.com/office/drawing/2014/main" id="{E53099BE-1CE2-CA47-7272-ACDEDD95C002}"/>
               </a:ext>
             </a:extLst>
           </p:cNvPr>
@@ -5470,94 +5423,23 @@
         </p:nvSpPr>
         <p:spPr/>
         <p:txBody>
-          <a:bodyPr>
-            <a:normAutofit/>
-          </a:bodyPr>
+          <a:bodyPr/>
           <a:lstStyle/>
           <a:p>
             <a:pPr marL="0" indent="0">
               <a:buNone/>
             </a:pPr>
             <a:r>
-              <a:rPr lang="en-US" b="1" dirty="0"/>
-              <a:t>A: Healthcare Participatory Model Simulation</a:t>
-            </a:r>
-          </a:p>
-          <a:p>
-            <a:pPr marL="0" indent="0">
-              <a:buNone/>
-            </a:pPr>
-            <a:r>
-              <a:rPr lang="en-US" b="1" dirty="0"/>
-              <a:t>B: Statistical Distribution and Visualization</a:t>
-            </a:r>
-          </a:p>
-          <a:p>
-            <a:pPr marL="0" indent="0">
-              <a:buNone/>
-            </a:pPr>
-            <a:r>
-              <a:rPr lang="en-US" b="1" dirty="0"/>
-              <a:t>1. Random Fluctuations and Why They Are Used</a:t>
-            </a:r>
-          </a:p>
-          <a:p>
-            <a:pPr marL="0" indent="0">
-              <a:buNone/>
-            </a:pPr>
-            <a:r>
-              <a:rPr lang="en-US" b="1" dirty="0"/>
-              <a:t>2. Uptake Rate and Why It Is Used</a:t>
-            </a:r>
-          </a:p>
-          <a:p>
-            <a:pPr marL="0" indent="0">
-              <a:buNone/>
-            </a:pPr>
-            <a:r>
-              <a:rPr lang="en-US" b="1" dirty="0"/>
-              <a:t>3. Feedback Loop and Why It Is Used</a:t>
-            </a:r>
-          </a:p>
-          <a:p>
-            <a:pPr marL="0" indent="0">
-              <a:buNone/>
-            </a:pPr>
-            <a:r>
-              <a:rPr lang="en-US" b="1" dirty="0"/>
-              <a:t>4. Visualizing Trends and Why It Is Important</a:t>
-            </a:r>
-          </a:p>
-          <a:p>
-            <a:pPr marL="0" indent="0">
-              <a:buNone/>
-            </a:pPr>
-            <a:r>
-              <a:rPr lang="en-US" b="1" dirty="0"/>
-              <a:t>5. Why Combine These Elements?</a:t>
-            </a:r>
-          </a:p>
-          <a:p>
-            <a:pPr marL="0" indent="0">
-              <a:buNone/>
-            </a:pPr>
-            <a:r>
-              <a:rPr lang="en-US" b="1" dirty="0"/>
-              <a:t>6. Numerical Example, Simulation Steps</a:t>
-            </a:r>
-          </a:p>
-          <a:p>
-            <a:pPr marL="0" indent="0">
-              <a:buNone/>
-            </a:pPr>
-            <a:endParaRPr lang="en-US" dirty="0"/>
+              <a:rPr lang="en-US" dirty="0"/>
+              <a:t>Allowing me to develop solutions that support evidence-based policy and management decisions in healthcare</a:t>
+            </a:r>
           </a:p>
         </p:txBody>
       </p:sp>
     </p:spTree>
     <p:extLst>
       <p:ext uri="{BB962C8B-B14F-4D97-AF65-F5344CB8AC3E}">
-        <p14:creationId xmlns:p14="http://schemas.microsoft.com/office/powerpoint/2010/main" val="190224860"/>
+        <p14:creationId xmlns:p14="http://schemas.microsoft.com/office/powerpoint/2010/main" val="2873258294"/>
       </p:ext>
     </p:extLst>
   </p:cSld>
@@ -5589,7 +5471,7 @@
           <p:cNvPr id="2" name="Title 1">
             <a:extLst>
               <a:ext uri="{FF2B5EF4-FFF2-40B4-BE49-F238E27FC236}">
-                <a16:creationId xmlns:a16="http://schemas.microsoft.com/office/drawing/2014/main" id="{23E7F1AE-18A6-61B9-12BD-59581FBF1F21}"/>
+                <a16:creationId xmlns:a16="http://schemas.microsoft.com/office/drawing/2014/main" id="{D43EF163-2EEF-62E9-DAC3-5FFD8788600D}"/>
               </a:ext>
             </a:extLst>
           </p:cNvPr>
@@ -5606,9 +5488,21 @@
           <a:lstStyle/>
           <a:p>
             <a:r>
-              <a:rPr lang="en-US" dirty="0"/>
-              <a:t>The engagement level is simulated for different groups</a:t>
-            </a:r>
+              <a:rPr lang="en-US" b="1" dirty="0"/>
+              <a:t>Part 6: Q</a:t>
+            </a:r>
+            <a:r>
+              <a:rPr lang="en-US" sz="4400" b="1" kern="1200" dirty="0">
+                <a:solidFill>
+                  <a:schemeClr val="tx1"/>
+                </a:solidFill>
+                <a:latin typeface="+mj-lt"/>
+                <a:ea typeface="+mj-ea"/>
+                <a:cs typeface="+mj-cs"/>
+              </a:rPr>
+              <a:t>uestions</a:t>
+            </a:r>
+            <a:endParaRPr lang="en-US" b="1" dirty="0"/>
           </a:p>
         </p:txBody>
       </p:sp>
@@ -5617,7 +5511,7 @@
           <p:cNvPr id="3" name="Content Placeholder 2">
             <a:extLst>
               <a:ext uri="{FF2B5EF4-FFF2-40B4-BE49-F238E27FC236}">
-                <a16:creationId xmlns:a16="http://schemas.microsoft.com/office/drawing/2014/main" id="{60F6674F-CA90-F119-4D66-CABE2D9136CA}"/>
+                <a16:creationId xmlns:a16="http://schemas.microsoft.com/office/drawing/2014/main" id="{B97AD6BD-4298-A662-1D9C-9876252BC60D}"/>
               </a:ext>
             </a:extLst>
           </p:cNvPr>
@@ -5633,59 +5527,39 @@
           <a:bodyPr/>
           <a:lstStyle/>
           <a:p>
-            <a:pPr algn="just">
-              <a:buFont typeface="Arial" panose="020B0604020202020204" pitchFamily="34" charset="0"/>
-              <a:buChar char="•"/>
-            </a:pPr>
-            <a:r>
-              <a:rPr lang="en-US" b="1" dirty="0"/>
-              <a:t>Patients</a:t>
-            </a:r>
-            <a:r>
-              <a:rPr lang="en-US" dirty="0"/>
-              <a:t>: How involved patients are in a healthcare system, project, or study.</a:t>
-            </a:r>
-          </a:p>
-          <a:p>
-            <a:pPr algn="just">
-              <a:buFont typeface="Arial" panose="020B0604020202020204" pitchFamily="34" charset="0"/>
-              <a:buChar char="•"/>
-            </a:pPr>
-            <a:r>
-              <a:rPr lang="en-US" b="1" dirty="0"/>
-              <a:t>Doctors</a:t>
-            </a:r>
-            <a:r>
-              <a:rPr lang="en-US" dirty="0"/>
-              <a:t>: The degree of participation or involvement of doctors in a healthcare setting or initiative.</a:t>
-            </a:r>
-          </a:p>
-          <a:p>
-            <a:pPr algn="just">
-              <a:buFont typeface="Arial" panose="020B0604020202020204" pitchFamily="34" charset="0"/>
-              <a:buChar char="•"/>
-            </a:pPr>
-            <a:r>
-              <a:rPr lang="en-US" b="1" dirty="0"/>
-              <a:t>Nurses</a:t>
-            </a:r>
-            <a:r>
-              <a:rPr lang="en-US" dirty="0"/>
-              <a:t>: The level of engagement of nursing staff in activities, events, or initiatives.</a:t>
-            </a:r>
-          </a:p>
-          <a:p>
-            <a:pPr algn="just">
-              <a:buFont typeface="Arial" panose="020B0604020202020204" pitchFamily="34" charset="0"/>
-              <a:buChar char="•"/>
-            </a:pPr>
-            <a:r>
-              <a:rPr lang="en-US" b="1" dirty="0"/>
-              <a:t>Administrators</a:t>
-            </a:r>
-            <a:r>
-              <a:rPr lang="en-US" dirty="0"/>
-              <a:t>: The level of involvement of administrative personnel in decision-making, planning, or day-to-day operations.</a:t>
+            <a:pPr algn="just"/>
+            <a:r>
+              <a:rPr lang="en-US" dirty="0"/>
+              <a:t>Could you share more about the specific goals the research group hopes to achieve with this project?</a:t>
+            </a:r>
+          </a:p>
+          <a:p>
+            <a:pPr algn="just"/>
+            <a:r>
+              <a:rPr lang="en-US" dirty="0"/>
+              <a:t>How does KTH facilitate collaboration between doctoral candidates within the </a:t>
+            </a:r>
+            <a:r>
+              <a:rPr lang="en-US" dirty="0" err="1"/>
+              <a:t>InSilicoHealth</a:t>
+            </a:r>
+            <a:r>
+              <a:rPr lang="en-US" dirty="0"/>
+              <a:t> network?</a:t>
+            </a:r>
+          </a:p>
+          <a:p>
+            <a:pPr algn="just"/>
+            <a:r>
+              <a:rPr lang="en-US" dirty="0"/>
+              <a:t>What qualities or skills have you found most beneficial for success in this doctoral program?</a:t>
+            </a:r>
+          </a:p>
+          <a:p>
+            <a:pPr algn="just"/>
+            <a:r>
+              <a:rPr lang="en-US" dirty="0"/>
+              <a:t>Could you explain more about the participatory model approaches used in this project?</a:t>
             </a:r>
           </a:p>
         </p:txBody>
@@ -5693,7 +5567,7 @@
     </p:spTree>
     <p:extLst>
       <p:ext uri="{BB962C8B-B14F-4D97-AF65-F5344CB8AC3E}">
-        <p14:creationId xmlns:p14="http://schemas.microsoft.com/office/powerpoint/2010/main" val="4227825685"/>
+        <p14:creationId xmlns:p14="http://schemas.microsoft.com/office/powerpoint/2010/main" val="3191113713"/>
       </p:ext>
     </p:extLst>
   </p:cSld>
@@ -5725,7 +5599,7 @@
           <p:cNvPr id="2" name="Title 1">
             <a:extLst>
               <a:ext uri="{FF2B5EF4-FFF2-40B4-BE49-F238E27FC236}">
-                <a16:creationId xmlns:a16="http://schemas.microsoft.com/office/drawing/2014/main" id="{C99277B6-5A7D-F80C-B993-E21EAE92B23F}"/>
+                <a16:creationId xmlns:a16="http://schemas.microsoft.com/office/drawing/2014/main" id="{4818C844-FCEC-BC69-2B25-4DB3C010D206}"/>
               </a:ext>
             </a:extLst>
           </p:cNvPr>
@@ -5734,6 +5608,34 @@
           </p:cNvSpPr>
           <p:nvPr>
             <p:ph type="title"/>
+          </p:nvPr>
+        </p:nvSpPr>
+        <p:spPr/>
+        <p:txBody>
+          <a:bodyPr/>
+          <a:lstStyle/>
+          <a:p>
+            <a:r>
+              <a:rPr lang="en-US" b="1" dirty="0"/>
+              <a:t>Part 7: Appendix</a:t>
+            </a:r>
+          </a:p>
+        </p:txBody>
+      </p:sp>
+      <p:sp>
+        <p:nvSpPr>
+          <p:cNvPr id="3" name="Content Placeholder 2">
+            <a:extLst>
+              <a:ext uri="{FF2B5EF4-FFF2-40B4-BE49-F238E27FC236}">
+                <a16:creationId xmlns:a16="http://schemas.microsoft.com/office/drawing/2014/main" id="{EB3D6BC8-3FC1-DCA4-BADA-FA11FF1F3FE7}"/>
+              </a:ext>
+            </a:extLst>
+          </p:cNvPr>
+          <p:cNvSpPr>
+            <a:spLocks noGrp="1"/>
+          </p:cNvSpPr>
+          <p:nvPr>
+            <p:ph idx="1"/>
           </p:nvPr>
         </p:nvSpPr>
         <p:spPr/>
@@ -5743,69 +5645,89 @@
           </a:bodyPr>
           <a:lstStyle/>
           <a:p>
+            <a:pPr marL="0" indent="0">
+              <a:buNone/>
+            </a:pPr>
             <a:r>
               <a:rPr lang="en-US" b="1" dirty="0"/>
               <a:t>A: Healthcare Participatory Model Simulation</a:t>
             </a:r>
           </a:p>
-        </p:txBody>
-      </p:sp>
-      <p:sp>
-        <p:nvSpPr>
-          <p:cNvPr id="3" name="Content Placeholder 2">
-            <a:extLst>
-              <a:ext uri="{FF2B5EF4-FFF2-40B4-BE49-F238E27FC236}">
-                <a16:creationId xmlns:a16="http://schemas.microsoft.com/office/drawing/2014/main" id="{23BE0B53-402D-8581-3510-C4B1E73C3D28}"/>
-              </a:ext>
-            </a:extLst>
-          </p:cNvPr>
-          <p:cNvSpPr>
-            <a:spLocks noGrp="1"/>
-          </p:cNvSpPr>
-          <p:nvPr>
-            <p:ph idx="1"/>
-          </p:nvPr>
-        </p:nvSpPr>
-        <p:spPr/>
-        <p:txBody>
-          <a:bodyPr>
-            <a:normAutofit fontScale="92500" lnSpcReduction="10000"/>
-          </a:bodyPr>
-          <a:lstStyle/>
-          <a:p>
-            <a:pPr algn="just"/>
-            <a:r>
-              <a:rPr lang="en-US" dirty="0"/>
-              <a:t>I have developed a Python-based code that simulates a simplified healthcare participatory model. This model collects, processes, and visualizes opinions from various healthcare stakeholders (patients, doctors, administrators). </a:t>
-            </a:r>
-          </a:p>
-          <a:p>
-            <a:pPr algn="just"/>
-            <a:r>
-              <a:rPr lang="en-US" dirty="0"/>
-              <a:t>The simulation demonstrates key processes such as data collection, stakeholder engagement, and system dynamics analysis—skills highly relevant to the Doctoral project. </a:t>
-            </a:r>
-          </a:p>
-          <a:p>
-            <a:pPr algn="just"/>
-            <a:r>
-              <a:rPr lang="en-US" dirty="0"/>
-              <a:t>The modular design of this code not only reflects my expertise in Python and data processing, but also demonstrates a deep understanding of participatory modeling, system dynamics, and stakeholder interactions within healthcare settings. </a:t>
-            </a:r>
-          </a:p>
-          <a:p>
-            <a:pPr algn="just"/>
-            <a:r>
-              <a:rPr lang="en-US" dirty="0"/>
-              <a:t>This code is adaptable, allowing for future refinement and expansion.</a:t>
-            </a:r>
+          <a:p>
+            <a:pPr marL="0" indent="0">
+              <a:buNone/>
+            </a:pPr>
+            <a:r>
+              <a:rPr lang="en-US" b="1" dirty="0"/>
+              <a:t>B: Statistical Distribution and Visualization</a:t>
+            </a:r>
+          </a:p>
+          <a:p>
+            <a:pPr marL="0" indent="0">
+              <a:buNone/>
+            </a:pPr>
+            <a:r>
+              <a:rPr lang="en-US" b="1" dirty="0"/>
+              <a:t>1. Random Fluctuations and Why They Are Used</a:t>
+            </a:r>
+          </a:p>
+          <a:p>
+            <a:pPr marL="0" indent="0">
+              <a:buNone/>
+            </a:pPr>
+            <a:r>
+              <a:rPr lang="en-US" b="1" dirty="0"/>
+              <a:t>2. Uptake Rate and Why It Is Used</a:t>
+            </a:r>
+          </a:p>
+          <a:p>
+            <a:pPr marL="0" indent="0">
+              <a:buNone/>
+            </a:pPr>
+            <a:r>
+              <a:rPr lang="en-US" b="1" dirty="0"/>
+              <a:t>3. Feedback Loop and Why It Is Used</a:t>
+            </a:r>
+          </a:p>
+          <a:p>
+            <a:pPr marL="0" indent="0">
+              <a:buNone/>
+            </a:pPr>
+            <a:r>
+              <a:rPr lang="en-US" b="1" dirty="0"/>
+              <a:t>4. Visualizing Trends and Why It Is Important</a:t>
+            </a:r>
+          </a:p>
+          <a:p>
+            <a:pPr marL="0" indent="0">
+              <a:buNone/>
+            </a:pPr>
+            <a:r>
+              <a:rPr lang="en-US" b="1" dirty="0"/>
+              <a:t>5. Why Combine These Elements?</a:t>
+            </a:r>
+          </a:p>
+          <a:p>
+            <a:pPr marL="0" indent="0">
+              <a:buNone/>
+            </a:pPr>
+            <a:r>
+              <a:rPr lang="en-US" b="1" dirty="0"/>
+              <a:t>6. Numerical Example, Simulation Steps</a:t>
+            </a:r>
+          </a:p>
+          <a:p>
+            <a:pPr marL="0" indent="0">
+              <a:buNone/>
+            </a:pPr>
+            <a:endParaRPr lang="en-US" dirty="0"/>
           </a:p>
         </p:txBody>
       </p:sp>
     </p:spTree>
     <p:extLst>
       <p:ext uri="{BB962C8B-B14F-4D97-AF65-F5344CB8AC3E}">
-        <p14:creationId xmlns:p14="http://schemas.microsoft.com/office/powerpoint/2010/main" val="2023197474"/>
+        <p14:creationId xmlns:p14="http://schemas.microsoft.com/office/powerpoint/2010/main" val="190224860"/>
       </p:ext>
     </p:extLst>
   </p:cSld>
@@ -5837,7 +5759,7 @@
           <p:cNvPr id="2" name="Title 1">
             <a:extLst>
               <a:ext uri="{FF2B5EF4-FFF2-40B4-BE49-F238E27FC236}">
-                <a16:creationId xmlns:a16="http://schemas.microsoft.com/office/drawing/2014/main" id="{7A3A565F-926E-4737-D9C4-7136D0FDB6D3}"/>
+                <a16:creationId xmlns:a16="http://schemas.microsoft.com/office/drawing/2014/main" id="{23E7F1AE-18A6-61B9-12BD-59581FBF1F21}"/>
               </a:ext>
             </a:extLst>
           </p:cNvPr>
@@ -5854,51 +5776,86 @@
           <a:lstStyle/>
           <a:p>
             <a:r>
+              <a:rPr lang="en-US" dirty="0"/>
+              <a:t>The engagement level is simulated for different groups</a:t>
+            </a:r>
+          </a:p>
+        </p:txBody>
+      </p:sp>
+      <p:sp>
+        <p:nvSpPr>
+          <p:cNvPr id="3" name="Content Placeholder 2">
+            <a:extLst>
+              <a:ext uri="{FF2B5EF4-FFF2-40B4-BE49-F238E27FC236}">
+                <a16:creationId xmlns:a16="http://schemas.microsoft.com/office/drawing/2014/main" id="{60F6674F-CA90-F119-4D66-CABE2D9136CA}"/>
+              </a:ext>
+            </a:extLst>
+          </p:cNvPr>
+          <p:cNvSpPr>
+            <a:spLocks noGrp="1"/>
+          </p:cNvSpPr>
+          <p:nvPr>
+            <p:ph idx="1"/>
+          </p:nvPr>
+        </p:nvSpPr>
+        <p:spPr/>
+        <p:txBody>
+          <a:bodyPr/>
+          <a:lstStyle/>
+          <a:p>
+            <a:pPr algn="just">
+              <a:buFont typeface="Arial" panose="020B0604020202020204" pitchFamily="34" charset="0"/>
+              <a:buChar char="•"/>
+            </a:pPr>
+            <a:r>
               <a:rPr lang="en-US" b="1" dirty="0"/>
-              <a:t>B: Statistical Distribution and Visualization</a:t>
-            </a:r>
-          </a:p>
-        </p:txBody>
-      </p:sp>
-      <p:sp>
-        <p:nvSpPr>
-          <p:cNvPr id="3" name="Content Placeholder 2">
-            <a:extLst>
-              <a:ext uri="{FF2B5EF4-FFF2-40B4-BE49-F238E27FC236}">
-                <a16:creationId xmlns:a16="http://schemas.microsoft.com/office/drawing/2014/main" id="{8671093B-CE45-907C-0BD0-65B6A8BFFD5E}"/>
-              </a:ext>
-            </a:extLst>
-          </p:cNvPr>
-          <p:cNvSpPr>
-            <a:spLocks noGrp="1"/>
-          </p:cNvSpPr>
-          <p:nvPr>
-            <p:ph idx="1"/>
-          </p:nvPr>
-        </p:nvSpPr>
-        <p:spPr/>
-        <p:txBody>
-          <a:bodyPr/>
-          <a:lstStyle/>
-          <a:p>
-            <a:pPr algn="just"/>
-            <a:r>
-              <a:rPr lang="en-US" dirty="0"/>
-              <a:t>I used Python to design a statistical distribution plot that visualizes simulated engagement levels of different healthcare stakeholders over a 12-month period. </a:t>
-            </a:r>
-          </a:p>
-          <a:p>
-            <a:pPr algn="just"/>
-            <a:r>
-              <a:rPr lang="en-US" dirty="0"/>
-              <a:t>The histogram, with Kernel Density Estimate (KDE) lines, provides insights into the distribution and frequency of engagement within stakeholder groups (e.g., patients, doctors, nurses, administrators). </a:t>
-            </a:r>
-          </a:p>
-          <a:p>
-            <a:pPr algn="just"/>
-            <a:r>
-              <a:rPr lang="en-US" dirty="0"/>
-              <a:t>This visualization helps identify patterns—such as variations in engagement stability across different groups—and highlights areas where targeted strategies could improve participation.</a:t>
+              <a:t>Patients</a:t>
+            </a:r>
+            <a:r>
+              <a:rPr lang="en-US" dirty="0"/>
+              <a:t>: How involved patients are in a healthcare system, project, or study.</a:t>
+            </a:r>
+          </a:p>
+          <a:p>
+            <a:pPr algn="just">
+              <a:buFont typeface="Arial" panose="020B0604020202020204" pitchFamily="34" charset="0"/>
+              <a:buChar char="•"/>
+            </a:pPr>
+            <a:r>
+              <a:rPr lang="en-US" b="1" dirty="0"/>
+              <a:t>Doctors</a:t>
+            </a:r>
+            <a:r>
+              <a:rPr lang="en-US" dirty="0"/>
+              <a:t>: The degree of participation or involvement of doctors in a healthcare setting or initiative.</a:t>
+            </a:r>
+          </a:p>
+          <a:p>
+            <a:pPr algn="just">
+              <a:buFont typeface="Arial" panose="020B0604020202020204" pitchFamily="34" charset="0"/>
+              <a:buChar char="•"/>
+            </a:pPr>
+            <a:r>
+              <a:rPr lang="en-US" b="1" dirty="0"/>
+              <a:t>Nurses</a:t>
+            </a:r>
+            <a:r>
+              <a:rPr lang="en-US" dirty="0"/>
+              <a:t>: The level of engagement of nursing staff in activities, events, or initiatives.</a:t>
+            </a:r>
+          </a:p>
+          <a:p>
+            <a:pPr algn="just">
+              <a:buFont typeface="Arial" panose="020B0604020202020204" pitchFamily="34" charset="0"/>
+              <a:buChar char="•"/>
+            </a:pPr>
+            <a:r>
+              <a:rPr lang="en-US" b="1" dirty="0"/>
+              <a:t>Administrators</a:t>
+            </a:r>
+            <a:r>
+              <a:rPr lang="en-US" dirty="0"/>
+              <a:t>: The level of involvement of administrative personnel in decision-making, planning, or day-to-day operations.</a:t>
             </a:r>
           </a:p>
         </p:txBody>
@@ -5906,7 +5863,7 @@
     </p:spTree>
     <p:extLst>
       <p:ext uri="{BB962C8B-B14F-4D97-AF65-F5344CB8AC3E}">
-        <p14:creationId xmlns:p14="http://schemas.microsoft.com/office/powerpoint/2010/main" val="1926944898"/>
+        <p14:creationId xmlns:p14="http://schemas.microsoft.com/office/powerpoint/2010/main" val="4227825685"/>
       </p:ext>
     </p:extLst>
   </p:cSld>
@@ -5938,7 +5895,7 @@
           <p:cNvPr id="2" name="Title 1">
             <a:extLst>
               <a:ext uri="{FF2B5EF4-FFF2-40B4-BE49-F238E27FC236}">
-                <a16:creationId xmlns:a16="http://schemas.microsoft.com/office/drawing/2014/main" id="{85333AAD-A473-D657-06A3-00351968AAAD}"/>
+                <a16:creationId xmlns:a16="http://schemas.microsoft.com/office/drawing/2014/main" id="{C99277B6-5A7D-F80C-B993-E21EAE92B23F}"/>
               </a:ext>
             </a:extLst>
           </p:cNvPr>
@@ -5952,18 +5909,14 @@
         <p:spPr/>
         <p:txBody>
           <a:bodyPr>
-            <a:normAutofit fontScale="90000"/>
+            <a:normAutofit/>
           </a:bodyPr>
           <a:lstStyle/>
           <a:p>
             <a:r>
               <a:rPr lang="en-US" b="1" dirty="0"/>
-              <a:t>1. Random Fluctuations and Why They Are Used</a:t>
-            </a:r>
-            <a:br>
-              <a:rPr lang="en-US" b="1" dirty="0"/>
-            </a:br>
-            <a:endParaRPr lang="en-US" b="1" dirty="0"/>
+              <a:t>A: Healthcare Participatory Model Simulation</a:t>
+            </a:r>
           </a:p>
         </p:txBody>
       </p:sp>
@@ -5972,7 +5925,7 @@
           <p:cNvPr id="3" name="Content Placeholder 2">
             <a:extLst>
               <a:ext uri="{FF2B5EF4-FFF2-40B4-BE49-F238E27FC236}">
-                <a16:creationId xmlns:a16="http://schemas.microsoft.com/office/drawing/2014/main" id="{EB8460CD-91E9-1156-5004-378946AD5F9A}"/>
+                <a16:creationId xmlns:a16="http://schemas.microsoft.com/office/drawing/2014/main" id="{23BE0B53-402D-8581-3510-C4B1E73C3D28}"/>
               </a:ext>
             </a:extLst>
           </p:cNvPr>
@@ -5986,89 +5939,43 @@
         <p:spPr/>
         <p:txBody>
           <a:bodyPr>
-            <a:normAutofit fontScale="92500" lnSpcReduction="20000"/>
+            <a:normAutofit fontScale="92500" lnSpcReduction="10000"/>
           </a:bodyPr>
           <a:lstStyle/>
           <a:p>
-            <a:pPr>
-              <a:buFont typeface="Arial" panose="020B0604020202020204" pitchFamily="34" charset="0"/>
-              <a:buChar char="•"/>
-            </a:pPr>
-            <a:r>
-              <a:rPr lang="en-US" b="1" dirty="0"/>
-              <a:t>Reason</a:t>
-            </a:r>
-            <a:r>
-              <a:rPr lang="en-US" dirty="0"/>
-              <a:t>: Engagement levels in real-world systems (e.g., healthcare participation) are inherently unpredictable and influenced by numerous factors such as personal behavior, external policies, or environmental changes.</a:t>
-            </a:r>
-          </a:p>
-          <a:p>
-            <a:pPr>
-              <a:buFont typeface="Arial" panose="020B0604020202020204" pitchFamily="34" charset="0"/>
-              <a:buChar char="•"/>
-            </a:pPr>
-            <a:r>
-              <a:rPr lang="en-US" b="1" dirty="0"/>
-              <a:t>Purpose in the Simulation</a:t>
-            </a:r>
-            <a:r>
-              <a:rPr lang="en-US" dirty="0"/>
-              <a:t>:</a:t>
-            </a:r>
-          </a:p>
-          <a:p>
-            <a:pPr marL="742950" lvl="1" indent="-285750">
-              <a:buFont typeface="Arial" panose="020B0604020202020204" pitchFamily="34" charset="0"/>
-              <a:buChar char="•"/>
-            </a:pPr>
-            <a:r>
-              <a:rPr lang="en-US" dirty="0"/>
-              <a:t>They introduce variability, making the model more realistic by simulating both increases and decreases in engagement levels over time.</a:t>
-            </a:r>
-          </a:p>
-          <a:p>
-            <a:pPr marL="742950" lvl="1" indent="-285750">
-              <a:buFont typeface="Arial" panose="020B0604020202020204" pitchFamily="34" charset="0"/>
-              <a:buChar char="•"/>
-            </a:pPr>
-            <a:r>
-              <a:rPr lang="en-US" dirty="0"/>
-              <a:t>Random fluctuations also allow the model to reflect potential short-term disruptions (e.g., staff shortages, new initiatives).</a:t>
-            </a:r>
-          </a:p>
-          <a:p>
-            <a:pPr>
-              <a:buFont typeface="Arial" panose="020B0604020202020204" pitchFamily="34" charset="0"/>
-              <a:buChar char="•"/>
-            </a:pPr>
-            <a:r>
-              <a:rPr lang="en-US" b="1" dirty="0"/>
-              <a:t>Example</a:t>
-            </a:r>
-            <a:r>
-              <a:rPr lang="en-US" dirty="0"/>
-              <a:t>: If "Patients" engagement starts at 0.6 and fluctuates randomly within [−0.02,+0.02][-0.02, +0.02][−0.02,+0.02], the variability mimics real-world behaviors such as patients being more engaged during health campaigns and less engaged during holidays.</a:t>
-            </a:r>
-          </a:p>
-          <a:p>
-            <a:pPr marL="0" indent="0">
-              <a:buNone/>
-            </a:pPr>
-            <a:endParaRPr lang="en-US" dirty="0"/>
-          </a:p>
-          <a:p>
-            <a:pPr marL="0" indent="0">
-              <a:buNone/>
-            </a:pPr>
-            <a:endParaRPr lang="en-US" dirty="0"/>
+            <a:pPr algn="just"/>
+            <a:r>
+              <a:rPr lang="en-US" dirty="0"/>
+              <a:t>I have developed a Python-based code that simulates a simplified healthcare participatory model. This model collects, processes, and visualizes opinions from various healthcare stakeholders (patients, doctors, administrators). </a:t>
+            </a:r>
+          </a:p>
+          <a:p>
+            <a:pPr algn="just"/>
+            <a:r>
+              <a:rPr lang="en-US" dirty="0"/>
+              <a:t>The simulation demonstrates key processes such as data collection, stakeholder engagement, and system dynamics analysis—skills highly relevant to the Doctoral project. </a:t>
+            </a:r>
+          </a:p>
+          <a:p>
+            <a:pPr algn="just"/>
+            <a:r>
+              <a:rPr lang="en-US" dirty="0"/>
+              <a:t>The modular design of this code not only reflects my expertise in Python and data processing, but also demonstrates a deep understanding of participatory modeling, system dynamics, and stakeholder interactions within healthcare settings. </a:t>
+            </a:r>
+          </a:p>
+          <a:p>
+            <a:pPr algn="just"/>
+            <a:r>
+              <a:rPr lang="en-US" dirty="0"/>
+              <a:t>This code is adaptable, allowing for future refinement and expansion.</a:t>
+            </a:r>
           </a:p>
         </p:txBody>
       </p:sp>
     </p:spTree>
     <p:extLst>
       <p:ext uri="{BB962C8B-B14F-4D97-AF65-F5344CB8AC3E}">
-        <p14:creationId xmlns:p14="http://schemas.microsoft.com/office/powerpoint/2010/main" val="2079446477"/>
+        <p14:creationId xmlns:p14="http://schemas.microsoft.com/office/powerpoint/2010/main" val="2023197474"/>
       </p:ext>
     </p:extLst>
   </p:cSld>
@@ -6100,7 +6007,7 @@
           <p:cNvPr id="2" name="Title 1">
             <a:extLst>
               <a:ext uri="{FF2B5EF4-FFF2-40B4-BE49-F238E27FC236}">
-                <a16:creationId xmlns:a16="http://schemas.microsoft.com/office/drawing/2014/main" id="{FA4AF6BA-5094-CAD8-1EFA-108DF856B922}"/>
+                <a16:creationId xmlns:a16="http://schemas.microsoft.com/office/drawing/2014/main" id="{7A3A565F-926E-4737-D9C4-7136D0FDB6D3}"/>
               </a:ext>
             </a:extLst>
           </p:cNvPr>
@@ -6118,7 +6025,7 @@
           <a:p>
             <a:r>
               <a:rPr lang="en-US" b="1" dirty="0"/>
-              <a:t>2. Uptake Rate and Why It Is Used</a:t>
+              <a:t>B: Statistical Distribution and Visualization</a:t>
             </a:r>
           </a:p>
         </p:txBody>
@@ -6128,7 +6035,7 @@
           <p:cNvPr id="3" name="Content Placeholder 2">
             <a:extLst>
               <a:ext uri="{FF2B5EF4-FFF2-40B4-BE49-F238E27FC236}">
-                <a16:creationId xmlns:a16="http://schemas.microsoft.com/office/drawing/2014/main" id="{4D502198-8EB0-56EA-0ECB-09A57E30C318}"/>
+                <a16:creationId xmlns:a16="http://schemas.microsoft.com/office/drawing/2014/main" id="{8671093B-CE45-907C-0BD0-65B6A8BFFD5E}"/>
               </a:ext>
             </a:extLst>
           </p:cNvPr>
@@ -6141,100 +6048,35 @@
         </p:nvSpPr>
         <p:spPr/>
         <p:txBody>
-          <a:bodyPr>
-            <a:normAutofit fontScale="92500" lnSpcReduction="10000"/>
-          </a:bodyPr>
-          <a:lstStyle/>
-          <a:p>
-            <a:pPr>
-              <a:buFont typeface="Arial" panose="020B0604020202020204" pitchFamily="34" charset="0"/>
-              <a:buChar char="•"/>
-            </a:pPr>
-            <a:r>
-              <a:rPr lang="en-US" b="1" dirty="0"/>
-              <a:t>Reason</a:t>
-            </a:r>
-            <a:r>
-              <a:rPr lang="en-US" dirty="0"/>
-              <a:t>: The uptake rate summarizes the system's overall engagement by averaging the contributions of all stakeholder groups (patients, doctors, nurses, administrators).</a:t>
-            </a:r>
-          </a:p>
-          <a:p>
-            <a:pPr>
-              <a:buFont typeface="Arial" panose="020B0604020202020204" pitchFamily="34" charset="0"/>
-              <a:buChar char="•"/>
-            </a:pPr>
-            <a:r>
-              <a:rPr lang="en-US" b="1" dirty="0"/>
-              <a:t>Purpose in the Simulation</a:t>
-            </a:r>
-            <a:r>
-              <a:rPr lang="en-US" dirty="0"/>
-              <a:t>:</a:t>
-            </a:r>
-          </a:p>
-          <a:p>
-            <a:pPr marL="742950" lvl="1" indent="-285750">
-              <a:buFont typeface="Arial" panose="020B0604020202020204" pitchFamily="34" charset="0"/>
-              <a:buChar char="•"/>
-            </a:pPr>
-            <a:r>
-              <a:rPr lang="en-US" dirty="0"/>
-              <a:t>It provides a high-level metric to evaluate the program's success.</a:t>
-            </a:r>
-          </a:p>
-          <a:p>
-            <a:pPr marL="742950" lvl="1" indent="-285750">
-              <a:buFont typeface="Arial" panose="020B0604020202020204" pitchFamily="34" charset="0"/>
-              <a:buChar char="•"/>
-            </a:pPr>
-            <a:r>
-              <a:rPr lang="en-US" dirty="0"/>
-              <a:t>By tracking uptake over time, it identifies patterns and trends that can inform decision-making (e.g., whether engagement is improving or declining).</a:t>
-            </a:r>
-          </a:p>
-          <a:p>
-            <a:pPr marL="742950" lvl="1" indent="-285750">
-              <a:buFont typeface="Arial" panose="020B0604020202020204" pitchFamily="34" charset="0"/>
-              <a:buChar char="•"/>
-            </a:pPr>
-            <a:r>
-              <a:rPr lang="en-US" dirty="0"/>
-              <a:t>Aggregating individual engagement levels into a single uptake rate is useful for comparing across time or scenarios.</a:t>
-            </a:r>
-          </a:p>
-          <a:p>
-            <a:pPr>
-              <a:buFont typeface="Arial" panose="020B0604020202020204" pitchFamily="34" charset="0"/>
-              <a:buChar char="•"/>
-            </a:pPr>
-            <a:r>
-              <a:rPr lang="en-US" b="1" dirty="0"/>
-              <a:t>Example</a:t>
-            </a:r>
-            <a:r>
-              <a:rPr lang="en-US" dirty="0"/>
-              <a:t>: If engagement for doctors is high but low for administrators, the uptake rate highlights this gap. Monitoring it monthly ensures timely adjustments.</a:t>
-            </a:r>
-          </a:p>
-          <a:p>
-            <a:pPr marL="0" indent="0">
-              <a:buNone/>
-            </a:pPr>
-            <a:endParaRPr lang="en-US" dirty="0"/>
-          </a:p>
-          <a:p>
-            <a:pPr marL="0" indent="0">
-              <a:buNone/>
-            </a:pPr>
-            <a:endParaRPr lang="en-US" dirty="0"/>
+          <a:bodyPr/>
+          <a:lstStyle/>
+          <a:p>
+            <a:pPr algn="just"/>
+            <a:r>
+              <a:rPr lang="en-US" dirty="0"/>
+              <a:t>I used Python to design a statistical distribution plot that visualizes simulated engagement levels of different healthcare stakeholders over a 12-month period. </a:t>
+            </a:r>
+          </a:p>
+          <a:p>
+            <a:pPr algn="just"/>
+            <a:r>
+              <a:rPr lang="en-US" dirty="0"/>
+              <a:t>The histogram, with Kernel Density Estimate (KDE) lines, provides insights into the distribution and frequency of engagement within stakeholder groups (e.g., patients, doctors, nurses, administrators). </a:t>
+            </a:r>
+          </a:p>
+          <a:p>
+            <a:pPr algn="just"/>
+            <a:r>
+              <a:rPr lang="en-US" dirty="0"/>
+              <a:t>This visualization helps identify patterns—such as variations in engagement stability across different groups—and highlights areas where targeted strategies could improve participation.</a:t>
+            </a:r>
           </a:p>
         </p:txBody>
       </p:sp>
     </p:spTree>
     <p:extLst>
       <p:ext uri="{BB962C8B-B14F-4D97-AF65-F5344CB8AC3E}">
-        <p14:creationId xmlns:p14="http://schemas.microsoft.com/office/powerpoint/2010/main" val="1197161432"/>
+        <p14:creationId xmlns:p14="http://schemas.microsoft.com/office/powerpoint/2010/main" val="1926944898"/>
       </p:ext>
     </p:extLst>
   </p:cSld>
@@ -6266,7 +6108,7 @@
           <p:cNvPr id="2" name="Title 1">
             <a:extLst>
               <a:ext uri="{FF2B5EF4-FFF2-40B4-BE49-F238E27FC236}">
-                <a16:creationId xmlns:a16="http://schemas.microsoft.com/office/drawing/2014/main" id="{22045202-0EBC-98EB-84A8-D77B0D7E4ACF}"/>
+                <a16:creationId xmlns:a16="http://schemas.microsoft.com/office/drawing/2014/main" id="{85333AAD-A473-D657-06A3-00351968AAAD}"/>
               </a:ext>
             </a:extLst>
           </p:cNvPr>
@@ -6279,14 +6121,19 @@
         </p:nvSpPr>
         <p:spPr/>
         <p:txBody>
-          <a:bodyPr/>
-          <a:lstStyle/>
-          <a:p>
-            <a:r>
-              <a:rPr lang="en-US" sz="4400" b="1" dirty="0"/>
-              <a:t>3. Feedback Loop and Why It Is Used</a:t>
-            </a:r>
-            <a:endParaRPr lang="en-US" dirty="0"/>
+          <a:bodyPr>
+            <a:normAutofit fontScale="90000"/>
+          </a:bodyPr>
+          <a:lstStyle/>
+          <a:p>
+            <a:r>
+              <a:rPr lang="en-US" b="1" dirty="0"/>
+              <a:t>1. Random Fluctuations and Why They Are Used</a:t>
+            </a:r>
+            <a:br>
+              <a:rPr lang="en-US" b="1" dirty="0"/>
+            </a:br>
+            <a:endParaRPr lang="en-US" b="1" dirty="0"/>
           </a:p>
         </p:txBody>
       </p:sp>
@@ -6295,7 +6142,7 @@
           <p:cNvPr id="3" name="Content Placeholder 2">
             <a:extLst>
               <a:ext uri="{FF2B5EF4-FFF2-40B4-BE49-F238E27FC236}">
-                <a16:creationId xmlns:a16="http://schemas.microsoft.com/office/drawing/2014/main" id="{AFC0FC29-9C04-1D18-55DA-05D85BA03178}"/>
+                <a16:creationId xmlns:a16="http://schemas.microsoft.com/office/drawing/2014/main" id="{EB8460CD-91E9-1156-5004-378946AD5F9A}"/>
               </a:ext>
             </a:extLst>
           </p:cNvPr>
@@ -6309,7 +6156,7 @@
         <p:spPr/>
         <p:txBody>
           <a:bodyPr>
-            <a:normAutofit fontScale="85000" lnSpcReduction="20000"/>
+            <a:normAutofit fontScale="92500" lnSpcReduction="20000"/>
           </a:bodyPr>
           <a:lstStyle/>
           <a:p>
@@ -6323,7 +6170,21 @@
             </a:r>
             <a:r>
               <a:rPr lang="en-US" dirty="0"/>
-              <a:t>: Engagement in one period influences future participation, as people’s behavior often follows momentum (positive or negative). For instance:</a:t>
+              <a:t>: Engagement levels in real-world systems (e.g., healthcare participation) are inherently unpredictable and influenced by numerous factors such as personal behavior, external policies, or environmental changes.</a:t>
+            </a:r>
+          </a:p>
+          <a:p>
+            <a:pPr>
+              <a:buFont typeface="Arial" panose="020B0604020202020204" pitchFamily="34" charset="0"/>
+              <a:buChar char="•"/>
+            </a:pPr>
+            <a:r>
+              <a:rPr lang="en-US" b="1" dirty="0"/>
+              <a:t>Purpose in the Simulation</a:t>
+            </a:r>
+            <a:r>
+              <a:rPr lang="en-US" dirty="0"/>
+              <a:t>:</a:t>
             </a:r>
           </a:p>
           <a:p>
@@ -6333,7 +6194,7 @@
             </a:pPr>
             <a:r>
               <a:rPr lang="en-US" dirty="0"/>
-              <a:t>A stakeholder's higher engagement in one month could lead to better results or satisfaction, encouraging continued involvement.</a:t>
+              <a:t>They introduce variability, making the model more realistic by simulating both increases and decreases in engagement levels over time.</a:t>
             </a:r>
           </a:p>
           <a:p>
@@ -6343,7 +6204,7 @@
             </a:pPr>
             <a:r>
               <a:rPr lang="en-US" dirty="0"/>
-              <a:t>Conversely, disengagement could compound due to frustration, leading to further drops.</a:t>
+              <a:t>Random fluctuations also allow the model to reflect potential short-term disruptions (e.g., staff shortages, new initiatives).</a:t>
             </a:r>
           </a:p>
           <a:p>
@@ -6353,53 +6214,31 @@
             </a:pPr>
             <a:r>
               <a:rPr lang="en-US" b="1" dirty="0"/>
-              <a:t>Purpose in the Simulation</a:t>
-            </a:r>
-            <a:r>
-              <a:rPr lang="en-US" dirty="0"/>
-              <a:t>:</a:t>
-            </a:r>
-          </a:p>
-          <a:p>
-            <a:pPr marL="742950" lvl="1" indent="-285750">
-              <a:buFont typeface="Arial" panose="020B0604020202020204" pitchFamily="34" charset="0"/>
-              <a:buChar char="•"/>
-            </a:pPr>
-            <a:r>
-              <a:rPr lang="en-US" dirty="0"/>
-              <a:t>The feedback loop captures these cascading effects, helping simulate long-term dynamics.</a:t>
-            </a:r>
-          </a:p>
-          <a:p>
-            <a:pPr marL="742950" lvl="1" indent="-285750">
-              <a:buFont typeface="Arial" panose="020B0604020202020204" pitchFamily="34" charset="0"/>
-              <a:buChar char="•"/>
-            </a:pPr>
-            <a:r>
-              <a:rPr lang="en-US" dirty="0"/>
-              <a:t>It reflects realistic cause-and-effect relationships, showing how policies or external shocks affect sustained participation.</a:t>
-            </a:r>
-          </a:p>
-          <a:p>
-            <a:pPr>
-              <a:buFont typeface="Arial" panose="020B0604020202020204" pitchFamily="34" charset="0"/>
-              <a:buChar char="•"/>
-            </a:pPr>
-            <a:r>
-              <a:rPr lang="en-US" b="1" dirty="0"/>
               <a:t>Example</a:t>
             </a:r>
             <a:r>
               <a:rPr lang="en-US" dirty="0"/>
-              <a:t>: If "Doctors" engagement decreases slightly in Month 2, the new lower level sets the baseline for Month 3, leading to a compounding effect unless counteracted by positive fluctuations.</a:t>
-            </a:r>
+              <a:t>: If "Patients" engagement starts at 0.6 and fluctuates randomly within [−0.02,+0.02][-0.02, +0.02][−0.02,+0.02], the variability mimics real-world behaviors such as patients being more engaged during health campaigns and less engaged during holidays.</a:t>
+            </a:r>
+          </a:p>
+          <a:p>
+            <a:pPr marL="0" indent="0">
+              <a:buNone/>
+            </a:pPr>
+            <a:endParaRPr lang="en-US" dirty="0"/>
+          </a:p>
+          <a:p>
+            <a:pPr marL="0" indent="0">
+              <a:buNone/>
+            </a:pPr>
+            <a:endParaRPr lang="en-US" dirty="0"/>
           </a:p>
         </p:txBody>
       </p:sp>
     </p:spTree>
     <p:extLst>
       <p:ext uri="{BB962C8B-B14F-4D97-AF65-F5344CB8AC3E}">
-        <p14:creationId xmlns:p14="http://schemas.microsoft.com/office/powerpoint/2010/main" val="1348638516"/>
+        <p14:creationId xmlns:p14="http://schemas.microsoft.com/office/powerpoint/2010/main" val="2079446477"/>
       </p:ext>
     </p:extLst>
   </p:cSld>
@@ -6431,7 +6270,7 @@
           <p:cNvPr id="2" name="Title 1">
             <a:extLst>
               <a:ext uri="{FF2B5EF4-FFF2-40B4-BE49-F238E27FC236}">
-                <a16:creationId xmlns:a16="http://schemas.microsoft.com/office/drawing/2014/main" id="{865F4C6E-9293-6315-8011-08E6FA8D4403}"/>
+                <a16:creationId xmlns:a16="http://schemas.microsoft.com/office/drawing/2014/main" id="{FA4AF6BA-5094-CAD8-1EFA-108DF856B922}"/>
               </a:ext>
             </a:extLst>
           </p:cNvPr>
@@ -6444,42 +6283,36 @@
         </p:nvSpPr>
         <p:spPr/>
         <p:txBody>
+          <a:bodyPr/>
+          <a:lstStyle/>
+          <a:p>
+            <a:r>
+              <a:rPr lang="en-US" b="1" dirty="0"/>
+              <a:t>2. Uptake Rate and Why It Is Used</a:t>
+            </a:r>
+          </a:p>
+        </p:txBody>
+      </p:sp>
+      <p:sp>
+        <p:nvSpPr>
+          <p:cNvPr id="3" name="Content Placeholder 2">
+            <a:extLst>
+              <a:ext uri="{FF2B5EF4-FFF2-40B4-BE49-F238E27FC236}">
+                <a16:creationId xmlns:a16="http://schemas.microsoft.com/office/drawing/2014/main" id="{4D502198-8EB0-56EA-0ECB-09A57E30C318}"/>
+              </a:ext>
+            </a:extLst>
+          </p:cNvPr>
+          <p:cNvSpPr>
+            <a:spLocks noGrp="1"/>
+          </p:cNvSpPr>
+          <p:nvPr>
+            <p:ph idx="1"/>
+          </p:nvPr>
+        </p:nvSpPr>
+        <p:spPr/>
+        <p:txBody>
           <a:bodyPr>
-            <a:normAutofit fontScale="90000"/>
-          </a:bodyPr>
-          <a:lstStyle/>
-          <a:p>
-            <a:r>
-              <a:rPr lang="en-US" sz="4400" b="1" dirty="0"/>
-              <a:t>4. Visualizing Trends and Why It Is Important</a:t>
-            </a:r>
-            <a:br>
-              <a:rPr lang="en-US" sz="4400" b="1" dirty="0"/>
-            </a:br>
-            <a:endParaRPr lang="en-US" dirty="0"/>
-          </a:p>
-        </p:txBody>
-      </p:sp>
-      <p:sp>
-        <p:nvSpPr>
-          <p:cNvPr id="3" name="Content Placeholder 2">
-            <a:extLst>
-              <a:ext uri="{FF2B5EF4-FFF2-40B4-BE49-F238E27FC236}">
-                <a16:creationId xmlns:a16="http://schemas.microsoft.com/office/drawing/2014/main" id="{FB0D8D01-EDAF-C0DE-17BF-73983E6CC4D1}"/>
-              </a:ext>
-            </a:extLst>
-          </p:cNvPr>
-          <p:cNvSpPr>
-            <a:spLocks noGrp="1"/>
-          </p:cNvSpPr>
-          <p:nvPr>
-            <p:ph idx="1"/>
-          </p:nvPr>
-        </p:nvSpPr>
-        <p:spPr/>
-        <p:txBody>
-          <a:bodyPr>
-            <a:normAutofit/>
+            <a:normAutofit fontScale="92500" lnSpcReduction="10000"/>
           </a:bodyPr>
           <a:lstStyle/>
           <a:p>
@@ -6493,7 +6326,7 @@
             </a:r>
             <a:r>
               <a:rPr lang="en-US" dirty="0"/>
-              <a:t>: Trends over time help stakeholders understand the overall direction of the system and pinpoint areas for intervention.</a:t>
+              <a:t>: The uptake rate summarizes the system's overall engagement by averaging the contributions of all stakeholder groups (patients, doctors, nurses, administrators).</a:t>
             </a:r>
           </a:p>
           <a:p>
@@ -6517,7 +6350,7 @@
             </a:pPr>
             <a:r>
               <a:rPr lang="en-US" dirty="0"/>
-              <a:t>Identifying whether engagement levels are increasing, stable, or declining over time helps evaluate program success.</a:t>
+              <a:t>It provides a high-level metric to evaluate the program's success.</a:t>
             </a:r>
           </a:p>
           <a:p>
@@ -6527,7 +6360,17 @@
             </a:pPr>
             <a:r>
               <a:rPr lang="en-US" dirty="0"/>
-              <a:t>Visualization simplifies complex data, making it accessible for decision-makers.</a:t>
+              <a:t>By tracking uptake over time, it identifies patterns and trends that can inform decision-making (e.g., whether engagement is improving or declining).</a:t>
+            </a:r>
+          </a:p>
+          <a:p>
+            <a:pPr marL="742950" lvl="1" indent="-285750">
+              <a:buFont typeface="Arial" panose="020B0604020202020204" pitchFamily="34" charset="0"/>
+              <a:buChar char="•"/>
+            </a:pPr>
+            <a:r>
+              <a:rPr lang="en-US" dirty="0"/>
+              <a:t>Aggregating individual engagement levels into a single uptake rate is useful for comparing across time or scenarios.</a:t>
             </a:r>
           </a:p>
           <a:p>
@@ -6541,7 +6384,7 @@
             </a:r>
             <a:r>
               <a:rPr lang="en-US" dirty="0"/>
-              <a:t>: A plot showing consistent drops in administrator engagement could prompt targeted measures (e.g., new training or incentives).</a:t>
+              <a:t>: If engagement for doctors is high but low for administrators, the uptake rate highlights this gap. Monitoring it monthly ensures timely adjustments.</a:t>
             </a:r>
           </a:p>
           <a:p>
@@ -6561,7 +6404,7 @@
     </p:spTree>
     <p:extLst>
       <p:ext uri="{BB962C8B-B14F-4D97-AF65-F5344CB8AC3E}">
-        <p14:creationId xmlns:p14="http://schemas.microsoft.com/office/powerpoint/2010/main" val="3303629775"/>
+        <p14:creationId xmlns:p14="http://schemas.microsoft.com/office/powerpoint/2010/main" val="1197161432"/>
       </p:ext>
     </p:extLst>
   </p:cSld>
@@ -6593,7 +6436,7 @@
           <p:cNvPr id="2" name="Title 1">
             <a:extLst>
               <a:ext uri="{FF2B5EF4-FFF2-40B4-BE49-F238E27FC236}">
-                <a16:creationId xmlns:a16="http://schemas.microsoft.com/office/drawing/2014/main" id="{D88C41F5-CEFA-1C20-A088-02EA6C32A518}"/>
+                <a16:creationId xmlns:a16="http://schemas.microsoft.com/office/drawing/2014/main" id="{22045202-0EBC-98EB-84A8-D77B0D7E4ACF}"/>
               </a:ext>
             </a:extLst>
           </p:cNvPr>
@@ -6611,7 +6454,7 @@
           <a:p>
             <a:r>
               <a:rPr lang="en-US" sz="4400" b="1" dirty="0"/>
-              <a:t>5. Why Combine These Elements?</a:t>
+              <a:t>3. Feedback Loop and Why It Is Used</a:t>
             </a:r>
             <a:endParaRPr lang="en-US" dirty="0"/>
           </a:p>
@@ -6622,7 +6465,7 @@
           <p:cNvPr id="3" name="Content Placeholder 2">
             <a:extLst>
               <a:ext uri="{FF2B5EF4-FFF2-40B4-BE49-F238E27FC236}">
-                <a16:creationId xmlns:a16="http://schemas.microsoft.com/office/drawing/2014/main" id="{73180A32-D17F-E692-B38F-DCBE31F34F36}"/>
+                <a16:creationId xmlns:a16="http://schemas.microsoft.com/office/drawing/2014/main" id="{AFC0FC29-9C04-1D18-55DA-05D85BA03178}"/>
               </a:ext>
             </a:extLst>
           </p:cNvPr>
@@ -6636,7 +6479,7 @@
         <p:spPr/>
         <p:txBody>
           <a:bodyPr>
-            <a:normAutofit/>
+            <a:normAutofit fontScale="85000" lnSpcReduction="20000"/>
           </a:bodyPr>
           <a:lstStyle/>
           <a:p>
@@ -6646,11 +6489,31 @@
             </a:pPr>
             <a:r>
               <a:rPr lang="en-US" b="1" dirty="0"/>
-              <a:t>Holistic Analysis</a:t>
-            </a:r>
-            <a:r>
-              <a:rPr lang="en-US" dirty="0"/>
-              <a:t>: The combination of random fluctuations, uptake rate, and feedback loop provides a realistic, dynamic view of how engagement evolves over time.</a:t>
+              <a:t>Reason</a:t>
+            </a:r>
+            <a:r>
+              <a:rPr lang="en-US" dirty="0"/>
+              <a:t>: Engagement in one period influences future participation, as people’s behavior often follows momentum (positive or negative). For instance:</a:t>
+            </a:r>
+          </a:p>
+          <a:p>
+            <a:pPr marL="742950" lvl="1" indent="-285750">
+              <a:buFont typeface="Arial" panose="020B0604020202020204" pitchFamily="34" charset="0"/>
+              <a:buChar char="•"/>
+            </a:pPr>
+            <a:r>
+              <a:rPr lang="en-US" dirty="0"/>
+              <a:t>A stakeholder's higher engagement in one month could lead to better results or satisfaction, encouraging continued involvement.</a:t>
+            </a:r>
+          </a:p>
+          <a:p>
+            <a:pPr marL="742950" lvl="1" indent="-285750">
+              <a:buFont typeface="Arial" panose="020B0604020202020204" pitchFamily="34" charset="0"/>
+              <a:buChar char="•"/>
+            </a:pPr>
+            <a:r>
+              <a:rPr lang="en-US" dirty="0"/>
+              <a:t>Conversely, disengagement could compound due to frustration, leading to further drops.</a:t>
             </a:r>
           </a:p>
           <a:p>
@@ -6660,11 +6523,11 @@
             </a:pPr>
             <a:r>
               <a:rPr lang="en-US" b="1" dirty="0"/>
-              <a:t>Practical Decision-Making</a:t>
-            </a:r>
-            <a:r>
-              <a:rPr lang="en-US" dirty="0"/>
-              <a:t>: Decision-makers can:</a:t>
+              <a:t>Purpose in the Simulation</a:t>
+            </a:r>
+            <a:r>
+              <a:rPr lang="en-US" dirty="0"/>
+              <a:t>:</a:t>
             </a:r>
           </a:p>
           <a:p>
@@ -6674,7 +6537,7 @@
             </a:pPr>
             <a:r>
               <a:rPr lang="en-US" dirty="0"/>
-              <a:t>Evaluate overall system health (via uptake rate).</a:t>
+              <a:t>The feedback loop captures these cascading effects, helping simulate long-term dynamics.</a:t>
             </a:r>
           </a:p>
           <a:p>
@@ -6684,23 +6547,21 @@
             </a:pPr>
             <a:r>
               <a:rPr lang="en-US" dirty="0"/>
-              <a:t>Understand variability and uncertainty (via random fluctuations).</a:t>
-            </a:r>
-          </a:p>
-          <a:p>
-            <a:pPr marL="742950" lvl="1" indent="-285750">
+              <a:t>It reflects realistic cause-and-effect relationships, showing how policies or external shocks affect sustained participation.</a:t>
+            </a:r>
+          </a:p>
+          <a:p>
+            <a:pPr>
               <a:buFont typeface="Arial" panose="020B0604020202020204" pitchFamily="34" charset="0"/>
               <a:buChar char="•"/>
             </a:pPr>
             <a:r>
-              <a:rPr lang="en-US" dirty="0"/>
-              <a:t>Plan interventions (based on trend analysis and feedback loops).</a:t>
-            </a:r>
-          </a:p>
-          <a:p>
-            <a:r>
-              <a:rPr lang="en-US" dirty="0"/>
-              <a:t>In summary, these features ensure that the simulation closely mirrors real-world complexities, allowing for actionable insights and effective planning in dynamic systems like healthcare.</a:t>
+              <a:rPr lang="en-US" b="1" dirty="0"/>
+              <a:t>Example</a:t>
+            </a:r>
+            <a:r>
+              <a:rPr lang="en-US" dirty="0"/>
+              <a:t>: If "Doctors" engagement decreases slightly in Month 2, the new lower level sets the baseline for Month 3, leading to a compounding effect unless counteracted by positive fluctuations.</a:t>
             </a:r>
           </a:p>
         </p:txBody>
@@ -6708,7 +6569,7 @@
     </p:spTree>
     <p:extLst>
       <p:ext uri="{BB962C8B-B14F-4D97-AF65-F5344CB8AC3E}">
-        <p14:creationId xmlns:p14="http://schemas.microsoft.com/office/powerpoint/2010/main" val="387507915"/>
+        <p14:creationId xmlns:p14="http://schemas.microsoft.com/office/powerpoint/2010/main" val="1348638516"/>
       </p:ext>
     </p:extLst>
   </p:cSld>
@@ -6782,11 +6643,11 @@
         <p:spPr/>
         <p:txBody>
           <a:bodyPr>
-            <a:normAutofit/>
+            <a:normAutofit fontScale="92500" lnSpcReduction="20000"/>
           </a:bodyPr>
           <a:lstStyle/>
           <a:p>
-            <a:pPr marL="0" indent="0">
+            <a:pPr marL="0" indent="0" algn="just">
               <a:buNone/>
             </a:pPr>
             <a:r>
@@ -6813,7 +6674,7 @@
             </a:r>
           </a:p>
           <a:p>
-            <a:pPr marL="0" indent="0">
+            <a:pPr marL="0" indent="0" algn="just">
               <a:buNone/>
             </a:pPr>
             <a:r>
@@ -6840,7 +6701,7 @@
             </a:r>
           </a:p>
           <a:p>
-            <a:pPr marL="0" indent="0">
+            <a:pPr marL="0" indent="0" algn="just">
               <a:buNone/>
             </a:pPr>
             <a:r>
@@ -6867,7 +6728,7 @@
             </a:r>
           </a:p>
           <a:p>
-            <a:pPr marL="0" indent="0">
+            <a:pPr marL="0" indent="0" algn="just">
               <a:buNone/>
             </a:pPr>
             <a:r>
@@ -6890,11 +6751,48 @@
                 <a:ea typeface="+mj-ea"/>
                 <a:cs typeface="+mj-cs"/>
               </a:rPr>
-              <a:t>Project where I used participatory modeling or similar techniques</a:t>
-            </a:r>
-          </a:p>
-          <a:p>
-            <a:pPr marL="0" indent="0">
+              <a:t>Project where I used participatory modeling or similar techniques “</a:t>
+            </a:r>
+            <a:r>
+              <a:rPr lang="en-US" dirty="0"/>
+              <a:t>KTH PhD project</a:t>
+            </a:r>
+            <a:r>
+              <a:rPr lang="en-US" sz="2800" kern="1200" dirty="0">
+                <a:solidFill>
+                  <a:schemeClr val="tx1"/>
+                </a:solidFill>
+                <a:latin typeface="+mj-lt"/>
+                <a:ea typeface="+mj-ea"/>
+                <a:cs typeface="+mj-cs"/>
+              </a:rPr>
+              <a:t>, Developed using Python by Heider Jeffer to answer </a:t>
+            </a:r>
+            <a:r>
+              <a:rPr lang="en-US" b="1" dirty="0"/>
+              <a:t>(</a:t>
+            </a:r>
+            <a:r>
+              <a:rPr lang="en-US" b="1" dirty="0">
+                <a:hlinkClick r:id="rId2"/>
+              </a:rPr>
+              <a:t>Research Questions</a:t>
+            </a:r>
+            <a:r>
+              <a:rPr lang="en-US" b="1" dirty="0"/>
+              <a:t>)”?</a:t>
+            </a:r>
+            <a:endParaRPr lang="en-US" sz="2800" kern="1200" dirty="0">
+              <a:solidFill>
+                <a:schemeClr val="tx1"/>
+              </a:solidFill>
+              <a:latin typeface="+mj-lt"/>
+              <a:ea typeface="+mj-ea"/>
+              <a:cs typeface="+mj-cs"/>
+            </a:endParaRPr>
+          </a:p>
+          <a:p>
+            <a:pPr marL="0" indent="0" algn="just">
               <a:buNone/>
             </a:pPr>
             <a:r>
@@ -6943,7 +6841,7 @@
             </a:r>
           </a:p>
           <a:p>
-            <a:pPr marL="0" indent="0">
+            <a:pPr marL="0" indent="0" algn="just">
               <a:buNone/>
             </a:pPr>
             <a:r>
@@ -6966,11 +6864,11 @@
                 <a:ea typeface="+mj-ea"/>
                 <a:cs typeface="+mj-cs"/>
               </a:rPr>
-              <a:t>Questions</a:t>
-            </a:r>
-          </a:p>
-          <a:p>
-            <a:pPr marL="0" indent="0">
+              <a:t>I have Questions</a:t>
+            </a:r>
+          </a:p>
+          <a:p>
+            <a:pPr marL="0" indent="0" algn="just">
               <a:buNone/>
             </a:pPr>
             <a:r>
@@ -7019,6 +6917,315 @@
           <p:cNvPr id="2" name="Title 1">
             <a:extLst>
               <a:ext uri="{FF2B5EF4-FFF2-40B4-BE49-F238E27FC236}">
+                <a16:creationId xmlns:a16="http://schemas.microsoft.com/office/drawing/2014/main" id="{865F4C6E-9293-6315-8011-08E6FA8D4403}"/>
+              </a:ext>
+            </a:extLst>
+          </p:cNvPr>
+          <p:cNvSpPr>
+            <a:spLocks noGrp="1"/>
+          </p:cNvSpPr>
+          <p:nvPr>
+            <p:ph type="title"/>
+          </p:nvPr>
+        </p:nvSpPr>
+        <p:spPr/>
+        <p:txBody>
+          <a:bodyPr>
+            <a:normAutofit fontScale="90000"/>
+          </a:bodyPr>
+          <a:lstStyle/>
+          <a:p>
+            <a:r>
+              <a:rPr lang="en-US" sz="4400" b="1" dirty="0"/>
+              <a:t>4. Visualizing Trends and Why It Is Important</a:t>
+            </a:r>
+            <a:br>
+              <a:rPr lang="en-US" sz="4400" b="1" dirty="0"/>
+            </a:br>
+            <a:endParaRPr lang="en-US" dirty="0"/>
+          </a:p>
+        </p:txBody>
+      </p:sp>
+      <p:sp>
+        <p:nvSpPr>
+          <p:cNvPr id="3" name="Content Placeholder 2">
+            <a:extLst>
+              <a:ext uri="{FF2B5EF4-FFF2-40B4-BE49-F238E27FC236}">
+                <a16:creationId xmlns:a16="http://schemas.microsoft.com/office/drawing/2014/main" id="{FB0D8D01-EDAF-C0DE-17BF-73983E6CC4D1}"/>
+              </a:ext>
+            </a:extLst>
+          </p:cNvPr>
+          <p:cNvSpPr>
+            <a:spLocks noGrp="1"/>
+          </p:cNvSpPr>
+          <p:nvPr>
+            <p:ph idx="1"/>
+          </p:nvPr>
+        </p:nvSpPr>
+        <p:spPr/>
+        <p:txBody>
+          <a:bodyPr>
+            <a:normAutofit/>
+          </a:bodyPr>
+          <a:lstStyle/>
+          <a:p>
+            <a:pPr>
+              <a:buFont typeface="Arial" panose="020B0604020202020204" pitchFamily="34" charset="0"/>
+              <a:buChar char="•"/>
+            </a:pPr>
+            <a:r>
+              <a:rPr lang="en-US" b="1" dirty="0"/>
+              <a:t>Reason</a:t>
+            </a:r>
+            <a:r>
+              <a:rPr lang="en-US" dirty="0"/>
+              <a:t>: Trends over time help stakeholders understand the overall direction of the system and pinpoint areas for intervention.</a:t>
+            </a:r>
+          </a:p>
+          <a:p>
+            <a:pPr>
+              <a:buFont typeface="Arial" panose="020B0604020202020204" pitchFamily="34" charset="0"/>
+              <a:buChar char="•"/>
+            </a:pPr>
+            <a:r>
+              <a:rPr lang="en-US" b="1" dirty="0"/>
+              <a:t>Purpose in the Simulation</a:t>
+            </a:r>
+            <a:r>
+              <a:rPr lang="en-US" dirty="0"/>
+              <a:t>:</a:t>
+            </a:r>
+          </a:p>
+          <a:p>
+            <a:pPr marL="742950" lvl="1" indent="-285750">
+              <a:buFont typeface="Arial" panose="020B0604020202020204" pitchFamily="34" charset="0"/>
+              <a:buChar char="•"/>
+            </a:pPr>
+            <a:r>
+              <a:rPr lang="en-US" dirty="0"/>
+              <a:t>Identifying whether engagement levels are increasing, stable, or declining over time helps evaluate program success.</a:t>
+            </a:r>
+          </a:p>
+          <a:p>
+            <a:pPr marL="742950" lvl="1" indent="-285750">
+              <a:buFont typeface="Arial" panose="020B0604020202020204" pitchFamily="34" charset="0"/>
+              <a:buChar char="•"/>
+            </a:pPr>
+            <a:r>
+              <a:rPr lang="en-US" dirty="0"/>
+              <a:t>Visualization simplifies complex data, making it accessible for decision-makers.</a:t>
+            </a:r>
+          </a:p>
+          <a:p>
+            <a:pPr>
+              <a:buFont typeface="Arial" panose="020B0604020202020204" pitchFamily="34" charset="0"/>
+              <a:buChar char="•"/>
+            </a:pPr>
+            <a:r>
+              <a:rPr lang="en-US" b="1" dirty="0"/>
+              <a:t>Example</a:t>
+            </a:r>
+            <a:r>
+              <a:rPr lang="en-US" dirty="0"/>
+              <a:t>: A plot showing consistent drops in administrator engagement could prompt targeted measures (e.g., new training or incentives).</a:t>
+            </a:r>
+          </a:p>
+          <a:p>
+            <a:pPr marL="0" indent="0">
+              <a:buNone/>
+            </a:pPr>
+            <a:endParaRPr lang="en-US" dirty="0"/>
+          </a:p>
+          <a:p>
+            <a:pPr marL="0" indent="0">
+              <a:buNone/>
+            </a:pPr>
+            <a:endParaRPr lang="en-US" dirty="0"/>
+          </a:p>
+        </p:txBody>
+      </p:sp>
+    </p:spTree>
+    <p:extLst>
+      <p:ext uri="{BB962C8B-B14F-4D97-AF65-F5344CB8AC3E}">
+        <p14:creationId xmlns:p14="http://schemas.microsoft.com/office/powerpoint/2010/main" val="3303629775"/>
+      </p:ext>
+    </p:extLst>
+  </p:cSld>
+  <p:clrMapOvr>
+    <a:masterClrMapping/>
+  </p:clrMapOvr>
+</p:sld>
+</file>
+
+<file path=ppt/slides/slide31.xml><?xml version="1.0" encoding="utf-8"?>
+<p:sld xmlns:a="http://schemas.openxmlformats.org/drawingml/2006/main" xmlns:r="http://schemas.openxmlformats.org/officeDocument/2006/relationships" xmlns:p="http://schemas.openxmlformats.org/presentationml/2006/main">
+  <p:cSld>
+    <p:spTree>
+      <p:nvGrpSpPr>
+        <p:cNvPr id="1" name=""/>
+        <p:cNvGrpSpPr/>
+        <p:nvPr/>
+      </p:nvGrpSpPr>
+      <p:grpSpPr>
+        <a:xfrm>
+          <a:off x="0" y="0"/>
+          <a:ext cx="0" cy="0"/>
+          <a:chOff x="0" y="0"/>
+          <a:chExt cx="0" cy="0"/>
+        </a:xfrm>
+      </p:grpSpPr>
+      <p:sp>
+        <p:nvSpPr>
+          <p:cNvPr id="2" name="Title 1">
+            <a:extLst>
+              <a:ext uri="{FF2B5EF4-FFF2-40B4-BE49-F238E27FC236}">
+                <a16:creationId xmlns:a16="http://schemas.microsoft.com/office/drawing/2014/main" id="{D88C41F5-CEFA-1C20-A088-02EA6C32A518}"/>
+              </a:ext>
+            </a:extLst>
+          </p:cNvPr>
+          <p:cNvSpPr>
+            <a:spLocks noGrp="1"/>
+          </p:cNvSpPr>
+          <p:nvPr>
+            <p:ph type="title"/>
+          </p:nvPr>
+        </p:nvSpPr>
+        <p:spPr/>
+        <p:txBody>
+          <a:bodyPr/>
+          <a:lstStyle/>
+          <a:p>
+            <a:r>
+              <a:rPr lang="en-US" sz="4400" b="1" dirty="0"/>
+              <a:t>5. Why Combine These Elements?</a:t>
+            </a:r>
+            <a:endParaRPr lang="en-US" dirty="0"/>
+          </a:p>
+        </p:txBody>
+      </p:sp>
+      <p:sp>
+        <p:nvSpPr>
+          <p:cNvPr id="3" name="Content Placeholder 2">
+            <a:extLst>
+              <a:ext uri="{FF2B5EF4-FFF2-40B4-BE49-F238E27FC236}">
+                <a16:creationId xmlns:a16="http://schemas.microsoft.com/office/drawing/2014/main" id="{73180A32-D17F-E692-B38F-DCBE31F34F36}"/>
+              </a:ext>
+            </a:extLst>
+          </p:cNvPr>
+          <p:cNvSpPr>
+            <a:spLocks noGrp="1"/>
+          </p:cNvSpPr>
+          <p:nvPr>
+            <p:ph idx="1"/>
+          </p:nvPr>
+        </p:nvSpPr>
+        <p:spPr/>
+        <p:txBody>
+          <a:bodyPr>
+            <a:normAutofit/>
+          </a:bodyPr>
+          <a:lstStyle/>
+          <a:p>
+            <a:pPr>
+              <a:buFont typeface="Arial" panose="020B0604020202020204" pitchFamily="34" charset="0"/>
+              <a:buChar char="•"/>
+            </a:pPr>
+            <a:r>
+              <a:rPr lang="en-US" b="1" dirty="0"/>
+              <a:t>Holistic Analysis</a:t>
+            </a:r>
+            <a:r>
+              <a:rPr lang="en-US" dirty="0"/>
+              <a:t>: The combination of random fluctuations, uptake rate, and feedback loop provides a realistic, dynamic view of how engagement evolves over time.</a:t>
+            </a:r>
+          </a:p>
+          <a:p>
+            <a:pPr>
+              <a:buFont typeface="Arial" panose="020B0604020202020204" pitchFamily="34" charset="0"/>
+              <a:buChar char="•"/>
+            </a:pPr>
+            <a:r>
+              <a:rPr lang="en-US" b="1" dirty="0"/>
+              <a:t>Practical Decision-Making</a:t>
+            </a:r>
+            <a:r>
+              <a:rPr lang="en-US" dirty="0"/>
+              <a:t>: Decision-makers can:</a:t>
+            </a:r>
+          </a:p>
+          <a:p>
+            <a:pPr marL="742950" lvl="1" indent="-285750">
+              <a:buFont typeface="Arial" panose="020B0604020202020204" pitchFamily="34" charset="0"/>
+              <a:buChar char="•"/>
+            </a:pPr>
+            <a:r>
+              <a:rPr lang="en-US" dirty="0"/>
+              <a:t>Evaluate overall system health (via uptake rate).</a:t>
+            </a:r>
+          </a:p>
+          <a:p>
+            <a:pPr marL="742950" lvl="1" indent="-285750">
+              <a:buFont typeface="Arial" panose="020B0604020202020204" pitchFamily="34" charset="0"/>
+              <a:buChar char="•"/>
+            </a:pPr>
+            <a:r>
+              <a:rPr lang="en-US" dirty="0"/>
+              <a:t>Understand variability and uncertainty (via random fluctuations).</a:t>
+            </a:r>
+          </a:p>
+          <a:p>
+            <a:pPr marL="742950" lvl="1" indent="-285750">
+              <a:buFont typeface="Arial" panose="020B0604020202020204" pitchFamily="34" charset="0"/>
+              <a:buChar char="•"/>
+            </a:pPr>
+            <a:r>
+              <a:rPr lang="en-US" dirty="0"/>
+              <a:t>Plan interventions (based on trend analysis and feedback loops).</a:t>
+            </a:r>
+          </a:p>
+          <a:p>
+            <a:r>
+              <a:rPr lang="en-US" dirty="0"/>
+              <a:t>In summary, these features ensure that the simulation closely mirrors real-world complexities, allowing for actionable insights and effective planning in dynamic systems like healthcare.</a:t>
+            </a:r>
+          </a:p>
+        </p:txBody>
+      </p:sp>
+    </p:spTree>
+    <p:extLst>
+      <p:ext uri="{BB962C8B-B14F-4D97-AF65-F5344CB8AC3E}">
+        <p14:creationId xmlns:p14="http://schemas.microsoft.com/office/powerpoint/2010/main" val="387507915"/>
+      </p:ext>
+    </p:extLst>
+  </p:cSld>
+  <p:clrMapOvr>
+    <a:masterClrMapping/>
+  </p:clrMapOvr>
+</p:sld>
+</file>
+
+<file path=ppt/slides/slide32.xml><?xml version="1.0" encoding="utf-8"?>
+<p:sld xmlns:a="http://schemas.openxmlformats.org/drawingml/2006/main" xmlns:r="http://schemas.openxmlformats.org/officeDocument/2006/relationships" xmlns:p="http://schemas.openxmlformats.org/presentationml/2006/main">
+  <p:cSld>
+    <p:spTree>
+      <p:nvGrpSpPr>
+        <p:cNvPr id="1" name=""/>
+        <p:cNvGrpSpPr/>
+        <p:nvPr/>
+      </p:nvGrpSpPr>
+      <p:grpSpPr>
+        <a:xfrm>
+          <a:off x="0" y="0"/>
+          <a:ext cx="0" cy="0"/>
+          <a:chOff x="0" y="0"/>
+          <a:chExt cx="0" cy="0"/>
+        </a:xfrm>
+      </p:grpSpPr>
+      <p:sp>
+        <p:nvSpPr>
+          <p:cNvPr id="2" name="Title 1">
+            <a:extLst>
+              <a:ext uri="{FF2B5EF4-FFF2-40B4-BE49-F238E27FC236}">
                 <a16:creationId xmlns:a16="http://schemas.microsoft.com/office/drawing/2014/main" id="{359401A8-8FAA-D579-B630-C01641FAFDBE}"/>
               </a:ext>
             </a:extLst>
@@ -7084,7 +7291,7 @@
 </p:sld>
 </file>
 
-<file path=ppt/slides/slide31.xml><?xml version="1.0" encoding="utf-8"?>
+<file path=ppt/slides/slide33.xml><?xml version="1.0" encoding="utf-8"?>
 <p:sld xmlns:a="http://schemas.openxmlformats.org/drawingml/2006/main" xmlns:r="http://schemas.openxmlformats.org/officeDocument/2006/relationships" xmlns:p="http://schemas.openxmlformats.org/presentationml/2006/main">
   <p:cSld>
     <p:spTree>
@@ -7172,7 +7379,7 @@
 </p:sld>
 </file>
 
-<file path=ppt/slides/slide32.xml><?xml version="1.0" encoding="utf-8"?>
+<file path=ppt/slides/slide34.xml><?xml version="1.0" encoding="utf-8"?>
 <p:sld xmlns:a="http://schemas.openxmlformats.org/drawingml/2006/main" xmlns:r="http://schemas.openxmlformats.org/officeDocument/2006/relationships" xmlns:p="http://schemas.openxmlformats.org/presentationml/2006/main">
   <p:cSld>
     <p:spTree>
@@ -7259,7 +7466,7 @@
 </p:sld>
 </file>
 
-<file path=ppt/slides/slide33.xml><?xml version="1.0" encoding="utf-8"?>
+<file path=ppt/slides/slide35.xml><?xml version="1.0" encoding="utf-8"?>
 <p:sld xmlns:a="http://schemas.openxmlformats.org/drawingml/2006/main" xmlns:r="http://schemas.openxmlformats.org/officeDocument/2006/relationships" xmlns:p="http://schemas.openxmlformats.org/presentationml/2006/main">
   <p:cSld>
     <p:spTree>
@@ -7346,7 +7553,7 @@
 </p:sld>
 </file>
 
-<file path=ppt/slides/slide34.xml><?xml version="1.0" encoding="utf-8"?>
+<file path=ppt/slides/slide36.xml><?xml version="1.0" encoding="utf-8"?>
 <p:sld xmlns:a="http://schemas.openxmlformats.org/drawingml/2006/main" xmlns:r="http://schemas.openxmlformats.org/officeDocument/2006/relationships" xmlns:p="http://schemas.openxmlformats.org/presentationml/2006/main">
   <p:cSld>
     <p:spTree>
@@ -7413,245 +7620,6 @@
     <p:extLst>
       <p:ext uri="{BB962C8B-B14F-4D97-AF65-F5344CB8AC3E}">
         <p14:creationId xmlns:p14="http://schemas.microsoft.com/office/powerpoint/2010/main" val="3654834218"/>
-      </p:ext>
-    </p:extLst>
-  </p:cSld>
-  <p:clrMapOvr>
-    <a:masterClrMapping/>
-  </p:clrMapOvr>
-</p:sld>
-</file>
-
-<file path=ppt/slides/slide35.xml><?xml version="1.0" encoding="utf-8"?>
-<p:sld xmlns:a="http://schemas.openxmlformats.org/drawingml/2006/main" xmlns:r="http://schemas.openxmlformats.org/officeDocument/2006/relationships" xmlns:p="http://schemas.openxmlformats.org/presentationml/2006/main">
-  <p:cSld>
-    <p:spTree>
-      <p:nvGrpSpPr>
-        <p:cNvPr id="1" name=""/>
-        <p:cNvGrpSpPr/>
-        <p:nvPr/>
-      </p:nvGrpSpPr>
-      <p:grpSpPr>
-        <a:xfrm>
-          <a:off x="0" y="0"/>
-          <a:ext cx="0" cy="0"/>
-          <a:chOff x="0" y="0"/>
-          <a:chExt cx="0" cy="0"/>
-        </a:xfrm>
-      </p:grpSpPr>
-      <p:sp>
-        <p:nvSpPr>
-          <p:cNvPr id="2" name="Title 1">
-            <a:extLst>
-              <a:ext uri="{FF2B5EF4-FFF2-40B4-BE49-F238E27FC236}">
-                <a16:creationId xmlns:a16="http://schemas.microsoft.com/office/drawing/2014/main" id="{A59CB8A9-2F60-432C-4B99-E9B8A97EE7C3}"/>
-              </a:ext>
-            </a:extLst>
-          </p:cNvPr>
-          <p:cNvSpPr>
-            <a:spLocks noGrp="1"/>
-          </p:cNvSpPr>
-          <p:nvPr>
-            <p:ph type="title"/>
-          </p:nvPr>
-        </p:nvSpPr>
-        <p:spPr/>
-        <p:txBody>
-          <a:bodyPr/>
-          <a:lstStyle/>
-          <a:p>
-            <a:r>
-              <a:rPr lang="en-US" dirty="0"/>
-              <a:t>Numerical example</a:t>
-            </a:r>
-          </a:p>
-        </p:txBody>
-      </p:sp>
-      <p:sp>
-        <p:nvSpPr>
-          <p:cNvPr id="3" name="Content Placeholder 2">
-            <a:extLst>
-              <a:ext uri="{FF2B5EF4-FFF2-40B4-BE49-F238E27FC236}">
-                <a16:creationId xmlns:a16="http://schemas.microsoft.com/office/drawing/2014/main" id="{CD02969A-F93A-0921-A7B4-4AE9831A5E62}"/>
-              </a:ext>
-            </a:extLst>
-          </p:cNvPr>
-          <p:cNvSpPr>
-            <a:spLocks noGrp="1"/>
-          </p:cNvSpPr>
-          <p:nvPr>
-            <p:ph idx="1"/>
-          </p:nvPr>
-        </p:nvSpPr>
-        <p:spPr/>
-        <p:txBody>
-          <a:bodyPr/>
-          <a:lstStyle/>
-          <a:p>
-            <a:pPr marL="0" indent="0" algn="just">
-              <a:buNone/>
-            </a:pPr>
-            <a:r>
-              <a:rPr lang="en-US" dirty="0"/>
-              <a:t>This numerical example illustrates how:</a:t>
-            </a:r>
-          </a:p>
-          <a:p>
-            <a:pPr algn="just">
-              <a:buFont typeface="Arial" panose="020B0604020202020204" pitchFamily="34" charset="0"/>
-              <a:buChar char="•"/>
-            </a:pPr>
-            <a:r>
-              <a:rPr lang="en-US" dirty="0"/>
-              <a:t>Engagement levels fluctuate based on random changes each month.</a:t>
-            </a:r>
-          </a:p>
-          <a:p>
-            <a:pPr algn="just">
-              <a:buFont typeface="Arial" panose="020B0604020202020204" pitchFamily="34" charset="0"/>
-              <a:buChar char="•"/>
-            </a:pPr>
-            <a:r>
-              <a:rPr lang="en-US" dirty="0"/>
-              <a:t>The uptake rate is calculated as the average of the engagement levels.</a:t>
-            </a:r>
-          </a:p>
-          <a:p>
-            <a:pPr algn="just">
-              <a:buFont typeface="Arial" panose="020B0604020202020204" pitchFamily="34" charset="0"/>
-              <a:buChar char="•"/>
-            </a:pPr>
-            <a:r>
-              <a:rPr lang="en-US" dirty="0"/>
-              <a:t>A feedback loop exists, where each month's engagement influences the next, and this pattern can be visualized to see the overall trend.</a:t>
-            </a:r>
-          </a:p>
-          <a:p>
-            <a:pPr algn="just"/>
-            <a:endParaRPr lang="en-US" dirty="0"/>
-          </a:p>
-        </p:txBody>
-      </p:sp>
-    </p:spTree>
-    <p:extLst>
-      <p:ext uri="{BB962C8B-B14F-4D97-AF65-F5344CB8AC3E}">
-        <p14:creationId xmlns:p14="http://schemas.microsoft.com/office/powerpoint/2010/main" val="3065450447"/>
-      </p:ext>
-    </p:extLst>
-  </p:cSld>
-  <p:clrMapOvr>
-    <a:masterClrMapping/>
-  </p:clrMapOvr>
-</p:sld>
-</file>
-
-<file path=ppt/slides/slide36.xml><?xml version="1.0" encoding="utf-8"?>
-<p:sld xmlns:a="http://schemas.openxmlformats.org/drawingml/2006/main" xmlns:r="http://schemas.openxmlformats.org/officeDocument/2006/relationships" xmlns:p="http://schemas.openxmlformats.org/presentationml/2006/main">
-  <p:cSld>
-    <p:spTree>
-      <p:nvGrpSpPr>
-        <p:cNvPr id="1" name=""/>
-        <p:cNvGrpSpPr/>
-        <p:nvPr/>
-      </p:nvGrpSpPr>
-      <p:grpSpPr>
-        <a:xfrm>
-          <a:off x="0" y="0"/>
-          <a:ext cx="0" cy="0"/>
-          <a:chOff x="0" y="0"/>
-          <a:chExt cx="0" cy="0"/>
-        </a:xfrm>
-      </p:grpSpPr>
-      <p:sp>
-        <p:nvSpPr>
-          <p:cNvPr id="2" name="Title 1">
-            <a:extLst>
-              <a:ext uri="{FF2B5EF4-FFF2-40B4-BE49-F238E27FC236}">
-                <a16:creationId xmlns:a16="http://schemas.microsoft.com/office/drawing/2014/main" id="{3582663F-FFB9-2D2E-F74A-2DAA9B29E04B}"/>
-              </a:ext>
-            </a:extLst>
-          </p:cNvPr>
-          <p:cNvSpPr>
-            <a:spLocks noGrp="1"/>
-          </p:cNvSpPr>
-          <p:nvPr>
-            <p:ph type="title"/>
-          </p:nvPr>
-        </p:nvSpPr>
-        <p:spPr/>
-        <p:txBody>
-          <a:bodyPr/>
-          <a:lstStyle/>
-          <a:p>
-            <a:r>
-              <a:rPr lang="en-US" b="1" dirty="0"/>
-              <a:t>Simulation Steps</a:t>
-            </a:r>
-          </a:p>
-        </p:txBody>
-      </p:sp>
-      <p:sp>
-        <p:nvSpPr>
-          <p:cNvPr id="3" name="Content Placeholder 2">
-            <a:extLst>
-              <a:ext uri="{FF2B5EF4-FFF2-40B4-BE49-F238E27FC236}">
-                <a16:creationId xmlns:a16="http://schemas.microsoft.com/office/drawing/2014/main" id="{F3270000-727C-10C0-CC47-006697DC7B58}"/>
-              </a:ext>
-            </a:extLst>
-          </p:cNvPr>
-          <p:cNvSpPr>
-            <a:spLocks noGrp="1"/>
-          </p:cNvSpPr>
-          <p:nvPr>
-            <p:ph idx="1"/>
-          </p:nvPr>
-        </p:nvSpPr>
-        <p:spPr/>
-        <p:txBody>
-          <a:bodyPr/>
-          <a:lstStyle/>
-          <a:p>
-            <a:r>
-              <a:rPr lang="en-US" b="1" dirty="0"/>
-              <a:t>Step 1: Define Initial Engagement Levels</a:t>
-            </a:r>
-          </a:p>
-          <a:p>
-            <a:r>
-              <a:rPr lang="en-US" b="1" dirty="0"/>
-              <a:t>Step 2: Simulate Engagement Fluctuations for 12 Months</a:t>
-            </a:r>
-          </a:p>
-          <a:p>
-            <a:r>
-              <a:rPr lang="en-US" b="1" dirty="0"/>
-              <a:t>Step 3: Calculate Uptake Rate for Month 2</a:t>
-            </a:r>
-          </a:p>
-          <a:p>
-            <a:r>
-              <a:rPr lang="en-US" b="1" dirty="0"/>
-              <a:t>Step 4: Simulate for Month 3</a:t>
-            </a:r>
-          </a:p>
-          <a:p>
-            <a:r>
-              <a:rPr lang="en-US" b="1" dirty="0"/>
-              <a:t>Step 5: Calculate Uptake Rate for Month 3</a:t>
-            </a:r>
-          </a:p>
-          <a:p>
-            <a:r>
-              <a:rPr lang="en-US" b="1" dirty="0"/>
-              <a:t>Step 6: Repeat for Remaining Months</a:t>
-            </a:r>
-          </a:p>
-        </p:txBody>
-      </p:sp>
-    </p:spTree>
-    <p:extLst>
-      <p:ext uri="{BB962C8B-B14F-4D97-AF65-F5344CB8AC3E}">
-        <p14:creationId xmlns:p14="http://schemas.microsoft.com/office/powerpoint/2010/main" val="2465834568"/>
       </p:ext>
     </p:extLst>
   </p:cSld>
@@ -7683,7 +7651,7 @@
           <p:cNvPr id="2" name="Title 1">
             <a:extLst>
               <a:ext uri="{FF2B5EF4-FFF2-40B4-BE49-F238E27FC236}">
-                <a16:creationId xmlns:a16="http://schemas.microsoft.com/office/drawing/2014/main" id="{AF6E53CC-7D1E-6624-763D-4B69072627B4}"/>
+                <a16:creationId xmlns:a16="http://schemas.microsoft.com/office/drawing/2014/main" id="{A59CB8A9-2F60-432C-4B99-E9B8A97EE7C3}"/>
               </a:ext>
             </a:extLst>
           </p:cNvPr>
@@ -7700,10 +7668,9 @@
           <a:lstStyle/>
           <a:p>
             <a:r>
-              <a:rPr lang="en-US" b="1" dirty="0"/>
-              <a:t>Step 1: Define Initial Engagement Levels</a:t>
-            </a:r>
-            <a:endParaRPr lang="en-US" dirty="0"/>
+              <a:rPr lang="en-US" dirty="0"/>
+              <a:t>Numerical example</a:t>
+            </a:r>
           </a:p>
         </p:txBody>
       </p:sp>
@@ -7712,7 +7679,7 @@
           <p:cNvPr id="3" name="Content Placeholder 2">
             <a:extLst>
               <a:ext uri="{FF2B5EF4-FFF2-40B4-BE49-F238E27FC236}">
-                <a16:creationId xmlns:a16="http://schemas.microsoft.com/office/drawing/2014/main" id="{1037176A-96AF-A4D6-11A1-8EB588A1F889}"/>
+                <a16:creationId xmlns:a16="http://schemas.microsoft.com/office/drawing/2014/main" id="{CD02969A-F93A-0921-A7B4-4AE9831A5E62}"/>
               </a:ext>
             </a:extLst>
           </p:cNvPr>
@@ -7728,81 +7695,54 @@
           <a:bodyPr/>
           <a:lstStyle/>
           <a:p>
-            <a:r>
-              <a:rPr lang="en-US" dirty="0"/>
-              <a:t>We begin with the following </a:t>
-            </a:r>
-            <a:r>
-              <a:rPr lang="en-US" b="1" dirty="0"/>
-              <a:t>initial engagement levels</a:t>
-            </a:r>
-            <a:r>
-              <a:rPr lang="en-US" dirty="0"/>
-              <a:t> for each stakeholder:</a:t>
-            </a:r>
-          </a:p>
-          <a:p>
-            <a:pPr>
+            <a:pPr marL="0" indent="0" algn="just">
+              <a:buNone/>
+            </a:pPr>
+            <a:r>
+              <a:rPr lang="en-US" dirty="0"/>
+              <a:t>This numerical example illustrates how:</a:t>
+            </a:r>
+          </a:p>
+          <a:p>
+            <a:pPr algn="just">
               <a:buFont typeface="Arial" panose="020B0604020202020204" pitchFamily="34" charset="0"/>
               <a:buChar char="•"/>
             </a:pPr>
             <a:r>
-              <a:rPr lang="en-US" b="1" dirty="0"/>
-              <a:t>Patients</a:t>
-            </a:r>
-            <a:r>
-              <a:rPr lang="en-US" dirty="0"/>
-              <a:t>: 0.6 (60% engaged)</a:t>
-            </a:r>
-          </a:p>
-          <a:p>
-            <a:pPr>
+              <a:rPr lang="en-US" dirty="0"/>
+              <a:t>Engagement levels fluctuate based on random changes each month.</a:t>
+            </a:r>
+          </a:p>
+          <a:p>
+            <a:pPr algn="just">
               <a:buFont typeface="Arial" panose="020B0604020202020204" pitchFamily="34" charset="0"/>
               <a:buChar char="•"/>
             </a:pPr>
             <a:r>
-              <a:rPr lang="en-US" b="1" dirty="0"/>
-              <a:t>Doctors</a:t>
-            </a:r>
-            <a:r>
-              <a:rPr lang="en-US" dirty="0"/>
-              <a:t>: 0.8 (80% engaged)</a:t>
-            </a:r>
-          </a:p>
-          <a:p>
-            <a:pPr>
+              <a:rPr lang="en-US" dirty="0"/>
+              <a:t>The uptake rate is calculated as the average of the engagement levels.</a:t>
+            </a:r>
+          </a:p>
+          <a:p>
+            <a:pPr algn="just">
               <a:buFont typeface="Arial" panose="020B0604020202020204" pitchFamily="34" charset="0"/>
               <a:buChar char="•"/>
             </a:pPr>
             <a:r>
-              <a:rPr lang="en-US" b="1" dirty="0"/>
-              <a:t>Nurses</a:t>
-            </a:r>
-            <a:r>
-              <a:rPr lang="en-US" dirty="0"/>
-              <a:t>: 0.75 (75% engaged)</a:t>
-            </a:r>
-          </a:p>
-          <a:p>
-            <a:pPr>
-              <a:buFont typeface="Arial" panose="020B0604020202020204" pitchFamily="34" charset="0"/>
-              <a:buChar char="•"/>
-            </a:pPr>
-            <a:r>
-              <a:rPr lang="en-US" b="1" dirty="0"/>
-              <a:t>Administrators</a:t>
-            </a:r>
-            <a:r>
-              <a:rPr lang="en-US" dirty="0"/>
-              <a:t>: 0.5 (50% engaged)</a:t>
-            </a:r>
+              <a:rPr lang="en-US" dirty="0"/>
+              <a:t>A feedback loop exists, where each month's engagement influences the next, and this pattern can be visualized to see the overall trend.</a:t>
+            </a:r>
+          </a:p>
+          <a:p>
+            <a:pPr algn="just"/>
+            <a:endParaRPr lang="en-US" dirty="0"/>
           </a:p>
         </p:txBody>
       </p:sp>
     </p:spTree>
     <p:extLst>
       <p:ext uri="{BB962C8B-B14F-4D97-AF65-F5344CB8AC3E}">
-        <p14:creationId xmlns:p14="http://schemas.microsoft.com/office/powerpoint/2010/main" val="2183177192"/>
+        <p14:creationId xmlns:p14="http://schemas.microsoft.com/office/powerpoint/2010/main" val="3065450447"/>
       </p:ext>
     </p:extLst>
   </p:cSld>
@@ -7834,7 +7774,7 @@
           <p:cNvPr id="2" name="Title 1">
             <a:extLst>
               <a:ext uri="{FF2B5EF4-FFF2-40B4-BE49-F238E27FC236}">
-                <a16:creationId xmlns:a16="http://schemas.microsoft.com/office/drawing/2014/main" id="{DAC98F31-2FB9-C77F-0AEA-6E709BE7B660}"/>
+                <a16:creationId xmlns:a16="http://schemas.microsoft.com/office/drawing/2014/main" id="{3582663F-FFB9-2D2E-F74A-2DAA9B29E04B}"/>
               </a:ext>
             </a:extLst>
           </p:cNvPr>
@@ -7847,137 +7787,78 @@
         </p:nvSpPr>
         <p:spPr/>
         <p:txBody>
-          <a:bodyPr>
-            <a:normAutofit/>
-          </a:bodyPr>
-          <a:lstStyle/>
+          <a:bodyPr/>
+          <a:lstStyle/>
+          <a:p>
+            <a:r>
+              <a:rPr lang="en-US" b="1" dirty="0"/>
+              <a:t>Simulation Steps</a:t>
+            </a:r>
+          </a:p>
+        </p:txBody>
+      </p:sp>
+      <p:sp>
+        <p:nvSpPr>
+          <p:cNvPr id="3" name="Content Placeholder 2">
+            <a:extLst>
+              <a:ext uri="{FF2B5EF4-FFF2-40B4-BE49-F238E27FC236}">
+                <a16:creationId xmlns:a16="http://schemas.microsoft.com/office/drawing/2014/main" id="{F3270000-727C-10C0-CC47-006697DC7B58}"/>
+              </a:ext>
+            </a:extLst>
+          </p:cNvPr>
+          <p:cNvSpPr>
+            <a:spLocks noGrp="1"/>
+          </p:cNvSpPr>
+          <p:nvPr>
+            <p:ph idx="1"/>
+          </p:nvPr>
+        </p:nvSpPr>
+        <p:spPr/>
+        <p:txBody>
+          <a:bodyPr/>
+          <a:lstStyle/>
+          <a:p>
+            <a:r>
+              <a:rPr lang="en-US" b="1" dirty="0"/>
+              <a:t>Step 1: Define Initial Engagement Levels</a:t>
+            </a:r>
+          </a:p>
           <a:p>
             <a:r>
               <a:rPr lang="en-US" b="1" dirty="0"/>
               <a:t>Step 2: Simulate Engagement Fluctuations for 12 Months</a:t>
             </a:r>
-            <a:endParaRPr lang="en-US" dirty="0"/>
-          </a:p>
-        </p:txBody>
-      </p:sp>
-      <p:sp>
-        <p:nvSpPr>
-          <p:cNvPr id="3" name="Content Placeholder 2">
-            <a:extLst>
-              <a:ext uri="{FF2B5EF4-FFF2-40B4-BE49-F238E27FC236}">
-                <a16:creationId xmlns:a16="http://schemas.microsoft.com/office/drawing/2014/main" id="{52CD24E6-869F-2265-E967-EA0C0EDC84AA}"/>
-              </a:ext>
-            </a:extLst>
-          </p:cNvPr>
-          <p:cNvSpPr>
-            <a:spLocks noGrp="1"/>
-          </p:cNvSpPr>
-          <p:nvPr>
-            <p:ph idx="1"/>
-          </p:nvPr>
-        </p:nvSpPr>
-        <p:spPr/>
-        <p:txBody>
-          <a:bodyPr/>
-          <a:lstStyle/>
-          <a:p>
-            <a:pPr marL="0" indent="0">
-              <a:buNone/>
-            </a:pPr>
-            <a:r>
-              <a:rPr lang="en-US" dirty="0"/>
-              <a:t>we apply random fluctuations (within the range [−0.05,+0.05][-0.05, +0.05][−0.05,+0.05]) each month to the initial engagement levels.</a:t>
-            </a:r>
-            <a:endParaRPr lang="en-US" b="1" dirty="0"/>
           </a:p>
           <a:p>
             <a:r>
               <a:rPr lang="en-US" b="1" dirty="0"/>
-              <a:t>Month 1:</a:t>
-            </a:r>
-          </a:p>
-          <a:p>
-            <a:pPr>
-              <a:buFont typeface="Arial" panose="020B0604020202020204" pitchFamily="34" charset="0"/>
-              <a:buChar char="•"/>
-            </a:pPr>
+              <a:t>Step 3: Calculate Uptake Rate for Month 2</a:t>
+            </a:r>
+          </a:p>
+          <a:p>
             <a:r>
               <a:rPr lang="en-US" b="1" dirty="0"/>
-              <a:t>Initial Engagement</a:t>
-            </a:r>
-            <a:r>
-              <a:rPr lang="en-US" dirty="0"/>
-              <a:t> (for all stakeholders):</a:t>
-            </a:r>
-          </a:p>
-          <a:p>
-            <a:pPr marL="742950" lvl="1" indent="-285750">
-              <a:buFont typeface="Arial" panose="020B0604020202020204" pitchFamily="34" charset="0"/>
-              <a:buChar char="•"/>
-            </a:pPr>
+              <a:t>Step 4: Simulate for Month 3</a:t>
+            </a:r>
+          </a:p>
+          <a:p>
             <a:r>
               <a:rPr lang="en-US" b="1" dirty="0"/>
-              <a:t>Patients</a:t>
-            </a:r>
-            <a:r>
-              <a:rPr lang="en-US" dirty="0"/>
-              <a:t>: 0.6</a:t>
-            </a:r>
-          </a:p>
-          <a:p>
-            <a:pPr marL="742950" lvl="1" indent="-285750">
-              <a:buFont typeface="Arial" panose="020B0604020202020204" pitchFamily="34" charset="0"/>
-              <a:buChar char="•"/>
-            </a:pPr>
+              <a:t>Step 5: Calculate Uptake Rate for Month 3</a:t>
+            </a:r>
+          </a:p>
+          <a:p>
             <a:r>
               <a:rPr lang="en-US" b="1" dirty="0"/>
-              <a:t>Doctors</a:t>
-            </a:r>
-            <a:r>
-              <a:rPr lang="en-US" dirty="0"/>
-              <a:t>: 0.8</a:t>
-            </a:r>
-          </a:p>
-          <a:p>
-            <a:pPr marL="742950" lvl="1" indent="-285750">
-              <a:buFont typeface="Arial" panose="020B0604020202020204" pitchFamily="34" charset="0"/>
-              <a:buChar char="•"/>
-            </a:pPr>
-            <a:r>
-              <a:rPr lang="en-US" b="1" dirty="0"/>
-              <a:t>Nurses</a:t>
-            </a:r>
-            <a:r>
-              <a:rPr lang="en-US" dirty="0"/>
-              <a:t>: 0.75</a:t>
-            </a:r>
-          </a:p>
-          <a:p>
-            <a:pPr marL="742950" lvl="1" indent="-285750">
-              <a:buFont typeface="Arial" panose="020B0604020202020204" pitchFamily="34" charset="0"/>
-              <a:buChar char="•"/>
-            </a:pPr>
-            <a:r>
-              <a:rPr lang="en-US" b="1" dirty="0"/>
-              <a:t>Administrators</a:t>
-            </a:r>
-            <a:r>
-              <a:rPr lang="en-US" dirty="0"/>
-              <a:t>: 0.5</a:t>
-            </a:r>
-          </a:p>
-          <a:p>
-            <a:pPr marL="0" indent="0">
-              <a:buNone/>
-            </a:pPr>
-            <a:endParaRPr lang="en-US" dirty="0"/>
+              <a:t>Step 6: Repeat for Remaining Months</a:t>
+            </a:r>
           </a:p>
         </p:txBody>
       </p:sp>
     </p:spTree>
     <p:extLst>
       <p:ext uri="{BB962C8B-B14F-4D97-AF65-F5344CB8AC3E}">
-        <p14:creationId xmlns:p14="http://schemas.microsoft.com/office/powerpoint/2010/main" val="3867802229"/>
+        <p14:creationId xmlns:p14="http://schemas.microsoft.com/office/powerpoint/2010/main" val="2465834568"/>
       </p:ext>
     </p:extLst>
   </p:cSld>
@@ -8009,7 +7890,7 @@
           <p:cNvPr id="2" name="Title 1">
             <a:extLst>
               <a:ext uri="{FF2B5EF4-FFF2-40B4-BE49-F238E27FC236}">
-                <a16:creationId xmlns:a16="http://schemas.microsoft.com/office/drawing/2014/main" id="{A3BFB231-84DE-64BC-93C6-48E5983BC312}"/>
+                <a16:creationId xmlns:a16="http://schemas.microsoft.com/office/drawing/2014/main" id="{AF6E53CC-7D1E-6624-763D-4B69072627B4}"/>
               </a:ext>
             </a:extLst>
           </p:cNvPr>
@@ -8027,7 +7908,7 @@
           <a:p>
             <a:r>
               <a:rPr lang="en-US" b="1" dirty="0"/>
-              <a:t>Month 2 (First Fluctuation)</a:t>
+              <a:t>Step 1: Define Initial Engagement Levels</a:t>
             </a:r>
             <a:endParaRPr lang="en-US" dirty="0"/>
           </a:p>
@@ -8038,7 +7919,7 @@
           <p:cNvPr id="3" name="Content Placeholder 2">
             <a:extLst>
               <a:ext uri="{FF2B5EF4-FFF2-40B4-BE49-F238E27FC236}">
-                <a16:creationId xmlns:a16="http://schemas.microsoft.com/office/drawing/2014/main" id="{F137F21A-78F7-CECA-4708-8B565C64DA77}"/>
+                <a16:creationId xmlns:a16="http://schemas.microsoft.com/office/drawing/2014/main" id="{1037176A-96AF-A4D6-11A1-8EB588A1F889}"/>
               </a:ext>
             </a:extLst>
           </p:cNvPr>
@@ -8054,32 +7935,81 @@
           <a:bodyPr/>
           <a:lstStyle/>
           <a:p>
-            <a:pPr marL="0" indent="0">
-              <a:buNone/>
-            </a:pPr>
-            <a:r>
-              <a:rPr lang="en-US" dirty="0"/>
-              <a:t>Assume the random fluctuations for each stakeholder are as follows:</a:t>
-            </a:r>
-          </a:p>
-          <a:p>
-            <a:pPr marL="0" indent="0">
-              <a:buNone/>
-            </a:pPr>
-            <a:endParaRPr lang="en-US" dirty="0"/>
-          </a:p>
-          <a:p>
-            <a:pPr marL="0" indent="0">
-              <a:buNone/>
-            </a:pPr>
-            <a:endParaRPr lang="en-US" dirty="0"/>
+            <a:r>
+              <a:rPr lang="en-US" dirty="0"/>
+              <a:t>We begin with the following </a:t>
+            </a:r>
+            <a:r>
+              <a:rPr lang="en-US" b="1" dirty="0"/>
+              <a:t>initial engagement levels</a:t>
+            </a:r>
+            <a:r>
+              <a:rPr lang="en-US" dirty="0"/>
+              <a:t> for each stakeholder:</a:t>
+            </a:r>
+          </a:p>
+          <a:p>
+            <a:pPr>
+              <a:buFont typeface="Arial" panose="020B0604020202020204" pitchFamily="34" charset="0"/>
+              <a:buChar char="•"/>
+            </a:pPr>
+            <a:r>
+              <a:rPr lang="en-US" b="1" dirty="0"/>
+              <a:t>Patients</a:t>
+            </a:r>
+            <a:r>
+              <a:rPr lang="en-US" dirty="0"/>
+              <a:t>: 0.6 (60% engaged)</a:t>
+            </a:r>
+          </a:p>
+          <a:p>
+            <a:pPr>
+              <a:buFont typeface="Arial" panose="020B0604020202020204" pitchFamily="34" charset="0"/>
+              <a:buChar char="•"/>
+            </a:pPr>
+            <a:r>
+              <a:rPr lang="en-US" b="1" dirty="0"/>
+              <a:t>Doctors</a:t>
+            </a:r>
+            <a:r>
+              <a:rPr lang="en-US" dirty="0"/>
+              <a:t>: 0.8 (80% engaged)</a:t>
+            </a:r>
+          </a:p>
+          <a:p>
+            <a:pPr>
+              <a:buFont typeface="Arial" panose="020B0604020202020204" pitchFamily="34" charset="0"/>
+              <a:buChar char="•"/>
+            </a:pPr>
+            <a:r>
+              <a:rPr lang="en-US" b="1" dirty="0"/>
+              <a:t>Nurses</a:t>
+            </a:r>
+            <a:r>
+              <a:rPr lang="en-US" dirty="0"/>
+              <a:t>: 0.75 (75% engaged)</a:t>
+            </a:r>
+          </a:p>
+          <a:p>
+            <a:pPr>
+              <a:buFont typeface="Arial" panose="020B0604020202020204" pitchFamily="34" charset="0"/>
+              <a:buChar char="•"/>
+            </a:pPr>
+            <a:r>
+              <a:rPr lang="en-US" b="1" dirty="0"/>
+              <a:t>Administrators</a:t>
+            </a:r>
+            <a:r>
+              <a:rPr lang="en-US" dirty="0"/>
+              <a:t>: 0.5 (50% engaged)</a:t>
+            </a:r>
           </a:p>
         </p:txBody>
       </p:sp>
     </p:spTree>
     <p:extLst>
       <p:ext uri="{BB962C8B-B14F-4D97-AF65-F5344CB8AC3E}">
-        <p14:creationId xmlns:p14="http://schemas.microsoft.com/office/powerpoint/2010/main" val="267507049"/>
+        <p14:creationId xmlns:p14="http://schemas.microsoft.com/office/powerpoint/2010/main" val="2183177192"/>
       </p:ext>
     </p:extLst>
   </p:cSld>
@@ -8196,6 +8126,283 @@
 </file>
 
 <file path=ppt/slides/slide40.xml><?xml version="1.0" encoding="utf-8"?>
+<p:sld xmlns:a="http://schemas.openxmlformats.org/drawingml/2006/main" xmlns:r="http://schemas.openxmlformats.org/officeDocument/2006/relationships" xmlns:p="http://schemas.openxmlformats.org/presentationml/2006/main">
+  <p:cSld>
+    <p:spTree>
+      <p:nvGrpSpPr>
+        <p:cNvPr id="1" name=""/>
+        <p:cNvGrpSpPr/>
+        <p:nvPr/>
+      </p:nvGrpSpPr>
+      <p:grpSpPr>
+        <a:xfrm>
+          <a:off x="0" y="0"/>
+          <a:ext cx="0" cy="0"/>
+          <a:chOff x="0" y="0"/>
+          <a:chExt cx="0" cy="0"/>
+        </a:xfrm>
+      </p:grpSpPr>
+      <p:sp>
+        <p:nvSpPr>
+          <p:cNvPr id="2" name="Title 1">
+            <a:extLst>
+              <a:ext uri="{FF2B5EF4-FFF2-40B4-BE49-F238E27FC236}">
+                <a16:creationId xmlns:a16="http://schemas.microsoft.com/office/drawing/2014/main" id="{DAC98F31-2FB9-C77F-0AEA-6E709BE7B660}"/>
+              </a:ext>
+            </a:extLst>
+          </p:cNvPr>
+          <p:cNvSpPr>
+            <a:spLocks noGrp="1"/>
+          </p:cNvSpPr>
+          <p:nvPr>
+            <p:ph type="title"/>
+          </p:nvPr>
+        </p:nvSpPr>
+        <p:spPr/>
+        <p:txBody>
+          <a:bodyPr>
+            <a:normAutofit/>
+          </a:bodyPr>
+          <a:lstStyle/>
+          <a:p>
+            <a:r>
+              <a:rPr lang="en-US" b="1" dirty="0"/>
+              <a:t>Step 2: Simulate Engagement Fluctuations for 12 Months</a:t>
+            </a:r>
+            <a:endParaRPr lang="en-US" dirty="0"/>
+          </a:p>
+        </p:txBody>
+      </p:sp>
+      <p:sp>
+        <p:nvSpPr>
+          <p:cNvPr id="3" name="Content Placeholder 2">
+            <a:extLst>
+              <a:ext uri="{FF2B5EF4-FFF2-40B4-BE49-F238E27FC236}">
+                <a16:creationId xmlns:a16="http://schemas.microsoft.com/office/drawing/2014/main" id="{52CD24E6-869F-2265-E967-EA0C0EDC84AA}"/>
+              </a:ext>
+            </a:extLst>
+          </p:cNvPr>
+          <p:cNvSpPr>
+            <a:spLocks noGrp="1"/>
+          </p:cNvSpPr>
+          <p:nvPr>
+            <p:ph idx="1"/>
+          </p:nvPr>
+        </p:nvSpPr>
+        <p:spPr/>
+        <p:txBody>
+          <a:bodyPr/>
+          <a:lstStyle/>
+          <a:p>
+            <a:pPr marL="0" indent="0">
+              <a:buNone/>
+            </a:pPr>
+            <a:r>
+              <a:rPr lang="en-US" dirty="0"/>
+              <a:t>we apply random fluctuations (within the range [−0.05,+0.05][-0.05, +0.05][−0.05,+0.05]) each month to the initial engagement levels.</a:t>
+            </a:r>
+            <a:endParaRPr lang="en-US" b="1" dirty="0"/>
+          </a:p>
+          <a:p>
+            <a:r>
+              <a:rPr lang="en-US" b="1" dirty="0"/>
+              <a:t>Month 1:</a:t>
+            </a:r>
+          </a:p>
+          <a:p>
+            <a:pPr>
+              <a:buFont typeface="Arial" panose="020B0604020202020204" pitchFamily="34" charset="0"/>
+              <a:buChar char="•"/>
+            </a:pPr>
+            <a:r>
+              <a:rPr lang="en-US" b="1" dirty="0"/>
+              <a:t>Initial Engagement</a:t>
+            </a:r>
+            <a:r>
+              <a:rPr lang="en-US" dirty="0"/>
+              <a:t> (for all stakeholders):</a:t>
+            </a:r>
+          </a:p>
+          <a:p>
+            <a:pPr marL="742950" lvl="1" indent="-285750">
+              <a:buFont typeface="Arial" panose="020B0604020202020204" pitchFamily="34" charset="0"/>
+              <a:buChar char="•"/>
+            </a:pPr>
+            <a:r>
+              <a:rPr lang="en-US" b="1" dirty="0"/>
+              <a:t>Patients</a:t>
+            </a:r>
+            <a:r>
+              <a:rPr lang="en-US" dirty="0"/>
+              <a:t>: 0.6</a:t>
+            </a:r>
+          </a:p>
+          <a:p>
+            <a:pPr marL="742950" lvl="1" indent="-285750">
+              <a:buFont typeface="Arial" panose="020B0604020202020204" pitchFamily="34" charset="0"/>
+              <a:buChar char="•"/>
+            </a:pPr>
+            <a:r>
+              <a:rPr lang="en-US" b="1" dirty="0"/>
+              <a:t>Doctors</a:t>
+            </a:r>
+            <a:r>
+              <a:rPr lang="en-US" dirty="0"/>
+              <a:t>: 0.8</a:t>
+            </a:r>
+          </a:p>
+          <a:p>
+            <a:pPr marL="742950" lvl="1" indent="-285750">
+              <a:buFont typeface="Arial" panose="020B0604020202020204" pitchFamily="34" charset="0"/>
+              <a:buChar char="•"/>
+            </a:pPr>
+            <a:r>
+              <a:rPr lang="en-US" b="1" dirty="0"/>
+              <a:t>Nurses</a:t>
+            </a:r>
+            <a:r>
+              <a:rPr lang="en-US" dirty="0"/>
+              <a:t>: 0.75</a:t>
+            </a:r>
+          </a:p>
+          <a:p>
+            <a:pPr marL="742950" lvl="1" indent="-285750">
+              <a:buFont typeface="Arial" panose="020B0604020202020204" pitchFamily="34" charset="0"/>
+              <a:buChar char="•"/>
+            </a:pPr>
+            <a:r>
+              <a:rPr lang="en-US" b="1" dirty="0"/>
+              <a:t>Administrators</a:t>
+            </a:r>
+            <a:r>
+              <a:rPr lang="en-US" dirty="0"/>
+              <a:t>: 0.5</a:t>
+            </a:r>
+          </a:p>
+          <a:p>
+            <a:pPr marL="0" indent="0">
+              <a:buNone/>
+            </a:pPr>
+            <a:endParaRPr lang="en-US" dirty="0"/>
+          </a:p>
+        </p:txBody>
+      </p:sp>
+    </p:spTree>
+    <p:extLst>
+      <p:ext uri="{BB962C8B-B14F-4D97-AF65-F5344CB8AC3E}">
+        <p14:creationId xmlns:p14="http://schemas.microsoft.com/office/powerpoint/2010/main" val="3867802229"/>
+      </p:ext>
+    </p:extLst>
+  </p:cSld>
+  <p:clrMapOvr>
+    <a:masterClrMapping/>
+  </p:clrMapOvr>
+</p:sld>
+</file>
+
+<file path=ppt/slides/slide41.xml><?xml version="1.0" encoding="utf-8"?>
+<p:sld xmlns:a="http://schemas.openxmlformats.org/drawingml/2006/main" xmlns:r="http://schemas.openxmlformats.org/officeDocument/2006/relationships" xmlns:p="http://schemas.openxmlformats.org/presentationml/2006/main">
+  <p:cSld>
+    <p:spTree>
+      <p:nvGrpSpPr>
+        <p:cNvPr id="1" name=""/>
+        <p:cNvGrpSpPr/>
+        <p:nvPr/>
+      </p:nvGrpSpPr>
+      <p:grpSpPr>
+        <a:xfrm>
+          <a:off x="0" y="0"/>
+          <a:ext cx="0" cy="0"/>
+          <a:chOff x="0" y="0"/>
+          <a:chExt cx="0" cy="0"/>
+        </a:xfrm>
+      </p:grpSpPr>
+      <p:sp>
+        <p:nvSpPr>
+          <p:cNvPr id="2" name="Title 1">
+            <a:extLst>
+              <a:ext uri="{FF2B5EF4-FFF2-40B4-BE49-F238E27FC236}">
+                <a16:creationId xmlns:a16="http://schemas.microsoft.com/office/drawing/2014/main" id="{A3BFB231-84DE-64BC-93C6-48E5983BC312}"/>
+              </a:ext>
+            </a:extLst>
+          </p:cNvPr>
+          <p:cNvSpPr>
+            <a:spLocks noGrp="1"/>
+          </p:cNvSpPr>
+          <p:nvPr>
+            <p:ph type="title"/>
+          </p:nvPr>
+        </p:nvSpPr>
+        <p:spPr/>
+        <p:txBody>
+          <a:bodyPr/>
+          <a:lstStyle/>
+          <a:p>
+            <a:r>
+              <a:rPr lang="en-US" b="1" dirty="0"/>
+              <a:t>Month 2 (First Fluctuation)</a:t>
+            </a:r>
+            <a:endParaRPr lang="en-US" dirty="0"/>
+          </a:p>
+        </p:txBody>
+      </p:sp>
+      <p:sp>
+        <p:nvSpPr>
+          <p:cNvPr id="3" name="Content Placeholder 2">
+            <a:extLst>
+              <a:ext uri="{FF2B5EF4-FFF2-40B4-BE49-F238E27FC236}">
+                <a16:creationId xmlns:a16="http://schemas.microsoft.com/office/drawing/2014/main" id="{F137F21A-78F7-CECA-4708-8B565C64DA77}"/>
+              </a:ext>
+            </a:extLst>
+          </p:cNvPr>
+          <p:cNvSpPr>
+            <a:spLocks noGrp="1"/>
+          </p:cNvSpPr>
+          <p:nvPr>
+            <p:ph idx="1"/>
+          </p:nvPr>
+        </p:nvSpPr>
+        <p:spPr/>
+        <p:txBody>
+          <a:bodyPr/>
+          <a:lstStyle/>
+          <a:p>
+            <a:pPr marL="0" indent="0">
+              <a:buNone/>
+            </a:pPr>
+            <a:r>
+              <a:rPr lang="en-US" dirty="0"/>
+              <a:t>Assume the random fluctuations for each stakeholder are as follows:</a:t>
+            </a:r>
+          </a:p>
+          <a:p>
+            <a:pPr marL="0" indent="0">
+              <a:buNone/>
+            </a:pPr>
+            <a:endParaRPr lang="en-US" dirty="0"/>
+          </a:p>
+          <a:p>
+            <a:pPr marL="0" indent="0">
+              <a:buNone/>
+            </a:pPr>
+            <a:endParaRPr lang="en-US" dirty="0"/>
+          </a:p>
+        </p:txBody>
+      </p:sp>
+    </p:spTree>
+    <p:extLst>
+      <p:ext uri="{BB962C8B-B14F-4D97-AF65-F5344CB8AC3E}">
+        <p14:creationId xmlns:p14="http://schemas.microsoft.com/office/powerpoint/2010/main" val="267507049"/>
+      </p:ext>
+    </p:extLst>
+  </p:cSld>
+  <p:clrMapOvr>
+    <a:masterClrMapping/>
+  </p:clrMapOvr>
+</p:sld>
+</file>
+
+<file path=ppt/slides/slide42.xml><?xml version="1.0" encoding="utf-8"?>
 <p:sld xmlns:a="http://schemas.openxmlformats.org/drawingml/2006/main" xmlns:r="http://schemas.openxmlformats.org/officeDocument/2006/relationships" xmlns:p="http://schemas.openxmlformats.org/presentationml/2006/main">
   <p:cSld>
     <p:spTree>
@@ -8255,7 +8462,7 @@
 </p:sld>
 </file>
 
-<file path=ppt/slides/slide41.xml><?xml version="1.0" encoding="utf-8"?>
+<file path=ppt/slides/slide43.xml><?xml version="1.0" encoding="utf-8"?>
 <p:sld xmlns:a="http://schemas.openxmlformats.org/drawingml/2006/main" xmlns:r="http://schemas.openxmlformats.org/officeDocument/2006/relationships" xmlns:p="http://schemas.openxmlformats.org/presentationml/2006/main">
   <p:cSld>
     <p:spTree>
@@ -8398,7 +8605,7 @@
 </p:sld>
 </file>
 
-<file path=ppt/slides/slide42.xml><?xml version="1.0" encoding="utf-8"?>
+<file path=ppt/slides/slide44.xml><?xml version="1.0" encoding="utf-8"?>
 <p:sld xmlns:a="http://schemas.openxmlformats.org/drawingml/2006/main" xmlns:r="http://schemas.openxmlformats.org/officeDocument/2006/relationships" xmlns:p="http://schemas.openxmlformats.org/presentationml/2006/main">
   <p:cSld>
     <p:spTree>
@@ -8486,7 +8693,7 @@
 </p:sld>
 </file>
 
-<file path=ppt/slides/slide43.xml><?xml version="1.0" encoding="utf-8"?>
+<file path=ppt/slides/slide45.xml><?xml version="1.0" encoding="utf-8"?>
 <p:sld xmlns:a="http://schemas.openxmlformats.org/drawingml/2006/main" xmlns:r="http://schemas.openxmlformats.org/officeDocument/2006/relationships" xmlns:p="http://schemas.openxmlformats.org/presentationml/2006/main">
   <p:cSld>
     <p:spTree>
@@ -8574,7 +8781,7 @@
 </p:sld>
 </file>
 
-<file path=ppt/slides/slide44.xml><?xml version="1.0" encoding="utf-8"?>
+<file path=ppt/slides/slide46.xml><?xml version="1.0" encoding="utf-8"?>
 <p:sld xmlns:a="http://schemas.openxmlformats.org/drawingml/2006/main" xmlns:r="http://schemas.openxmlformats.org/officeDocument/2006/relationships" xmlns:p="http://schemas.openxmlformats.org/presentationml/2006/main">
   <p:cSld>
     <p:spTree>
@@ -8634,7 +8841,7 @@
 </p:sld>
 </file>
 
-<file path=ppt/slides/slide45.xml><?xml version="1.0" encoding="utf-8"?>
+<file path=ppt/slides/slide47.xml><?xml version="1.0" encoding="utf-8"?>
 <p:sld xmlns:a="http://schemas.openxmlformats.org/drawingml/2006/main" xmlns:r="http://schemas.openxmlformats.org/officeDocument/2006/relationships" xmlns:p="http://schemas.openxmlformats.org/presentationml/2006/main">
   <p:cSld>
     <p:spTree>
@@ -8777,7 +8984,7 @@
 </p:sld>
 </file>
 
-<file path=ppt/slides/slide46.xml><?xml version="1.0" encoding="utf-8"?>
+<file path=ppt/slides/slide48.xml><?xml version="1.0" encoding="utf-8"?>
 <p:sld xmlns:a="http://schemas.openxmlformats.org/drawingml/2006/main" xmlns:r="http://schemas.openxmlformats.org/officeDocument/2006/relationships" xmlns:p="http://schemas.openxmlformats.org/presentationml/2006/main">
   <p:cSld>
     <p:spTree>
@@ -8865,7 +9072,7 @@
 </p:sld>
 </file>
 
-<file path=ppt/slides/slide47.xml><?xml version="1.0" encoding="utf-8"?>
+<file path=ppt/slides/slide49.xml><?xml version="1.0" encoding="utf-8"?>
 <p:sld xmlns:a="http://schemas.openxmlformats.org/drawingml/2006/main" xmlns:r="http://schemas.openxmlformats.org/officeDocument/2006/relationships" xmlns:p="http://schemas.openxmlformats.org/presentationml/2006/main">
   <p:cSld>
     <p:spTree>
@@ -8953,7 +9160,7 @@
 </p:sld>
 </file>
 
-<file path=ppt/slides/slide48.xml><?xml version="1.0" encoding="utf-8"?>
+<file path=ppt/slides/slide5.xml><?xml version="1.0" encoding="utf-8"?>
 <p:sld xmlns:a="http://schemas.openxmlformats.org/drawingml/2006/main" xmlns:r="http://schemas.openxmlformats.org/officeDocument/2006/relationships" xmlns:p="http://schemas.openxmlformats.org/presentationml/2006/main">
   <p:cSld>
     <p:spTree>
@@ -8975,6 +9182,108 @@
           <p:cNvPr id="2" name="Title 1">
             <a:extLst>
               <a:ext uri="{FF2B5EF4-FFF2-40B4-BE49-F238E27FC236}">
+                <a16:creationId xmlns:a16="http://schemas.microsoft.com/office/drawing/2014/main" id="{AC3C68D7-A0A2-FAD4-0751-741A02E76AFC}"/>
+              </a:ext>
+            </a:extLst>
+          </p:cNvPr>
+          <p:cNvSpPr>
+            <a:spLocks noGrp="1"/>
+          </p:cNvSpPr>
+          <p:nvPr>
+            <p:ph type="title"/>
+          </p:nvPr>
+        </p:nvSpPr>
+        <p:spPr/>
+        <p:txBody>
+          <a:bodyPr/>
+          <a:lstStyle/>
+          <a:p>
+            <a:r>
+              <a:rPr lang="en-US" b="1" dirty="0"/>
+              <a:t>1. Interdisciplinary academic background</a:t>
+            </a:r>
+          </a:p>
+        </p:txBody>
+      </p:sp>
+      <p:sp>
+        <p:nvSpPr>
+          <p:cNvPr id="3" name="Content Placeholder 2">
+            <a:extLst>
+              <a:ext uri="{FF2B5EF4-FFF2-40B4-BE49-F238E27FC236}">
+                <a16:creationId xmlns:a16="http://schemas.microsoft.com/office/drawing/2014/main" id="{8F514D7C-5ECB-CA52-7E99-71CBB13D5B40}"/>
+              </a:ext>
+            </a:extLst>
+          </p:cNvPr>
+          <p:cNvSpPr>
+            <a:spLocks noGrp="1"/>
+          </p:cNvSpPr>
+          <p:nvPr>
+            <p:ph idx="1"/>
+          </p:nvPr>
+        </p:nvSpPr>
+        <p:spPr/>
+        <p:txBody>
+          <a:bodyPr/>
+          <a:lstStyle/>
+          <a:p>
+            <a:pPr algn="just"/>
+            <a:r>
+              <a:rPr lang="en-US" dirty="0"/>
+              <a:t>Having completed degrees in Physics and Operations Research, followed by advanced studies in Computer Science and Artificial Intelligence.</a:t>
+            </a:r>
+          </a:p>
+          <a:p>
+            <a:pPr algn="just"/>
+            <a:r>
+              <a:rPr lang="en-US" dirty="0"/>
+              <a:t>My experience at USI, ETH Zürich and the Free University of Bozen-Bolzano (UNIBZ) involved hands-on projects and laboratory focused on participatory Modulation Simulation Optimization, Human Machine Interaction, software reliability and testing,</a:t>
+            </a:r>
+            <a:r>
+              <a:rPr lang="ar-SA" dirty="0"/>
+              <a:t> </a:t>
+            </a:r>
+            <a:r>
+              <a:rPr lang="en-US" dirty="0"/>
+              <a:t>Stochastic process and system dynamics—areas I believe are highly relevant to this position.</a:t>
+            </a:r>
+          </a:p>
+        </p:txBody>
+      </p:sp>
+    </p:spTree>
+    <p:extLst>
+      <p:ext uri="{BB962C8B-B14F-4D97-AF65-F5344CB8AC3E}">
+        <p14:creationId xmlns:p14="http://schemas.microsoft.com/office/powerpoint/2010/main" val="3200188890"/>
+      </p:ext>
+    </p:extLst>
+  </p:cSld>
+  <p:clrMapOvr>
+    <a:masterClrMapping/>
+  </p:clrMapOvr>
+</p:sld>
+</file>
+
+<file path=ppt/slides/slide50.xml><?xml version="1.0" encoding="utf-8"?>
+<p:sld xmlns:a="http://schemas.openxmlformats.org/drawingml/2006/main" xmlns:r="http://schemas.openxmlformats.org/officeDocument/2006/relationships" xmlns:p="http://schemas.openxmlformats.org/presentationml/2006/main">
+  <p:cSld>
+    <p:spTree>
+      <p:nvGrpSpPr>
+        <p:cNvPr id="1" name=""/>
+        <p:cNvGrpSpPr/>
+        <p:nvPr/>
+      </p:nvGrpSpPr>
+      <p:grpSpPr>
+        <a:xfrm>
+          <a:off x="0" y="0"/>
+          <a:ext cx="0" cy="0"/>
+          <a:chOff x="0" y="0"/>
+          <a:chExt cx="0" cy="0"/>
+        </a:xfrm>
+      </p:grpSpPr>
+      <p:sp>
+        <p:nvSpPr>
+          <p:cNvPr id="2" name="Title 1">
+            <a:extLst>
+              <a:ext uri="{FF2B5EF4-FFF2-40B4-BE49-F238E27FC236}">
                 <a16:creationId xmlns:a16="http://schemas.microsoft.com/office/drawing/2014/main" id="{F35657FB-568A-F557-7FE9-BA2F835099DC}"/>
               </a:ext>
             </a:extLst>
@@ -9048,7 +9357,7 @@
 </p:sld>
 </file>
 
-<file path=ppt/slides/slide49.xml><?xml version="1.0" encoding="utf-8"?>
+<file path=ppt/slides/slide51.xml><?xml version="1.0" encoding="utf-8"?>
 <p:sld xmlns:a="http://schemas.openxmlformats.org/drawingml/2006/main" xmlns:r="http://schemas.openxmlformats.org/officeDocument/2006/relationships" xmlns:p="http://schemas.openxmlformats.org/presentationml/2006/main">
   <p:cSld>
     <p:spTree>
@@ -9107,109 +9416,7 @@
 </p:sld>
 </file>
 
-<file path=ppt/slides/slide5.xml><?xml version="1.0" encoding="utf-8"?>
-<p:sld xmlns:a="http://schemas.openxmlformats.org/drawingml/2006/main" xmlns:r="http://schemas.openxmlformats.org/officeDocument/2006/relationships" xmlns:p="http://schemas.openxmlformats.org/presentationml/2006/main">
-  <p:cSld>
-    <p:spTree>
-      <p:nvGrpSpPr>
-        <p:cNvPr id="1" name=""/>
-        <p:cNvGrpSpPr/>
-        <p:nvPr/>
-      </p:nvGrpSpPr>
-      <p:grpSpPr>
-        <a:xfrm>
-          <a:off x="0" y="0"/>
-          <a:ext cx="0" cy="0"/>
-          <a:chOff x="0" y="0"/>
-          <a:chExt cx="0" cy="0"/>
-        </a:xfrm>
-      </p:grpSpPr>
-      <p:sp>
-        <p:nvSpPr>
-          <p:cNvPr id="2" name="Title 1">
-            <a:extLst>
-              <a:ext uri="{FF2B5EF4-FFF2-40B4-BE49-F238E27FC236}">
-                <a16:creationId xmlns:a16="http://schemas.microsoft.com/office/drawing/2014/main" id="{AC3C68D7-A0A2-FAD4-0751-741A02E76AFC}"/>
-              </a:ext>
-            </a:extLst>
-          </p:cNvPr>
-          <p:cNvSpPr>
-            <a:spLocks noGrp="1"/>
-          </p:cNvSpPr>
-          <p:nvPr>
-            <p:ph type="title"/>
-          </p:nvPr>
-        </p:nvSpPr>
-        <p:spPr/>
-        <p:txBody>
-          <a:bodyPr/>
-          <a:lstStyle/>
-          <a:p>
-            <a:r>
-              <a:rPr lang="en-US" b="1" dirty="0"/>
-              <a:t>1. Interdisciplinary academic background</a:t>
-            </a:r>
-          </a:p>
-        </p:txBody>
-      </p:sp>
-      <p:sp>
-        <p:nvSpPr>
-          <p:cNvPr id="3" name="Content Placeholder 2">
-            <a:extLst>
-              <a:ext uri="{FF2B5EF4-FFF2-40B4-BE49-F238E27FC236}">
-                <a16:creationId xmlns:a16="http://schemas.microsoft.com/office/drawing/2014/main" id="{8F514D7C-5ECB-CA52-7E99-71CBB13D5B40}"/>
-              </a:ext>
-            </a:extLst>
-          </p:cNvPr>
-          <p:cNvSpPr>
-            <a:spLocks noGrp="1"/>
-          </p:cNvSpPr>
-          <p:nvPr>
-            <p:ph idx="1"/>
-          </p:nvPr>
-        </p:nvSpPr>
-        <p:spPr/>
-        <p:txBody>
-          <a:bodyPr/>
-          <a:lstStyle/>
-          <a:p>
-            <a:pPr algn="just"/>
-            <a:r>
-              <a:rPr lang="en-US" dirty="0"/>
-              <a:t>Having completed degrees in Physics and Operations Research, followed by advanced studies in Computer Science and Artificial Intelligence.</a:t>
-            </a:r>
-          </a:p>
-          <a:p>
-            <a:pPr algn="just"/>
-            <a:r>
-              <a:rPr lang="en-US" dirty="0"/>
-              <a:t>My experience at USI, ETH Zürich and the Free University of Bozen-Bolzano (UNIBZ) involved hands-on projects and laboratory focused on participatory Modulation Simulation Optimization, Human Machine Interaction, software reliability and testing,</a:t>
-            </a:r>
-            <a:r>
-              <a:rPr lang="ar-SA" dirty="0"/>
-              <a:t> </a:t>
-            </a:r>
-            <a:r>
-              <a:rPr lang="en-US" dirty="0"/>
-              <a:t>Stochastic process and system dynamics—areas I believe are highly relevant to this position.</a:t>
-            </a:r>
-          </a:p>
-        </p:txBody>
-      </p:sp>
-    </p:spTree>
-    <p:extLst>
-      <p:ext uri="{BB962C8B-B14F-4D97-AF65-F5344CB8AC3E}">
-        <p14:creationId xmlns:p14="http://schemas.microsoft.com/office/powerpoint/2010/main" val="3200188890"/>
-      </p:ext>
-    </p:extLst>
-  </p:cSld>
-  <p:clrMapOvr>
-    <a:masterClrMapping/>
-  </p:clrMapOvr>
-</p:sld>
-</file>
-
-<file path=ppt/slides/slide50.xml><?xml version="1.0" encoding="utf-8"?>
+<file path=ppt/slides/slide52.xml><?xml version="1.0" encoding="utf-8"?>
 <p:sld xmlns:a="http://schemas.openxmlformats.org/drawingml/2006/main" xmlns:r="http://schemas.openxmlformats.org/officeDocument/2006/relationships" xmlns:p="http://schemas.openxmlformats.org/presentationml/2006/main">
   <p:cSld>
     <p:spTree>
@@ -9269,7 +9476,7 @@
 </p:sld>
 </file>
 
-<file path=ppt/slides/slide51.xml><?xml version="1.0" encoding="utf-8"?>
+<file path=ppt/slides/slide53.xml><?xml version="1.0" encoding="utf-8"?>
 <p:sld xmlns:a="http://schemas.openxmlformats.org/drawingml/2006/main" xmlns:r="http://schemas.openxmlformats.org/officeDocument/2006/relationships" xmlns:p="http://schemas.openxmlformats.org/presentationml/2006/main">
   <p:cSld>
     <p:spTree>
@@ -9760,6 +9967,16 @@
         <p:txBody>
           <a:bodyPr/>
           <a:lstStyle/>
+          <a:p>
+            <a:pPr marL="514350" indent="-514350">
+              <a:buFont typeface="+mj-lt"/>
+              <a:buAutoNum type="arabicPeriod"/>
+            </a:pPr>
+            <a:r>
+              <a:rPr lang="en-US" dirty="0"/>
+              <a:t>The escalating challenges in global healthcare</a:t>
+            </a:r>
+          </a:p>
           <a:p>
             <a:pPr marL="514350" indent="-514350">
               <a:buFont typeface="+mj-lt"/>
